--- a/What Makes the World Happy.pptx
+++ b/What Makes the World Happy.pptx
@@ -1,9 +1,12 @@
 
 <file path=ppt/presentation.xml><?xml version="1.0" encoding="utf-8"?>
-<p:presentation xmlns:a="http://schemas.openxmlformats.org/drawingml/2006/main" xmlns:r="http://schemas.openxmlformats.org/officeDocument/2006/relationships" xmlns:p="http://schemas.openxmlformats.org/presentationml/2006/main" autoCompressPictures="0">
+<p:presentation xmlns:a="http://schemas.openxmlformats.org/drawingml/2006/main" xmlns:r="http://schemas.openxmlformats.org/officeDocument/2006/relationships" xmlns:p="http://schemas.openxmlformats.org/presentationml/2006/main" showSpecialPlsOnTitleSld="0" autoCompressPictures="0">
   <p:sldMasterIdLst>
     <p:sldMasterId id="2147483648" r:id="rId1"/>
   </p:sldMasterIdLst>
+  <p:notesMasterIdLst>
+    <p:notesMasterId r:id="rId26"/>
+  </p:notesMasterIdLst>
   <p:sldIdLst>
     <p:sldId id="256" r:id="rId2"/>
     <p:sldId id="260" r:id="rId3"/>
@@ -21,13 +24,14 @@
     <p:sldId id="273" r:id="rId15"/>
     <p:sldId id="276" r:id="rId16"/>
     <p:sldId id="275" r:id="rId17"/>
-    <p:sldId id="274" r:id="rId18"/>
-    <p:sldId id="277" r:id="rId19"/>
-    <p:sldId id="278" r:id="rId20"/>
-    <p:sldId id="262" r:id="rId21"/>
-    <p:sldId id="263" r:id="rId22"/>
-    <p:sldId id="264" r:id="rId23"/>
-    <p:sldId id="265" r:id="rId24"/>
+    <p:sldId id="280" r:id="rId18"/>
+    <p:sldId id="274" r:id="rId19"/>
+    <p:sldId id="277" r:id="rId20"/>
+    <p:sldId id="278" r:id="rId21"/>
+    <p:sldId id="262" r:id="rId22"/>
+    <p:sldId id="263" r:id="rId23"/>
+    <p:sldId id="264" r:id="rId24"/>
+    <p:sldId id="265" r:id="rId25"/>
   </p:sldIdLst>
   <p:sldSz cx="12192000" cy="6858000"/>
   <p:notesSz cx="6858000" cy="9144000"/>
@@ -126,7 +130,361 @@
       </a:defRPr>
     </a:lvl9pPr>
   </p:defaultTextStyle>
+  <p:extLst>
+    <p:ext uri="{EFAFB233-063F-42B5-8137-9DF3F51BA10A}">
+      <p15:sldGuideLst xmlns:p15="http://schemas.microsoft.com/office/powerpoint/2012/main"/>
+    </p:ext>
+  </p:extLst>
 </p:presentation>
+</file>
+
+<file path=ppt/notesMasters/notesMaster1.xml><?xml version="1.0" encoding="utf-8"?>
+<p:notesMaster xmlns:a="http://schemas.openxmlformats.org/drawingml/2006/main" xmlns:r="http://schemas.openxmlformats.org/officeDocument/2006/relationships" xmlns:p="http://schemas.openxmlformats.org/presentationml/2006/main">
+  <p:cSld>
+    <p:bg>
+      <p:bgRef idx="1001">
+        <a:schemeClr val="bg1"/>
+      </p:bgRef>
+    </p:bg>
+    <p:spTree>
+      <p:nvGrpSpPr>
+        <p:cNvPr id="1" name=""/>
+        <p:cNvGrpSpPr/>
+        <p:nvPr/>
+      </p:nvGrpSpPr>
+      <p:grpSpPr>
+        <a:xfrm>
+          <a:off x="0" y="0"/>
+          <a:ext cx="0" cy="0"/>
+          <a:chOff x="0" y="0"/>
+          <a:chExt cx="0" cy="0"/>
+        </a:xfrm>
+      </p:grpSpPr>
+      <p:sp>
+        <p:nvSpPr>
+          <p:cNvPr id="2" name="Header Placeholder 1"/>
+          <p:cNvSpPr>
+            <a:spLocks noGrp="1"/>
+          </p:cNvSpPr>
+          <p:nvPr>
+            <p:ph type="hdr" sz="quarter"/>
+          </p:nvPr>
+        </p:nvSpPr>
+        <p:spPr>
+          <a:xfrm>
+            <a:off x="0" y="0"/>
+            <a:ext cx="2971800" cy="458788"/>
+          </a:xfrm>
+          <a:prstGeom prst="rect">
+            <a:avLst/>
+          </a:prstGeom>
+        </p:spPr>
+        <p:txBody>
+          <a:bodyPr vert="horz" lIns="91440" tIns="45720" rIns="91440" bIns="45720" rtlCol="0"/>
+          <a:lstStyle>
+            <a:lvl1pPr algn="l">
+              <a:defRPr sz="1200"/>
+            </a:lvl1pPr>
+          </a:lstStyle>
+          <a:p>
+            <a:endParaRPr lang="en-US"/>
+          </a:p>
+        </p:txBody>
+      </p:sp>
+      <p:sp>
+        <p:nvSpPr>
+          <p:cNvPr id="3" name="Date Placeholder 2"/>
+          <p:cNvSpPr>
+            <a:spLocks noGrp="1"/>
+          </p:cNvSpPr>
+          <p:nvPr>
+            <p:ph type="dt" idx="1"/>
+          </p:nvPr>
+        </p:nvSpPr>
+        <p:spPr>
+          <a:xfrm>
+            <a:off x="3884613" y="0"/>
+            <a:ext cx="2971800" cy="458788"/>
+          </a:xfrm>
+          <a:prstGeom prst="rect">
+            <a:avLst/>
+          </a:prstGeom>
+        </p:spPr>
+        <p:txBody>
+          <a:bodyPr vert="horz" lIns="91440" tIns="45720" rIns="91440" bIns="45720" rtlCol="0"/>
+          <a:lstStyle>
+            <a:lvl1pPr algn="r">
+              <a:defRPr sz="1200"/>
+            </a:lvl1pPr>
+          </a:lstStyle>
+          <a:p>
+            <a:fld id="{503B2ACC-A628-475F-AC4B-C987AC91FD6D}" type="datetimeFigureOut">
+              <a:rPr lang="en-US" smtClean="0"/>
+              <a:t>7/27/2019</a:t>
+            </a:fld>
+            <a:endParaRPr lang="en-US"/>
+          </a:p>
+        </p:txBody>
+      </p:sp>
+      <p:sp>
+        <p:nvSpPr>
+          <p:cNvPr id="4" name="Slide Image Placeholder 3"/>
+          <p:cNvSpPr>
+            <a:spLocks noGrp="1" noRot="1" noChangeAspect="1"/>
+          </p:cNvSpPr>
+          <p:nvPr>
+            <p:ph type="sldImg" idx="2"/>
+          </p:nvPr>
+        </p:nvSpPr>
+        <p:spPr>
+          <a:xfrm>
+            <a:off x="685800" y="1143000"/>
+            <a:ext cx="5486400" cy="3086100"/>
+          </a:xfrm>
+          <a:prstGeom prst="rect">
+            <a:avLst/>
+          </a:prstGeom>
+          <a:noFill/>
+          <a:ln w="12700">
+            <a:solidFill>
+              <a:prstClr val="black"/>
+            </a:solidFill>
+          </a:ln>
+        </p:spPr>
+        <p:txBody>
+          <a:bodyPr vert="horz" lIns="91440" tIns="45720" rIns="91440" bIns="45720" rtlCol="0" anchor="ctr"/>
+          <a:lstStyle/>
+          <a:p>
+            <a:endParaRPr lang="en-US"/>
+          </a:p>
+        </p:txBody>
+      </p:sp>
+      <p:sp>
+        <p:nvSpPr>
+          <p:cNvPr id="5" name="Notes Placeholder 4"/>
+          <p:cNvSpPr>
+            <a:spLocks noGrp="1"/>
+          </p:cNvSpPr>
+          <p:nvPr>
+            <p:ph type="body" sz="quarter" idx="3"/>
+          </p:nvPr>
+        </p:nvSpPr>
+        <p:spPr>
+          <a:xfrm>
+            <a:off x="685800" y="4400550"/>
+            <a:ext cx="5486400" cy="3600450"/>
+          </a:xfrm>
+          <a:prstGeom prst="rect">
+            <a:avLst/>
+          </a:prstGeom>
+        </p:spPr>
+        <p:txBody>
+          <a:bodyPr vert="horz" lIns="91440" tIns="45720" rIns="91440" bIns="45720" rtlCol="0"/>
+          <a:lstStyle/>
+          <a:p>
+            <a:pPr lvl="0"/>
+            <a:r>
+              <a:rPr lang="en-US"/>
+              <a:t>Click to edit Master text styles</a:t>
+            </a:r>
+          </a:p>
+          <a:p>
+            <a:pPr lvl="1"/>
+            <a:r>
+              <a:rPr lang="en-US"/>
+              <a:t>Second level</a:t>
+            </a:r>
+          </a:p>
+          <a:p>
+            <a:pPr lvl="2"/>
+            <a:r>
+              <a:rPr lang="en-US"/>
+              <a:t>Third level</a:t>
+            </a:r>
+          </a:p>
+          <a:p>
+            <a:pPr lvl="3"/>
+            <a:r>
+              <a:rPr lang="en-US"/>
+              <a:t>Fourth level</a:t>
+            </a:r>
+          </a:p>
+          <a:p>
+            <a:pPr lvl="4"/>
+            <a:r>
+              <a:rPr lang="en-US"/>
+              <a:t>Fifth level</a:t>
+            </a:r>
+          </a:p>
+        </p:txBody>
+      </p:sp>
+      <p:sp>
+        <p:nvSpPr>
+          <p:cNvPr id="6" name="Footer Placeholder 5"/>
+          <p:cNvSpPr>
+            <a:spLocks noGrp="1"/>
+          </p:cNvSpPr>
+          <p:nvPr>
+            <p:ph type="ftr" sz="quarter" idx="4"/>
+          </p:nvPr>
+        </p:nvSpPr>
+        <p:spPr>
+          <a:xfrm>
+            <a:off x="0" y="8685213"/>
+            <a:ext cx="2971800" cy="458787"/>
+          </a:xfrm>
+          <a:prstGeom prst="rect">
+            <a:avLst/>
+          </a:prstGeom>
+        </p:spPr>
+        <p:txBody>
+          <a:bodyPr vert="horz" lIns="91440" tIns="45720" rIns="91440" bIns="45720" rtlCol="0" anchor="b"/>
+          <a:lstStyle>
+            <a:lvl1pPr algn="l">
+              <a:defRPr sz="1200"/>
+            </a:lvl1pPr>
+          </a:lstStyle>
+          <a:p>
+            <a:endParaRPr lang="en-US"/>
+          </a:p>
+        </p:txBody>
+      </p:sp>
+      <p:sp>
+        <p:nvSpPr>
+          <p:cNvPr id="7" name="Slide Number Placeholder 6"/>
+          <p:cNvSpPr>
+            <a:spLocks noGrp="1"/>
+          </p:cNvSpPr>
+          <p:nvPr>
+            <p:ph type="sldNum" sz="quarter" idx="5"/>
+          </p:nvPr>
+        </p:nvSpPr>
+        <p:spPr>
+          <a:xfrm>
+            <a:off x="3884613" y="8685213"/>
+            <a:ext cx="2971800" cy="458787"/>
+          </a:xfrm>
+          <a:prstGeom prst="rect">
+            <a:avLst/>
+          </a:prstGeom>
+        </p:spPr>
+        <p:txBody>
+          <a:bodyPr vert="horz" lIns="91440" tIns="45720" rIns="91440" bIns="45720" rtlCol="0" anchor="b"/>
+          <a:lstStyle>
+            <a:lvl1pPr algn="r">
+              <a:defRPr sz="1200"/>
+            </a:lvl1pPr>
+          </a:lstStyle>
+          <a:p>
+            <a:fld id="{F3822EEC-500A-4EE5-B4C4-5D655F43305C}" type="slidenum">
+              <a:rPr lang="en-US" smtClean="0"/>
+              <a:t>‹#›</a:t>
+            </a:fld>
+            <a:endParaRPr lang="en-US"/>
+          </a:p>
+        </p:txBody>
+      </p:sp>
+    </p:spTree>
+    <p:extLst>
+      <p:ext uri="{BB962C8B-B14F-4D97-AF65-F5344CB8AC3E}">
+        <p14:creationId xmlns:p14="http://schemas.microsoft.com/office/powerpoint/2010/main" val="1744939374"/>
+      </p:ext>
+    </p:extLst>
+  </p:cSld>
+  <p:clrMap bg1="lt1" tx1="dk1" bg2="lt2" tx2="dk2" accent1="accent1" accent2="accent2" accent3="accent3" accent4="accent4" accent5="accent5" accent6="accent6" hlink="hlink" folHlink="folHlink"/>
+  <p:notesStyle>
+    <a:lvl1pPr marL="0" algn="l" defTabSz="914400" rtl="0" eaLnBrk="1" latinLnBrk="0" hangingPunct="1">
+      <a:defRPr sz="1200" kern="1200">
+        <a:solidFill>
+          <a:schemeClr val="tx1"/>
+        </a:solidFill>
+        <a:latin typeface="+mn-lt"/>
+        <a:ea typeface="+mn-ea"/>
+        <a:cs typeface="+mn-cs"/>
+      </a:defRPr>
+    </a:lvl1pPr>
+    <a:lvl2pPr marL="457200" algn="l" defTabSz="914400" rtl="0" eaLnBrk="1" latinLnBrk="0" hangingPunct="1">
+      <a:defRPr sz="1200" kern="1200">
+        <a:solidFill>
+          <a:schemeClr val="tx1"/>
+        </a:solidFill>
+        <a:latin typeface="+mn-lt"/>
+        <a:ea typeface="+mn-ea"/>
+        <a:cs typeface="+mn-cs"/>
+      </a:defRPr>
+    </a:lvl2pPr>
+    <a:lvl3pPr marL="914400" algn="l" defTabSz="914400" rtl="0" eaLnBrk="1" latinLnBrk="0" hangingPunct="1">
+      <a:defRPr sz="1200" kern="1200">
+        <a:solidFill>
+          <a:schemeClr val="tx1"/>
+        </a:solidFill>
+        <a:latin typeface="+mn-lt"/>
+        <a:ea typeface="+mn-ea"/>
+        <a:cs typeface="+mn-cs"/>
+      </a:defRPr>
+    </a:lvl3pPr>
+    <a:lvl4pPr marL="1371600" algn="l" defTabSz="914400" rtl="0" eaLnBrk="1" latinLnBrk="0" hangingPunct="1">
+      <a:defRPr sz="1200" kern="1200">
+        <a:solidFill>
+          <a:schemeClr val="tx1"/>
+        </a:solidFill>
+        <a:latin typeface="+mn-lt"/>
+        <a:ea typeface="+mn-ea"/>
+        <a:cs typeface="+mn-cs"/>
+      </a:defRPr>
+    </a:lvl4pPr>
+    <a:lvl5pPr marL="1828800" algn="l" defTabSz="914400" rtl="0" eaLnBrk="1" latinLnBrk="0" hangingPunct="1">
+      <a:defRPr sz="1200" kern="1200">
+        <a:solidFill>
+          <a:schemeClr val="tx1"/>
+        </a:solidFill>
+        <a:latin typeface="+mn-lt"/>
+        <a:ea typeface="+mn-ea"/>
+        <a:cs typeface="+mn-cs"/>
+      </a:defRPr>
+    </a:lvl5pPr>
+    <a:lvl6pPr marL="2286000" algn="l" defTabSz="914400" rtl="0" eaLnBrk="1" latinLnBrk="0" hangingPunct="1">
+      <a:defRPr sz="1200" kern="1200">
+        <a:solidFill>
+          <a:schemeClr val="tx1"/>
+        </a:solidFill>
+        <a:latin typeface="+mn-lt"/>
+        <a:ea typeface="+mn-ea"/>
+        <a:cs typeface="+mn-cs"/>
+      </a:defRPr>
+    </a:lvl6pPr>
+    <a:lvl7pPr marL="2743200" algn="l" defTabSz="914400" rtl="0" eaLnBrk="1" latinLnBrk="0" hangingPunct="1">
+      <a:defRPr sz="1200" kern="1200">
+        <a:solidFill>
+          <a:schemeClr val="tx1"/>
+        </a:solidFill>
+        <a:latin typeface="+mn-lt"/>
+        <a:ea typeface="+mn-ea"/>
+        <a:cs typeface="+mn-cs"/>
+      </a:defRPr>
+    </a:lvl7pPr>
+    <a:lvl8pPr marL="3200400" algn="l" defTabSz="914400" rtl="0" eaLnBrk="1" latinLnBrk="0" hangingPunct="1">
+      <a:defRPr sz="1200" kern="1200">
+        <a:solidFill>
+          <a:schemeClr val="tx1"/>
+        </a:solidFill>
+        <a:latin typeface="+mn-lt"/>
+        <a:ea typeface="+mn-ea"/>
+        <a:cs typeface="+mn-cs"/>
+      </a:defRPr>
+    </a:lvl8pPr>
+    <a:lvl9pPr marL="3657600" algn="l" defTabSz="914400" rtl="0" eaLnBrk="1" latinLnBrk="0" hangingPunct="1">
+      <a:defRPr sz="1200" kern="1200">
+        <a:solidFill>
+          <a:schemeClr val="tx1"/>
+        </a:solidFill>
+        <a:latin typeface="+mn-lt"/>
+        <a:ea typeface="+mn-ea"/>
+        <a:cs typeface="+mn-cs"/>
+      </a:defRPr>
+    </a:lvl9pPr>
+  </p:notesStyle>
+</p:notesMaster>
 </file>
 
 <file path=ppt/slideLayouts/slideLayout1.xml><?xml version="1.0" encoding="utf-8"?>
@@ -849,11 +1207,10 @@
           <a:bodyPr/>
           <a:lstStyle/>
           <a:p>
-            <a:fld id="{B61BEF0D-F0BB-DE4B-95CE-6DB70DBA9567}" type="datetimeFigureOut">
-              <a:rPr lang="en-US" dirty="0"/>
-              <a:pPr/>
-              <a:t>7/27/2019</a:t>
-            </a:fld>
+            <a:r>
+              <a:rPr lang="en-US"/>
+              <a:t>7/29/2019</a:t>
+            </a:r>
             <a:endParaRPr lang="en-US" dirty="0"/>
           </a:p>
         </p:txBody>
@@ -1097,11 +1454,10 @@
           <a:bodyPr/>
           <a:lstStyle/>
           <a:p>
-            <a:fld id="{B61BEF0D-F0BB-DE4B-95CE-6DB70DBA9567}" type="datetimeFigureOut">
-              <a:rPr lang="en-US" dirty="0"/>
-              <a:pPr/>
-              <a:t>7/27/2019</a:t>
-            </a:fld>
+            <a:r>
+              <a:rPr lang="en-US"/>
+              <a:t>7/29/2019</a:t>
+            </a:r>
             <a:endParaRPr lang="en-US" dirty="0"/>
           </a:p>
         </p:txBody>
@@ -1408,11 +1764,10 @@
           <a:bodyPr/>
           <a:lstStyle/>
           <a:p>
-            <a:fld id="{B61BEF0D-F0BB-DE4B-95CE-6DB70DBA9567}" type="datetimeFigureOut">
-              <a:rPr lang="en-US" dirty="0"/>
-              <a:pPr/>
-              <a:t>7/27/2019</a:t>
-            </a:fld>
+            <a:r>
+              <a:rPr lang="en-US"/>
+              <a:t>7/29/2019</a:t>
+            </a:r>
             <a:endParaRPr lang="en-US" dirty="0"/>
           </a:p>
         </p:txBody>
@@ -1746,11 +2101,10 @@
           <a:bodyPr/>
           <a:lstStyle/>
           <a:p>
-            <a:fld id="{B61BEF0D-F0BB-DE4B-95CE-6DB70DBA9567}" type="datetimeFigureOut">
-              <a:rPr lang="en-US" dirty="0"/>
-              <a:pPr/>
-              <a:t>7/27/2019</a:t>
-            </a:fld>
+            <a:r>
+              <a:rPr lang="en-US"/>
+              <a:t>7/29/2019</a:t>
+            </a:r>
             <a:endParaRPr lang="en-US" dirty="0"/>
           </a:p>
         </p:txBody>
@@ -2057,11 +2411,10 @@
           <a:bodyPr/>
           <a:lstStyle/>
           <a:p>
-            <a:fld id="{B61BEF0D-F0BB-DE4B-95CE-6DB70DBA9567}" type="datetimeFigureOut">
-              <a:rPr lang="en-US" dirty="0"/>
-              <a:pPr/>
-              <a:t>7/27/2019</a:t>
-            </a:fld>
+            <a:r>
+              <a:rPr lang="en-US"/>
+              <a:t>7/29/2019</a:t>
+            </a:r>
             <a:endParaRPr lang="en-US" dirty="0"/>
           </a:p>
         </p:txBody>
@@ -2447,11 +2800,10 @@
           <a:bodyPr/>
           <a:lstStyle/>
           <a:p>
-            <a:fld id="{B61BEF0D-F0BB-DE4B-95CE-6DB70DBA9567}" type="datetimeFigureOut">
-              <a:rPr lang="en-US" dirty="0"/>
-              <a:pPr/>
-              <a:t>7/27/2019</a:t>
-            </a:fld>
+            <a:r>
+              <a:rPr lang="en-US"/>
+              <a:t>7/29/2019</a:t>
+            </a:r>
             <a:endParaRPr lang="en-US" dirty="0"/>
           </a:p>
         </p:txBody>
@@ -2614,10 +2966,10 @@
           <a:bodyPr/>
           <a:lstStyle/>
           <a:p>
-            <a:fld id="{55C6B4A9-1611-4792-9094-5F34BCA07E0B}" type="datetimeFigureOut">
-              <a:rPr lang="en-US" dirty="0"/>
-              <a:t>7/27/2019</a:t>
-            </a:fld>
+            <a:r>
+              <a:rPr lang="en-US"/>
+              <a:t>7/29/2019</a:t>
+            </a:r>
             <a:endParaRPr lang="en-US" dirty="0"/>
           </a:p>
         </p:txBody>
@@ -2789,11 +3141,10 @@
           <a:bodyPr/>
           <a:lstStyle/>
           <a:p>
-            <a:fld id="{B61BEF0D-F0BB-DE4B-95CE-6DB70DBA9567}" type="datetimeFigureOut">
-              <a:rPr lang="en-US" dirty="0"/>
-              <a:pPr/>
-              <a:t>7/27/2019</a:t>
-            </a:fld>
+            <a:r>
+              <a:rPr lang="en-US"/>
+              <a:t>7/29/2019</a:t>
+            </a:r>
             <a:endParaRPr lang="en-US" dirty="0"/>
           </a:p>
         </p:txBody>
@@ -2962,11 +3313,10 @@
           <a:bodyPr/>
           <a:lstStyle/>
           <a:p>
-            <a:fld id="{B61BEF0D-F0BB-DE4B-95CE-6DB70DBA9567}" type="datetimeFigureOut">
-              <a:rPr lang="en-US" dirty="0"/>
-              <a:pPr/>
-              <a:t>7/27/2019</a:t>
-            </a:fld>
+            <a:r>
+              <a:rPr lang="en-US"/>
+              <a:t>7/29/2019</a:t>
+            </a:r>
             <a:endParaRPr lang="en-US" dirty="0"/>
           </a:p>
         </p:txBody>
@@ -3206,11 +3556,10 @@
           <a:bodyPr/>
           <a:lstStyle/>
           <a:p>
-            <a:fld id="{B61BEF0D-F0BB-DE4B-95CE-6DB70DBA9567}" type="datetimeFigureOut">
-              <a:rPr lang="en-US" dirty="0"/>
-              <a:pPr/>
-              <a:t>7/27/2019</a:t>
-            </a:fld>
+            <a:r>
+              <a:rPr lang="en-US"/>
+              <a:t>7/29/2019</a:t>
+            </a:r>
             <a:endParaRPr lang="en-US" dirty="0"/>
           </a:p>
         </p:txBody>
@@ -3435,10 +3784,10 @@
           <a:bodyPr/>
           <a:lstStyle/>
           <a:p>
-            <a:fld id="{EB712588-04B1-427B-82EE-E8DB90309F08}" type="datetimeFigureOut">
-              <a:rPr lang="en-US" dirty="0"/>
-              <a:t>7/27/2019</a:t>
-            </a:fld>
+            <a:r>
+              <a:rPr lang="en-US"/>
+              <a:t>7/29/2019</a:t>
+            </a:r>
             <a:endParaRPr lang="en-US" dirty="0"/>
           </a:p>
         </p:txBody>
@@ -3804,11 +4153,10 @@
           <a:bodyPr/>
           <a:lstStyle/>
           <a:p>
-            <a:fld id="{B61BEF0D-F0BB-DE4B-95CE-6DB70DBA9567}" type="datetimeFigureOut">
-              <a:rPr lang="en-US" dirty="0"/>
-              <a:pPr/>
-              <a:t>7/27/2019</a:t>
-            </a:fld>
+            <a:r>
+              <a:rPr lang="en-US"/>
+              <a:t>7/29/2019</a:t>
+            </a:r>
             <a:endParaRPr lang="en-US" dirty="0"/>
           </a:p>
         </p:txBody>
@@ -3924,11 +4272,10 @@
           <a:bodyPr/>
           <a:lstStyle/>
           <a:p>
-            <a:fld id="{B61BEF0D-F0BB-DE4B-95CE-6DB70DBA9567}" type="datetimeFigureOut">
-              <a:rPr lang="en-US" dirty="0"/>
-              <a:pPr/>
-              <a:t>7/27/2019</a:t>
-            </a:fld>
+            <a:r>
+              <a:rPr lang="en-US"/>
+              <a:t>7/29/2019</a:t>
+            </a:r>
             <a:endParaRPr lang="en-US" dirty="0"/>
           </a:p>
         </p:txBody>
@@ -4016,11 +4363,10 @@
           <a:bodyPr/>
           <a:lstStyle/>
           <a:p>
-            <a:fld id="{B61BEF0D-F0BB-DE4B-95CE-6DB70DBA9567}" type="datetimeFigureOut">
-              <a:rPr lang="en-US" dirty="0"/>
-              <a:pPr/>
-              <a:t>7/27/2019</a:t>
-            </a:fld>
+            <a:r>
+              <a:rPr lang="en-US"/>
+              <a:t>7/29/2019</a:t>
+            </a:r>
             <a:endParaRPr lang="en-US" dirty="0"/>
           </a:p>
         </p:txBody>
@@ -4268,10 +4614,10 @@
           <a:bodyPr/>
           <a:lstStyle/>
           <a:p>
-            <a:fld id="{42A54C80-263E-416B-A8E0-580EDEADCBDC}" type="datetimeFigureOut">
-              <a:rPr lang="en-US" dirty="0"/>
-              <a:t>7/27/2019</a:t>
-            </a:fld>
+            <a:r>
+              <a:rPr lang="en-US"/>
+              <a:t>7/29/2019</a:t>
+            </a:r>
             <a:endParaRPr lang="en-US" dirty="0"/>
           </a:p>
         </p:txBody>
@@ -4526,11 +4872,10 @@
           <a:bodyPr/>
           <a:lstStyle/>
           <a:p>
-            <a:fld id="{B61BEF0D-F0BB-DE4B-95CE-6DB70DBA9567}" type="datetimeFigureOut">
-              <a:rPr lang="en-US" dirty="0"/>
-              <a:pPr/>
-              <a:t>7/27/2019</a:t>
-            </a:fld>
+            <a:r>
+              <a:rPr lang="en-US"/>
+              <a:t>7/29/2019</a:t>
+            </a:r>
             <a:endParaRPr lang="en-US" dirty="0"/>
           </a:p>
         </p:txBody>
@@ -5266,11 +5611,10 @@
             </a:lvl1pPr>
           </a:lstStyle>
           <a:p>
-            <a:fld id="{B61BEF0D-F0BB-DE4B-95CE-6DB70DBA9567}" type="datetimeFigureOut">
-              <a:rPr lang="en-US" dirty="0"/>
-              <a:pPr/>
-              <a:t>7/27/2019</a:t>
-            </a:fld>
+            <a:r>
+              <a:rPr lang="en-US"/>
+              <a:t>7/29/2019</a:t>
+            </a:r>
             <a:endParaRPr lang="en-US" dirty="0"/>
           </a:p>
         </p:txBody>
@@ -5373,6 +5717,7 @@
     <p:sldLayoutId id="2147483667" r:id="rId15"/>
     <p:sldLayoutId id="2147483659" r:id="rId16"/>
   </p:sldLayoutIdLst>
+  <p:hf hdr="0" ftr="0"/>
   <p:txStyles>
     <p:titleStyle>
       <a:lvl1pPr algn="l" defTabSz="457200" rtl="0" eaLnBrk="1" latinLnBrk="0" hangingPunct="1">
@@ -5850,9 +6195,12 @@
             </a:r>
             <a:r>
               <a:rPr lang="en-US" dirty="0" err="1"/>
-              <a:t>XuancongTran</a:t>
-            </a:r>
-            <a:endParaRPr lang="en-US" dirty="0"/>
+              <a:t>Xuancong</a:t>
+            </a:r>
+            <a:r>
+              <a:rPr lang="en-US" dirty="0"/>
+              <a:t> Tran</a:t>
+            </a:r>
           </a:p>
         </p:txBody>
       </p:sp>
@@ -5907,7 +6255,10 @@
           <a:bodyPr/>
           <a:lstStyle/>
           <a:p>
-            <a:endParaRPr lang="en-US" dirty="0"/>
+            <a:r>
+              <a:rPr lang="en-US" dirty="0"/>
+              <a:t>Happy Score for Regions in Africa</a:t>
+            </a:r>
           </a:p>
         </p:txBody>
       </p:sp>
@@ -5935,11 +6286,109 @@
         </p:blipFill>
         <p:spPr>
           <a:xfrm>
-            <a:off x="1094582" y="2160588"/>
+            <a:off x="768010" y="1404031"/>
             <a:ext cx="7762874" cy="3881437"/>
           </a:xfrm>
         </p:spPr>
       </p:pic>
+      <p:sp>
+        <p:nvSpPr>
+          <p:cNvPr id="3" name="Date Placeholder 2">
+            <a:extLst>
+              <a:ext uri="{FF2B5EF4-FFF2-40B4-BE49-F238E27FC236}">
+                <a16:creationId xmlns:a16="http://schemas.microsoft.com/office/drawing/2014/main" id="{A22D2B38-9C3F-4D98-8531-E8B6BBD96737}"/>
+              </a:ext>
+            </a:extLst>
+          </p:cNvPr>
+          <p:cNvSpPr>
+            <a:spLocks noGrp="1"/>
+          </p:cNvSpPr>
+          <p:nvPr>
+            <p:ph type="dt" sz="half" idx="10"/>
+          </p:nvPr>
+        </p:nvSpPr>
+        <p:spPr/>
+        <p:txBody>
+          <a:bodyPr/>
+          <a:lstStyle/>
+          <a:p>
+            <a:r>
+              <a:rPr lang="en-US"/>
+              <a:t>7/29/2019</a:t>
+            </a:r>
+            <a:endParaRPr lang="en-US" dirty="0"/>
+          </a:p>
+        </p:txBody>
+      </p:sp>
+      <p:sp>
+        <p:nvSpPr>
+          <p:cNvPr id="4" name="Slide Number Placeholder 3">
+            <a:extLst>
+              <a:ext uri="{FF2B5EF4-FFF2-40B4-BE49-F238E27FC236}">
+                <a16:creationId xmlns:a16="http://schemas.microsoft.com/office/drawing/2014/main" id="{AB67F21C-1419-429B-BE50-C57159786DEB}"/>
+              </a:ext>
+            </a:extLst>
+          </p:cNvPr>
+          <p:cNvSpPr>
+            <a:spLocks noGrp="1"/>
+          </p:cNvSpPr>
+          <p:nvPr>
+            <p:ph type="sldNum" sz="quarter" idx="12"/>
+          </p:nvPr>
+        </p:nvSpPr>
+        <p:spPr/>
+        <p:txBody>
+          <a:bodyPr/>
+          <a:lstStyle/>
+          <a:p>
+            <a:fld id="{D57F1E4F-1CFF-5643-939E-217C01CDF565}" type="slidenum">
+              <a:rPr lang="en-US" smtClean="0"/>
+              <a:pPr/>
+              <a:t>10</a:t>
+            </a:fld>
+            <a:endParaRPr lang="en-US" dirty="0"/>
+          </a:p>
+        </p:txBody>
+      </p:sp>
+      <p:sp>
+        <p:nvSpPr>
+          <p:cNvPr id="6" name="TextBox 5">
+            <a:extLst>
+              <a:ext uri="{FF2B5EF4-FFF2-40B4-BE49-F238E27FC236}">
+                <a16:creationId xmlns:a16="http://schemas.microsoft.com/office/drawing/2014/main" id="{4EF792F0-EFFB-49AA-AC6E-53A67D3EAD43}"/>
+              </a:ext>
+            </a:extLst>
+          </p:cNvPr>
+          <p:cNvSpPr txBox="1"/>
+          <p:nvPr/>
+        </p:nvSpPr>
+        <p:spPr>
+          <a:xfrm>
+            <a:off x="1143000" y="5124345"/>
+            <a:ext cx="6814457" cy="646331"/>
+          </a:xfrm>
+          <a:prstGeom prst="rect">
+            <a:avLst/>
+          </a:prstGeom>
+          <a:noFill/>
+        </p:spPr>
+        <p:txBody>
+          <a:bodyPr wrap="square" rtlCol="0">
+            <a:spAutoFit/>
+          </a:bodyPr>
+          <a:lstStyle/>
+          <a:p>
+            <a:pPr marL="285750" indent="-285750">
+              <a:buFont typeface="Arial" panose="020B0604020202020204" pitchFamily="34" charset="0"/>
+              <a:buChar char="•"/>
+            </a:pPr>
+            <a:r>
+              <a:rPr lang="en-US" dirty="0"/>
+              <a:t>The average score and the range are significantly different between regions</a:t>
+            </a:r>
+          </a:p>
+        </p:txBody>
+      </p:sp>
     </p:spTree>
     <p:extLst>
       <p:ext uri="{BB962C8B-B14F-4D97-AF65-F5344CB8AC3E}">
@@ -8599,7 +9048,7 @@
                     <a:p>
                       <a:pPr algn="l" fontAlgn="b"/>
                       <a:r>
-                        <a:rPr lang="en-US" sz="1100" b="0" i="0" u="none" strike="noStrike">
+                        <a:rPr lang="en-US" sz="1100" b="0" i="0" u="none" strike="noStrike" dirty="0">
                           <a:solidFill>
                             <a:srgbClr val="000000"/>
                           </a:solidFill>
@@ -10049,6 +10498,65 @@
           </a:p>
         </p:txBody>
       </p:sp>
+      <p:sp>
+        <p:nvSpPr>
+          <p:cNvPr id="3" name="Date Placeholder 2">
+            <a:extLst>
+              <a:ext uri="{FF2B5EF4-FFF2-40B4-BE49-F238E27FC236}">
+                <a16:creationId xmlns:a16="http://schemas.microsoft.com/office/drawing/2014/main" id="{9D399695-80FB-413F-A427-01F1F6EA7E3C}"/>
+              </a:ext>
+            </a:extLst>
+          </p:cNvPr>
+          <p:cNvSpPr>
+            <a:spLocks noGrp="1"/>
+          </p:cNvSpPr>
+          <p:nvPr>
+            <p:ph type="dt" sz="half" idx="10"/>
+          </p:nvPr>
+        </p:nvSpPr>
+        <p:spPr/>
+        <p:txBody>
+          <a:bodyPr/>
+          <a:lstStyle/>
+          <a:p>
+            <a:r>
+              <a:rPr lang="en-US"/>
+              <a:t>7/29/2019</a:t>
+            </a:r>
+            <a:endParaRPr lang="en-US" dirty="0"/>
+          </a:p>
+        </p:txBody>
+      </p:sp>
+      <p:sp>
+        <p:nvSpPr>
+          <p:cNvPr id="4" name="Slide Number Placeholder 3">
+            <a:extLst>
+              <a:ext uri="{FF2B5EF4-FFF2-40B4-BE49-F238E27FC236}">
+                <a16:creationId xmlns:a16="http://schemas.microsoft.com/office/drawing/2014/main" id="{07040468-001E-4840-AD88-9DDD913BC593}"/>
+              </a:ext>
+            </a:extLst>
+          </p:cNvPr>
+          <p:cNvSpPr>
+            <a:spLocks noGrp="1"/>
+          </p:cNvSpPr>
+          <p:nvPr>
+            <p:ph type="sldNum" sz="quarter" idx="12"/>
+          </p:nvPr>
+        </p:nvSpPr>
+        <p:spPr/>
+        <p:txBody>
+          <a:bodyPr/>
+          <a:lstStyle/>
+          <a:p>
+            <a:fld id="{D57F1E4F-1CFF-5643-939E-217C01CDF565}" type="slidenum">
+              <a:rPr lang="en-US" smtClean="0"/>
+              <a:pPr/>
+              <a:t>11</a:t>
+            </a:fld>
+            <a:endParaRPr lang="en-US" dirty="0"/>
+          </a:p>
+        </p:txBody>
+      </p:sp>
     </p:spTree>
     <p:extLst>
       <p:ext uri="{BB962C8B-B14F-4D97-AF65-F5344CB8AC3E}">
@@ -10132,6 +10640,65 @@
           </a:p>
         </p:txBody>
       </p:sp>
+      <p:sp>
+        <p:nvSpPr>
+          <p:cNvPr id="4" name="Date Placeholder 3">
+            <a:extLst>
+              <a:ext uri="{FF2B5EF4-FFF2-40B4-BE49-F238E27FC236}">
+                <a16:creationId xmlns:a16="http://schemas.microsoft.com/office/drawing/2014/main" id="{A2698940-B160-4FE7-A7D1-08526FD121AB}"/>
+              </a:ext>
+            </a:extLst>
+          </p:cNvPr>
+          <p:cNvSpPr>
+            <a:spLocks noGrp="1"/>
+          </p:cNvSpPr>
+          <p:nvPr>
+            <p:ph type="dt" sz="half" idx="10"/>
+          </p:nvPr>
+        </p:nvSpPr>
+        <p:spPr/>
+        <p:txBody>
+          <a:bodyPr/>
+          <a:lstStyle/>
+          <a:p>
+            <a:r>
+              <a:rPr lang="en-US"/>
+              <a:t>7/29/2019</a:t>
+            </a:r>
+            <a:endParaRPr lang="en-US" dirty="0"/>
+          </a:p>
+        </p:txBody>
+      </p:sp>
+      <p:sp>
+        <p:nvSpPr>
+          <p:cNvPr id="5" name="Slide Number Placeholder 4">
+            <a:extLst>
+              <a:ext uri="{FF2B5EF4-FFF2-40B4-BE49-F238E27FC236}">
+                <a16:creationId xmlns:a16="http://schemas.microsoft.com/office/drawing/2014/main" id="{8716A715-5BB9-4673-914A-4F9AC31F68A0}"/>
+              </a:ext>
+            </a:extLst>
+          </p:cNvPr>
+          <p:cNvSpPr>
+            <a:spLocks noGrp="1"/>
+          </p:cNvSpPr>
+          <p:nvPr>
+            <p:ph type="sldNum" sz="quarter" idx="12"/>
+          </p:nvPr>
+        </p:nvSpPr>
+        <p:spPr/>
+        <p:txBody>
+          <a:bodyPr/>
+          <a:lstStyle/>
+          <a:p>
+            <a:fld id="{D57F1E4F-1CFF-5643-939E-217C01CDF565}" type="slidenum">
+              <a:rPr lang="en-US" smtClean="0"/>
+              <a:pPr/>
+              <a:t>12</a:t>
+            </a:fld>
+            <a:endParaRPr lang="en-US" dirty="0"/>
+          </a:p>
+        </p:txBody>
+      </p:sp>
     </p:spTree>
     <p:extLst>
       <p:ext uri="{BB962C8B-B14F-4D97-AF65-F5344CB8AC3E}">
@@ -10232,6 +10799,65 @@
           </a:p>
         </p:txBody>
       </p:sp>
+      <p:sp>
+        <p:nvSpPr>
+          <p:cNvPr id="4" name="Date Placeholder 3">
+            <a:extLst>
+              <a:ext uri="{FF2B5EF4-FFF2-40B4-BE49-F238E27FC236}">
+                <a16:creationId xmlns:a16="http://schemas.microsoft.com/office/drawing/2014/main" id="{92B88C72-B79D-4D21-8D6C-B81F31EC40A9}"/>
+              </a:ext>
+            </a:extLst>
+          </p:cNvPr>
+          <p:cNvSpPr>
+            <a:spLocks noGrp="1"/>
+          </p:cNvSpPr>
+          <p:nvPr>
+            <p:ph type="dt" sz="half" idx="10"/>
+          </p:nvPr>
+        </p:nvSpPr>
+        <p:spPr/>
+        <p:txBody>
+          <a:bodyPr/>
+          <a:lstStyle/>
+          <a:p>
+            <a:r>
+              <a:rPr lang="en-US"/>
+              <a:t>7/29/2019</a:t>
+            </a:r>
+            <a:endParaRPr lang="en-US" dirty="0"/>
+          </a:p>
+        </p:txBody>
+      </p:sp>
+      <p:sp>
+        <p:nvSpPr>
+          <p:cNvPr id="5" name="Slide Number Placeholder 4">
+            <a:extLst>
+              <a:ext uri="{FF2B5EF4-FFF2-40B4-BE49-F238E27FC236}">
+                <a16:creationId xmlns:a16="http://schemas.microsoft.com/office/drawing/2014/main" id="{C83CDD9F-D3D6-4069-BC62-092039A5B68F}"/>
+              </a:ext>
+            </a:extLst>
+          </p:cNvPr>
+          <p:cNvSpPr>
+            <a:spLocks noGrp="1"/>
+          </p:cNvSpPr>
+          <p:nvPr>
+            <p:ph type="sldNum" sz="quarter" idx="12"/>
+          </p:nvPr>
+        </p:nvSpPr>
+        <p:spPr/>
+        <p:txBody>
+          <a:bodyPr/>
+          <a:lstStyle/>
+          <a:p>
+            <a:fld id="{D57F1E4F-1CFF-5643-939E-217C01CDF565}" type="slidenum">
+              <a:rPr lang="en-US" smtClean="0"/>
+              <a:pPr/>
+              <a:t>13</a:t>
+            </a:fld>
+            <a:endParaRPr lang="en-US" dirty="0"/>
+          </a:p>
+        </p:txBody>
+      </p:sp>
     </p:spTree>
     <p:extLst>
       <p:ext uri="{BB962C8B-B14F-4D97-AF65-F5344CB8AC3E}">
@@ -10324,6 +10950,65 @@
           </a:p>
         </p:txBody>
       </p:sp>
+      <p:sp>
+        <p:nvSpPr>
+          <p:cNvPr id="4" name="Date Placeholder 3">
+            <a:extLst>
+              <a:ext uri="{FF2B5EF4-FFF2-40B4-BE49-F238E27FC236}">
+                <a16:creationId xmlns:a16="http://schemas.microsoft.com/office/drawing/2014/main" id="{E49C0D53-1491-4694-BE73-4D1931323941}"/>
+              </a:ext>
+            </a:extLst>
+          </p:cNvPr>
+          <p:cNvSpPr>
+            <a:spLocks noGrp="1"/>
+          </p:cNvSpPr>
+          <p:nvPr>
+            <p:ph type="dt" sz="half" idx="10"/>
+          </p:nvPr>
+        </p:nvSpPr>
+        <p:spPr/>
+        <p:txBody>
+          <a:bodyPr/>
+          <a:lstStyle/>
+          <a:p>
+            <a:r>
+              <a:rPr lang="en-US"/>
+              <a:t>7/29/2019</a:t>
+            </a:r>
+            <a:endParaRPr lang="en-US" dirty="0"/>
+          </a:p>
+        </p:txBody>
+      </p:sp>
+      <p:sp>
+        <p:nvSpPr>
+          <p:cNvPr id="5" name="Slide Number Placeholder 4">
+            <a:extLst>
+              <a:ext uri="{FF2B5EF4-FFF2-40B4-BE49-F238E27FC236}">
+                <a16:creationId xmlns:a16="http://schemas.microsoft.com/office/drawing/2014/main" id="{A6481B05-E5A6-4F43-8240-63D853C310F8}"/>
+              </a:ext>
+            </a:extLst>
+          </p:cNvPr>
+          <p:cNvSpPr>
+            <a:spLocks noGrp="1"/>
+          </p:cNvSpPr>
+          <p:nvPr>
+            <p:ph type="sldNum" sz="quarter" idx="12"/>
+          </p:nvPr>
+        </p:nvSpPr>
+        <p:spPr/>
+        <p:txBody>
+          <a:bodyPr/>
+          <a:lstStyle/>
+          <a:p>
+            <a:fld id="{D57F1E4F-1CFF-5643-939E-217C01CDF565}" type="slidenum">
+              <a:rPr lang="en-US" smtClean="0"/>
+              <a:pPr/>
+              <a:t>14</a:t>
+            </a:fld>
+            <a:endParaRPr lang="en-US" dirty="0"/>
+          </a:p>
+        </p:txBody>
+      </p:sp>
     </p:spTree>
     <p:extLst>
       <p:ext uri="{BB962C8B-B14F-4D97-AF65-F5344CB8AC3E}">
@@ -10416,6 +11101,65 @@
           </a:p>
         </p:txBody>
       </p:sp>
+      <p:sp>
+        <p:nvSpPr>
+          <p:cNvPr id="4" name="Date Placeholder 3">
+            <a:extLst>
+              <a:ext uri="{FF2B5EF4-FFF2-40B4-BE49-F238E27FC236}">
+                <a16:creationId xmlns:a16="http://schemas.microsoft.com/office/drawing/2014/main" id="{27755AF9-2603-4543-BFDD-CB63364DE6E8}"/>
+              </a:ext>
+            </a:extLst>
+          </p:cNvPr>
+          <p:cNvSpPr>
+            <a:spLocks noGrp="1"/>
+          </p:cNvSpPr>
+          <p:nvPr>
+            <p:ph type="dt" sz="half" idx="10"/>
+          </p:nvPr>
+        </p:nvSpPr>
+        <p:spPr/>
+        <p:txBody>
+          <a:bodyPr/>
+          <a:lstStyle/>
+          <a:p>
+            <a:r>
+              <a:rPr lang="en-US"/>
+              <a:t>7/29/2019</a:t>
+            </a:r>
+            <a:endParaRPr lang="en-US" dirty="0"/>
+          </a:p>
+        </p:txBody>
+      </p:sp>
+      <p:sp>
+        <p:nvSpPr>
+          <p:cNvPr id="5" name="Slide Number Placeholder 4">
+            <a:extLst>
+              <a:ext uri="{FF2B5EF4-FFF2-40B4-BE49-F238E27FC236}">
+                <a16:creationId xmlns:a16="http://schemas.microsoft.com/office/drawing/2014/main" id="{DB4F43E0-A832-4791-A642-C45ED84BDCFB}"/>
+              </a:ext>
+            </a:extLst>
+          </p:cNvPr>
+          <p:cNvSpPr>
+            <a:spLocks noGrp="1"/>
+          </p:cNvSpPr>
+          <p:nvPr>
+            <p:ph type="sldNum" sz="quarter" idx="12"/>
+          </p:nvPr>
+        </p:nvSpPr>
+        <p:spPr/>
+        <p:txBody>
+          <a:bodyPr/>
+          <a:lstStyle/>
+          <a:p>
+            <a:fld id="{D57F1E4F-1CFF-5643-939E-217C01CDF565}" type="slidenum">
+              <a:rPr lang="en-US" smtClean="0"/>
+              <a:pPr/>
+              <a:t>15</a:t>
+            </a:fld>
+            <a:endParaRPr lang="en-US" dirty="0"/>
+          </a:p>
+        </p:txBody>
+      </p:sp>
     </p:spTree>
     <p:extLst>
       <p:ext uri="{BB962C8B-B14F-4D97-AF65-F5344CB8AC3E}">
@@ -10508,6 +11252,65 @@
           </a:p>
         </p:txBody>
       </p:sp>
+      <p:sp>
+        <p:nvSpPr>
+          <p:cNvPr id="4" name="Date Placeholder 3">
+            <a:extLst>
+              <a:ext uri="{FF2B5EF4-FFF2-40B4-BE49-F238E27FC236}">
+                <a16:creationId xmlns:a16="http://schemas.microsoft.com/office/drawing/2014/main" id="{E8A222A7-B20C-4D7B-B229-F8CF30F1C82E}"/>
+              </a:ext>
+            </a:extLst>
+          </p:cNvPr>
+          <p:cNvSpPr>
+            <a:spLocks noGrp="1"/>
+          </p:cNvSpPr>
+          <p:nvPr>
+            <p:ph type="dt" sz="half" idx="10"/>
+          </p:nvPr>
+        </p:nvSpPr>
+        <p:spPr/>
+        <p:txBody>
+          <a:bodyPr/>
+          <a:lstStyle/>
+          <a:p>
+            <a:r>
+              <a:rPr lang="en-US"/>
+              <a:t>7/29/2019</a:t>
+            </a:r>
+            <a:endParaRPr lang="en-US" dirty="0"/>
+          </a:p>
+        </p:txBody>
+      </p:sp>
+      <p:sp>
+        <p:nvSpPr>
+          <p:cNvPr id="5" name="Slide Number Placeholder 4">
+            <a:extLst>
+              <a:ext uri="{FF2B5EF4-FFF2-40B4-BE49-F238E27FC236}">
+                <a16:creationId xmlns:a16="http://schemas.microsoft.com/office/drawing/2014/main" id="{58EFABF8-241D-4ACD-9BCD-2E06CF513246}"/>
+              </a:ext>
+            </a:extLst>
+          </p:cNvPr>
+          <p:cNvSpPr>
+            <a:spLocks noGrp="1"/>
+          </p:cNvSpPr>
+          <p:nvPr>
+            <p:ph type="sldNum" sz="quarter" idx="12"/>
+          </p:nvPr>
+        </p:nvSpPr>
+        <p:spPr/>
+        <p:txBody>
+          <a:bodyPr/>
+          <a:lstStyle/>
+          <a:p>
+            <a:fld id="{D57F1E4F-1CFF-5643-939E-217C01CDF565}" type="slidenum">
+              <a:rPr lang="en-US" smtClean="0"/>
+              <a:pPr/>
+              <a:t>16</a:t>
+            </a:fld>
+            <a:endParaRPr lang="en-US" dirty="0"/>
+          </a:p>
+        </p:txBody>
+      </p:sp>
     </p:spTree>
     <p:extLst>
       <p:ext uri="{BB962C8B-B14F-4D97-AF65-F5344CB8AC3E}">
@@ -10543,7 +11346,7 @@
           <p:cNvPr id="2" name="Title 1">
             <a:extLst>
               <a:ext uri="{FF2B5EF4-FFF2-40B4-BE49-F238E27FC236}">
-                <a16:creationId xmlns:a16="http://schemas.microsoft.com/office/drawing/2014/main" id="{B2BEB5D7-FBE4-462C-A0EF-D425722145A0}"/>
+                <a16:creationId xmlns:a16="http://schemas.microsoft.com/office/drawing/2014/main" id="{60C4DB4B-EE68-4BA2-9DDD-A05453385518}"/>
               </a:ext>
             </a:extLst>
           </p:cNvPr>
@@ -10554,7 +11357,12 @@
             <p:ph type="title"/>
           </p:nvPr>
         </p:nvSpPr>
-        <p:spPr/>
+        <p:spPr>
+          <a:xfrm>
+            <a:off x="677334" y="609600"/>
+            <a:ext cx="8596668" cy="609600"/>
+          </a:xfrm>
+        </p:spPr>
         <p:txBody>
           <a:bodyPr>
             <a:normAutofit/>
@@ -10562,40 +11370,96 @@
           <a:lstStyle/>
           <a:p>
             <a:r>
-              <a:rPr lang="en-US" dirty="0"/>
-              <a:t>Variable Analysis</a:t>
-            </a:r>
-            <a:br>
-              <a:rPr lang="en-US" dirty="0"/>
-            </a:br>
-            <a:r>
-              <a:rPr lang="en-US" sz="2200" dirty="0"/>
-              <a:t>Is there a relationship between Happiness and Internet Access </a:t>
-            </a:r>
-          </a:p>
-        </p:txBody>
-      </p:sp>
-      <p:sp>
-        <p:nvSpPr>
-          <p:cNvPr id="3" name="Content Placeholder 2">
+              <a:rPr lang="en-US" sz="3200" dirty="0"/>
+              <a:t>Internet access level throughout the world</a:t>
+            </a:r>
+          </a:p>
+        </p:txBody>
+      </p:sp>
+      <p:pic>
+        <p:nvPicPr>
+          <p:cNvPr id="7" name="Content Placeholder 6" descr="A close up of a map&#10;&#10;Description automatically generated">
             <a:extLst>
               <a:ext uri="{FF2B5EF4-FFF2-40B4-BE49-F238E27FC236}">
-                <a16:creationId xmlns:a16="http://schemas.microsoft.com/office/drawing/2014/main" id="{6EB76005-FE48-4FAC-84C4-A22B94BAF6B9}"/>
+                <a16:creationId xmlns:a16="http://schemas.microsoft.com/office/drawing/2014/main" id="{26256857-6956-40F4-8381-DE539C05221A}"/>
               </a:ext>
             </a:extLst>
           </p:cNvPr>
-          <p:cNvSpPr>
-            <a:spLocks noGrp="1"/>
-          </p:cNvSpPr>
+          <p:cNvPicPr>
+            <a:picLocks noGrp="1" noChangeAspect="1"/>
+          </p:cNvPicPr>
           <p:nvPr>
             <p:ph idx="1"/>
           </p:nvPr>
+        </p:nvPicPr>
+        <p:blipFill>
+          <a:blip r:embed="rId2"/>
+          <a:stretch>
+            <a:fillRect/>
+          </a:stretch>
+        </p:blipFill>
+        <p:spPr>
+          <a:xfrm>
+            <a:off x="811985" y="1689562"/>
+            <a:ext cx="7827326" cy="3881437"/>
+          </a:xfrm>
+        </p:spPr>
+      </p:pic>
+      <p:sp>
+        <p:nvSpPr>
+          <p:cNvPr id="4" name="Date Placeholder 3">
+            <a:extLst>
+              <a:ext uri="{FF2B5EF4-FFF2-40B4-BE49-F238E27FC236}">
+                <a16:creationId xmlns:a16="http://schemas.microsoft.com/office/drawing/2014/main" id="{29BC6CCB-75DC-45EB-90C5-FC9680384F56}"/>
+              </a:ext>
+            </a:extLst>
+          </p:cNvPr>
+          <p:cNvSpPr>
+            <a:spLocks noGrp="1"/>
+          </p:cNvSpPr>
+          <p:nvPr>
+            <p:ph type="dt" sz="half" idx="10"/>
+          </p:nvPr>
         </p:nvSpPr>
         <p:spPr/>
         <p:txBody>
           <a:bodyPr/>
           <a:lstStyle/>
           <a:p>
+            <a:r>
+              <a:rPr lang="en-US"/>
+              <a:t>7/29/2019</a:t>
+            </a:r>
+            <a:endParaRPr lang="en-US" dirty="0"/>
+          </a:p>
+        </p:txBody>
+      </p:sp>
+      <p:sp>
+        <p:nvSpPr>
+          <p:cNvPr id="5" name="Slide Number Placeholder 4">
+            <a:extLst>
+              <a:ext uri="{FF2B5EF4-FFF2-40B4-BE49-F238E27FC236}">
+                <a16:creationId xmlns:a16="http://schemas.microsoft.com/office/drawing/2014/main" id="{8C0B7B00-1B13-43A3-9541-C8F52349A82F}"/>
+              </a:ext>
+            </a:extLst>
+          </p:cNvPr>
+          <p:cNvSpPr>
+            <a:spLocks noGrp="1"/>
+          </p:cNvSpPr>
+          <p:nvPr>
+            <p:ph type="sldNum" sz="quarter" idx="12"/>
+          </p:nvPr>
+        </p:nvSpPr>
+        <p:spPr/>
+        <p:txBody>
+          <a:bodyPr/>
+          <a:lstStyle/>
+          <a:p>
+            <a:fld id="{D57F1E4F-1CFF-5643-939E-217C01CDF565}" type="slidenum">
+              <a:rPr lang="en-US" smtClean="0"/>
+              <a:pPr/>
+              <a:t>17</a:t>
+            </a:fld>
             <a:endParaRPr lang="en-US" dirty="0"/>
           </a:p>
         </p:txBody>
@@ -10603,7 +11467,7 @@
     </p:spTree>
     <p:extLst>
       <p:ext uri="{BB962C8B-B14F-4D97-AF65-F5344CB8AC3E}">
-        <p14:creationId xmlns:p14="http://schemas.microsoft.com/office/powerpoint/2010/main" val="3103489254"/>
+        <p14:creationId xmlns:p14="http://schemas.microsoft.com/office/powerpoint/2010/main" val="427924179"/>
       </p:ext>
     </p:extLst>
   </p:cSld>
@@ -10646,7 +11510,12 @@
             <p:ph type="title"/>
           </p:nvPr>
         </p:nvSpPr>
-        <p:spPr/>
+        <p:spPr>
+          <a:xfrm>
+            <a:off x="422152" y="361507"/>
+            <a:ext cx="8596668" cy="1320800"/>
+          </a:xfrm>
+        </p:spPr>
         <p:txBody>
           <a:bodyPr>
             <a:normAutofit/>
@@ -10662,32 +11531,95 @@
             </a:br>
             <a:r>
               <a:rPr lang="en-US" sz="2200" dirty="0"/>
-              <a:t>Is there a relationship between Happiness and Disaster Risk</a:t>
-            </a:r>
-          </a:p>
-        </p:txBody>
-      </p:sp>
-      <p:sp>
-        <p:nvSpPr>
-          <p:cNvPr id="3" name="Content Placeholder 2">
+              <a:t>Correlation between happiness score and disaster rate, internet access rate and sleeping.</a:t>
+            </a:r>
+          </a:p>
+        </p:txBody>
+      </p:sp>
+      <p:pic>
+        <p:nvPicPr>
+          <p:cNvPr id="7" name="Content Placeholder 6" descr="A close up of text on a white background&#10;&#10;Description automatically generated">
             <a:extLst>
               <a:ext uri="{FF2B5EF4-FFF2-40B4-BE49-F238E27FC236}">
-                <a16:creationId xmlns:a16="http://schemas.microsoft.com/office/drawing/2014/main" id="{6EB76005-FE48-4FAC-84C4-A22B94BAF6B9}"/>
+                <a16:creationId xmlns:a16="http://schemas.microsoft.com/office/drawing/2014/main" id="{8768A866-C8BA-49D3-923E-7C4637B7E53D}"/>
               </a:ext>
             </a:extLst>
           </p:cNvPr>
-          <p:cNvSpPr>
-            <a:spLocks noGrp="1"/>
-          </p:cNvSpPr>
+          <p:cNvPicPr>
+            <a:picLocks noGrp="1" noChangeAspect="1"/>
+          </p:cNvPicPr>
           <p:nvPr>
             <p:ph idx="1"/>
           </p:nvPr>
+        </p:nvPicPr>
+        <p:blipFill>
+          <a:blip r:embed="rId2"/>
+          <a:stretch>
+            <a:fillRect/>
+          </a:stretch>
+        </p:blipFill>
+        <p:spPr>
+          <a:xfrm>
+            <a:off x="3035300" y="2160588"/>
+            <a:ext cx="3881437" cy="3881437"/>
+          </a:xfrm>
+        </p:spPr>
+      </p:pic>
+      <p:sp>
+        <p:nvSpPr>
+          <p:cNvPr id="4" name="Date Placeholder 3">
+            <a:extLst>
+              <a:ext uri="{FF2B5EF4-FFF2-40B4-BE49-F238E27FC236}">
+                <a16:creationId xmlns:a16="http://schemas.microsoft.com/office/drawing/2014/main" id="{C54E478E-DC00-419D-8C89-AA75EFA9E551}"/>
+              </a:ext>
+            </a:extLst>
+          </p:cNvPr>
+          <p:cNvSpPr>
+            <a:spLocks noGrp="1"/>
+          </p:cNvSpPr>
+          <p:nvPr>
+            <p:ph type="dt" sz="half" idx="10"/>
+          </p:nvPr>
         </p:nvSpPr>
         <p:spPr/>
         <p:txBody>
           <a:bodyPr/>
           <a:lstStyle/>
           <a:p>
+            <a:r>
+              <a:rPr lang="en-US"/>
+              <a:t>7/29/2019</a:t>
+            </a:r>
+            <a:endParaRPr lang="en-US" dirty="0"/>
+          </a:p>
+        </p:txBody>
+      </p:sp>
+      <p:sp>
+        <p:nvSpPr>
+          <p:cNvPr id="5" name="Slide Number Placeholder 4">
+            <a:extLst>
+              <a:ext uri="{FF2B5EF4-FFF2-40B4-BE49-F238E27FC236}">
+                <a16:creationId xmlns:a16="http://schemas.microsoft.com/office/drawing/2014/main" id="{896378A3-BD0C-4094-ACA9-C8AF0E3F2025}"/>
+              </a:ext>
+            </a:extLst>
+          </p:cNvPr>
+          <p:cNvSpPr>
+            <a:spLocks noGrp="1"/>
+          </p:cNvSpPr>
+          <p:nvPr>
+            <p:ph type="sldNum" sz="quarter" idx="12"/>
+          </p:nvPr>
+        </p:nvSpPr>
+        <p:spPr/>
+        <p:txBody>
+          <a:bodyPr/>
+          <a:lstStyle/>
+          <a:p>
+            <a:fld id="{D57F1E4F-1CFF-5643-939E-217C01CDF565}" type="slidenum">
+              <a:rPr lang="en-US" smtClean="0"/>
+              <a:pPr/>
+              <a:t>18</a:t>
+            </a:fld>
             <a:endParaRPr lang="en-US" dirty="0"/>
           </a:p>
         </p:txBody>
@@ -10695,7 +11627,7 @@
     </p:spTree>
     <p:extLst>
       <p:ext uri="{BB962C8B-B14F-4D97-AF65-F5344CB8AC3E}">
-        <p14:creationId xmlns:p14="http://schemas.microsoft.com/office/powerpoint/2010/main" val="1010352627"/>
+        <p14:creationId xmlns:p14="http://schemas.microsoft.com/office/powerpoint/2010/main" val="3103489254"/>
       </p:ext>
     </p:extLst>
   </p:cSld>
@@ -10754,32 +11686,95 @@
             </a:br>
             <a:r>
               <a:rPr lang="en-US" sz="2200" dirty="0"/>
-              <a:t>Is there a relationship between Happiness and Amount of Sleep</a:t>
-            </a:r>
-          </a:p>
-        </p:txBody>
-      </p:sp>
-      <p:sp>
-        <p:nvSpPr>
-          <p:cNvPr id="3" name="Content Placeholder 2">
+              <a:t>Is there a relationship between Happiness and Disaster Risk, Internet access rate and Average Sleeping</a:t>
+            </a:r>
+          </a:p>
+        </p:txBody>
+      </p:sp>
+      <p:pic>
+        <p:nvPicPr>
+          <p:cNvPr id="7" name="Content Placeholder 6" descr="A close up of a map&#10;&#10;Description automatically generated">
             <a:extLst>
               <a:ext uri="{FF2B5EF4-FFF2-40B4-BE49-F238E27FC236}">
-                <a16:creationId xmlns:a16="http://schemas.microsoft.com/office/drawing/2014/main" id="{6EB76005-FE48-4FAC-84C4-A22B94BAF6B9}"/>
+                <a16:creationId xmlns:a16="http://schemas.microsoft.com/office/drawing/2014/main" id="{40DDE0C9-937B-4C0E-A7A6-EC5CEF55D82A}"/>
               </a:ext>
             </a:extLst>
           </p:cNvPr>
-          <p:cNvSpPr>
-            <a:spLocks noGrp="1"/>
-          </p:cNvSpPr>
+          <p:cNvPicPr>
+            <a:picLocks noGrp="1" noChangeAspect="1"/>
+          </p:cNvPicPr>
           <p:nvPr>
             <p:ph idx="1"/>
           </p:nvPr>
+        </p:nvPicPr>
+        <p:blipFill>
+          <a:blip r:embed="rId2"/>
+          <a:stretch>
+            <a:fillRect/>
+          </a:stretch>
+        </p:blipFill>
+        <p:spPr>
+          <a:xfrm>
+            <a:off x="1732756" y="2159925"/>
+            <a:ext cx="4657724" cy="3881437"/>
+          </a:xfrm>
+        </p:spPr>
+      </p:pic>
+      <p:sp>
+        <p:nvSpPr>
+          <p:cNvPr id="4" name="Date Placeholder 3">
+            <a:extLst>
+              <a:ext uri="{FF2B5EF4-FFF2-40B4-BE49-F238E27FC236}">
+                <a16:creationId xmlns:a16="http://schemas.microsoft.com/office/drawing/2014/main" id="{F818E91A-952D-4A9D-9763-F2C38F2777CE}"/>
+              </a:ext>
+            </a:extLst>
+          </p:cNvPr>
+          <p:cNvSpPr>
+            <a:spLocks noGrp="1"/>
+          </p:cNvSpPr>
+          <p:nvPr>
+            <p:ph type="dt" sz="half" idx="10"/>
+          </p:nvPr>
         </p:nvSpPr>
         <p:spPr/>
         <p:txBody>
           <a:bodyPr/>
           <a:lstStyle/>
           <a:p>
+            <a:r>
+              <a:rPr lang="en-US"/>
+              <a:t>7/29/2019</a:t>
+            </a:r>
+            <a:endParaRPr lang="en-US" dirty="0"/>
+          </a:p>
+        </p:txBody>
+      </p:sp>
+      <p:sp>
+        <p:nvSpPr>
+          <p:cNvPr id="5" name="Slide Number Placeholder 4">
+            <a:extLst>
+              <a:ext uri="{FF2B5EF4-FFF2-40B4-BE49-F238E27FC236}">
+                <a16:creationId xmlns:a16="http://schemas.microsoft.com/office/drawing/2014/main" id="{FCD5EB3D-B069-4967-8CBA-80BB4781BEF2}"/>
+              </a:ext>
+            </a:extLst>
+          </p:cNvPr>
+          <p:cNvSpPr>
+            <a:spLocks noGrp="1"/>
+          </p:cNvSpPr>
+          <p:nvPr>
+            <p:ph type="sldNum" sz="quarter" idx="12"/>
+          </p:nvPr>
+        </p:nvSpPr>
+        <p:spPr/>
+        <p:txBody>
+          <a:bodyPr/>
+          <a:lstStyle/>
+          <a:p>
+            <a:fld id="{D57F1E4F-1CFF-5643-939E-217C01CDF565}" type="slidenum">
+              <a:rPr lang="en-US" smtClean="0"/>
+              <a:pPr/>
+              <a:t>19</a:t>
+            </a:fld>
             <a:endParaRPr lang="en-US" dirty="0"/>
           </a:p>
         </p:txBody>
@@ -10787,7 +11782,7 @@
     </p:spTree>
     <p:extLst>
       <p:ext uri="{BB962C8B-B14F-4D97-AF65-F5344CB8AC3E}">
-        <p14:creationId xmlns:p14="http://schemas.microsoft.com/office/powerpoint/2010/main" val="507665425"/>
+        <p14:creationId xmlns:p14="http://schemas.microsoft.com/office/powerpoint/2010/main" val="1010352627"/>
       </p:ext>
     </p:extLst>
   </p:cSld>
@@ -10858,7 +11853,12 @@
             <p:ph idx="1"/>
           </p:nvPr>
         </p:nvSpPr>
-        <p:spPr/>
+        <p:spPr>
+          <a:xfrm>
+            <a:off x="677334" y="2160590"/>
+            <a:ext cx="8596668" cy="3418340"/>
+          </a:xfrm>
+        </p:spPr>
         <p:txBody>
           <a:bodyPr/>
           <a:lstStyle/>
@@ -10901,6 +11901,65 @@
             <a:endParaRPr lang="en-US" dirty="0"/>
           </a:p>
           <a:p>
+            <a:endParaRPr lang="en-US" dirty="0"/>
+          </a:p>
+        </p:txBody>
+      </p:sp>
+      <p:sp>
+        <p:nvSpPr>
+          <p:cNvPr id="4" name="Date Placeholder 3">
+            <a:extLst>
+              <a:ext uri="{FF2B5EF4-FFF2-40B4-BE49-F238E27FC236}">
+                <a16:creationId xmlns:a16="http://schemas.microsoft.com/office/drawing/2014/main" id="{84C5B54A-00FC-402E-9608-F1DB644EF4C7}"/>
+              </a:ext>
+            </a:extLst>
+          </p:cNvPr>
+          <p:cNvSpPr>
+            <a:spLocks noGrp="1"/>
+          </p:cNvSpPr>
+          <p:nvPr>
+            <p:ph type="dt" sz="half" idx="10"/>
+          </p:nvPr>
+        </p:nvSpPr>
+        <p:spPr/>
+        <p:txBody>
+          <a:bodyPr/>
+          <a:lstStyle/>
+          <a:p>
+            <a:r>
+              <a:rPr lang="en-US"/>
+              <a:t>7/29/2019</a:t>
+            </a:r>
+            <a:endParaRPr lang="en-US" dirty="0"/>
+          </a:p>
+        </p:txBody>
+      </p:sp>
+      <p:sp>
+        <p:nvSpPr>
+          <p:cNvPr id="5" name="Slide Number Placeholder 4">
+            <a:extLst>
+              <a:ext uri="{FF2B5EF4-FFF2-40B4-BE49-F238E27FC236}">
+                <a16:creationId xmlns:a16="http://schemas.microsoft.com/office/drawing/2014/main" id="{C6611093-5FB5-4247-87CC-0934B1B97E3E}"/>
+              </a:ext>
+            </a:extLst>
+          </p:cNvPr>
+          <p:cNvSpPr>
+            <a:spLocks noGrp="1"/>
+          </p:cNvSpPr>
+          <p:nvPr>
+            <p:ph type="sldNum" sz="quarter" idx="12"/>
+          </p:nvPr>
+        </p:nvSpPr>
+        <p:spPr/>
+        <p:txBody>
+          <a:bodyPr/>
+          <a:lstStyle/>
+          <a:p>
+            <a:fld id="{D57F1E4F-1CFF-5643-939E-217C01CDF565}" type="slidenum">
+              <a:rPr lang="en-US" smtClean="0"/>
+              <a:pPr/>
+              <a:t>2</a:t>
+            </a:fld>
             <a:endParaRPr lang="en-US" dirty="0"/>
           </a:p>
         </p:txBody>
@@ -10940,7 +11999,7 @@
           <p:cNvPr id="2" name="Title 1">
             <a:extLst>
               <a:ext uri="{FF2B5EF4-FFF2-40B4-BE49-F238E27FC236}">
-                <a16:creationId xmlns:a16="http://schemas.microsoft.com/office/drawing/2014/main" id="{CBD7BD3C-95D6-4428-9983-A8EA74421EDD}"/>
+                <a16:creationId xmlns:a16="http://schemas.microsoft.com/office/drawing/2014/main" id="{B2BEB5D7-FBE4-462C-A0EF-D425722145A0}"/>
               </a:ext>
             </a:extLst>
           </p:cNvPr>
@@ -10953,22 +12012,31 @@
         </p:nvSpPr>
         <p:spPr/>
         <p:txBody>
-          <a:bodyPr/>
+          <a:bodyPr>
+            <a:normAutofit/>
+          </a:bodyPr>
           <a:lstStyle/>
           <a:p>
             <a:r>
               <a:rPr lang="en-US" dirty="0"/>
-              <a:t>Discussion</a:t>
-            </a:r>
-          </a:p>
-        </p:txBody>
-      </p:sp>
-      <p:sp>
-        <p:nvSpPr>
-          <p:cNvPr id="3" name="Content Placeholder 2">
+              <a:t>Variable Analysis</a:t>
+            </a:r>
+            <a:br>
+              <a:rPr lang="en-US" dirty="0"/>
+            </a:br>
+            <a:r>
+              <a:rPr lang="en-US" sz="2200" dirty="0"/>
+              <a:t>Correlation Coefficients between happiness and disaster rate, internet access rate and average sleeping.</a:t>
+            </a:r>
+          </a:p>
+        </p:txBody>
+      </p:sp>
+      <p:sp>
+        <p:nvSpPr>
+          <p:cNvPr id="4" name="Date Placeholder 3">
             <a:extLst>
               <a:ext uri="{FF2B5EF4-FFF2-40B4-BE49-F238E27FC236}">
-                <a16:creationId xmlns:a16="http://schemas.microsoft.com/office/drawing/2014/main" id="{947669C7-4B40-43A0-9AEB-F1CD2522B8BF}"/>
+                <a16:creationId xmlns:a16="http://schemas.microsoft.com/office/drawing/2014/main" id="{D07D9A69-7125-4006-995E-1BF4B2955E96}"/>
               </a:ext>
             </a:extLst>
           </p:cNvPr>
@@ -10976,25 +12044,88 @@
             <a:spLocks noGrp="1"/>
           </p:cNvSpPr>
           <p:nvPr>
+            <p:ph type="dt" sz="half" idx="10"/>
+          </p:nvPr>
+        </p:nvSpPr>
+        <p:spPr/>
+        <p:txBody>
+          <a:bodyPr/>
+          <a:lstStyle/>
+          <a:p>
+            <a:r>
+              <a:rPr lang="en-US"/>
+              <a:t>7/29/2019</a:t>
+            </a:r>
+            <a:endParaRPr lang="en-US" dirty="0"/>
+          </a:p>
+        </p:txBody>
+      </p:sp>
+      <p:sp>
+        <p:nvSpPr>
+          <p:cNvPr id="5" name="Slide Number Placeholder 4">
+            <a:extLst>
+              <a:ext uri="{FF2B5EF4-FFF2-40B4-BE49-F238E27FC236}">
+                <a16:creationId xmlns:a16="http://schemas.microsoft.com/office/drawing/2014/main" id="{D8C4F99E-09A3-47B4-9ABE-8861A85F597E}"/>
+              </a:ext>
+            </a:extLst>
+          </p:cNvPr>
+          <p:cNvSpPr>
+            <a:spLocks noGrp="1"/>
+          </p:cNvSpPr>
+          <p:nvPr>
+            <p:ph type="sldNum" sz="quarter" idx="12"/>
+          </p:nvPr>
+        </p:nvSpPr>
+        <p:spPr/>
+        <p:txBody>
+          <a:bodyPr/>
+          <a:lstStyle/>
+          <a:p>
+            <a:fld id="{D57F1E4F-1CFF-5643-939E-217C01CDF565}" type="slidenum">
+              <a:rPr lang="en-US" smtClean="0"/>
+              <a:pPr/>
+              <a:t>20</a:t>
+            </a:fld>
+            <a:endParaRPr lang="en-US" dirty="0"/>
+          </a:p>
+        </p:txBody>
+      </p:sp>
+      <p:pic>
+        <p:nvPicPr>
+          <p:cNvPr id="6" name="Content Placeholder 5">
+            <a:extLst>
+              <a:ext uri="{FF2B5EF4-FFF2-40B4-BE49-F238E27FC236}">
+                <a16:creationId xmlns:a16="http://schemas.microsoft.com/office/drawing/2014/main" id="{EB0517CD-D985-4F75-8BCE-834C1CFFD153}"/>
+              </a:ext>
+            </a:extLst>
+          </p:cNvPr>
+          <p:cNvPicPr>
+            <a:picLocks noGrp="1" noChangeAspect="1"/>
+          </p:cNvPicPr>
+          <p:nvPr>
             <p:ph idx="1"/>
           </p:nvPr>
-        </p:nvSpPr>
-        <p:spPr/>
-        <p:txBody>
-          <a:bodyPr/>
-          <a:lstStyle/>
-          <a:p>
-            <a:r>
-              <a:rPr lang="en-US" dirty="0"/>
-              <a:t>Answer the questions that were asked at the beginning</a:t>
-            </a:r>
-          </a:p>
-        </p:txBody>
-      </p:sp>
+        </p:nvPicPr>
+        <p:blipFill>
+          <a:blip r:embed="rId2"/>
+          <a:stretch>
+            <a:fillRect/>
+          </a:stretch>
+        </p:blipFill>
+        <p:spPr>
+          <a:xfrm>
+            <a:off x="2232194" y="2272090"/>
+            <a:ext cx="5487650" cy="3658433"/>
+          </a:xfrm>
+          <a:prstGeom prst="rect">
+            <a:avLst/>
+          </a:prstGeom>
+        </p:spPr>
+      </p:pic>
     </p:spTree>
     <p:extLst>
       <p:ext uri="{BB962C8B-B14F-4D97-AF65-F5344CB8AC3E}">
-        <p14:creationId xmlns:p14="http://schemas.microsoft.com/office/powerpoint/2010/main" val="4106366902"/>
+        <p14:creationId xmlns:p14="http://schemas.microsoft.com/office/powerpoint/2010/main" val="507665425"/>
       </p:ext>
     </p:extLst>
   </p:cSld>
@@ -11026,7 +12157,7 @@
           <p:cNvPr id="2" name="Title 1">
             <a:extLst>
               <a:ext uri="{FF2B5EF4-FFF2-40B4-BE49-F238E27FC236}">
-                <a16:creationId xmlns:a16="http://schemas.microsoft.com/office/drawing/2014/main" id="{4CD2B565-B36B-48B8-A2E1-F60402A1EFF0}"/>
+                <a16:creationId xmlns:a16="http://schemas.microsoft.com/office/drawing/2014/main" id="{CBD7BD3C-95D6-4428-9983-A8EA74421EDD}"/>
               </a:ext>
             </a:extLst>
           </p:cNvPr>
@@ -11043,10 +12174,9 @@
           <a:lstStyle/>
           <a:p>
             <a:r>
-              <a:rPr lang="en-US" dirty="0" err="1"/>
-              <a:t>Followups</a:t>
-            </a:r>
-            <a:endParaRPr lang="en-US" dirty="0"/>
+              <a:rPr lang="en-US" dirty="0"/>
+              <a:t>Discussion</a:t>
+            </a:r>
           </a:p>
         </p:txBody>
       </p:sp>
@@ -11055,7 +12185,7 @@
           <p:cNvPr id="3" name="Content Placeholder 2">
             <a:extLst>
               <a:ext uri="{FF2B5EF4-FFF2-40B4-BE49-F238E27FC236}">
-                <a16:creationId xmlns:a16="http://schemas.microsoft.com/office/drawing/2014/main" id="{890CD028-DB36-4934-ACCB-1B77EB261BC1}"/>
+                <a16:creationId xmlns:a16="http://schemas.microsoft.com/office/drawing/2014/main" id="{947669C7-4B40-43A0-9AEB-F1CD2522B8BF}"/>
               </a:ext>
             </a:extLst>
           </p:cNvPr>
@@ -11073,34 +12203,74 @@
           <a:p>
             <a:r>
               <a:rPr lang="en-US" dirty="0"/>
-              <a:t>Further analysis</a:t>
-            </a:r>
-          </a:p>
-          <a:p>
-            <a:r>
-              <a:rPr lang="en-US" dirty="0" err="1"/>
-              <a:t>Knn</a:t>
+              <a:t>Answer the questions that were asked at the beginning</a:t>
+            </a:r>
+          </a:p>
+        </p:txBody>
+      </p:sp>
+      <p:sp>
+        <p:nvSpPr>
+          <p:cNvPr id="4" name="Date Placeholder 3">
+            <a:extLst>
+              <a:ext uri="{FF2B5EF4-FFF2-40B4-BE49-F238E27FC236}">
+                <a16:creationId xmlns:a16="http://schemas.microsoft.com/office/drawing/2014/main" id="{C4ED3B52-CF4F-4420-9626-2DFDCF8C1D10}"/>
+              </a:ext>
+            </a:extLst>
+          </p:cNvPr>
+          <p:cNvSpPr>
+            <a:spLocks noGrp="1"/>
+          </p:cNvSpPr>
+          <p:nvPr>
+            <p:ph type="dt" sz="half" idx="10"/>
+          </p:nvPr>
+        </p:nvSpPr>
+        <p:spPr/>
+        <p:txBody>
+          <a:bodyPr/>
+          <a:lstStyle/>
+          <a:p>
+            <a:r>
+              <a:rPr lang="en-US"/>
+              <a:t>7/29/2019</a:t>
             </a:r>
             <a:endParaRPr lang="en-US" dirty="0"/>
           </a:p>
-          <a:p>
-            <a:r>
-              <a:rPr lang="en-US" dirty="0"/>
-              <a:t>Seeing how variables relate to each other</a:t>
-            </a:r>
-          </a:p>
-          <a:p>
-            <a:r>
-              <a:rPr lang="en-US" dirty="0"/>
-              <a:t>Other measures of happiness</a:t>
-            </a:r>
+        </p:txBody>
+      </p:sp>
+      <p:sp>
+        <p:nvSpPr>
+          <p:cNvPr id="5" name="Slide Number Placeholder 4">
+            <a:extLst>
+              <a:ext uri="{FF2B5EF4-FFF2-40B4-BE49-F238E27FC236}">
+                <a16:creationId xmlns:a16="http://schemas.microsoft.com/office/drawing/2014/main" id="{B7E3EA7A-8014-47E4-AA8D-588A7515DE35}"/>
+              </a:ext>
+            </a:extLst>
+          </p:cNvPr>
+          <p:cNvSpPr>
+            <a:spLocks noGrp="1"/>
+          </p:cNvSpPr>
+          <p:nvPr>
+            <p:ph type="sldNum" sz="quarter" idx="12"/>
+          </p:nvPr>
+        </p:nvSpPr>
+        <p:spPr/>
+        <p:txBody>
+          <a:bodyPr/>
+          <a:lstStyle/>
+          <a:p>
+            <a:fld id="{D57F1E4F-1CFF-5643-939E-217C01CDF565}" type="slidenum">
+              <a:rPr lang="en-US" smtClean="0"/>
+              <a:pPr/>
+              <a:t>21</a:t>
+            </a:fld>
+            <a:endParaRPr lang="en-US" dirty="0"/>
           </a:p>
         </p:txBody>
       </p:sp>
     </p:spTree>
     <p:extLst>
       <p:ext uri="{BB962C8B-B14F-4D97-AF65-F5344CB8AC3E}">
-        <p14:creationId xmlns:p14="http://schemas.microsoft.com/office/powerpoint/2010/main" val="1032603621"/>
+        <p14:creationId xmlns:p14="http://schemas.microsoft.com/office/powerpoint/2010/main" val="4106366902"/>
       </p:ext>
     </p:extLst>
   </p:cSld>
@@ -11132,7 +12302,7 @@
           <p:cNvPr id="2" name="Title 1">
             <a:extLst>
               <a:ext uri="{FF2B5EF4-FFF2-40B4-BE49-F238E27FC236}">
-                <a16:creationId xmlns:a16="http://schemas.microsoft.com/office/drawing/2014/main" id="{3B2BF537-6F95-44CD-AE4C-EA6303EB086A}"/>
+                <a16:creationId xmlns:a16="http://schemas.microsoft.com/office/drawing/2014/main" id="{4CD2B565-B36B-48B8-A2E1-F60402A1EFF0}"/>
               </a:ext>
             </a:extLst>
           </p:cNvPr>
@@ -11149,9 +12319,10 @@
           <a:lstStyle/>
           <a:p>
             <a:r>
-              <a:rPr lang="en-US" dirty="0"/>
-              <a:t>Questions?</a:t>
-            </a:r>
+              <a:rPr lang="en-US" dirty="0" err="1"/>
+              <a:t>Followups</a:t>
+            </a:r>
+            <a:endParaRPr lang="en-US" dirty="0"/>
           </a:p>
         </p:txBody>
       </p:sp>
@@ -11160,7 +12331,7 @@
           <p:cNvPr id="3" name="Content Placeholder 2">
             <a:extLst>
               <a:ext uri="{FF2B5EF4-FFF2-40B4-BE49-F238E27FC236}">
-                <a16:creationId xmlns:a16="http://schemas.microsoft.com/office/drawing/2014/main" id="{B0AC4919-7C82-4507-AAF4-29121B58EA07}"/>
+                <a16:creationId xmlns:a16="http://schemas.microsoft.com/office/drawing/2014/main" id="{890CD028-DB36-4934-ACCB-1B77EB261BC1}"/>
               </a:ext>
             </a:extLst>
           </p:cNvPr>
@@ -11176,14 +12347,95 @@
           <a:bodyPr/>
           <a:lstStyle/>
           <a:p>
-            <a:endParaRPr lang="en-US"/>
+            <a:r>
+              <a:rPr lang="en-US" dirty="0"/>
+              <a:t>Further analysis</a:t>
+            </a:r>
+          </a:p>
+          <a:p>
+            <a:r>
+              <a:rPr lang="en-US" dirty="0" err="1"/>
+              <a:t>Knn</a:t>
+            </a:r>
+            <a:endParaRPr lang="en-US" dirty="0"/>
+          </a:p>
+          <a:p>
+            <a:r>
+              <a:rPr lang="en-US" dirty="0"/>
+              <a:t>Seeing how variables relate to each other</a:t>
+            </a:r>
+          </a:p>
+          <a:p>
+            <a:r>
+              <a:rPr lang="en-US" dirty="0"/>
+              <a:t>Other measures of happiness</a:t>
+            </a:r>
+          </a:p>
+        </p:txBody>
+      </p:sp>
+      <p:sp>
+        <p:nvSpPr>
+          <p:cNvPr id="4" name="Date Placeholder 3">
+            <a:extLst>
+              <a:ext uri="{FF2B5EF4-FFF2-40B4-BE49-F238E27FC236}">
+                <a16:creationId xmlns:a16="http://schemas.microsoft.com/office/drawing/2014/main" id="{A0DA176E-6A9B-4D6C-ADD8-4EE4ACF70F54}"/>
+              </a:ext>
+            </a:extLst>
+          </p:cNvPr>
+          <p:cNvSpPr>
+            <a:spLocks noGrp="1"/>
+          </p:cNvSpPr>
+          <p:nvPr>
+            <p:ph type="dt" sz="half" idx="10"/>
+          </p:nvPr>
+        </p:nvSpPr>
+        <p:spPr/>
+        <p:txBody>
+          <a:bodyPr/>
+          <a:lstStyle/>
+          <a:p>
+            <a:r>
+              <a:rPr lang="en-US"/>
+              <a:t>7/29/2019</a:t>
+            </a:r>
+            <a:endParaRPr lang="en-US" dirty="0"/>
+          </a:p>
+        </p:txBody>
+      </p:sp>
+      <p:sp>
+        <p:nvSpPr>
+          <p:cNvPr id="5" name="Slide Number Placeholder 4">
+            <a:extLst>
+              <a:ext uri="{FF2B5EF4-FFF2-40B4-BE49-F238E27FC236}">
+                <a16:creationId xmlns:a16="http://schemas.microsoft.com/office/drawing/2014/main" id="{B3044782-0388-419C-BBAD-0FADCE3791DC}"/>
+              </a:ext>
+            </a:extLst>
+          </p:cNvPr>
+          <p:cNvSpPr>
+            <a:spLocks noGrp="1"/>
+          </p:cNvSpPr>
+          <p:nvPr>
+            <p:ph type="sldNum" sz="quarter" idx="12"/>
+          </p:nvPr>
+        </p:nvSpPr>
+        <p:spPr/>
+        <p:txBody>
+          <a:bodyPr/>
+          <a:lstStyle/>
+          <a:p>
+            <a:fld id="{D57F1E4F-1CFF-5643-939E-217C01CDF565}" type="slidenum">
+              <a:rPr lang="en-US" smtClean="0"/>
+              <a:pPr/>
+              <a:t>22</a:t>
+            </a:fld>
+            <a:endParaRPr lang="en-US" dirty="0"/>
           </a:p>
         </p:txBody>
       </p:sp>
     </p:spTree>
     <p:extLst>
       <p:ext uri="{BB962C8B-B14F-4D97-AF65-F5344CB8AC3E}">
-        <p14:creationId xmlns:p14="http://schemas.microsoft.com/office/powerpoint/2010/main" val="3541937635"/>
+        <p14:creationId xmlns:p14="http://schemas.microsoft.com/office/powerpoint/2010/main" val="1032603621"/>
       </p:ext>
     </p:extLst>
   </p:cSld>
@@ -11215,6 +12467,148 @@
           <p:cNvPr id="2" name="Title 1">
             <a:extLst>
               <a:ext uri="{FF2B5EF4-FFF2-40B4-BE49-F238E27FC236}">
+                <a16:creationId xmlns:a16="http://schemas.microsoft.com/office/drawing/2014/main" id="{3B2BF537-6F95-44CD-AE4C-EA6303EB086A}"/>
+              </a:ext>
+            </a:extLst>
+          </p:cNvPr>
+          <p:cNvSpPr>
+            <a:spLocks noGrp="1"/>
+          </p:cNvSpPr>
+          <p:nvPr>
+            <p:ph type="title"/>
+          </p:nvPr>
+        </p:nvSpPr>
+        <p:spPr/>
+        <p:txBody>
+          <a:bodyPr/>
+          <a:lstStyle/>
+          <a:p>
+            <a:r>
+              <a:rPr lang="en-US" dirty="0"/>
+              <a:t>Questions?</a:t>
+            </a:r>
+          </a:p>
+        </p:txBody>
+      </p:sp>
+      <p:sp>
+        <p:nvSpPr>
+          <p:cNvPr id="3" name="Content Placeholder 2">
+            <a:extLst>
+              <a:ext uri="{FF2B5EF4-FFF2-40B4-BE49-F238E27FC236}">
+                <a16:creationId xmlns:a16="http://schemas.microsoft.com/office/drawing/2014/main" id="{B0AC4919-7C82-4507-AAF4-29121B58EA07}"/>
+              </a:ext>
+            </a:extLst>
+          </p:cNvPr>
+          <p:cNvSpPr>
+            <a:spLocks noGrp="1"/>
+          </p:cNvSpPr>
+          <p:nvPr>
+            <p:ph idx="1"/>
+          </p:nvPr>
+        </p:nvSpPr>
+        <p:spPr/>
+        <p:txBody>
+          <a:bodyPr/>
+          <a:lstStyle/>
+          <a:p>
+            <a:endParaRPr lang="en-US"/>
+          </a:p>
+        </p:txBody>
+      </p:sp>
+      <p:sp>
+        <p:nvSpPr>
+          <p:cNvPr id="4" name="Date Placeholder 3">
+            <a:extLst>
+              <a:ext uri="{FF2B5EF4-FFF2-40B4-BE49-F238E27FC236}">
+                <a16:creationId xmlns:a16="http://schemas.microsoft.com/office/drawing/2014/main" id="{7C669383-E5C2-4490-B317-643DC573D855}"/>
+              </a:ext>
+            </a:extLst>
+          </p:cNvPr>
+          <p:cNvSpPr>
+            <a:spLocks noGrp="1"/>
+          </p:cNvSpPr>
+          <p:nvPr>
+            <p:ph type="dt" sz="half" idx="10"/>
+          </p:nvPr>
+        </p:nvSpPr>
+        <p:spPr/>
+        <p:txBody>
+          <a:bodyPr/>
+          <a:lstStyle/>
+          <a:p>
+            <a:r>
+              <a:rPr lang="en-US"/>
+              <a:t>7/29/2019</a:t>
+            </a:r>
+            <a:endParaRPr lang="en-US" dirty="0"/>
+          </a:p>
+        </p:txBody>
+      </p:sp>
+      <p:sp>
+        <p:nvSpPr>
+          <p:cNvPr id="5" name="Slide Number Placeholder 4">
+            <a:extLst>
+              <a:ext uri="{FF2B5EF4-FFF2-40B4-BE49-F238E27FC236}">
+                <a16:creationId xmlns:a16="http://schemas.microsoft.com/office/drawing/2014/main" id="{4615B7CA-E971-49C8-9606-B31FE85F1B44}"/>
+              </a:ext>
+            </a:extLst>
+          </p:cNvPr>
+          <p:cNvSpPr>
+            <a:spLocks noGrp="1"/>
+          </p:cNvSpPr>
+          <p:nvPr>
+            <p:ph type="sldNum" sz="quarter" idx="12"/>
+          </p:nvPr>
+        </p:nvSpPr>
+        <p:spPr/>
+        <p:txBody>
+          <a:bodyPr/>
+          <a:lstStyle/>
+          <a:p>
+            <a:fld id="{D57F1E4F-1CFF-5643-939E-217C01CDF565}" type="slidenum">
+              <a:rPr lang="en-US" smtClean="0"/>
+              <a:pPr/>
+              <a:t>23</a:t>
+            </a:fld>
+            <a:endParaRPr lang="en-US" dirty="0"/>
+          </a:p>
+        </p:txBody>
+      </p:sp>
+    </p:spTree>
+    <p:extLst>
+      <p:ext uri="{BB962C8B-B14F-4D97-AF65-F5344CB8AC3E}">
+        <p14:creationId xmlns:p14="http://schemas.microsoft.com/office/powerpoint/2010/main" val="3541937635"/>
+      </p:ext>
+    </p:extLst>
+  </p:cSld>
+  <p:clrMapOvr>
+    <a:masterClrMapping/>
+  </p:clrMapOvr>
+</p:sld>
+</file>
+
+<file path=ppt/slides/slide24.xml><?xml version="1.0" encoding="utf-8"?>
+<p:sld xmlns:a="http://schemas.openxmlformats.org/drawingml/2006/main" xmlns:r="http://schemas.openxmlformats.org/officeDocument/2006/relationships" xmlns:p="http://schemas.openxmlformats.org/presentationml/2006/main">
+  <p:cSld>
+    <p:spTree>
+      <p:nvGrpSpPr>
+        <p:cNvPr id="1" name=""/>
+        <p:cNvGrpSpPr/>
+        <p:nvPr/>
+      </p:nvGrpSpPr>
+      <p:grpSpPr>
+        <a:xfrm>
+          <a:off x="0" y="0"/>
+          <a:ext cx="0" cy="0"/>
+          <a:chOff x="0" y="0"/>
+          <a:chExt cx="0" cy="0"/>
+        </a:xfrm>
+      </p:grpSpPr>
+      <p:sp>
+        <p:nvSpPr>
+          <p:cNvPr id="2" name="Title 1">
+            <a:extLst>
+              <a:ext uri="{FF2B5EF4-FFF2-40B4-BE49-F238E27FC236}">
                 <a16:creationId xmlns:a16="http://schemas.microsoft.com/office/drawing/2014/main" id="{036D0E5F-792B-4DD0-93C4-C0709DAA1256}"/>
               </a:ext>
             </a:extLst>
@@ -11244,6 +12638,65 @@
               <a:rPr lang="en-US" sz="2800" dirty="0"/>
               <a:t>International Day of Happiness on March 20th</a:t>
             </a:r>
+          </a:p>
+        </p:txBody>
+      </p:sp>
+      <p:sp>
+        <p:nvSpPr>
+          <p:cNvPr id="3" name="Date Placeholder 2">
+            <a:extLst>
+              <a:ext uri="{FF2B5EF4-FFF2-40B4-BE49-F238E27FC236}">
+                <a16:creationId xmlns:a16="http://schemas.microsoft.com/office/drawing/2014/main" id="{21935C9B-159C-4890-83B8-0ACCA636AB2C}"/>
+              </a:ext>
+            </a:extLst>
+          </p:cNvPr>
+          <p:cNvSpPr>
+            <a:spLocks noGrp="1"/>
+          </p:cNvSpPr>
+          <p:nvPr>
+            <p:ph type="dt" sz="half" idx="10"/>
+          </p:nvPr>
+        </p:nvSpPr>
+        <p:spPr/>
+        <p:txBody>
+          <a:bodyPr/>
+          <a:lstStyle/>
+          <a:p>
+            <a:r>
+              <a:rPr lang="en-US"/>
+              <a:t>7/29/2019</a:t>
+            </a:r>
+            <a:endParaRPr lang="en-US" dirty="0"/>
+          </a:p>
+        </p:txBody>
+      </p:sp>
+      <p:sp>
+        <p:nvSpPr>
+          <p:cNvPr id="4" name="Slide Number Placeholder 3">
+            <a:extLst>
+              <a:ext uri="{FF2B5EF4-FFF2-40B4-BE49-F238E27FC236}">
+                <a16:creationId xmlns:a16="http://schemas.microsoft.com/office/drawing/2014/main" id="{99F5262D-08F4-4A35-86A4-498ABA2FE159}"/>
+              </a:ext>
+            </a:extLst>
+          </p:cNvPr>
+          <p:cNvSpPr>
+            <a:spLocks noGrp="1"/>
+          </p:cNvSpPr>
+          <p:nvPr>
+            <p:ph type="sldNum" sz="quarter" idx="12"/>
+          </p:nvPr>
+        </p:nvSpPr>
+        <p:spPr/>
+        <p:txBody>
+          <a:bodyPr/>
+          <a:lstStyle/>
+          <a:p>
+            <a:fld id="{D57F1E4F-1CFF-5643-939E-217C01CDF565}" type="slidenum">
+              <a:rPr lang="en-US" smtClean="0"/>
+              <a:pPr/>
+              <a:t>24</a:t>
+            </a:fld>
+            <a:endParaRPr lang="en-US" dirty="0"/>
           </a:p>
         </p:txBody>
       </p:sp>
@@ -11420,11 +12873,70 @@
             <a:pPr lvl="1"/>
             <a:r>
               <a:rPr lang="en-US" dirty="0"/>
-              <a:t>Amount of Sleep</a:t>
+              <a:t>Amount of Sleep </a:t>
             </a:r>
           </a:p>
           <a:p>
             <a:pPr lvl="1"/>
+            <a:endParaRPr lang="en-US" dirty="0"/>
+          </a:p>
+        </p:txBody>
+      </p:sp>
+      <p:sp>
+        <p:nvSpPr>
+          <p:cNvPr id="4" name="Date Placeholder 3">
+            <a:extLst>
+              <a:ext uri="{FF2B5EF4-FFF2-40B4-BE49-F238E27FC236}">
+                <a16:creationId xmlns:a16="http://schemas.microsoft.com/office/drawing/2014/main" id="{134CD9C2-2645-4809-86E2-AF5154EB44A7}"/>
+              </a:ext>
+            </a:extLst>
+          </p:cNvPr>
+          <p:cNvSpPr>
+            <a:spLocks noGrp="1"/>
+          </p:cNvSpPr>
+          <p:nvPr>
+            <p:ph type="dt" sz="half" idx="10"/>
+          </p:nvPr>
+        </p:nvSpPr>
+        <p:spPr/>
+        <p:txBody>
+          <a:bodyPr/>
+          <a:lstStyle/>
+          <a:p>
+            <a:r>
+              <a:rPr lang="en-US"/>
+              <a:t>7/29/2019</a:t>
+            </a:r>
+            <a:endParaRPr lang="en-US" dirty="0"/>
+          </a:p>
+        </p:txBody>
+      </p:sp>
+      <p:sp>
+        <p:nvSpPr>
+          <p:cNvPr id="5" name="Slide Number Placeholder 4">
+            <a:extLst>
+              <a:ext uri="{FF2B5EF4-FFF2-40B4-BE49-F238E27FC236}">
+                <a16:creationId xmlns:a16="http://schemas.microsoft.com/office/drawing/2014/main" id="{79DD9E08-7ADE-40DE-8254-DC31068C6C86}"/>
+              </a:ext>
+            </a:extLst>
+          </p:cNvPr>
+          <p:cNvSpPr>
+            <a:spLocks noGrp="1"/>
+          </p:cNvSpPr>
+          <p:nvPr>
+            <p:ph type="sldNum" sz="quarter" idx="12"/>
+          </p:nvPr>
+        </p:nvSpPr>
+        <p:spPr/>
+        <p:txBody>
+          <a:bodyPr/>
+          <a:lstStyle/>
+          <a:p>
+            <a:fld id="{D57F1E4F-1CFF-5643-939E-217C01CDF565}" type="slidenum">
+              <a:rPr lang="en-US" smtClean="0"/>
+              <a:pPr/>
+              <a:t>3</a:t>
+            </a:fld>
             <a:endParaRPr lang="en-US" dirty="0"/>
           </a:p>
         </p:txBody>
@@ -11545,6 +13057,65 @@
           </a:p>
         </p:txBody>
       </p:sp>
+      <p:sp>
+        <p:nvSpPr>
+          <p:cNvPr id="4" name="Date Placeholder 3">
+            <a:extLst>
+              <a:ext uri="{FF2B5EF4-FFF2-40B4-BE49-F238E27FC236}">
+                <a16:creationId xmlns:a16="http://schemas.microsoft.com/office/drawing/2014/main" id="{611C6292-D106-432F-8984-35C02DA3CEC1}"/>
+              </a:ext>
+            </a:extLst>
+          </p:cNvPr>
+          <p:cNvSpPr>
+            <a:spLocks noGrp="1"/>
+          </p:cNvSpPr>
+          <p:nvPr>
+            <p:ph type="dt" sz="half" idx="10"/>
+          </p:nvPr>
+        </p:nvSpPr>
+        <p:spPr/>
+        <p:txBody>
+          <a:bodyPr/>
+          <a:lstStyle/>
+          <a:p>
+            <a:r>
+              <a:rPr lang="en-US"/>
+              <a:t>7/29/2019</a:t>
+            </a:r>
+            <a:endParaRPr lang="en-US" dirty="0"/>
+          </a:p>
+        </p:txBody>
+      </p:sp>
+      <p:sp>
+        <p:nvSpPr>
+          <p:cNvPr id="5" name="Slide Number Placeholder 4">
+            <a:extLst>
+              <a:ext uri="{FF2B5EF4-FFF2-40B4-BE49-F238E27FC236}">
+                <a16:creationId xmlns:a16="http://schemas.microsoft.com/office/drawing/2014/main" id="{198B185E-330D-4936-85B0-C352DE680CBE}"/>
+              </a:ext>
+            </a:extLst>
+          </p:cNvPr>
+          <p:cNvSpPr>
+            <a:spLocks noGrp="1"/>
+          </p:cNvSpPr>
+          <p:nvPr>
+            <p:ph type="sldNum" sz="quarter" idx="12"/>
+          </p:nvPr>
+        </p:nvSpPr>
+        <p:spPr/>
+        <p:txBody>
+          <a:bodyPr/>
+          <a:lstStyle/>
+          <a:p>
+            <a:fld id="{D57F1E4F-1CFF-5643-939E-217C01CDF565}" type="slidenum">
+              <a:rPr lang="en-US" smtClean="0"/>
+              <a:pPr/>
+              <a:t>4</a:t>
+            </a:fld>
+            <a:endParaRPr lang="en-US" dirty="0"/>
+          </a:p>
+        </p:txBody>
+      </p:sp>
     </p:spTree>
     <p:extLst>
       <p:ext uri="{BB962C8B-B14F-4D97-AF65-F5344CB8AC3E}">
@@ -11697,6 +13268,65 @@
           </a:p>
         </p:txBody>
       </p:sp>
+      <p:sp>
+        <p:nvSpPr>
+          <p:cNvPr id="4" name="Date Placeholder 3">
+            <a:extLst>
+              <a:ext uri="{FF2B5EF4-FFF2-40B4-BE49-F238E27FC236}">
+                <a16:creationId xmlns:a16="http://schemas.microsoft.com/office/drawing/2014/main" id="{7DD18B79-5FB2-4FE3-84CB-824C3F5AFF56}"/>
+              </a:ext>
+            </a:extLst>
+          </p:cNvPr>
+          <p:cNvSpPr>
+            <a:spLocks noGrp="1"/>
+          </p:cNvSpPr>
+          <p:nvPr>
+            <p:ph type="dt" sz="half" idx="10"/>
+          </p:nvPr>
+        </p:nvSpPr>
+        <p:spPr/>
+        <p:txBody>
+          <a:bodyPr/>
+          <a:lstStyle/>
+          <a:p>
+            <a:r>
+              <a:rPr lang="en-US"/>
+              <a:t>7/29/2019</a:t>
+            </a:r>
+            <a:endParaRPr lang="en-US" dirty="0"/>
+          </a:p>
+        </p:txBody>
+      </p:sp>
+      <p:sp>
+        <p:nvSpPr>
+          <p:cNvPr id="5" name="Slide Number Placeholder 4">
+            <a:extLst>
+              <a:ext uri="{FF2B5EF4-FFF2-40B4-BE49-F238E27FC236}">
+                <a16:creationId xmlns:a16="http://schemas.microsoft.com/office/drawing/2014/main" id="{96EB8BAD-D104-4E5A-9334-7D4F79BFD78B}"/>
+              </a:ext>
+            </a:extLst>
+          </p:cNvPr>
+          <p:cNvSpPr>
+            <a:spLocks noGrp="1"/>
+          </p:cNvSpPr>
+          <p:nvPr>
+            <p:ph type="sldNum" sz="quarter" idx="12"/>
+          </p:nvPr>
+        </p:nvSpPr>
+        <p:spPr/>
+        <p:txBody>
+          <a:bodyPr/>
+          <a:lstStyle/>
+          <a:p>
+            <a:fld id="{D57F1E4F-1CFF-5643-939E-217C01CDF565}" type="slidenum">
+              <a:rPr lang="en-US" smtClean="0"/>
+              <a:pPr/>
+              <a:t>5</a:t>
+            </a:fld>
+            <a:endParaRPr lang="en-US" dirty="0"/>
+          </a:p>
+        </p:txBody>
+      </p:sp>
     </p:spTree>
     <p:extLst>
       <p:ext uri="{BB962C8B-B14F-4D97-AF65-F5344CB8AC3E}">
@@ -11776,9 +13406,6 @@
           <a:bodyPr/>
           <a:lstStyle/>
           <a:p>
-            <a:endParaRPr lang="en-US" dirty="0"/>
-          </a:p>
-          <a:p>
             <a:r>
               <a:rPr lang="en-US" dirty="0"/>
               <a:t>In order to compare happiness scores to information on other factors from the same year, we focused most of our analysis on happiness scores in 2016.</a:t>
@@ -11799,16 +13426,75 @@
           <a:p>
             <a:r>
               <a:rPr lang="en-US" dirty="0"/>
-              <a:t>Each data source was missing information on a few countries.  For this reason, individual variable analyses varies in number of countries included. (Ranging from to 151-155 countries)</a:t>
+              <a:t>Each data source was missing information on a few countries.  For this reason, individual variable analyses varies in number of countries included. (Ranging from to 125-155 countries)</a:t>
             </a:r>
           </a:p>
           <a:p>
             <a:r>
               <a:rPr lang="en-US" dirty="0"/>
-              <a:t>Note: The source of sleeping includes information for only 30 countries.</a:t>
-            </a:r>
-          </a:p>
-          <a:p>
+              <a:t>Note: The source of sleeping includes information for only about 30 countries.</a:t>
+            </a:r>
+          </a:p>
+          <a:p>
+            <a:endParaRPr lang="en-US" dirty="0"/>
+          </a:p>
+        </p:txBody>
+      </p:sp>
+      <p:sp>
+        <p:nvSpPr>
+          <p:cNvPr id="4" name="Date Placeholder 3">
+            <a:extLst>
+              <a:ext uri="{FF2B5EF4-FFF2-40B4-BE49-F238E27FC236}">
+                <a16:creationId xmlns:a16="http://schemas.microsoft.com/office/drawing/2014/main" id="{B58D5A20-FDC7-4054-BA84-9DADF036AA35}"/>
+              </a:ext>
+            </a:extLst>
+          </p:cNvPr>
+          <p:cNvSpPr>
+            <a:spLocks noGrp="1"/>
+          </p:cNvSpPr>
+          <p:nvPr>
+            <p:ph type="dt" sz="half" idx="10"/>
+          </p:nvPr>
+        </p:nvSpPr>
+        <p:spPr/>
+        <p:txBody>
+          <a:bodyPr/>
+          <a:lstStyle/>
+          <a:p>
+            <a:r>
+              <a:rPr lang="en-US"/>
+              <a:t>7/29/2019</a:t>
+            </a:r>
+            <a:endParaRPr lang="en-US" dirty="0"/>
+          </a:p>
+        </p:txBody>
+      </p:sp>
+      <p:sp>
+        <p:nvSpPr>
+          <p:cNvPr id="5" name="Slide Number Placeholder 4">
+            <a:extLst>
+              <a:ext uri="{FF2B5EF4-FFF2-40B4-BE49-F238E27FC236}">
+                <a16:creationId xmlns:a16="http://schemas.microsoft.com/office/drawing/2014/main" id="{EE6F5CC5-DCB9-45FA-A601-EEC507065959}"/>
+              </a:ext>
+            </a:extLst>
+          </p:cNvPr>
+          <p:cNvSpPr>
+            <a:spLocks noGrp="1"/>
+          </p:cNvSpPr>
+          <p:nvPr>
+            <p:ph type="sldNum" sz="quarter" idx="12"/>
+          </p:nvPr>
+        </p:nvSpPr>
+        <p:spPr/>
+        <p:txBody>
+          <a:bodyPr/>
+          <a:lstStyle/>
+          <a:p>
+            <a:fld id="{D57F1E4F-1CFF-5643-939E-217C01CDF565}" type="slidenum">
+              <a:rPr lang="en-US" smtClean="0"/>
+              <a:pPr/>
+              <a:t>6</a:t>
+            </a:fld>
             <a:endParaRPr lang="en-US" dirty="0"/>
           </a:p>
         </p:txBody>
@@ -11871,28 +13557,91 @@
           </a:p>
         </p:txBody>
       </p:sp>
-      <p:sp>
-        <p:nvSpPr>
-          <p:cNvPr id="3" name="Content Placeholder 2">
+      <p:pic>
+        <p:nvPicPr>
+          <p:cNvPr id="7" name="Content Placeholder 6" descr="A picture containing writing implement, stationary, pencil&#10;&#10;Description automatically generated">
             <a:extLst>
               <a:ext uri="{FF2B5EF4-FFF2-40B4-BE49-F238E27FC236}">
-                <a16:creationId xmlns:a16="http://schemas.microsoft.com/office/drawing/2014/main" id="{B410AAC1-0135-4D1F-A09A-8AAFC3C015E5}"/>
+                <a16:creationId xmlns:a16="http://schemas.microsoft.com/office/drawing/2014/main" id="{B831983D-FE5A-4B55-88A8-4AB2386D72E6}"/>
               </a:ext>
             </a:extLst>
           </p:cNvPr>
-          <p:cNvSpPr>
-            <a:spLocks noGrp="1"/>
-          </p:cNvSpPr>
+          <p:cNvPicPr>
+            <a:picLocks noGrp="1" noChangeAspect="1"/>
+          </p:cNvPicPr>
           <p:nvPr>
             <p:ph idx="1"/>
           </p:nvPr>
+        </p:nvPicPr>
+        <p:blipFill>
+          <a:blip r:embed="rId2"/>
+          <a:stretch>
+            <a:fillRect/>
+          </a:stretch>
+        </p:blipFill>
+        <p:spPr>
+          <a:xfrm>
+            <a:off x="1103725" y="1456447"/>
+            <a:ext cx="7051510" cy="4230906"/>
+          </a:xfrm>
+        </p:spPr>
+      </p:pic>
+      <p:sp>
+        <p:nvSpPr>
+          <p:cNvPr id="4" name="Date Placeholder 3">
+            <a:extLst>
+              <a:ext uri="{FF2B5EF4-FFF2-40B4-BE49-F238E27FC236}">
+                <a16:creationId xmlns:a16="http://schemas.microsoft.com/office/drawing/2014/main" id="{E1E1B43F-3C54-4D57-A6CD-E7DA60699B28}"/>
+              </a:ext>
+            </a:extLst>
+          </p:cNvPr>
+          <p:cNvSpPr>
+            <a:spLocks noGrp="1"/>
+          </p:cNvSpPr>
+          <p:nvPr>
+            <p:ph type="dt" sz="half" idx="10"/>
+          </p:nvPr>
         </p:nvSpPr>
         <p:spPr/>
         <p:txBody>
           <a:bodyPr/>
           <a:lstStyle/>
           <a:p>
-            <a:endParaRPr lang="en-US"/>
+            <a:r>
+              <a:rPr lang="en-US"/>
+              <a:t>7/29/2019</a:t>
+            </a:r>
+            <a:endParaRPr lang="en-US" dirty="0"/>
+          </a:p>
+        </p:txBody>
+      </p:sp>
+      <p:sp>
+        <p:nvSpPr>
+          <p:cNvPr id="5" name="Slide Number Placeholder 4">
+            <a:extLst>
+              <a:ext uri="{FF2B5EF4-FFF2-40B4-BE49-F238E27FC236}">
+                <a16:creationId xmlns:a16="http://schemas.microsoft.com/office/drawing/2014/main" id="{30DA1188-5EFD-42BB-9F65-23D16DAA331E}"/>
+              </a:ext>
+            </a:extLst>
+          </p:cNvPr>
+          <p:cNvSpPr>
+            <a:spLocks noGrp="1"/>
+          </p:cNvSpPr>
+          <p:nvPr>
+            <p:ph type="sldNum" sz="quarter" idx="12"/>
+          </p:nvPr>
+        </p:nvSpPr>
+        <p:spPr/>
+        <p:txBody>
+          <a:bodyPr/>
+          <a:lstStyle/>
+          <a:p>
+            <a:fld id="{D57F1E4F-1CFF-5643-939E-217C01CDF565}" type="slidenum">
+              <a:rPr lang="en-US" smtClean="0"/>
+              <a:pPr/>
+              <a:t>7</a:t>
+            </a:fld>
+            <a:endParaRPr lang="en-US" dirty="0"/>
           </a:p>
         </p:txBody>
       </p:sp>
@@ -12034,6 +13783,65 @@
           </a:extLst>
         </p:spPr>
       </p:pic>
+      <p:sp>
+        <p:nvSpPr>
+          <p:cNvPr id="3" name="Date Placeholder 2">
+            <a:extLst>
+              <a:ext uri="{FF2B5EF4-FFF2-40B4-BE49-F238E27FC236}">
+                <a16:creationId xmlns:a16="http://schemas.microsoft.com/office/drawing/2014/main" id="{6FA8C679-EE13-4847-BAF0-B8FFEDB526D5}"/>
+              </a:ext>
+            </a:extLst>
+          </p:cNvPr>
+          <p:cNvSpPr>
+            <a:spLocks noGrp="1"/>
+          </p:cNvSpPr>
+          <p:nvPr>
+            <p:ph type="dt" sz="half" idx="10"/>
+          </p:nvPr>
+        </p:nvSpPr>
+        <p:spPr/>
+        <p:txBody>
+          <a:bodyPr/>
+          <a:lstStyle/>
+          <a:p>
+            <a:r>
+              <a:rPr lang="en-US"/>
+              <a:t>7/29/2019</a:t>
+            </a:r>
+            <a:endParaRPr lang="en-US" dirty="0"/>
+          </a:p>
+        </p:txBody>
+      </p:sp>
+      <p:sp>
+        <p:nvSpPr>
+          <p:cNvPr id="6" name="Slide Number Placeholder 5">
+            <a:extLst>
+              <a:ext uri="{FF2B5EF4-FFF2-40B4-BE49-F238E27FC236}">
+                <a16:creationId xmlns:a16="http://schemas.microsoft.com/office/drawing/2014/main" id="{7A570C42-8B22-4634-891F-0D83B1D91D75}"/>
+              </a:ext>
+            </a:extLst>
+          </p:cNvPr>
+          <p:cNvSpPr>
+            <a:spLocks noGrp="1"/>
+          </p:cNvSpPr>
+          <p:nvPr>
+            <p:ph type="sldNum" sz="quarter" idx="12"/>
+          </p:nvPr>
+        </p:nvSpPr>
+        <p:spPr/>
+        <p:txBody>
+          <a:bodyPr/>
+          <a:lstStyle/>
+          <a:p>
+            <a:fld id="{D57F1E4F-1CFF-5643-939E-217C01CDF565}" type="slidenum">
+              <a:rPr lang="en-US" smtClean="0"/>
+              <a:pPr/>
+              <a:t>8</a:t>
+            </a:fld>
+            <a:endParaRPr lang="en-US" dirty="0"/>
+          </a:p>
+        </p:txBody>
+      </p:sp>
     </p:spTree>
     <p:extLst>
       <p:ext uri="{BB962C8B-B14F-4D97-AF65-F5344CB8AC3E}">
@@ -12087,7 +13895,7 @@
           <a:p>
             <a:r>
               <a:rPr lang="en-US" dirty="0"/>
-              <a:t>Happiness Distribution</a:t>
+              <a:t>Happiness Distribution by Continent</a:t>
             </a:r>
           </a:p>
         </p:txBody>
@@ -12121,6 +13929,65 @@
           </a:xfrm>
         </p:spPr>
       </p:pic>
+      <p:sp>
+        <p:nvSpPr>
+          <p:cNvPr id="3" name="Date Placeholder 2">
+            <a:extLst>
+              <a:ext uri="{FF2B5EF4-FFF2-40B4-BE49-F238E27FC236}">
+                <a16:creationId xmlns:a16="http://schemas.microsoft.com/office/drawing/2014/main" id="{C2325EB5-C1FB-4C12-8970-601159236936}"/>
+              </a:ext>
+            </a:extLst>
+          </p:cNvPr>
+          <p:cNvSpPr>
+            <a:spLocks noGrp="1"/>
+          </p:cNvSpPr>
+          <p:nvPr>
+            <p:ph type="dt" sz="half" idx="10"/>
+          </p:nvPr>
+        </p:nvSpPr>
+        <p:spPr/>
+        <p:txBody>
+          <a:bodyPr/>
+          <a:lstStyle/>
+          <a:p>
+            <a:r>
+              <a:rPr lang="en-US"/>
+              <a:t>7/29/2019</a:t>
+            </a:r>
+            <a:endParaRPr lang="en-US" dirty="0"/>
+          </a:p>
+        </p:txBody>
+      </p:sp>
+      <p:sp>
+        <p:nvSpPr>
+          <p:cNvPr id="4" name="Slide Number Placeholder 3">
+            <a:extLst>
+              <a:ext uri="{FF2B5EF4-FFF2-40B4-BE49-F238E27FC236}">
+                <a16:creationId xmlns:a16="http://schemas.microsoft.com/office/drawing/2014/main" id="{2B6E5C7D-7471-4587-8391-B09B2E4C06FF}"/>
+              </a:ext>
+            </a:extLst>
+          </p:cNvPr>
+          <p:cNvSpPr>
+            <a:spLocks noGrp="1"/>
+          </p:cNvSpPr>
+          <p:nvPr>
+            <p:ph type="sldNum" sz="quarter" idx="12"/>
+          </p:nvPr>
+        </p:nvSpPr>
+        <p:spPr/>
+        <p:txBody>
+          <a:bodyPr/>
+          <a:lstStyle/>
+          <a:p>
+            <a:fld id="{D57F1E4F-1CFF-5643-939E-217C01CDF565}" type="slidenum">
+              <a:rPr lang="en-US" smtClean="0"/>
+              <a:pPr/>
+              <a:t>9</a:t>
+            </a:fld>
+            <a:endParaRPr lang="en-US" dirty="0"/>
+          </a:p>
+        </p:txBody>
+      </p:sp>
     </p:spTree>
     <p:extLst>
       <p:ext uri="{BB962C8B-B14F-4D97-AF65-F5344CB8AC3E}">
@@ -12389,4 +14256,299 @@
     </a:ext>
   </a:extLst>
 </a:theme>
+</file>
+
+<file path=ppt/theme/theme2.xml><?xml version="1.0" encoding="utf-8"?>
+<a:theme xmlns:a="http://schemas.openxmlformats.org/drawingml/2006/main" name="Office Theme">
+  <a:themeElements>
+    <a:clrScheme name="Office">
+      <a:dk1>
+        <a:sysClr val="windowText" lastClr="000000"/>
+      </a:dk1>
+      <a:lt1>
+        <a:sysClr val="window" lastClr="FFFFFF"/>
+      </a:lt1>
+      <a:dk2>
+        <a:srgbClr val="44546A"/>
+      </a:dk2>
+      <a:lt2>
+        <a:srgbClr val="E7E6E6"/>
+      </a:lt2>
+      <a:accent1>
+        <a:srgbClr val="4472C4"/>
+      </a:accent1>
+      <a:accent2>
+        <a:srgbClr val="ED7D31"/>
+      </a:accent2>
+      <a:accent3>
+        <a:srgbClr val="A5A5A5"/>
+      </a:accent3>
+      <a:accent4>
+        <a:srgbClr val="FFC000"/>
+      </a:accent4>
+      <a:accent5>
+        <a:srgbClr val="5B9BD5"/>
+      </a:accent5>
+      <a:accent6>
+        <a:srgbClr val="70AD47"/>
+      </a:accent6>
+      <a:hlink>
+        <a:srgbClr val="0563C1"/>
+      </a:hlink>
+      <a:folHlink>
+        <a:srgbClr val="954F72"/>
+      </a:folHlink>
+    </a:clrScheme>
+    <a:fontScheme name="Office">
+      <a:majorFont>
+        <a:latin typeface="Calibri Light" panose="020F0302020204030204"/>
+        <a:ea typeface=""/>
+        <a:cs typeface=""/>
+        <a:font script="Jpan" typeface="游ゴシック Light"/>
+        <a:font script="Hang" typeface="맑은 고딕"/>
+        <a:font script="Hans" typeface="等线 Light"/>
+        <a:font script="Hant" typeface="新細明體"/>
+        <a:font script="Arab" typeface="Times New Roman"/>
+        <a:font script="Hebr" typeface="Times New Roman"/>
+        <a:font script="Thai" typeface="Angsana New"/>
+        <a:font script="Ethi" typeface="Nyala"/>
+        <a:font script="Beng" typeface="Vrinda"/>
+        <a:font script="Gujr" typeface="Shruti"/>
+        <a:font script="Khmr" typeface="MoolBoran"/>
+        <a:font script="Knda" typeface="Tunga"/>
+        <a:font script="Guru" typeface="Raavi"/>
+        <a:font script="Cans" typeface="Euphemia"/>
+        <a:font script="Cher" typeface="Plantagenet Cherokee"/>
+        <a:font script="Yiii" typeface="Microsoft Yi Baiti"/>
+        <a:font script="Tibt" typeface="Microsoft Himalaya"/>
+        <a:font script="Thaa" typeface="MV Boli"/>
+        <a:font script="Deva" typeface="Mangal"/>
+        <a:font script="Telu" typeface="Gautami"/>
+        <a:font script="Taml" typeface="Latha"/>
+        <a:font script="Syrc" typeface="Estrangelo Edessa"/>
+        <a:font script="Orya" typeface="Kalinga"/>
+        <a:font script="Mlym" typeface="Kartika"/>
+        <a:font script="Laoo" typeface="DokChampa"/>
+        <a:font script="Sinh" typeface="Iskoola Pota"/>
+        <a:font script="Mong" typeface="Mongolian Baiti"/>
+        <a:font script="Viet" typeface="Times New Roman"/>
+        <a:font script="Uigh" typeface="Microsoft Uighur"/>
+        <a:font script="Geor" typeface="Sylfaen"/>
+        <a:font script="Armn" typeface="Arial"/>
+        <a:font script="Bugi" typeface="Leelawadee UI"/>
+        <a:font script="Bopo" typeface="Microsoft JhengHei"/>
+        <a:font script="Java" typeface="Javanese Text"/>
+        <a:font script="Lisu" typeface="Segoe UI"/>
+        <a:font script="Mymr" typeface="Myanmar Text"/>
+        <a:font script="Nkoo" typeface="Ebrima"/>
+        <a:font script="Olck" typeface="Nirmala UI"/>
+        <a:font script="Osma" typeface="Ebrima"/>
+        <a:font script="Phag" typeface="Phagspa"/>
+        <a:font script="Syrn" typeface="Estrangelo Edessa"/>
+        <a:font script="Syrj" typeface="Estrangelo Edessa"/>
+        <a:font script="Syre" typeface="Estrangelo Edessa"/>
+        <a:font script="Sora" typeface="Nirmala UI"/>
+        <a:font script="Tale" typeface="Microsoft Tai Le"/>
+        <a:font script="Talu" typeface="Microsoft New Tai Lue"/>
+        <a:font script="Tfng" typeface="Ebrima"/>
+      </a:majorFont>
+      <a:minorFont>
+        <a:latin typeface="Calibri" panose="020F0502020204030204"/>
+        <a:ea typeface=""/>
+        <a:cs typeface=""/>
+        <a:font script="Jpan" typeface="游ゴシック"/>
+        <a:font script="Hang" typeface="맑은 고딕"/>
+        <a:font script="Hans" typeface="等线"/>
+        <a:font script="Hant" typeface="新細明體"/>
+        <a:font script="Arab" typeface="Arial"/>
+        <a:font script="Hebr" typeface="Arial"/>
+        <a:font script="Thai" typeface="Cordia New"/>
+        <a:font script="Ethi" typeface="Nyala"/>
+        <a:font script="Beng" typeface="Vrinda"/>
+        <a:font script="Gujr" typeface="Shruti"/>
+        <a:font script="Khmr" typeface="DaunPenh"/>
+        <a:font script="Knda" typeface="Tunga"/>
+        <a:font script="Guru" typeface="Raavi"/>
+        <a:font script="Cans" typeface="Euphemia"/>
+        <a:font script="Cher" typeface="Plantagenet Cherokee"/>
+        <a:font script="Yiii" typeface="Microsoft Yi Baiti"/>
+        <a:font script="Tibt" typeface="Microsoft Himalaya"/>
+        <a:font script="Thaa" typeface="MV Boli"/>
+        <a:font script="Deva" typeface="Mangal"/>
+        <a:font script="Telu" typeface="Gautami"/>
+        <a:font script="Taml" typeface="Latha"/>
+        <a:font script="Syrc" typeface="Estrangelo Edessa"/>
+        <a:font script="Orya" typeface="Kalinga"/>
+        <a:font script="Mlym" typeface="Kartika"/>
+        <a:font script="Laoo" typeface="DokChampa"/>
+        <a:font script="Sinh" typeface="Iskoola Pota"/>
+        <a:font script="Mong" typeface="Mongolian Baiti"/>
+        <a:font script="Viet" typeface="Arial"/>
+        <a:font script="Uigh" typeface="Microsoft Uighur"/>
+        <a:font script="Geor" typeface="Sylfaen"/>
+        <a:font script="Armn" typeface="Arial"/>
+        <a:font script="Bugi" typeface="Leelawadee UI"/>
+        <a:font script="Bopo" typeface="Microsoft JhengHei"/>
+        <a:font script="Java" typeface="Javanese Text"/>
+        <a:font script="Lisu" typeface="Segoe UI"/>
+        <a:font script="Mymr" typeface="Myanmar Text"/>
+        <a:font script="Nkoo" typeface="Ebrima"/>
+        <a:font script="Olck" typeface="Nirmala UI"/>
+        <a:font script="Osma" typeface="Ebrima"/>
+        <a:font script="Phag" typeface="Phagspa"/>
+        <a:font script="Syrn" typeface="Estrangelo Edessa"/>
+        <a:font script="Syrj" typeface="Estrangelo Edessa"/>
+        <a:font script="Syre" typeface="Estrangelo Edessa"/>
+        <a:font script="Sora" typeface="Nirmala UI"/>
+        <a:font script="Tale" typeface="Microsoft Tai Le"/>
+        <a:font script="Talu" typeface="Microsoft New Tai Lue"/>
+        <a:font script="Tfng" typeface="Ebrima"/>
+      </a:minorFont>
+    </a:fontScheme>
+    <a:fmtScheme name="Office">
+      <a:fillStyleLst>
+        <a:solidFill>
+          <a:schemeClr val="phClr"/>
+        </a:solidFill>
+        <a:gradFill rotWithShape="1">
+          <a:gsLst>
+            <a:gs pos="0">
+              <a:schemeClr val="phClr">
+                <a:lumMod val="110000"/>
+                <a:satMod val="105000"/>
+                <a:tint val="67000"/>
+              </a:schemeClr>
+            </a:gs>
+            <a:gs pos="50000">
+              <a:schemeClr val="phClr">
+                <a:lumMod val="105000"/>
+                <a:satMod val="103000"/>
+                <a:tint val="73000"/>
+              </a:schemeClr>
+            </a:gs>
+            <a:gs pos="100000">
+              <a:schemeClr val="phClr">
+                <a:lumMod val="105000"/>
+                <a:satMod val="109000"/>
+                <a:tint val="81000"/>
+              </a:schemeClr>
+            </a:gs>
+          </a:gsLst>
+          <a:lin ang="5400000" scaled="0"/>
+        </a:gradFill>
+        <a:gradFill rotWithShape="1">
+          <a:gsLst>
+            <a:gs pos="0">
+              <a:schemeClr val="phClr">
+                <a:satMod val="103000"/>
+                <a:lumMod val="102000"/>
+                <a:tint val="94000"/>
+              </a:schemeClr>
+            </a:gs>
+            <a:gs pos="50000">
+              <a:schemeClr val="phClr">
+                <a:satMod val="110000"/>
+                <a:lumMod val="100000"/>
+                <a:shade val="100000"/>
+              </a:schemeClr>
+            </a:gs>
+            <a:gs pos="100000">
+              <a:schemeClr val="phClr">
+                <a:lumMod val="99000"/>
+                <a:satMod val="120000"/>
+                <a:shade val="78000"/>
+              </a:schemeClr>
+            </a:gs>
+          </a:gsLst>
+          <a:lin ang="5400000" scaled="0"/>
+        </a:gradFill>
+      </a:fillStyleLst>
+      <a:lnStyleLst>
+        <a:ln w="6350" cap="flat" cmpd="sng" algn="ctr">
+          <a:solidFill>
+            <a:schemeClr val="phClr"/>
+          </a:solidFill>
+          <a:prstDash val="solid"/>
+          <a:miter lim="800000"/>
+        </a:ln>
+        <a:ln w="12700" cap="flat" cmpd="sng" algn="ctr">
+          <a:solidFill>
+            <a:schemeClr val="phClr"/>
+          </a:solidFill>
+          <a:prstDash val="solid"/>
+          <a:miter lim="800000"/>
+        </a:ln>
+        <a:ln w="19050" cap="flat" cmpd="sng" algn="ctr">
+          <a:solidFill>
+            <a:schemeClr val="phClr"/>
+          </a:solidFill>
+          <a:prstDash val="solid"/>
+          <a:miter lim="800000"/>
+        </a:ln>
+      </a:lnStyleLst>
+      <a:effectStyleLst>
+        <a:effectStyle>
+          <a:effectLst/>
+        </a:effectStyle>
+        <a:effectStyle>
+          <a:effectLst/>
+        </a:effectStyle>
+        <a:effectStyle>
+          <a:effectLst>
+            <a:outerShdw blurRad="57150" dist="19050" dir="5400000" algn="ctr" rotWithShape="0">
+              <a:srgbClr val="000000">
+                <a:alpha val="63000"/>
+              </a:srgbClr>
+            </a:outerShdw>
+          </a:effectLst>
+        </a:effectStyle>
+      </a:effectStyleLst>
+      <a:bgFillStyleLst>
+        <a:solidFill>
+          <a:schemeClr val="phClr"/>
+        </a:solidFill>
+        <a:solidFill>
+          <a:schemeClr val="phClr">
+            <a:tint val="95000"/>
+            <a:satMod val="170000"/>
+          </a:schemeClr>
+        </a:solidFill>
+        <a:gradFill rotWithShape="1">
+          <a:gsLst>
+            <a:gs pos="0">
+              <a:schemeClr val="phClr">
+                <a:tint val="93000"/>
+                <a:satMod val="150000"/>
+                <a:shade val="98000"/>
+                <a:lumMod val="102000"/>
+              </a:schemeClr>
+            </a:gs>
+            <a:gs pos="50000">
+              <a:schemeClr val="phClr">
+                <a:tint val="98000"/>
+                <a:satMod val="130000"/>
+                <a:shade val="90000"/>
+                <a:lumMod val="103000"/>
+              </a:schemeClr>
+            </a:gs>
+            <a:gs pos="100000">
+              <a:schemeClr val="phClr">
+                <a:shade val="63000"/>
+                <a:satMod val="120000"/>
+              </a:schemeClr>
+            </a:gs>
+          </a:gsLst>
+          <a:lin ang="5400000" scaled="0"/>
+        </a:gradFill>
+      </a:bgFillStyleLst>
+    </a:fmtScheme>
+  </a:themeElements>
+  <a:objectDefaults/>
+  <a:extraClrSchemeLst/>
+  <a:extLst>
+    <a:ext uri="{05A4C25C-085E-4340-85A3-A5531E510DB2}">
+      <thm15:themeFamily xmlns:thm15="http://schemas.microsoft.com/office/thememl/2012/main" name="Office Theme" id="{62F939B6-93AF-4DB8-9C6B-D6C7DFDC589F}" vid="{4A3C46E8-61CC-4603-A589-7422A47A8E4A}"/>
+    </a:ext>
+  </a:extLst>
+</a:theme>
 </file>
--- a/What Makes the World Happy.pptx
+++ b/What Makes the World Happy.pptx
@@ -220,7 +220,7 @@
           <a:p>
             <a:fld id="{503B2ACC-A628-475F-AC4B-C987AC91FD6D}" type="datetimeFigureOut">
               <a:rPr lang="en-US" smtClean="0"/>
-              <a:t>7/27/2019</a:t>
+              <a:t>7/28/2019</a:t>
             </a:fld>
             <a:endParaRPr lang="en-US"/>
           </a:p>
@@ -11076,31 +11076,38 @@
           </a:p>
         </p:txBody>
       </p:sp>
-      <p:sp>
-        <p:nvSpPr>
-          <p:cNvPr id="3" name="Content Placeholder 2">
+      <p:pic>
+        <p:nvPicPr>
+          <p:cNvPr id="6" name="Content Placeholder 5">
             <a:extLst>
               <a:ext uri="{FF2B5EF4-FFF2-40B4-BE49-F238E27FC236}">
-                <a16:creationId xmlns:a16="http://schemas.microsoft.com/office/drawing/2014/main" id="{6EB76005-FE48-4FAC-84C4-A22B94BAF6B9}"/>
+                <a16:creationId xmlns:a16="http://schemas.microsoft.com/office/drawing/2014/main" id="{A29C5335-1013-418A-83DF-239814F88866}"/>
               </a:ext>
             </a:extLst>
           </p:cNvPr>
-          <p:cNvSpPr>
-            <a:spLocks noGrp="1"/>
-          </p:cNvSpPr>
+          <p:cNvPicPr>
+            <a:picLocks noGrp="1" noChangeAspect="1"/>
+          </p:cNvPicPr>
           <p:nvPr>
             <p:ph idx="1"/>
           </p:nvPr>
-        </p:nvSpPr>
-        <p:spPr/>
-        <p:txBody>
-          <a:bodyPr/>
-          <a:lstStyle/>
-          <a:p>
-            <a:endParaRPr lang="en-US" dirty="0"/>
-          </a:p>
-        </p:txBody>
-      </p:sp>
+        </p:nvPicPr>
+        <p:blipFill>
+          <a:blip r:embed="rId2"/>
+          <a:stretch>
+            <a:fillRect/>
+          </a:stretch>
+        </p:blipFill>
+        <p:spPr>
+          <a:xfrm>
+            <a:off x="904524" y="2014537"/>
+            <a:ext cx="3762375" cy="2828925"/>
+          </a:xfrm>
+          <a:prstGeom prst="rect">
+            <a:avLst/>
+          </a:prstGeom>
+        </p:spPr>
+      </p:pic>
       <p:sp>
         <p:nvSpPr>
           <p:cNvPr id="4" name="Date Placeholder 3">
@@ -11157,6 +11164,135 @@
               <a:t>15</a:t>
             </a:fld>
             <a:endParaRPr lang="en-US" dirty="0"/>
+          </a:p>
+        </p:txBody>
+      </p:sp>
+      <p:sp>
+        <p:nvSpPr>
+          <p:cNvPr id="7" name="TextBox 6">
+            <a:extLst>
+              <a:ext uri="{FF2B5EF4-FFF2-40B4-BE49-F238E27FC236}">
+                <a16:creationId xmlns:a16="http://schemas.microsoft.com/office/drawing/2014/main" id="{302B33BF-3245-4472-B8F2-CE000DB5BC22}"/>
+              </a:ext>
+            </a:extLst>
+          </p:cNvPr>
+          <p:cNvSpPr txBox="1"/>
+          <p:nvPr/>
+        </p:nvSpPr>
+        <p:spPr>
+          <a:xfrm>
+            <a:off x="1329070" y="4927598"/>
+            <a:ext cx="1988288" cy="369332"/>
+          </a:xfrm>
+          <a:prstGeom prst="rect">
+            <a:avLst/>
+          </a:prstGeom>
+          <a:noFill/>
+        </p:spPr>
+        <p:txBody>
+          <a:bodyPr wrap="square" rtlCol="0">
+            <a:spAutoFit/>
+          </a:bodyPr>
+          <a:lstStyle/>
+          <a:p>
+            <a:r>
+              <a:rPr lang="en-US" dirty="0">
+                <a:solidFill>
+                  <a:schemeClr val="tx1">
+                    <a:lumMod val="75000"/>
+                    <a:lumOff val="25000"/>
+                  </a:schemeClr>
+                </a:solidFill>
+              </a:rPr>
+              <a:t>r value: 0.3518</a:t>
+            </a:r>
+          </a:p>
+        </p:txBody>
+      </p:sp>
+      <p:sp>
+        <p:nvSpPr>
+          <p:cNvPr id="10" name="TextBox 9">
+            <a:extLst>
+              <a:ext uri="{FF2B5EF4-FFF2-40B4-BE49-F238E27FC236}">
+                <a16:creationId xmlns:a16="http://schemas.microsoft.com/office/drawing/2014/main" id="{03110C20-0CF7-4E19-B94A-FAFFDE63F0E0}"/>
+              </a:ext>
+            </a:extLst>
+          </p:cNvPr>
+          <p:cNvSpPr txBox="1"/>
+          <p:nvPr/>
+        </p:nvSpPr>
+        <p:spPr>
+          <a:xfrm>
+            <a:off x="4975668" y="2153330"/>
+            <a:ext cx="5327281" cy="2308324"/>
+          </a:xfrm>
+          <a:prstGeom prst="rect">
+            <a:avLst/>
+          </a:prstGeom>
+          <a:noFill/>
+        </p:spPr>
+        <p:txBody>
+          <a:bodyPr wrap="square" rtlCol="0">
+            <a:spAutoFit/>
+          </a:bodyPr>
+          <a:lstStyle/>
+          <a:p>
+            <a:r>
+              <a:rPr lang="en-US" sz="1600" dirty="0">
+                <a:solidFill>
+                  <a:schemeClr val="tx1">
+                    <a:lumMod val="65000"/>
+                    <a:lumOff val="35000"/>
+                  </a:schemeClr>
+                </a:solidFill>
+              </a:rPr>
+              <a:t>Surprisingly, alcohol consumption has a positive correlation with happiness Index. Alcohol consumption has always been linked to be used to numb pain and despair. Also, linked to crime, violence, accidents and death.</a:t>
+            </a:r>
+          </a:p>
+          <a:p>
+            <a:endParaRPr lang="en-US" sz="1600" dirty="0">
+              <a:solidFill>
+                <a:schemeClr val="tx1">
+                  <a:lumMod val="65000"/>
+                  <a:lumOff val="35000"/>
+                </a:schemeClr>
+              </a:solidFill>
+            </a:endParaRPr>
+          </a:p>
+          <a:p>
+            <a:r>
+              <a:rPr lang="en-US" sz="1600" dirty="0">
+                <a:solidFill>
+                  <a:schemeClr val="tx1">
+                    <a:lumMod val="65000"/>
+                    <a:lumOff val="35000"/>
+                  </a:schemeClr>
+                </a:solidFill>
+              </a:rPr>
+              <a:t>However, in this graph we can see that residents of happy countries </a:t>
+            </a:r>
+            <a:r>
+              <a:rPr lang="en-US" sz="1600" i="1" u="sng" dirty="0">
+                <a:solidFill>
+                  <a:schemeClr val="tx1">
+                    <a:lumMod val="65000"/>
+                    <a:lumOff val="35000"/>
+                  </a:schemeClr>
+                </a:solidFill>
+              </a:rPr>
+              <a:t>probably</a:t>
+            </a:r>
+            <a:r>
+              <a:rPr lang="en-US" sz="1600" dirty="0">
+                <a:solidFill>
+                  <a:schemeClr val="tx1">
+                    <a:lumMod val="65000"/>
+                    <a:lumOff val="35000"/>
+                  </a:schemeClr>
+                </a:solidFill>
+              </a:rPr>
+              <a:t> consume alcohol for reasons like pleasure, indulgence and celebration.</a:t>
+            </a:r>
           </a:p>
         </p:txBody>
       </p:sp>
@@ -11227,31 +11363,38 @@
           </a:p>
         </p:txBody>
       </p:sp>
-      <p:sp>
-        <p:nvSpPr>
-          <p:cNvPr id="3" name="Content Placeholder 2">
+      <p:pic>
+        <p:nvPicPr>
+          <p:cNvPr id="6" name="Content Placeholder 5">
             <a:extLst>
               <a:ext uri="{FF2B5EF4-FFF2-40B4-BE49-F238E27FC236}">
-                <a16:creationId xmlns:a16="http://schemas.microsoft.com/office/drawing/2014/main" id="{6EB76005-FE48-4FAC-84C4-A22B94BAF6B9}"/>
+                <a16:creationId xmlns:a16="http://schemas.microsoft.com/office/drawing/2014/main" id="{22A86572-9D15-4649-9363-6B5A6CE88C1E}"/>
               </a:ext>
             </a:extLst>
           </p:cNvPr>
-          <p:cNvSpPr>
-            <a:spLocks noGrp="1"/>
-          </p:cNvSpPr>
+          <p:cNvPicPr>
+            <a:picLocks noGrp="1" noChangeAspect="1"/>
+          </p:cNvPicPr>
           <p:nvPr>
             <p:ph idx="1"/>
           </p:nvPr>
-        </p:nvSpPr>
-        <p:spPr/>
-        <p:txBody>
-          <a:bodyPr/>
-          <a:lstStyle/>
-          <a:p>
-            <a:endParaRPr lang="en-US" dirty="0"/>
-          </a:p>
-        </p:txBody>
-      </p:sp>
+        </p:nvPicPr>
+        <p:blipFill>
+          <a:blip r:embed="rId2"/>
+          <a:stretch>
+            <a:fillRect/>
+          </a:stretch>
+        </p:blipFill>
+        <p:spPr>
+          <a:xfrm>
+            <a:off x="818799" y="1930400"/>
+            <a:ext cx="4355085" cy="3015870"/>
+          </a:xfrm>
+          <a:prstGeom prst="rect">
+            <a:avLst/>
+          </a:prstGeom>
+        </p:spPr>
+      </p:pic>
       <p:sp>
         <p:nvSpPr>
           <p:cNvPr id="4" name="Date Placeholder 3">
@@ -11308,6 +11451,146 @@
               <a:t>16</a:t>
             </a:fld>
             <a:endParaRPr lang="en-US" dirty="0"/>
+          </a:p>
+        </p:txBody>
+      </p:sp>
+      <p:sp>
+        <p:nvSpPr>
+          <p:cNvPr id="8" name="TextBox 7">
+            <a:extLst>
+              <a:ext uri="{FF2B5EF4-FFF2-40B4-BE49-F238E27FC236}">
+                <a16:creationId xmlns:a16="http://schemas.microsoft.com/office/drawing/2014/main" id="{155BA9C9-610E-42F6-8214-B5BCD78C971D}"/>
+              </a:ext>
+            </a:extLst>
+          </p:cNvPr>
+          <p:cNvSpPr txBox="1"/>
+          <p:nvPr/>
+        </p:nvSpPr>
+        <p:spPr>
+          <a:xfrm>
+            <a:off x="4975668" y="2153330"/>
+            <a:ext cx="5327281" cy="2800767"/>
+          </a:xfrm>
+          <a:prstGeom prst="rect">
+            <a:avLst/>
+          </a:prstGeom>
+          <a:noFill/>
+        </p:spPr>
+        <p:txBody>
+          <a:bodyPr wrap="square" rtlCol="0">
+            <a:spAutoFit/>
+          </a:bodyPr>
+          <a:lstStyle/>
+          <a:p>
+            <a:r>
+              <a:rPr lang="en-US" sz="1600" dirty="0">
+                <a:solidFill>
+                  <a:schemeClr val="tx1">
+                    <a:lumMod val="65000"/>
+                    <a:lumOff val="35000"/>
+                  </a:schemeClr>
+                </a:solidFill>
+              </a:rPr>
+              <a:t>This analysis shows that happier nations have a higher Education index than unhappy ones with a strong correlation of 0.76. </a:t>
+            </a:r>
+          </a:p>
+          <a:p>
+            <a:endParaRPr lang="en-US" sz="1600" dirty="0">
+              <a:solidFill>
+                <a:schemeClr val="tx1">
+                  <a:lumMod val="65000"/>
+                  <a:lumOff val="35000"/>
+                </a:schemeClr>
+              </a:solidFill>
+            </a:endParaRPr>
+          </a:p>
+          <a:p>
+            <a:r>
+              <a:rPr lang="en-US" sz="1600" dirty="0">
+                <a:solidFill>
+                  <a:schemeClr val="tx1">
+                    <a:lumMod val="65000"/>
+                    <a:lumOff val="35000"/>
+                  </a:schemeClr>
+                </a:solidFill>
+              </a:rPr>
+              <a:t>We can assume that Education is linked to sense of individual empowerment, community contribution and better job conditions. </a:t>
+            </a:r>
+          </a:p>
+          <a:p>
+            <a:endParaRPr lang="en-US" sz="1600" dirty="0">
+              <a:solidFill>
+                <a:schemeClr val="tx1">
+                  <a:lumMod val="65000"/>
+                  <a:lumOff val="35000"/>
+                </a:schemeClr>
+              </a:solidFill>
+            </a:endParaRPr>
+          </a:p>
+          <a:p>
+            <a:r>
+              <a:rPr lang="en-US" sz="1600" dirty="0">
+                <a:solidFill>
+                  <a:schemeClr val="tx1">
+                    <a:lumMod val="65000"/>
+                    <a:lumOff val="35000"/>
+                  </a:schemeClr>
+                </a:solidFill>
+              </a:rPr>
+              <a:t>All of it contributing to country’s residents sense of security and well being. </a:t>
+            </a:r>
+          </a:p>
+          <a:p>
+            <a:endParaRPr lang="en-US" sz="1600" dirty="0">
+              <a:solidFill>
+                <a:schemeClr val="tx1">
+                  <a:lumMod val="65000"/>
+                  <a:lumOff val="35000"/>
+                </a:schemeClr>
+              </a:solidFill>
+            </a:endParaRPr>
+          </a:p>
+        </p:txBody>
+      </p:sp>
+      <p:sp>
+        <p:nvSpPr>
+          <p:cNvPr id="9" name="TextBox 8">
+            <a:extLst>
+              <a:ext uri="{FF2B5EF4-FFF2-40B4-BE49-F238E27FC236}">
+                <a16:creationId xmlns:a16="http://schemas.microsoft.com/office/drawing/2014/main" id="{1F7B5F28-4CFF-4EB9-A0F9-035416EA5B2E}"/>
+              </a:ext>
+            </a:extLst>
+          </p:cNvPr>
+          <p:cNvSpPr txBox="1"/>
+          <p:nvPr/>
+        </p:nvSpPr>
+        <p:spPr>
+          <a:xfrm>
+            <a:off x="1329070" y="4927598"/>
+            <a:ext cx="1988288" cy="369332"/>
+          </a:xfrm>
+          <a:prstGeom prst="rect">
+            <a:avLst/>
+          </a:prstGeom>
+          <a:noFill/>
+        </p:spPr>
+        <p:txBody>
+          <a:bodyPr wrap="square" rtlCol="0">
+            <a:spAutoFit/>
+          </a:bodyPr>
+          <a:lstStyle/>
+          <a:p>
+            <a:r>
+              <a:rPr lang="en-US" dirty="0">
+                <a:solidFill>
+                  <a:schemeClr val="tx1">
+                    <a:lumMod val="75000"/>
+                    <a:lumOff val="25000"/>
+                  </a:schemeClr>
+                </a:solidFill>
+              </a:rPr>
+              <a:t>r value: 0.7603</a:t>
+            </a:r>
           </a:p>
         </p:txBody>
       </p:sp>
@@ -11587,10 +11870,9 @@
           <a:lstStyle/>
           <a:p>
             <a:r>
-              <a:rPr lang="en-US"/>
+              <a:rPr lang="en-US" dirty="0"/>
               <a:t>7/29/2019</a:t>
             </a:r>
-            <a:endParaRPr lang="en-US" dirty="0"/>
           </a:p>
         </p:txBody>
       </p:sp>
@@ -12168,7 +12450,12 @@
             <p:ph type="title"/>
           </p:nvPr>
         </p:nvSpPr>
-        <p:spPr/>
+        <p:spPr>
+          <a:xfrm>
+            <a:off x="677334" y="241300"/>
+            <a:ext cx="8596668" cy="647700"/>
+          </a:xfrm>
+        </p:spPr>
         <p:txBody>
           <a:bodyPr/>
           <a:lstStyle/>
@@ -12196,15 +12483,312 @@
             <p:ph idx="1"/>
           </p:nvPr>
         </p:nvSpPr>
-        <p:spPr/>
-        <p:txBody>
-          <a:bodyPr/>
+        <p:spPr>
+          <a:xfrm>
+            <a:off x="798872" y="939799"/>
+            <a:ext cx="8596668" cy="5466687"/>
+          </a:xfrm>
+        </p:spPr>
+        <p:txBody>
+          <a:bodyPr>
+            <a:normAutofit fontScale="55000" lnSpcReduction="20000"/>
+          </a:bodyPr>
           <a:lstStyle/>
           <a:p>
             <a:r>
-              <a:rPr lang="en-US" dirty="0"/>
-              <a:t>Answer the questions that were asked at the beginning</a:t>
-            </a:r>
+              <a:rPr lang="en-US" sz="2900" dirty="0">
+                <a:solidFill>
+                  <a:schemeClr val="tx1">
+                    <a:lumMod val="65000"/>
+                    <a:lumOff val="35000"/>
+                  </a:schemeClr>
+                </a:solidFill>
+              </a:rPr>
+              <a:t>We can conclude that higher Happiness Index around the world is concentrated in Europe, The Americas and Oceania, leaving Africa and Asia with the lower scores.</a:t>
+            </a:r>
+          </a:p>
+          <a:p>
+            <a:pPr marL="0" indent="0">
+              <a:buNone/>
+            </a:pPr>
+            <a:endParaRPr lang="en-US" sz="2900" dirty="0">
+              <a:solidFill>
+                <a:schemeClr val="tx1">
+                  <a:lumMod val="65000"/>
+                  <a:lumOff val="35000"/>
+                </a:schemeClr>
+              </a:solidFill>
+            </a:endParaRPr>
+          </a:p>
+          <a:p>
+            <a:r>
+              <a:rPr lang="en-US" sz="2900" dirty="0">
+                <a:solidFill>
+                  <a:schemeClr val="tx1">
+                    <a:lumMod val="65000"/>
+                    <a:lumOff val="35000"/>
+                  </a:schemeClr>
+                </a:solidFill>
+              </a:rPr>
+              <a:t>Finland, Norway, Denmark, Iceland and Switzerland are the countries with the higher Happiness Index score in the world. And they have consistently ranked at this level for 2015 to 2018. </a:t>
+            </a:r>
+          </a:p>
+          <a:p>
+            <a:endParaRPr lang="en-US" sz="2900" dirty="0">
+              <a:solidFill>
+                <a:schemeClr val="tx1">
+                  <a:lumMod val="65000"/>
+                  <a:lumOff val="35000"/>
+                </a:schemeClr>
+              </a:solidFill>
+            </a:endParaRPr>
+          </a:p>
+          <a:p>
+            <a:r>
+              <a:rPr lang="en-US" sz="2900" dirty="0">
+                <a:solidFill>
+                  <a:schemeClr val="tx1">
+                    <a:lumMod val="65000"/>
+                    <a:lumOff val="35000"/>
+                  </a:schemeClr>
+                </a:solidFill>
+              </a:rPr>
+              <a:t>Factors with </a:t>
+            </a:r>
+            <a:r>
+              <a:rPr lang="en-US" sz="2900" b="1" dirty="0">
+                <a:solidFill>
+                  <a:schemeClr val="tx1">
+                    <a:lumMod val="65000"/>
+                    <a:lumOff val="35000"/>
+                  </a:schemeClr>
+                </a:solidFill>
+              </a:rPr>
+              <a:t>high correlation </a:t>
+            </a:r>
+            <a:r>
+              <a:rPr lang="en-US" sz="2900" dirty="0">
+                <a:solidFill>
+                  <a:schemeClr val="tx1">
+                    <a:lumMod val="65000"/>
+                    <a:lumOff val="35000"/>
+                  </a:schemeClr>
+                </a:solidFill>
+              </a:rPr>
+              <a:t>to country happiness index:</a:t>
+            </a:r>
+          </a:p>
+          <a:p>
+            <a:pPr lvl="1"/>
+            <a:r>
+              <a:rPr lang="en-US" sz="2900" dirty="0">
+                <a:solidFill>
+                  <a:schemeClr val="tx1">
+                    <a:lumMod val="65000"/>
+                    <a:lumOff val="35000"/>
+                  </a:schemeClr>
+                </a:solidFill>
+              </a:rPr>
+              <a:t>GDP, Education Level, Access to Internet, ??????</a:t>
+            </a:r>
+          </a:p>
+          <a:p>
+            <a:pPr lvl="1"/>
+            <a:endParaRPr lang="en-US" sz="2900" dirty="0">
+              <a:solidFill>
+                <a:schemeClr val="tx1">
+                  <a:lumMod val="65000"/>
+                  <a:lumOff val="35000"/>
+                </a:schemeClr>
+              </a:solidFill>
+            </a:endParaRPr>
+          </a:p>
+          <a:p>
+            <a:r>
+              <a:rPr lang="en-US" sz="2900" dirty="0">
+                <a:solidFill>
+                  <a:schemeClr val="tx1">
+                    <a:lumMod val="65000"/>
+                    <a:lumOff val="35000"/>
+                  </a:schemeClr>
+                </a:solidFill>
+              </a:rPr>
+              <a:t>Factors with </a:t>
+            </a:r>
+            <a:r>
+              <a:rPr lang="en-US" sz="2900" b="1" dirty="0">
+                <a:solidFill>
+                  <a:schemeClr val="tx1">
+                    <a:lumMod val="65000"/>
+                    <a:lumOff val="35000"/>
+                  </a:schemeClr>
+                </a:solidFill>
+              </a:rPr>
+              <a:t>some correlation </a:t>
+            </a:r>
+            <a:r>
+              <a:rPr lang="en-US" sz="2900" dirty="0">
+                <a:solidFill>
+                  <a:schemeClr val="tx1">
+                    <a:lumMod val="65000"/>
+                    <a:lumOff val="35000"/>
+                  </a:schemeClr>
+                </a:solidFill>
+              </a:rPr>
+              <a:t>to country happiness index:</a:t>
+            </a:r>
+          </a:p>
+          <a:p>
+            <a:pPr lvl="1"/>
+            <a:r>
+              <a:rPr lang="en-US" sz="2900" dirty="0">
+                <a:solidFill>
+                  <a:schemeClr val="tx1">
+                    <a:lumMod val="65000"/>
+                    <a:lumOff val="35000"/>
+                  </a:schemeClr>
+                </a:solidFill>
+              </a:rPr>
+              <a:t>Median age, Alcohol Consumption, Disaster Risk rate and Average Hours of Sleep</a:t>
+            </a:r>
+          </a:p>
+          <a:p>
+            <a:pPr marL="457200" lvl="1" indent="0">
+              <a:buNone/>
+            </a:pPr>
+            <a:endParaRPr lang="en-US" sz="2900" dirty="0">
+              <a:solidFill>
+                <a:schemeClr val="tx1">
+                  <a:lumMod val="65000"/>
+                  <a:lumOff val="35000"/>
+                </a:schemeClr>
+              </a:solidFill>
+            </a:endParaRPr>
+          </a:p>
+          <a:p>
+            <a:r>
+              <a:rPr lang="en-US" sz="2900" dirty="0">
+                <a:solidFill>
+                  <a:schemeClr val="tx1">
+                    <a:lumMod val="65000"/>
+                    <a:lumOff val="35000"/>
+                  </a:schemeClr>
+                </a:solidFill>
+              </a:rPr>
+              <a:t>Factors with </a:t>
+            </a:r>
+            <a:r>
+              <a:rPr lang="en-US" sz="2900" b="1" dirty="0">
+                <a:solidFill>
+                  <a:schemeClr val="tx1">
+                    <a:lumMod val="65000"/>
+                    <a:lumOff val="35000"/>
+                  </a:schemeClr>
+                </a:solidFill>
+              </a:rPr>
+              <a:t>negative correlation </a:t>
+            </a:r>
+            <a:r>
+              <a:rPr lang="en-US" sz="2900" dirty="0">
+                <a:solidFill>
+                  <a:schemeClr val="tx1">
+                    <a:lumMod val="65000"/>
+                    <a:lumOff val="35000"/>
+                  </a:schemeClr>
+                </a:solidFill>
+              </a:rPr>
+              <a:t>to country happiness index:</a:t>
+            </a:r>
+          </a:p>
+          <a:p>
+            <a:pPr lvl="1"/>
+            <a:r>
+              <a:rPr lang="en-US" sz="2900" dirty="0">
+                <a:solidFill>
+                  <a:schemeClr val="tx1">
+                    <a:lumMod val="65000"/>
+                    <a:lumOff val="35000"/>
+                  </a:schemeClr>
+                </a:solidFill>
+              </a:rPr>
+              <a:t>?????????</a:t>
+            </a:r>
+            <a:br>
+              <a:rPr lang="en-US" sz="2900" dirty="0">
+                <a:solidFill>
+                  <a:schemeClr val="tx1">
+                    <a:lumMod val="65000"/>
+                    <a:lumOff val="35000"/>
+                  </a:schemeClr>
+                </a:solidFill>
+              </a:rPr>
+            </a:br>
+            <a:r>
+              <a:rPr lang="en-US" sz="2900" dirty="0">
+                <a:solidFill>
+                  <a:schemeClr val="tx1">
+                    <a:lumMod val="65000"/>
+                    <a:lumOff val="35000"/>
+                  </a:schemeClr>
+                </a:solidFill>
+              </a:rPr>
+              <a:t>	</a:t>
+            </a:r>
+          </a:p>
+          <a:p>
+            <a:r>
+              <a:rPr lang="en-US" sz="2900" dirty="0">
+                <a:solidFill>
+                  <a:schemeClr val="tx1">
+                    <a:lumMod val="65000"/>
+                    <a:lumOff val="35000"/>
+                  </a:schemeClr>
+                </a:solidFill>
+              </a:rPr>
+              <a:t>Factors with </a:t>
+            </a:r>
+            <a:r>
+              <a:rPr lang="en-US" sz="2900" b="1" dirty="0">
+                <a:solidFill>
+                  <a:schemeClr val="tx1">
+                    <a:lumMod val="65000"/>
+                    <a:lumOff val="35000"/>
+                  </a:schemeClr>
+                </a:solidFill>
+              </a:rPr>
+              <a:t>no correlation </a:t>
+            </a:r>
+            <a:r>
+              <a:rPr lang="en-US" sz="2900" dirty="0">
+                <a:solidFill>
+                  <a:schemeClr val="tx1">
+                    <a:lumMod val="65000"/>
+                    <a:lumOff val="35000"/>
+                  </a:schemeClr>
+                </a:solidFill>
+              </a:rPr>
+              <a:t>to country happiness index:</a:t>
+            </a:r>
+          </a:p>
+          <a:p>
+            <a:pPr lvl="1"/>
+            <a:r>
+              <a:rPr lang="en-US" sz="2900" dirty="0">
+                <a:solidFill>
+                  <a:schemeClr val="tx1">
+                    <a:lumMod val="65000"/>
+                    <a:lumOff val="35000"/>
+                  </a:schemeClr>
+                </a:solidFill>
+              </a:rPr>
+              <a:t>????????, ????????</a:t>
+            </a:r>
+          </a:p>
+          <a:p>
+            <a:endParaRPr lang="en-US" dirty="0"/>
+          </a:p>
+          <a:p>
+            <a:endParaRPr lang="en-US" dirty="0"/>
           </a:p>
         </p:txBody>
       </p:sp>
@@ -12590,6 +13174,14 @@
 <file path=ppt/slides/slide24.xml><?xml version="1.0" encoding="utf-8"?>
 <p:sld xmlns:a="http://schemas.openxmlformats.org/drawingml/2006/main" xmlns:r="http://schemas.openxmlformats.org/officeDocument/2006/relationships" xmlns:p="http://schemas.openxmlformats.org/presentationml/2006/main">
   <p:cSld>
+    <p:bg>
+      <p:bgPr>
+        <a:solidFill>
+          <a:schemeClr val="bg1"/>
+        </a:solidFill>
+        <a:effectLst/>
+      </p:bgPr>
+    </p:bg>
     <p:spTree>
       <p:nvGrpSpPr>
         <p:cNvPr id="1" name=""/>
@@ -12604,6 +13196,703 @@
           <a:chExt cx="0" cy="0"/>
         </a:xfrm>
       </p:grpSpPr>
+      <p:grpSp>
+        <p:nvGrpSpPr>
+          <p:cNvPr id="42" name="Group 25">
+            <a:extLst>
+              <a:ext uri="{FF2B5EF4-FFF2-40B4-BE49-F238E27FC236}">
+                <a16:creationId xmlns:a16="http://schemas.microsoft.com/office/drawing/2014/main" id="{EBE86EA4-C4F1-4465-B306-7A2BC2285926}"/>
+              </a:ext>
+              <a:ext uri="{C183D7F6-B498-43B3-948B-1728B52AA6E4}">
+                <adec:decorative xmlns:adec="http://schemas.microsoft.com/office/drawing/2017/decorative" val="1"/>
+              </a:ext>
+            </a:extLst>
+          </p:cNvPr>
+          <p:cNvGrpSpPr>
+            <a:grpSpLocks noGrp="1" noUngrp="1" noRot="1" noChangeAspect="1" noMove="1" noResize="1"/>
+          </p:cNvGrpSpPr>
+          <p:nvPr>
+            <p:extLst>
+              <p:ext uri="{386F3935-93C4-4BCD-93E2-E3B085C9AB24}">
+                <p16:designElem xmlns:p16="http://schemas.microsoft.com/office/powerpoint/2015/main" val="1"/>
+              </p:ext>
+            </p:extLst>
+          </p:nvPr>
+        </p:nvGrpSpPr>
+        <p:grpSpPr>
+          <a:xfrm>
+            <a:off x="0" y="-8467"/>
+            <a:ext cx="12192000" cy="6866467"/>
+            <a:chOff x="0" y="-8467"/>
+            <a:chExt cx="12192000" cy="6866467"/>
+          </a:xfrm>
+        </p:grpSpPr>
+        <p:cxnSp>
+          <p:nvCxnSpPr>
+            <p:cNvPr id="27" name="Straight Connector 26">
+              <a:extLst>
+                <a:ext uri="{FF2B5EF4-FFF2-40B4-BE49-F238E27FC236}">
+                  <a16:creationId xmlns:a16="http://schemas.microsoft.com/office/drawing/2014/main" id="{A8279268-DB29-43BE-B57C-14977EACFDA0}"/>
+                </a:ext>
+                <a:ext uri="{C183D7F6-B498-43B3-948B-1728B52AA6E4}">
+                  <adec:decorative xmlns:adec="http://schemas.microsoft.com/office/drawing/2017/decorative" val="1"/>
+                </a:ext>
+              </a:extLst>
+            </p:cNvPr>
+            <p:cNvCxnSpPr/>
+            <p:nvPr>
+              <p:extLst>
+                <p:ext uri="{386F3935-93C4-4BCD-93E2-E3B085C9AB24}">
+                  <p16:designElem xmlns:p16="http://schemas.microsoft.com/office/powerpoint/2015/main" val="1"/>
+                </p:ext>
+              </p:extLst>
+            </p:nvPr>
+          </p:nvCxnSpPr>
+          <p:spPr>
+            <a:xfrm>
+              <a:off x="9371012" y="0"/>
+              <a:ext cx="1219200" cy="6858000"/>
+            </a:xfrm>
+            <a:prstGeom prst="line">
+              <a:avLst/>
+            </a:prstGeom>
+            <a:ln w="9525">
+              <a:solidFill>
+                <a:schemeClr val="bg1">
+                  <a:lumMod val="75000"/>
+                </a:schemeClr>
+              </a:solidFill>
+            </a:ln>
+          </p:spPr>
+          <p:style>
+            <a:lnRef idx="2">
+              <a:schemeClr val="accent1"/>
+            </a:lnRef>
+            <a:fillRef idx="0">
+              <a:schemeClr val="accent1"/>
+            </a:fillRef>
+            <a:effectRef idx="1">
+              <a:schemeClr val="accent1"/>
+            </a:effectRef>
+            <a:fontRef idx="minor">
+              <a:schemeClr val="tx1"/>
+            </a:fontRef>
+          </p:style>
+        </p:cxnSp>
+        <p:cxnSp>
+          <p:nvCxnSpPr>
+            <p:cNvPr id="28" name="Straight Connector 27">
+              <a:extLst>
+                <a:ext uri="{FF2B5EF4-FFF2-40B4-BE49-F238E27FC236}">
+                  <a16:creationId xmlns:a16="http://schemas.microsoft.com/office/drawing/2014/main" id="{C8FA53C0-C1EF-4611-BAB3-65EEB16AA30F}"/>
+                </a:ext>
+                <a:ext uri="{C183D7F6-B498-43B3-948B-1728B52AA6E4}">
+                  <adec:decorative xmlns:adec="http://schemas.microsoft.com/office/drawing/2017/decorative" val="1"/>
+                </a:ext>
+              </a:extLst>
+            </p:cNvPr>
+            <p:cNvCxnSpPr/>
+            <p:nvPr>
+              <p:extLst>
+                <p:ext uri="{386F3935-93C4-4BCD-93E2-E3B085C9AB24}">
+                  <p16:designElem xmlns:p16="http://schemas.microsoft.com/office/powerpoint/2015/main" val="1"/>
+                </p:ext>
+              </p:extLst>
+            </p:nvPr>
+          </p:nvCxnSpPr>
+          <p:spPr>
+            <a:xfrm flipH="1">
+              <a:off x="7425267" y="3681413"/>
+              <a:ext cx="4763558" cy="3176587"/>
+            </a:xfrm>
+            <a:prstGeom prst="line">
+              <a:avLst/>
+            </a:prstGeom>
+            <a:ln w="9525">
+              <a:solidFill>
+                <a:schemeClr val="bg1">
+                  <a:lumMod val="85000"/>
+                </a:schemeClr>
+              </a:solidFill>
+            </a:ln>
+          </p:spPr>
+          <p:style>
+            <a:lnRef idx="2">
+              <a:schemeClr val="accent1"/>
+            </a:lnRef>
+            <a:fillRef idx="0">
+              <a:schemeClr val="accent1"/>
+            </a:fillRef>
+            <a:effectRef idx="1">
+              <a:schemeClr val="accent1"/>
+            </a:effectRef>
+            <a:fontRef idx="minor">
+              <a:schemeClr val="tx1"/>
+            </a:fontRef>
+          </p:style>
+        </p:cxnSp>
+        <p:sp>
+          <p:nvSpPr>
+            <p:cNvPr id="29" name="Rectangle 23">
+              <a:extLst>
+                <a:ext uri="{FF2B5EF4-FFF2-40B4-BE49-F238E27FC236}">
+                  <a16:creationId xmlns:a16="http://schemas.microsoft.com/office/drawing/2014/main" id="{81CDACFC-DD8A-4CC0-B7FC-6030FC3536D9}"/>
+                </a:ext>
+                <a:ext uri="{C183D7F6-B498-43B3-948B-1728B52AA6E4}">
+                  <adec:decorative xmlns:adec="http://schemas.microsoft.com/office/drawing/2017/decorative" val="1"/>
+                </a:ext>
+              </a:extLst>
+            </p:cNvPr>
+            <p:cNvSpPr/>
+            <p:nvPr>
+              <p:extLst>
+                <p:ext uri="{386F3935-93C4-4BCD-93E2-E3B085C9AB24}">
+                  <p16:designElem xmlns:p16="http://schemas.microsoft.com/office/powerpoint/2015/main" val="1"/>
+                </p:ext>
+              </p:extLst>
+            </p:nvPr>
+          </p:nvSpPr>
+          <p:spPr>
+            <a:xfrm>
+              <a:off x="9181476" y="-8467"/>
+              <a:ext cx="3007349" cy="6866467"/>
+            </a:xfrm>
+            <a:custGeom>
+              <a:avLst/>
+              <a:gdLst/>
+              <a:ahLst/>
+              <a:cxnLst/>
+              <a:rect l="l" t="t" r="r" b="b"/>
+              <a:pathLst>
+                <a:path w="3007349" h="6866467">
+                  <a:moveTo>
+                    <a:pt x="2045532" y="0"/>
+                  </a:moveTo>
+                  <a:lnTo>
+                    <a:pt x="3007349" y="0"/>
+                  </a:lnTo>
+                  <a:lnTo>
+                    <a:pt x="3007349" y="6866467"/>
+                  </a:lnTo>
+                  <a:lnTo>
+                    <a:pt x="0" y="6866467"/>
+                  </a:lnTo>
+                  <a:lnTo>
+                    <a:pt x="2045532" y="0"/>
+                  </a:lnTo>
+                  <a:close/>
+                </a:path>
+              </a:pathLst>
+            </a:custGeom>
+            <a:solidFill>
+              <a:schemeClr val="accent1">
+                <a:alpha val="30000"/>
+              </a:schemeClr>
+            </a:solidFill>
+            <a:ln>
+              <a:noFill/>
+            </a:ln>
+            <a:effectLst/>
+          </p:spPr>
+          <p:style>
+            <a:lnRef idx="1">
+              <a:schemeClr val="accent1"/>
+            </a:lnRef>
+            <a:fillRef idx="3">
+              <a:schemeClr val="accent1"/>
+            </a:fillRef>
+            <a:effectRef idx="2">
+              <a:schemeClr val="accent1"/>
+            </a:effectRef>
+            <a:fontRef idx="minor">
+              <a:schemeClr val="lt1"/>
+            </a:fontRef>
+          </p:style>
+        </p:sp>
+        <p:sp>
+          <p:nvSpPr>
+            <p:cNvPr id="30" name="Rectangle 25">
+              <a:extLst>
+                <a:ext uri="{FF2B5EF4-FFF2-40B4-BE49-F238E27FC236}">
+                  <a16:creationId xmlns:a16="http://schemas.microsoft.com/office/drawing/2014/main" id="{0269F267-73D4-4CC3-BEC7-73335654DE73}"/>
+                </a:ext>
+                <a:ext uri="{C183D7F6-B498-43B3-948B-1728B52AA6E4}">
+                  <adec:decorative xmlns:adec="http://schemas.microsoft.com/office/drawing/2017/decorative" val="1"/>
+                </a:ext>
+              </a:extLst>
+            </p:cNvPr>
+            <p:cNvSpPr/>
+            <p:nvPr>
+              <p:extLst>
+                <p:ext uri="{386F3935-93C4-4BCD-93E2-E3B085C9AB24}">
+                  <p16:designElem xmlns:p16="http://schemas.microsoft.com/office/powerpoint/2015/main" val="1"/>
+                </p:ext>
+              </p:extLst>
+            </p:nvPr>
+          </p:nvSpPr>
+          <p:spPr>
+            <a:xfrm>
+              <a:off x="9603442" y="-8467"/>
+              <a:ext cx="2588558" cy="6866467"/>
+            </a:xfrm>
+            <a:custGeom>
+              <a:avLst/>
+              <a:gdLst/>
+              <a:ahLst/>
+              <a:cxnLst/>
+              <a:rect l="l" t="t" r="r" b="b"/>
+              <a:pathLst>
+                <a:path w="2573311" h="6866467">
+                  <a:moveTo>
+                    <a:pt x="0" y="0"/>
+                  </a:moveTo>
+                  <a:lnTo>
+                    <a:pt x="2573311" y="0"/>
+                  </a:lnTo>
+                  <a:lnTo>
+                    <a:pt x="2573311" y="6866467"/>
+                  </a:lnTo>
+                  <a:lnTo>
+                    <a:pt x="1202336" y="6866467"/>
+                  </a:lnTo>
+                  <a:lnTo>
+                    <a:pt x="0" y="0"/>
+                  </a:lnTo>
+                  <a:close/>
+                </a:path>
+              </a:pathLst>
+            </a:custGeom>
+            <a:solidFill>
+              <a:schemeClr val="accent1">
+                <a:alpha val="20000"/>
+              </a:schemeClr>
+            </a:solidFill>
+            <a:ln>
+              <a:noFill/>
+            </a:ln>
+            <a:effectLst/>
+          </p:spPr>
+          <p:style>
+            <a:lnRef idx="1">
+              <a:schemeClr val="accent1"/>
+            </a:lnRef>
+            <a:fillRef idx="3">
+              <a:schemeClr val="accent1"/>
+            </a:fillRef>
+            <a:effectRef idx="2">
+              <a:schemeClr val="accent1"/>
+            </a:effectRef>
+            <a:fontRef idx="minor">
+              <a:schemeClr val="lt1"/>
+            </a:fontRef>
+          </p:style>
+        </p:sp>
+        <p:sp>
+          <p:nvSpPr>
+            <p:cNvPr id="31" name="Isosceles Triangle 30">
+              <a:extLst>
+                <a:ext uri="{FF2B5EF4-FFF2-40B4-BE49-F238E27FC236}">
+                  <a16:creationId xmlns:a16="http://schemas.microsoft.com/office/drawing/2014/main" id="{DC48F13D-B2D7-4EB8-9CA7-59243637C8DE}"/>
+                </a:ext>
+                <a:ext uri="{C183D7F6-B498-43B3-948B-1728B52AA6E4}">
+                  <adec:decorative xmlns:adec="http://schemas.microsoft.com/office/drawing/2017/decorative" val="1"/>
+                </a:ext>
+              </a:extLst>
+            </p:cNvPr>
+            <p:cNvSpPr/>
+            <p:nvPr>
+              <p:extLst>
+                <p:ext uri="{386F3935-93C4-4BCD-93E2-E3B085C9AB24}">
+                  <p16:designElem xmlns:p16="http://schemas.microsoft.com/office/powerpoint/2015/main" val="1"/>
+                </p:ext>
+              </p:extLst>
+            </p:nvPr>
+          </p:nvSpPr>
+          <p:spPr>
+            <a:xfrm>
+              <a:off x="8932333" y="3048000"/>
+              <a:ext cx="3259667" cy="3810000"/>
+            </a:xfrm>
+            <a:prstGeom prst="triangle">
+              <a:avLst>
+                <a:gd name="adj" fmla="val 100000"/>
+              </a:avLst>
+            </a:prstGeom>
+            <a:solidFill>
+              <a:schemeClr val="accent2">
+                <a:alpha val="72000"/>
+              </a:schemeClr>
+            </a:solidFill>
+            <a:ln>
+              <a:noFill/>
+            </a:ln>
+            <a:effectLst/>
+          </p:spPr>
+          <p:style>
+            <a:lnRef idx="1">
+              <a:schemeClr val="accent1"/>
+            </a:lnRef>
+            <a:fillRef idx="3">
+              <a:schemeClr val="accent1"/>
+            </a:fillRef>
+            <a:effectRef idx="2">
+              <a:schemeClr val="accent1"/>
+            </a:effectRef>
+            <a:fontRef idx="minor">
+              <a:schemeClr val="lt1"/>
+            </a:fontRef>
+          </p:style>
+        </p:sp>
+        <p:sp>
+          <p:nvSpPr>
+            <p:cNvPr id="32" name="Rectangle 27">
+              <a:extLst>
+                <a:ext uri="{FF2B5EF4-FFF2-40B4-BE49-F238E27FC236}">
+                  <a16:creationId xmlns:a16="http://schemas.microsoft.com/office/drawing/2014/main" id="{A82405B3-5A67-4DA2-8EDA-7AB65A8B4506}"/>
+                </a:ext>
+                <a:ext uri="{C183D7F6-B498-43B3-948B-1728B52AA6E4}">
+                  <adec:decorative xmlns:adec="http://schemas.microsoft.com/office/drawing/2017/decorative" val="1"/>
+                </a:ext>
+              </a:extLst>
+            </p:cNvPr>
+            <p:cNvSpPr/>
+            <p:nvPr>
+              <p:extLst>
+                <p:ext uri="{386F3935-93C4-4BCD-93E2-E3B085C9AB24}">
+                  <p16:designElem xmlns:p16="http://schemas.microsoft.com/office/powerpoint/2015/main" val="1"/>
+                </p:ext>
+              </p:extLst>
+            </p:nvPr>
+          </p:nvSpPr>
+          <p:spPr>
+            <a:xfrm>
+              <a:off x="9334500" y="-8467"/>
+              <a:ext cx="2854326" cy="6866467"/>
+            </a:xfrm>
+            <a:custGeom>
+              <a:avLst/>
+              <a:gdLst/>
+              <a:ahLst/>
+              <a:cxnLst/>
+              <a:rect l="l" t="t" r="r" b="b"/>
+              <a:pathLst>
+                <a:path w="2858013" h="6866467">
+                  <a:moveTo>
+                    <a:pt x="0" y="0"/>
+                  </a:moveTo>
+                  <a:lnTo>
+                    <a:pt x="2858013" y="0"/>
+                  </a:lnTo>
+                  <a:lnTo>
+                    <a:pt x="2858013" y="6866467"/>
+                  </a:lnTo>
+                  <a:lnTo>
+                    <a:pt x="2473942" y="6866467"/>
+                  </a:lnTo>
+                  <a:lnTo>
+                    <a:pt x="0" y="0"/>
+                  </a:lnTo>
+                  <a:close/>
+                </a:path>
+              </a:pathLst>
+            </a:custGeom>
+            <a:solidFill>
+              <a:schemeClr val="accent2">
+                <a:lumMod val="75000"/>
+                <a:alpha val="70000"/>
+              </a:schemeClr>
+            </a:solidFill>
+            <a:ln>
+              <a:noFill/>
+            </a:ln>
+            <a:effectLst/>
+          </p:spPr>
+          <p:style>
+            <a:lnRef idx="1">
+              <a:schemeClr val="accent1"/>
+            </a:lnRef>
+            <a:fillRef idx="3">
+              <a:schemeClr val="accent1"/>
+            </a:fillRef>
+            <a:effectRef idx="2">
+              <a:schemeClr val="accent1"/>
+            </a:effectRef>
+            <a:fontRef idx="minor">
+              <a:schemeClr val="lt1"/>
+            </a:fontRef>
+          </p:style>
+        </p:sp>
+        <p:sp>
+          <p:nvSpPr>
+            <p:cNvPr id="33" name="Rectangle 28">
+              <a:extLst>
+                <a:ext uri="{FF2B5EF4-FFF2-40B4-BE49-F238E27FC236}">
+                  <a16:creationId xmlns:a16="http://schemas.microsoft.com/office/drawing/2014/main" id="{7508BC7B-3BD2-4D96-A46E-82988222AC2E}"/>
+                </a:ext>
+                <a:ext uri="{C183D7F6-B498-43B3-948B-1728B52AA6E4}">
+                  <adec:decorative xmlns:adec="http://schemas.microsoft.com/office/drawing/2017/decorative" val="1"/>
+                </a:ext>
+              </a:extLst>
+            </p:cNvPr>
+            <p:cNvSpPr/>
+            <p:nvPr>
+              <p:extLst>
+                <p:ext uri="{386F3935-93C4-4BCD-93E2-E3B085C9AB24}">
+                  <p16:designElem xmlns:p16="http://schemas.microsoft.com/office/powerpoint/2015/main" val="1"/>
+                </p:ext>
+              </p:extLst>
+            </p:nvPr>
+          </p:nvSpPr>
+          <p:spPr>
+            <a:xfrm>
+              <a:off x="10898730" y="-8467"/>
+              <a:ext cx="1290094" cy="6866467"/>
+            </a:xfrm>
+            <a:custGeom>
+              <a:avLst/>
+              <a:gdLst/>
+              <a:ahLst/>
+              <a:cxnLst/>
+              <a:rect l="l" t="t" r="r" b="b"/>
+              <a:pathLst>
+                <a:path w="1290094" h="6858000">
+                  <a:moveTo>
+                    <a:pt x="1019735" y="0"/>
+                  </a:moveTo>
+                  <a:lnTo>
+                    <a:pt x="1290094" y="0"/>
+                  </a:lnTo>
+                  <a:lnTo>
+                    <a:pt x="1290094" y="6858000"/>
+                  </a:lnTo>
+                  <a:lnTo>
+                    <a:pt x="0" y="6858000"/>
+                  </a:lnTo>
+                  <a:lnTo>
+                    <a:pt x="1019735" y="0"/>
+                  </a:lnTo>
+                  <a:close/>
+                </a:path>
+              </a:pathLst>
+            </a:custGeom>
+            <a:solidFill>
+              <a:schemeClr val="accent1">
+                <a:lumMod val="60000"/>
+                <a:lumOff val="40000"/>
+                <a:alpha val="70000"/>
+              </a:schemeClr>
+            </a:solidFill>
+            <a:ln>
+              <a:noFill/>
+            </a:ln>
+            <a:effectLst/>
+          </p:spPr>
+          <p:style>
+            <a:lnRef idx="1">
+              <a:schemeClr val="accent1"/>
+            </a:lnRef>
+            <a:fillRef idx="3">
+              <a:schemeClr val="accent1"/>
+            </a:fillRef>
+            <a:effectRef idx="2">
+              <a:schemeClr val="accent1"/>
+            </a:effectRef>
+            <a:fontRef idx="minor">
+              <a:schemeClr val="lt1"/>
+            </a:fontRef>
+          </p:style>
+        </p:sp>
+        <p:sp>
+          <p:nvSpPr>
+            <p:cNvPr id="34" name="Rectangle 29">
+              <a:extLst>
+                <a:ext uri="{FF2B5EF4-FFF2-40B4-BE49-F238E27FC236}">
+                  <a16:creationId xmlns:a16="http://schemas.microsoft.com/office/drawing/2014/main" id="{4298D07C-2287-4B93-9041-935144DE1BD0}"/>
+                </a:ext>
+                <a:ext uri="{C183D7F6-B498-43B3-948B-1728B52AA6E4}">
+                  <adec:decorative xmlns:adec="http://schemas.microsoft.com/office/drawing/2017/decorative" val="1"/>
+                </a:ext>
+              </a:extLst>
+            </p:cNvPr>
+            <p:cNvSpPr/>
+            <p:nvPr>
+              <p:extLst>
+                <p:ext uri="{386F3935-93C4-4BCD-93E2-E3B085C9AB24}">
+                  <p16:designElem xmlns:p16="http://schemas.microsoft.com/office/powerpoint/2015/main" val="1"/>
+                </p:ext>
+              </p:extLst>
+            </p:nvPr>
+          </p:nvSpPr>
+          <p:spPr>
+            <a:xfrm>
+              <a:off x="10938999" y="-8467"/>
+              <a:ext cx="1249825" cy="6866467"/>
+            </a:xfrm>
+            <a:custGeom>
+              <a:avLst/>
+              <a:gdLst/>
+              <a:ahLst/>
+              <a:cxnLst/>
+              <a:rect l="l" t="t" r="r" b="b"/>
+              <a:pathLst>
+                <a:path w="1249825" h="6858000">
+                  <a:moveTo>
+                    <a:pt x="0" y="0"/>
+                  </a:moveTo>
+                  <a:lnTo>
+                    <a:pt x="1249825" y="0"/>
+                  </a:lnTo>
+                  <a:lnTo>
+                    <a:pt x="1249825" y="6858000"/>
+                  </a:lnTo>
+                  <a:lnTo>
+                    <a:pt x="1109382" y="6858000"/>
+                  </a:lnTo>
+                  <a:lnTo>
+                    <a:pt x="0" y="0"/>
+                  </a:lnTo>
+                  <a:close/>
+                </a:path>
+              </a:pathLst>
+            </a:custGeom>
+            <a:solidFill>
+              <a:schemeClr val="accent1">
+                <a:alpha val="65000"/>
+              </a:schemeClr>
+            </a:solidFill>
+            <a:ln>
+              <a:noFill/>
+            </a:ln>
+            <a:effectLst/>
+          </p:spPr>
+          <p:style>
+            <a:lnRef idx="1">
+              <a:schemeClr val="accent1"/>
+            </a:lnRef>
+            <a:fillRef idx="3">
+              <a:schemeClr val="accent1"/>
+            </a:fillRef>
+            <a:effectRef idx="2">
+              <a:schemeClr val="accent1"/>
+            </a:effectRef>
+            <a:fontRef idx="minor">
+              <a:schemeClr val="lt1"/>
+            </a:fontRef>
+          </p:style>
+        </p:sp>
+        <p:sp>
+          <p:nvSpPr>
+            <p:cNvPr id="35" name="Isosceles Triangle 34">
+              <a:extLst>
+                <a:ext uri="{FF2B5EF4-FFF2-40B4-BE49-F238E27FC236}">
+                  <a16:creationId xmlns:a16="http://schemas.microsoft.com/office/drawing/2014/main" id="{0F6BC886-C125-4903-8C2A-6FB687400DD0}"/>
+                </a:ext>
+                <a:ext uri="{C183D7F6-B498-43B3-948B-1728B52AA6E4}">
+                  <adec:decorative xmlns:adec="http://schemas.microsoft.com/office/drawing/2017/decorative" val="1"/>
+                </a:ext>
+              </a:extLst>
+            </p:cNvPr>
+            <p:cNvSpPr/>
+            <p:nvPr>
+              <p:extLst>
+                <p:ext uri="{386F3935-93C4-4BCD-93E2-E3B085C9AB24}">
+                  <p16:designElem xmlns:p16="http://schemas.microsoft.com/office/powerpoint/2015/main" val="1"/>
+                </p:ext>
+              </p:extLst>
+            </p:nvPr>
+          </p:nvSpPr>
+          <p:spPr>
+            <a:xfrm>
+              <a:off x="10371666" y="3589867"/>
+              <a:ext cx="1817159" cy="3268133"/>
+            </a:xfrm>
+            <a:prstGeom prst="triangle">
+              <a:avLst>
+                <a:gd name="adj" fmla="val 100000"/>
+              </a:avLst>
+            </a:prstGeom>
+            <a:solidFill>
+              <a:schemeClr val="accent1">
+                <a:alpha val="80000"/>
+              </a:schemeClr>
+            </a:solidFill>
+            <a:ln>
+              <a:noFill/>
+            </a:ln>
+            <a:effectLst/>
+          </p:spPr>
+          <p:style>
+            <a:lnRef idx="1">
+              <a:schemeClr val="accent1"/>
+            </a:lnRef>
+            <a:fillRef idx="3">
+              <a:schemeClr val="accent1"/>
+            </a:fillRef>
+            <a:effectRef idx="2">
+              <a:schemeClr val="accent1"/>
+            </a:effectRef>
+            <a:fontRef idx="minor">
+              <a:schemeClr val="lt1"/>
+            </a:fontRef>
+          </p:style>
+        </p:sp>
+        <p:sp>
+          <p:nvSpPr>
+            <p:cNvPr id="36" name="Isosceles Triangle 35">
+              <a:extLst>
+                <a:ext uri="{FF2B5EF4-FFF2-40B4-BE49-F238E27FC236}">
+                  <a16:creationId xmlns:a16="http://schemas.microsoft.com/office/drawing/2014/main" id="{C9D0B38F-2E02-4E85-99EE-73595E7C8953}"/>
+                </a:ext>
+                <a:ext uri="{C183D7F6-B498-43B3-948B-1728B52AA6E4}">
+                  <adec:decorative xmlns:adec="http://schemas.microsoft.com/office/drawing/2017/decorative" val="1"/>
+                </a:ext>
+              </a:extLst>
+            </p:cNvPr>
+            <p:cNvSpPr/>
+            <p:nvPr>
+              <p:extLst>
+                <p:ext uri="{386F3935-93C4-4BCD-93E2-E3B085C9AB24}">
+                  <p16:designElem xmlns:p16="http://schemas.microsoft.com/office/powerpoint/2015/main" val="1"/>
+                </p:ext>
+              </p:extLst>
+            </p:nvPr>
+          </p:nvSpPr>
+          <p:spPr>
+            <a:xfrm rot="10800000">
+              <a:off x="0" y="0"/>
+              <a:ext cx="842596" cy="5666154"/>
+            </a:xfrm>
+            <a:prstGeom prst="triangle">
+              <a:avLst>
+                <a:gd name="adj" fmla="val 100000"/>
+              </a:avLst>
+            </a:prstGeom>
+            <a:solidFill>
+              <a:schemeClr val="accent1">
+                <a:alpha val="85000"/>
+              </a:schemeClr>
+            </a:solidFill>
+            <a:ln>
+              <a:noFill/>
+            </a:ln>
+            <a:effectLst/>
+          </p:spPr>
+          <p:style>
+            <a:lnRef idx="1">
+              <a:schemeClr val="accent1"/>
+            </a:lnRef>
+            <a:fillRef idx="3">
+              <a:schemeClr val="accent1"/>
+            </a:fillRef>
+            <a:effectRef idx="2">
+              <a:schemeClr val="accent1"/>
+            </a:effectRef>
+            <a:fontRef idx="minor">
+              <a:schemeClr val="lt1"/>
+            </a:fontRef>
+          </p:style>
+        </p:sp>
+      </p:grpSp>
       <p:sp>
         <p:nvSpPr>
           <p:cNvPr id="2" name="Title 1">
@@ -12622,25 +13911,66 @@
         </p:nvSpPr>
         <p:spPr>
           <a:xfrm>
-            <a:off x="902621" y="2768600"/>
-            <a:ext cx="8596668" cy="1320800"/>
+            <a:off x="890423" y="835017"/>
+            <a:ext cx="3742675" cy="3215820"/>
           </a:xfrm>
         </p:spPr>
         <p:txBody>
-          <a:bodyPr/>
+          <a:bodyPr vert="horz" lIns="91440" tIns="45720" rIns="91440" bIns="45720" rtlCol="0" anchor="b">
+            <a:normAutofit/>
+          </a:bodyPr>
           <a:lstStyle/>
           <a:p>
-            <a:r>
-              <a:rPr lang="en-US" dirty="0"/>
-              <a:t> </a:t>
-            </a:r>
-            <a:r>
-              <a:rPr lang="en-US" sz="2800" dirty="0"/>
-              <a:t>International Day of Happiness on March 20th</a:t>
-            </a:r>
-          </a:p>
-        </p:txBody>
-      </p:sp>
+            <a:pPr>
+              <a:lnSpc>
+                <a:spcPct val="90000"/>
+              </a:lnSpc>
+            </a:pPr>
+            <a:r>
+              <a:rPr lang="en-US" sz="4200"/>
+              <a:t> International Day of Happiness is on March 20</a:t>
+            </a:r>
+            <a:r>
+              <a:rPr lang="en-US" sz="4200" baseline="30000"/>
+              <a:t>th</a:t>
+            </a:r>
+            <a:r>
+              <a:rPr lang="en-US" sz="4200"/>
+              <a:t>.</a:t>
+            </a:r>
+          </a:p>
+        </p:txBody>
+      </p:sp>
+      <p:pic>
+        <p:nvPicPr>
+          <p:cNvPr id="7" name="Picture 6" descr="A picture containing sky, grass, outdoor, standing&#10;&#10;Description automatically generated">
+            <a:extLst>
+              <a:ext uri="{FF2B5EF4-FFF2-40B4-BE49-F238E27FC236}">
+                <a16:creationId xmlns:a16="http://schemas.microsoft.com/office/drawing/2014/main" id="{95C2DD35-873C-463E-8B49-CE2848BF4355}"/>
+              </a:ext>
+            </a:extLst>
+          </p:cNvPr>
+          <p:cNvPicPr>
+            <a:picLocks noChangeAspect="1"/>
+          </p:cNvPicPr>
+          <p:nvPr/>
+        </p:nvPicPr>
+        <p:blipFill>
+          <a:blip r:embed="rId2"/>
+          <a:stretch>
+            <a:fillRect/>
+          </a:stretch>
+        </p:blipFill>
+        <p:spPr>
+          <a:xfrm>
+            <a:off x="4861698" y="954529"/>
+            <a:ext cx="4431296" cy="2747403"/>
+          </a:xfrm>
+          <a:prstGeom prst="rect">
+            <a:avLst/>
+          </a:prstGeom>
+        </p:spPr>
+      </p:pic>
       <p:sp>
         <p:nvSpPr>
           <p:cNvPr id="3" name="Date Placeholder 2">
@@ -12657,19 +13987,60 @@
             <p:ph type="dt" sz="half" idx="10"/>
           </p:nvPr>
         </p:nvSpPr>
-        <p:spPr/>
-        <p:txBody>
-          <a:bodyPr/>
+        <p:spPr>
+          <a:xfrm>
+            <a:off x="6094411" y="6041362"/>
+            <a:ext cx="2022661" cy="365125"/>
+          </a:xfrm>
+        </p:spPr>
+        <p:txBody>
+          <a:bodyPr vert="horz" lIns="91440" tIns="45720" rIns="91440" bIns="45720" rtlCol="0" anchor="ctr">
+            <a:normAutofit/>
+          </a:bodyPr>
           <a:lstStyle/>
           <a:p>
+            <a:pPr defTabSz="914400">
+              <a:spcAft>
+                <a:spcPts val="600"/>
+              </a:spcAft>
+            </a:pPr>
             <a:r>
               <a:rPr lang="en-US"/>
               <a:t>7/29/2019</a:t>
             </a:r>
-            <a:endParaRPr lang="en-US" dirty="0"/>
-          </a:p>
-        </p:txBody>
-      </p:sp>
+          </a:p>
+        </p:txBody>
+      </p:sp>
+      <p:pic>
+        <p:nvPicPr>
+          <p:cNvPr id="6" name="Picture 5" descr="A picture containing indoor&#10;&#10;Description automatically generated">
+            <a:extLst>
+              <a:ext uri="{FF2B5EF4-FFF2-40B4-BE49-F238E27FC236}">
+                <a16:creationId xmlns:a16="http://schemas.microsoft.com/office/drawing/2014/main" id="{A06A61C2-1669-41D5-80AE-443A7F734494}"/>
+              </a:ext>
+            </a:extLst>
+          </p:cNvPr>
+          <p:cNvPicPr>
+            <a:picLocks noChangeAspect="1"/>
+          </p:cNvPicPr>
+          <p:nvPr/>
+        </p:nvPicPr>
+        <p:blipFill>
+          <a:blip r:embed="rId3"/>
+          <a:stretch>
+            <a:fillRect/>
+          </a:stretch>
+        </p:blipFill>
+        <p:spPr>
+          <a:xfrm>
+            <a:off x="4861698" y="4329406"/>
+            <a:ext cx="2101348" cy="1434169"/>
+          </a:xfrm>
+          <a:prstGeom prst="rect">
+            <a:avLst/>
+          </a:prstGeom>
+        </p:spPr>
+      </p:pic>
       <p:sp>
         <p:nvSpPr>
           <p:cNvPr id="4" name="Slide Number Placeholder 3">
@@ -12686,20 +14057,66 @@
             <p:ph type="sldNum" sz="quarter" idx="12"/>
           </p:nvPr>
         </p:nvSpPr>
-        <p:spPr/>
-        <p:txBody>
-          <a:bodyPr/>
+        <p:spPr>
+          <a:xfrm>
+            <a:off x="8590663" y="6041362"/>
+            <a:ext cx="683339" cy="365125"/>
+          </a:xfrm>
+        </p:spPr>
+        <p:txBody>
+          <a:bodyPr vert="horz" lIns="91440" tIns="45720" rIns="91440" bIns="45720" rtlCol="0" anchor="ctr">
+            <a:normAutofit/>
+          </a:bodyPr>
           <a:lstStyle/>
           <a:p>
+            <a:pPr defTabSz="914400">
+              <a:spcAft>
+                <a:spcPts val="600"/>
+              </a:spcAft>
+            </a:pPr>
             <a:fld id="{D57F1E4F-1CFF-5643-939E-217C01CDF565}" type="slidenum">
               <a:rPr lang="en-US" smtClean="0"/>
-              <a:pPr/>
+              <a:pPr defTabSz="914400">
+                <a:spcAft>
+                  <a:spcPts val="600"/>
+                </a:spcAft>
+              </a:pPr>
               <a:t>24</a:t>
             </a:fld>
-            <a:endParaRPr lang="en-US" dirty="0"/>
-          </a:p>
-        </p:txBody>
-      </p:sp>
+            <a:endParaRPr lang="en-US"/>
+          </a:p>
+        </p:txBody>
+      </p:sp>
+      <p:pic>
+        <p:nvPicPr>
+          <p:cNvPr id="8" name="Picture 7" descr="A picture containing oranges, cut, half, little&#10;&#10;Description automatically generated">
+            <a:extLst>
+              <a:ext uri="{FF2B5EF4-FFF2-40B4-BE49-F238E27FC236}">
+                <a16:creationId xmlns:a16="http://schemas.microsoft.com/office/drawing/2014/main" id="{D4C468B5-E11D-4F1D-A430-DEA1AEF7542A}"/>
+              </a:ext>
+            </a:extLst>
+          </p:cNvPr>
+          <p:cNvPicPr>
+            <a:picLocks noChangeAspect="1"/>
+          </p:cNvPicPr>
+          <p:nvPr/>
+        </p:nvPicPr>
+        <p:blipFill>
+          <a:blip r:embed="rId4"/>
+          <a:stretch>
+            <a:fillRect/>
+          </a:stretch>
+        </p:blipFill>
+        <p:spPr>
+          <a:xfrm>
+            <a:off x="7191646" y="4387193"/>
+            <a:ext cx="2101348" cy="1318595"/>
+          </a:xfrm>
+          <a:prstGeom prst="rect">
+            <a:avLst/>
+          </a:prstGeom>
+        </p:spPr>
+      </p:pic>
     </p:spTree>
     <p:extLst>
       <p:ext uri="{BB962C8B-B14F-4D97-AF65-F5344CB8AC3E}">
@@ -13373,7 +14790,12 @@
             <p:ph type="title"/>
           </p:nvPr>
         </p:nvSpPr>
-        <p:spPr/>
+        <p:spPr>
+          <a:xfrm>
+            <a:off x="677334" y="609600"/>
+            <a:ext cx="8596668" cy="825500"/>
+          </a:xfrm>
+        </p:spPr>
         <p:txBody>
           <a:bodyPr/>
           <a:lstStyle/>
@@ -13401,7 +14823,12 @@
             <p:ph idx="1"/>
           </p:nvPr>
         </p:nvSpPr>
-        <p:spPr/>
+        <p:spPr>
+          <a:xfrm>
+            <a:off x="677334" y="1797844"/>
+            <a:ext cx="8596668" cy="3880773"/>
+          </a:xfrm>
+        </p:spPr>
         <p:txBody>
           <a:bodyPr/>
           <a:lstStyle/>

--- a/What Makes the World Happy.pptx
+++ b/What Makes the World Happy.pptx
@@ -5,33 +5,34 @@
     <p:sldMasterId id="2147483648" r:id="rId1"/>
   </p:sldMasterIdLst>
   <p:notesMasterIdLst>
-    <p:notesMasterId r:id="rId26"/>
+    <p:notesMasterId r:id="rId27"/>
   </p:notesMasterIdLst>
   <p:sldIdLst>
     <p:sldId id="256" r:id="rId2"/>
     <p:sldId id="260" r:id="rId3"/>
     <p:sldId id="257" r:id="rId4"/>
-    <p:sldId id="258" r:id="rId5"/>
-    <p:sldId id="266" r:id="rId6"/>
-    <p:sldId id="259" r:id="rId7"/>
-    <p:sldId id="279" r:id="rId8"/>
-    <p:sldId id="261" r:id="rId9"/>
-    <p:sldId id="267" r:id="rId10"/>
-    <p:sldId id="268" r:id="rId11"/>
-    <p:sldId id="269" r:id="rId12"/>
-    <p:sldId id="271" r:id="rId13"/>
-    <p:sldId id="270" r:id="rId14"/>
-    <p:sldId id="273" r:id="rId15"/>
-    <p:sldId id="276" r:id="rId16"/>
-    <p:sldId id="275" r:id="rId17"/>
-    <p:sldId id="280" r:id="rId18"/>
-    <p:sldId id="274" r:id="rId19"/>
-    <p:sldId id="277" r:id="rId20"/>
-    <p:sldId id="278" r:id="rId21"/>
-    <p:sldId id="262" r:id="rId22"/>
-    <p:sldId id="263" r:id="rId23"/>
-    <p:sldId id="264" r:id="rId24"/>
-    <p:sldId id="265" r:id="rId25"/>
+    <p:sldId id="281" r:id="rId5"/>
+    <p:sldId id="258" r:id="rId6"/>
+    <p:sldId id="266" r:id="rId7"/>
+    <p:sldId id="259" r:id="rId8"/>
+    <p:sldId id="279" r:id="rId9"/>
+    <p:sldId id="261" r:id="rId10"/>
+    <p:sldId id="267" r:id="rId11"/>
+    <p:sldId id="268" r:id="rId12"/>
+    <p:sldId id="269" r:id="rId13"/>
+    <p:sldId id="271" r:id="rId14"/>
+    <p:sldId id="270" r:id="rId15"/>
+    <p:sldId id="273" r:id="rId16"/>
+    <p:sldId id="276" r:id="rId17"/>
+    <p:sldId id="275" r:id="rId18"/>
+    <p:sldId id="280" r:id="rId19"/>
+    <p:sldId id="274" r:id="rId20"/>
+    <p:sldId id="277" r:id="rId21"/>
+    <p:sldId id="278" r:id="rId22"/>
+    <p:sldId id="262" r:id="rId23"/>
+    <p:sldId id="263" r:id="rId24"/>
+    <p:sldId id="264" r:id="rId25"/>
+    <p:sldId id="265" r:id="rId26"/>
   </p:sldIdLst>
   <p:sldSz cx="12192000" cy="6858000"/>
   <p:notesSz cx="6858000" cy="9144000"/>
@@ -6150,14 +6151,19 @@
             <p:ph type="ctrTitle"/>
           </p:nvPr>
         </p:nvSpPr>
-        <p:spPr/>
+        <p:spPr>
+          <a:xfrm>
+            <a:off x="1454058" y="1782698"/>
+            <a:ext cx="7766936" cy="1646302"/>
+          </a:xfrm>
+        </p:spPr>
         <p:txBody>
           <a:bodyPr/>
           <a:lstStyle/>
           <a:p>
             <a:r>
               <a:rPr lang="en-US" dirty="0"/>
-              <a:t>What Makes the World Happy?</a:t>
+              <a:t>Project Happiness</a:t>
             </a:r>
           </a:p>
         </p:txBody>
@@ -6200,6 +6206,48 @@
             <a:r>
               <a:rPr lang="en-US" dirty="0"/>
               <a:t> Tran</a:t>
+            </a:r>
+          </a:p>
+        </p:txBody>
+      </p:sp>
+      <p:sp>
+        <p:nvSpPr>
+          <p:cNvPr id="6" name="TextBox 5">
+            <a:extLst>
+              <a:ext uri="{FF2B5EF4-FFF2-40B4-BE49-F238E27FC236}">
+                <a16:creationId xmlns:a16="http://schemas.microsoft.com/office/drawing/2014/main" id="{05D5BCEA-9311-4B25-865A-AB3E79DC3598}"/>
+              </a:ext>
+            </a:extLst>
+          </p:cNvPr>
+          <p:cNvSpPr txBox="1"/>
+          <p:nvPr/>
+        </p:nvSpPr>
+        <p:spPr>
+          <a:xfrm>
+            <a:off x="4277933" y="3394208"/>
+            <a:ext cx="4943061" cy="461665"/>
+          </a:xfrm>
+          <a:prstGeom prst="rect">
+            <a:avLst/>
+          </a:prstGeom>
+          <a:noFill/>
+        </p:spPr>
+        <p:txBody>
+          <a:bodyPr wrap="square" rtlCol="0">
+            <a:spAutoFit/>
+          </a:bodyPr>
+          <a:lstStyle/>
+          <a:p>
+            <a:pPr algn="r"/>
+            <a:r>
+              <a:rPr lang="en-US" sz="2400" dirty="0">
+                <a:solidFill>
+                  <a:schemeClr val="accent1">
+                    <a:lumMod val="75000"/>
+                  </a:schemeClr>
+                </a:solidFill>
+              </a:rPr>
+              <a:t>What makes the world happy?</a:t>
             </a:r>
           </a:p>
         </p:txBody>
@@ -6239,6 +6287,220 @@
           <p:cNvPr id="2" name="Title 1">
             <a:extLst>
               <a:ext uri="{FF2B5EF4-FFF2-40B4-BE49-F238E27FC236}">
+                <a16:creationId xmlns:a16="http://schemas.microsoft.com/office/drawing/2014/main" id="{DDD59A54-BBD2-4806-AF8D-2A67EFD873DE}"/>
+              </a:ext>
+            </a:extLst>
+          </p:cNvPr>
+          <p:cNvSpPr>
+            <a:spLocks noGrp="1"/>
+          </p:cNvSpPr>
+          <p:nvPr>
+            <p:ph type="title"/>
+          </p:nvPr>
+        </p:nvSpPr>
+        <p:spPr/>
+        <p:txBody>
+          <a:bodyPr/>
+          <a:lstStyle/>
+          <a:p>
+            <a:r>
+              <a:rPr lang="en-US" dirty="0"/>
+              <a:t>Happiness Distribution by Continent</a:t>
+            </a:r>
+          </a:p>
+        </p:txBody>
+      </p:sp>
+      <p:pic>
+        <p:nvPicPr>
+          <p:cNvPr id="5" name="Content Placeholder 4" descr="A screenshot of a video game&#10;&#10;Description automatically generated">
+            <a:extLst>
+              <a:ext uri="{FF2B5EF4-FFF2-40B4-BE49-F238E27FC236}">
+                <a16:creationId xmlns:a16="http://schemas.microsoft.com/office/drawing/2014/main" id="{D469D088-FBDF-47B4-80BF-7D669041ACDE}"/>
+              </a:ext>
+            </a:extLst>
+          </p:cNvPr>
+          <p:cNvPicPr>
+            <a:picLocks noGrp="1" noChangeAspect="1"/>
+          </p:cNvPicPr>
+          <p:nvPr>
+            <p:ph idx="1"/>
+          </p:nvPr>
+        </p:nvPicPr>
+        <p:blipFill>
+          <a:blip r:embed="rId2"/>
+          <a:stretch>
+            <a:fillRect/>
+          </a:stretch>
+        </p:blipFill>
+        <p:spPr>
+          <a:xfrm>
+            <a:off x="98474" y="1241083"/>
+            <a:ext cx="8596668" cy="3686518"/>
+          </a:xfrm>
+        </p:spPr>
+      </p:pic>
+      <p:sp>
+        <p:nvSpPr>
+          <p:cNvPr id="3" name="Date Placeholder 2">
+            <a:extLst>
+              <a:ext uri="{FF2B5EF4-FFF2-40B4-BE49-F238E27FC236}">
+                <a16:creationId xmlns:a16="http://schemas.microsoft.com/office/drawing/2014/main" id="{C2325EB5-C1FB-4C12-8970-601159236936}"/>
+              </a:ext>
+            </a:extLst>
+          </p:cNvPr>
+          <p:cNvSpPr>
+            <a:spLocks noGrp="1"/>
+          </p:cNvSpPr>
+          <p:nvPr>
+            <p:ph type="dt" sz="half" idx="10"/>
+          </p:nvPr>
+        </p:nvSpPr>
+        <p:spPr/>
+        <p:txBody>
+          <a:bodyPr/>
+          <a:lstStyle/>
+          <a:p>
+            <a:r>
+              <a:rPr lang="en-US"/>
+              <a:t>7/29/2019</a:t>
+            </a:r>
+            <a:endParaRPr lang="en-US" dirty="0"/>
+          </a:p>
+        </p:txBody>
+      </p:sp>
+      <p:sp>
+        <p:nvSpPr>
+          <p:cNvPr id="4" name="Slide Number Placeholder 3">
+            <a:extLst>
+              <a:ext uri="{FF2B5EF4-FFF2-40B4-BE49-F238E27FC236}">
+                <a16:creationId xmlns:a16="http://schemas.microsoft.com/office/drawing/2014/main" id="{2B6E5C7D-7471-4587-8391-B09B2E4C06FF}"/>
+              </a:ext>
+            </a:extLst>
+          </p:cNvPr>
+          <p:cNvSpPr>
+            <a:spLocks noGrp="1"/>
+          </p:cNvSpPr>
+          <p:nvPr>
+            <p:ph type="sldNum" sz="quarter" idx="12"/>
+          </p:nvPr>
+        </p:nvSpPr>
+        <p:spPr/>
+        <p:txBody>
+          <a:bodyPr/>
+          <a:lstStyle/>
+          <a:p>
+            <a:fld id="{D57F1E4F-1CFF-5643-939E-217C01CDF565}" type="slidenum">
+              <a:rPr lang="en-US" smtClean="0"/>
+              <a:pPr/>
+              <a:t>10</a:t>
+            </a:fld>
+            <a:endParaRPr lang="en-US" dirty="0"/>
+          </a:p>
+        </p:txBody>
+      </p:sp>
+      <p:sp>
+        <p:nvSpPr>
+          <p:cNvPr id="6" name="TextBox 5">
+            <a:extLst>
+              <a:ext uri="{FF2B5EF4-FFF2-40B4-BE49-F238E27FC236}">
+                <a16:creationId xmlns:a16="http://schemas.microsoft.com/office/drawing/2014/main" id="{6232B0AF-5558-4D20-8897-7987813506AB}"/>
+              </a:ext>
+            </a:extLst>
+          </p:cNvPr>
+          <p:cNvSpPr txBox="1"/>
+          <p:nvPr/>
+        </p:nvSpPr>
+        <p:spPr>
+          <a:xfrm>
+            <a:off x="995629" y="4927601"/>
+            <a:ext cx="7699513" cy="1703480"/>
+          </a:xfrm>
+          <a:prstGeom prst="rect">
+            <a:avLst/>
+          </a:prstGeom>
+          <a:noFill/>
+        </p:spPr>
+        <p:txBody>
+          <a:bodyPr wrap="square" rtlCol="0">
+            <a:spAutoFit/>
+          </a:bodyPr>
+          <a:lstStyle/>
+          <a:p>
+            <a:pPr marL="285750" indent="-285750">
+              <a:lnSpc>
+                <a:spcPct val="150000"/>
+              </a:lnSpc>
+              <a:buFont typeface="Arial" panose="020B0604020202020204" pitchFamily="34" charset="0"/>
+              <a:buChar char="•"/>
+            </a:pPr>
+            <a:r>
+              <a:rPr lang="en-US" dirty="0"/>
+              <a:t>The distribution of Europe and North America appear to be similar.</a:t>
+            </a:r>
+          </a:p>
+          <a:p>
+            <a:pPr marL="285750" indent="-285750">
+              <a:lnSpc>
+                <a:spcPct val="150000"/>
+              </a:lnSpc>
+              <a:buFont typeface="Arial" panose="020B0604020202020204" pitchFamily="34" charset="0"/>
+              <a:buChar char="•"/>
+            </a:pPr>
+            <a:r>
+              <a:rPr lang="en-US" dirty="0"/>
+              <a:t>The mean of South America is close  to Europe and North America </a:t>
+            </a:r>
+          </a:p>
+          <a:p>
+            <a:pPr marL="285750" indent="-285750">
+              <a:lnSpc>
+                <a:spcPct val="150000"/>
+              </a:lnSpc>
+              <a:buFont typeface="Arial" panose="020B0604020202020204" pitchFamily="34" charset="0"/>
+              <a:buChar char="•"/>
+            </a:pPr>
+            <a:r>
+              <a:rPr lang="en-US" dirty="0"/>
+              <a:t>The distribution of Africa’s happiness score is much lower than other continents.</a:t>
+            </a:r>
+          </a:p>
+        </p:txBody>
+      </p:sp>
+    </p:spTree>
+    <p:extLst>
+      <p:ext uri="{BB962C8B-B14F-4D97-AF65-F5344CB8AC3E}">
+        <p14:creationId xmlns:p14="http://schemas.microsoft.com/office/powerpoint/2010/main" val="3636055716"/>
+      </p:ext>
+    </p:extLst>
+  </p:cSld>
+  <p:clrMapOvr>
+    <a:masterClrMapping/>
+  </p:clrMapOvr>
+</p:sld>
+</file>
+
+<file path=ppt/slides/slide11.xml><?xml version="1.0" encoding="utf-8"?>
+<p:sld xmlns:a="http://schemas.openxmlformats.org/drawingml/2006/main" xmlns:r="http://schemas.openxmlformats.org/officeDocument/2006/relationships" xmlns:p="http://schemas.openxmlformats.org/presentationml/2006/main">
+  <p:cSld>
+    <p:spTree>
+      <p:nvGrpSpPr>
+        <p:cNvPr id="1" name=""/>
+        <p:cNvGrpSpPr/>
+        <p:nvPr/>
+      </p:nvGrpSpPr>
+      <p:grpSpPr>
+        <a:xfrm>
+          <a:off x="0" y="0"/>
+          <a:ext cx="0" cy="0"/>
+          <a:chOff x="0" y="0"/>
+          <a:chExt cx="0" cy="0"/>
+        </a:xfrm>
+      </p:grpSpPr>
+      <p:sp>
+        <p:nvSpPr>
+          <p:cNvPr id="2" name="Title 1">
+            <a:extLst>
+              <a:ext uri="{FF2B5EF4-FFF2-40B4-BE49-F238E27FC236}">
                 <a16:creationId xmlns:a16="http://schemas.microsoft.com/office/drawing/2014/main" id="{513D11AD-1EFE-4160-A5D6-BE88F9F7BFD6}"/>
               </a:ext>
             </a:extLst>
@@ -6344,7 +6606,7 @@
             <a:fld id="{D57F1E4F-1CFF-5643-939E-217C01CDF565}" type="slidenum">
               <a:rPr lang="en-US" smtClean="0"/>
               <a:pPr/>
-              <a:t>10</a:t>
+              <a:t>11</a:t>
             </a:fld>
             <a:endParaRPr lang="en-US" dirty="0"/>
           </a:p>
@@ -6384,7 +6646,7 @@
             </a:pPr>
             <a:r>
               <a:rPr lang="en-US" dirty="0"/>
-              <a:t>The average score and the range are significantly different between regions</a:t>
+              <a:t>The average score and the ranges are significantly different between regions</a:t>
             </a:r>
           </a:p>
         </p:txBody>
@@ -6402,7 +6664,7 @@
 </p:sld>
 </file>
 
-<file path=ppt/slides/slide11.xml><?xml version="1.0" encoding="utf-8"?>
+<file path=ppt/slides/slide12.xml><?xml version="1.0" encoding="utf-8"?>
 <p:sld xmlns:a="http://schemas.openxmlformats.org/drawingml/2006/main" xmlns:r="http://schemas.openxmlformats.org/officeDocument/2006/relationships" xmlns:p="http://schemas.openxmlformats.org/presentationml/2006/main">
   <p:cSld>
     <p:spTree>
@@ -10551,7 +10813,7 @@
             <a:fld id="{D57F1E4F-1CFF-5643-939E-217C01CDF565}" type="slidenum">
               <a:rPr lang="en-US" smtClean="0"/>
               <a:pPr/>
-              <a:t>11</a:t>
+              <a:t>12</a:t>
             </a:fld>
             <a:endParaRPr lang="en-US" dirty="0"/>
           </a:p>
@@ -10561,148 +10823,6 @@
     <p:extLst>
       <p:ext uri="{BB962C8B-B14F-4D97-AF65-F5344CB8AC3E}">
         <p14:creationId xmlns:p14="http://schemas.microsoft.com/office/powerpoint/2010/main" val="2835738623"/>
-      </p:ext>
-    </p:extLst>
-  </p:cSld>
-  <p:clrMapOvr>
-    <a:masterClrMapping/>
-  </p:clrMapOvr>
-</p:sld>
-</file>
-
-<file path=ppt/slides/slide12.xml><?xml version="1.0" encoding="utf-8"?>
-<p:sld xmlns:a="http://schemas.openxmlformats.org/drawingml/2006/main" xmlns:r="http://schemas.openxmlformats.org/officeDocument/2006/relationships" xmlns:p="http://schemas.openxmlformats.org/presentationml/2006/main">
-  <p:cSld>
-    <p:spTree>
-      <p:nvGrpSpPr>
-        <p:cNvPr id="1" name=""/>
-        <p:cNvGrpSpPr/>
-        <p:nvPr/>
-      </p:nvGrpSpPr>
-      <p:grpSpPr>
-        <a:xfrm>
-          <a:off x="0" y="0"/>
-          <a:ext cx="0" cy="0"/>
-          <a:chOff x="0" y="0"/>
-          <a:chExt cx="0" cy="0"/>
-        </a:xfrm>
-      </p:grpSpPr>
-      <p:sp>
-        <p:nvSpPr>
-          <p:cNvPr id="2" name="Title 1">
-            <a:extLst>
-              <a:ext uri="{FF2B5EF4-FFF2-40B4-BE49-F238E27FC236}">
-                <a16:creationId xmlns:a16="http://schemas.microsoft.com/office/drawing/2014/main" id="{1B4ED215-20D1-4DAB-8576-23EE0E06DEB8}"/>
-              </a:ext>
-            </a:extLst>
-          </p:cNvPr>
-          <p:cNvSpPr>
-            <a:spLocks noGrp="1"/>
-          </p:cNvSpPr>
-          <p:nvPr>
-            <p:ph type="title"/>
-          </p:nvPr>
-        </p:nvSpPr>
-        <p:spPr/>
-        <p:txBody>
-          <a:bodyPr/>
-          <a:lstStyle/>
-          <a:p>
-            <a:r>
-              <a:rPr lang="en-US" dirty="0"/>
-              <a:t>Distance Analysis</a:t>
-            </a:r>
-          </a:p>
-        </p:txBody>
-      </p:sp>
-      <p:sp>
-        <p:nvSpPr>
-          <p:cNvPr id="3" name="Content Placeholder 2">
-            <a:extLst>
-              <a:ext uri="{FF2B5EF4-FFF2-40B4-BE49-F238E27FC236}">
-                <a16:creationId xmlns:a16="http://schemas.microsoft.com/office/drawing/2014/main" id="{F63BAD29-8260-4863-9027-F5B9F2D78E5C}"/>
-              </a:ext>
-            </a:extLst>
-          </p:cNvPr>
-          <p:cNvSpPr>
-            <a:spLocks noGrp="1"/>
-          </p:cNvSpPr>
-          <p:nvPr>
-            <p:ph idx="1"/>
-          </p:nvPr>
-        </p:nvSpPr>
-        <p:spPr/>
-        <p:txBody>
-          <a:bodyPr/>
-          <a:lstStyle/>
-          <a:p>
-            <a:endParaRPr lang="en-US"/>
-          </a:p>
-        </p:txBody>
-      </p:sp>
-      <p:sp>
-        <p:nvSpPr>
-          <p:cNvPr id="4" name="Date Placeholder 3">
-            <a:extLst>
-              <a:ext uri="{FF2B5EF4-FFF2-40B4-BE49-F238E27FC236}">
-                <a16:creationId xmlns:a16="http://schemas.microsoft.com/office/drawing/2014/main" id="{A2698940-B160-4FE7-A7D1-08526FD121AB}"/>
-              </a:ext>
-            </a:extLst>
-          </p:cNvPr>
-          <p:cNvSpPr>
-            <a:spLocks noGrp="1"/>
-          </p:cNvSpPr>
-          <p:nvPr>
-            <p:ph type="dt" sz="half" idx="10"/>
-          </p:nvPr>
-        </p:nvSpPr>
-        <p:spPr/>
-        <p:txBody>
-          <a:bodyPr/>
-          <a:lstStyle/>
-          <a:p>
-            <a:r>
-              <a:rPr lang="en-US"/>
-              <a:t>7/29/2019</a:t>
-            </a:r>
-            <a:endParaRPr lang="en-US" dirty="0"/>
-          </a:p>
-        </p:txBody>
-      </p:sp>
-      <p:sp>
-        <p:nvSpPr>
-          <p:cNvPr id="5" name="Slide Number Placeholder 4">
-            <a:extLst>
-              <a:ext uri="{FF2B5EF4-FFF2-40B4-BE49-F238E27FC236}">
-                <a16:creationId xmlns:a16="http://schemas.microsoft.com/office/drawing/2014/main" id="{8716A715-5BB9-4673-914A-4F9AC31F68A0}"/>
-              </a:ext>
-            </a:extLst>
-          </p:cNvPr>
-          <p:cNvSpPr>
-            <a:spLocks noGrp="1"/>
-          </p:cNvSpPr>
-          <p:nvPr>
-            <p:ph type="sldNum" sz="quarter" idx="12"/>
-          </p:nvPr>
-        </p:nvSpPr>
-        <p:spPr/>
-        <p:txBody>
-          <a:bodyPr/>
-          <a:lstStyle/>
-          <a:p>
-            <a:fld id="{D57F1E4F-1CFF-5643-939E-217C01CDF565}" type="slidenum">
-              <a:rPr lang="en-US" smtClean="0"/>
-              <a:pPr/>
-              <a:t>12</a:t>
-            </a:fld>
-            <a:endParaRPr lang="en-US" dirty="0"/>
-          </a:p>
-        </p:txBody>
-      </p:sp>
-    </p:spTree>
-    <p:extLst>
-      <p:ext uri="{BB962C8B-B14F-4D97-AF65-F5344CB8AC3E}">
-        <p14:creationId xmlns:p14="http://schemas.microsoft.com/office/powerpoint/2010/main" val="1298886055"/>
       </p:ext>
     </p:extLst>
   </p:cSld>
@@ -10734,7 +10854,7 @@
           <p:cNvPr id="2" name="Title 1">
             <a:extLst>
               <a:ext uri="{FF2B5EF4-FFF2-40B4-BE49-F238E27FC236}">
-                <a16:creationId xmlns:a16="http://schemas.microsoft.com/office/drawing/2014/main" id="{B2BEB5D7-FBE4-462C-A0EF-D425722145A0}"/>
+                <a16:creationId xmlns:a16="http://schemas.microsoft.com/office/drawing/2014/main" id="{1B4ED215-20D1-4DAB-8576-23EE0E06DEB8}"/>
               </a:ext>
             </a:extLst>
           </p:cNvPr>
@@ -10747,29 +10867,12 @@
         </p:nvSpPr>
         <p:spPr/>
         <p:txBody>
-          <a:bodyPr>
-            <a:normAutofit/>
-          </a:bodyPr>
+          <a:bodyPr/>
           <a:lstStyle/>
           <a:p>
             <a:r>
               <a:rPr lang="en-US" dirty="0"/>
-              <a:t>Variable Analysis</a:t>
-            </a:r>
-            <a:br>
-              <a:rPr lang="en-US" dirty="0"/>
-            </a:br>
-            <a:r>
-              <a:rPr lang="en-US" sz="2200" dirty="0"/>
-              <a:t>Is there a relationship between Happiness and GDP, </a:t>
-            </a:r>
-            <a:r>
-              <a:rPr lang="en-US" sz="2200" dirty="0" err="1"/>
-              <a:t>PPP,etc</a:t>
-            </a:r>
-            <a:r>
-              <a:rPr lang="en-US" sz="2200" dirty="0"/>
-              <a:t> </a:t>
+              <a:t>Distance Analysis</a:t>
             </a:r>
           </a:p>
         </p:txBody>
@@ -10779,7 +10882,7 @@
           <p:cNvPr id="3" name="Content Placeholder 2">
             <a:extLst>
               <a:ext uri="{FF2B5EF4-FFF2-40B4-BE49-F238E27FC236}">
-                <a16:creationId xmlns:a16="http://schemas.microsoft.com/office/drawing/2014/main" id="{6EB76005-FE48-4FAC-84C4-A22B94BAF6B9}"/>
+                <a16:creationId xmlns:a16="http://schemas.microsoft.com/office/drawing/2014/main" id="{F63BAD29-8260-4863-9027-F5B9F2D78E5C}"/>
               </a:ext>
             </a:extLst>
           </p:cNvPr>
@@ -10804,7 +10907,7 @@
           <p:cNvPr id="4" name="Date Placeholder 3">
             <a:extLst>
               <a:ext uri="{FF2B5EF4-FFF2-40B4-BE49-F238E27FC236}">
-                <a16:creationId xmlns:a16="http://schemas.microsoft.com/office/drawing/2014/main" id="{92B88C72-B79D-4D21-8D6C-B81F31EC40A9}"/>
+                <a16:creationId xmlns:a16="http://schemas.microsoft.com/office/drawing/2014/main" id="{A2698940-B160-4FE7-A7D1-08526FD121AB}"/>
               </a:ext>
             </a:extLst>
           </p:cNvPr>
@@ -10833,7 +10936,7 @@
           <p:cNvPr id="5" name="Slide Number Placeholder 4">
             <a:extLst>
               <a:ext uri="{FF2B5EF4-FFF2-40B4-BE49-F238E27FC236}">
-                <a16:creationId xmlns:a16="http://schemas.microsoft.com/office/drawing/2014/main" id="{C83CDD9F-D3D6-4069-BC62-092039A5B68F}"/>
+                <a16:creationId xmlns:a16="http://schemas.microsoft.com/office/drawing/2014/main" id="{8716A715-5BB9-4673-914A-4F9AC31F68A0}"/>
               </a:ext>
             </a:extLst>
           </p:cNvPr>
@@ -10861,7 +10964,7 @@
     </p:spTree>
     <p:extLst>
       <p:ext uri="{BB962C8B-B14F-4D97-AF65-F5344CB8AC3E}">
-        <p14:creationId xmlns:p14="http://schemas.microsoft.com/office/powerpoint/2010/main" val="997795935"/>
+        <p14:creationId xmlns:p14="http://schemas.microsoft.com/office/powerpoint/2010/main" val="1298886055"/>
       </p:ext>
     </p:extLst>
   </p:cSld>
@@ -10920,7 +11023,15 @@
             </a:br>
             <a:r>
               <a:rPr lang="en-US" sz="2200" dirty="0"/>
-              <a:t>Is there a relationship between Happiness and Median Age </a:t>
+              <a:t>Is there a relationship between Happiness and GDP, </a:t>
+            </a:r>
+            <a:r>
+              <a:rPr lang="en-US" sz="2200" dirty="0" err="1"/>
+              <a:t>PPP,etc</a:t>
+            </a:r>
+            <a:r>
+              <a:rPr lang="en-US" sz="2200" dirty="0"/>
+              <a:t> </a:t>
             </a:r>
           </a:p>
         </p:txBody>
@@ -10955,7 +11066,7 @@
           <p:cNvPr id="4" name="Date Placeholder 3">
             <a:extLst>
               <a:ext uri="{FF2B5EF4-FFF2-40B4-BE49-F238E27FC236}">
-                <a16:creationId xmlns:a16="http://schemas.microsoft.com/office/drawing/2014/main" id="{E49C0D53-1491-4694-BE73-4D1931323941}"/>
+                <a16:creationId xmlns:a16="http://schemas.microsoft.com/office/drawing/2014/main" id="{92B88C72-B79D-4D21-8D6C-B81F31EC40A9}"/>
               </a:ext>
             </a:extLst>
           </p:cNvPr>
@@ -10984,7 +11095,7 @@
           <p:cNvPr id="5" name="Slide Number Placeholder 4">
             <a:extLst>
               <a:ext uri="{FF2B5EF4-FFF2-40B4-BE49-F238E27FC236}">
-                <a16:creationId xmlns:a16="http://schemas.microsoft.com/office/drawing/2014/main" id="{A6481B05-E5A6-4F43-8240-63D853C310F8}"/>
+                <a16:creationId xmlns:a16="http://schemas.microsoft.com/office/drawing/2014/main" id="{C83CDD9F-D3D6-4069-BC62-092039A5B68F}"/>
               </a:ext>
             </a:extLst>
           </p:cNvPr>
@@ -11012,7 +11123,7 @@
     </p:spTree>
     <p:extLst>
       <p:ext uri="{BB962C8B-B14F-4D97-AF65-F5344CB8AC3E}">
-        <p14:creationId xmlns:p14="http://schemas.microsoft.com/office/powerpoint/2010/main" val="776261134"/>
+        <p14:creationId xmlns:p14="http://schemas.microsoft.com/office/powerpoint/2010/main" val="997795935"/>
       </p:ext>
     </p:extLst>
   </p:cSld>
@@ -11071,49 +11182,42 @@
             </a:br>
             <a:r>
               <a:rPr lang="en-US" sz="2200" dirty="0"/>
-              <a:t>Is there a relationship between Happiness and Alcohol Consumption </a:t>
-            </a:r>
-          </a:p>
-        </p:txBody>
-      </p:sp>
-      <p:pic>
-        <p:nvPicPr>
-          <p:cNvPr id="6" name="Content Placeholder 5">
+              <a:t>Is there a relationship between Happiness and Median Age </a:t>
+            </a:r>
+          </a:p>
+        </p:txBody>
+      </p:sp>
+      <p:sp>
+        <p:nvSpPr>
+          <p:cNvPr id="3" name="Content Placeholder 2">
             <a:extLst>
               <a:ext uri="{FF2B5EF4-FFF2-40B4-BE49-F238E27FC236}">
-                <a16:creationId xmlns:a16="http://schemas.microsoft.com/office/drawing/2014/main" id="{A29C5335-1013-418A-83DF-239814F88866}"/>
+                <a16:creationId xmlns:a16="http://schemas.microsoft.com/office/drawing/2014/main" id="{6EB76005-FE48-4FAC-84C4-A22B94BAF6B9}"/>
               </a:ext>
             </a:extLst>
           </p:cNvPr>
-          <p:cNvPicPr>
-            <a:picLocks noGrp="1" noChangeAspect="1"/>
-          </p:cNvPicPr>
+          <p:cNvSpPr>
+            <a:spLocks noGrp="1"/>
+          </p:cNvSpPr>
           <p:nvPr>
             <p:ph idx="1"/>
           </p:nvPr>
-        </p:nvPicPr>
-        <p:blipFill>
-          <a:blip r:embed="rId2"/>
-          <a:stretch>
-            <a:fillRect/>
-          </a:stretch>
-        </p:blipFill>
-        <p:spPr>
-          <a:xfrm>
-            <a:off x="904524" y="2014537"/>
-            <a:ext cx="3762375" cy="2828925"/>
-          </a:xfrm>
-          <a:prstGeom prst="rect">
-            <a:avLst/>
-          </a:prstGeom>
-        </p:spPr>
-      </p:pic>
+        </p:nvSpPr>
+        <p:spPr/>
+        <p:txBody>
+          <a:bodyPr/>
+          <a:lstStyle/>
+          <a:p>
+            <a:endParaRPr lang="en-US" dirty="0"/>
+          </a:p>
+        </p:txBody>
+      </p:sp>
       <p:sp>
         <p:nvSpPr>
           <p:cNvPr id="4" name="Date Placeholder 3">
             <a:extLst>
               <a:ext uri="{FF2B5EF4-FFF2-40B4-BE49-F238E27FC236}">
-                <a16:creationId xmlns:a16="http://schemas.microsoft.com/office/drawing/2014/main" id="{27755AF9-2603-4543-BFDD-CB63364DE6E8}"/>
+                <a16:creationId xmlns:a16="http://schemas.microsoft.com/office/drawing/2014/main" id="{E49C0D53-1491-4694-BE73-4D1931323941}"/>
               </a:ext>
             </a:extLst>
           </p:cNvPr>
@@ -11142,7 +11246,7 @@
           <p:cNvPr id="5" name="Slide Number Placeholder 4">
             <a:extLst>
               <a:ext uri="{FF2B5EF4-FFF2-40B4-BE49-F238E27FC236}">
-                <a16:creationId xmlns:a16="http://schemas.microsoft.com/office/drawing/2014/main" id="{DB4F43E0-A832-4791-A642-C45ED84BDCFB}"/>
+                <a16:creationId xmlns:a16="http://schemas.microsoft.com/office/drawing/2014/main" id="{A6481B05-E5A6-4F43-8240-63D853C310F8}"/>
               </a:ext>
             </a:extLst>
           </p:cNvPr>
@@ -11167,139 +11271,10 @@
           </a:p>
         </p:txBody>
       </p:sp>
-      <p:sp>
-        <p:nvSpPr>
-          <p:cNvPr id="7" name="TextBox 6">
-            <a:extLst>
-              <a:ext uri="{FF2B5EF4-FFF2-40B4-BE49-F238E27FC236}">
-                <a16:creationId xmlns:a16="http://schemas.microsoft.com/office/drawing/2014/main" id="{302B33BF-3245-4472-B8F2-CE000DB5BC22}"/>
-              </a:ext>
-            </a:extLst>
-          </p:cNvPr>
-          <p:cNvSpPr txBox="1"/>
-          <p:nvPr/>
-        </p:nvSpPr>
-        <p:spPr>
-          <a:xfrm>
-            <a:off x="1329070" y="4927598"/>
-            <a:ext cx="1988288" cy="369332"/>
-          </a:xfrm>
-          <a:prstGeom prst="rect">
-            <a:avLst/>
-          </a:prstGeom>
-          <a:noFill/>
-        </p:spPr>
-        <p:txBody>
-          <a:bodyPr wrap="square" rtlCol="0">
-            <a:spAutoFit/>
-          </a:bodyPr>
-          <a:lstStyle/>
-          <a:p>
-            <a:r>
-              <a:rPr lang="en-US" dirty="0">
-                <a:solidFill>
-                  <a:schemeClr val="tx1">
-                    <a:lumMod val="75000"/>
-                    <a:lumOff val="25000"/>
-                  </a:schemeClr>
-                </a:solidFill>
-              </a:rPr>
-              <a:t>r value: 0.3518</a:t>
-            </a:r>
-          </a:p>
-        </p:txBody>
-      </p:sp>
-      <p:sp>
-        <p:nvSpPr>
-          <p:cNvPr id="10" name="TextBox 9">
-            <a:extLst>
-              <a:ext uri="{FF2B5EF4-FFF2-40B4-BE49-F238E27FC236}">
-                <a16:creationId xmlns:a16="http://schemas.microsoft.com/office/drawing/2014/main" id="{03110C20-0CF7-4E19-B94A-FAFFDE63F0E0}"/>
-              </a:ext>
-            </a:extLst>
-          </p:cNvPr>
-          <p:cNvSpPr txBox="1"/>
-          <p:nvPr/>
-        </p:nvSpPr>
-        <p:spPr>
-          <a:xfrm>
-            <a:off x="4975668" y="2153330"/>
-            <a:ext cx="5327281" cy="2308324"/>
-          </a:xfrm>
-          <a:prstGeom prst="rect">
-            <a:avLst/>
-          </a:prstGeom>
-          <a:noFill/>
-        </p:spPr>
-        <p:txBody>
-          <a:bodyPr wrap="square" rtlCol="0">
-            <a:spAutoFit/>
-          </a:bodyPr>
-          <a:lstStyle/>
-          <a:p>
-            <a:r>
-              <a:rPr lang="en-US" sz="1600" dirty="0">
-                <a:solidFill>
-                  <a:schemeClr val="tx1">
-                    <a:lumMod val="65000"/>
-                    <a:lumOff val="35000"/>
-                  </a:schemeClr>
-                </a:solidFill>
-              </a:rPr>
-              <a:t>Surprisingly, alcohol consumption has a positive correlation with happiness Index. Alcohol consumption has always been linked to be used to numb pain and despair. Also, linked to crime, violence, accidents and death.</a:t>
-            </a:r>
-          </a:p>
-          <a:p>
-            <a:endParaRPr lang="en-US" sz="1600" dirty="0">
-              <a:solidFill>
-                <a:schemeClr val="tx1">
-                  <a:lumMod val="65000"/>
-                  <a:lumOff val="35000"/>
-                </a:schemeClr>
-              </a:solidFill>
-            </a:endParaRPr>
-          </a:p>
-          <a:p>
-            <a:r>
-              <a:rPr lang="en-US" sz="1600" dirty="0">
-                <a:solidFill>
-                  <a:schemeClr val="tx1">
-                    <a:lumMod val="65000"/>
-                    <a:lumOff val="35000"/>
-                  </a:schemeClr>
-                </a:solidFill>
-              </a:rPr>
-              <a:t>However, in this graph we can see that residents of happy countries </a:t>
-            </a:r>
-            <a:r>
-              <a:rPr lang="en-US" sz="1600" i="1" u="sng" dirty="0">
-                <a:solidFill>
-                  <a:schemeClr val="tx1">
-                    <a:lumMod val="65000"/>
-                    <a:lumOff val="35000"/>
-                  </a:schemeClr>
-                </a:solidFill>
-              </a:rPr>
-              <a:t>probably</a:t>
-            </a:r>
-            <a:r>
-              <a:rPr lang="en-US" sz="1600" dirty="0">
-                <a:solidFill>
-                  <a:schemeClr val="tx1">
-                    <a:lumMod val="65000"/>
-                    <a:lumOff val="35000"/>
-                  </a:schemeClr>
-                </a:solidFill>
-              </a:rPr>
-              <a:t> consume alcohol for reasons like pleasure, indulgence and celebration.</a:t>
-            </a:r>
-          </a:p>
-        </p:txBody>
-      </p:sp>
     </p:spTree>
     <p:extLst>
       <p:ext uri="{BB962C8B-B14F-4D97-AF65-F5344CB8AC3E}">
-        <p14:creationId xmlns:p14="http://schemas.microsoft.com/office/powerpoint/2010/main" val="3949091215"/>
+        <p14:creationId xmlns:p14="http://schemas.microsoft.com/office/powerpoint/2010/main" val="776261134"/>
       </p:ext>
     </p:extLst>
   </p:cSld>
@@ -11358,7 +11333,7 @@
             </a:br>
             <a:r>
               <a:rPr lang="en-US" sz="2200" dirty="0"/>
-              <a:t>Is there a relationship between Happiness and Education Index </a:t>
+              <a:t>Is there a relationship between Happiness and Alcohol Consumption </a:t>
             </a:r>
           </a:p>
         </p:txBody>
@@ -11368,7 +11343,7 @@
           <p:cNvPr id="6" name="Content Placeholder 5">
             <a:extLst>
               <a:ext uri="{FF2B5EF4-FFF2-40B4-BE49-F238E27FC236}">
-                <a16:creationId xmlns:a16="http://schemas.microsoft.com/office/drawing/2014/main" id="{22A86572-9D15-4649-9363-6B5A6CE88C1E}"/>
+                <a16:creationId xmlns:a16="http://schemas.microsoft.com/office/drawing/2014/main" id="{A29C5335-1013-418A-83DF-239814F88866}"/>
               </a:ext>
             </a:extLst>
           </p:cNvPr>
@@ -11387,8 +11362,8 @@
         </p:blipFill>
         <p:spPr>
           <a:xfrm>
-            <a:off x="818799" y="1930400"/>
-            <a:ext cx="4355085" cy="3015870"/>
+            <a:off x="904524" y="2014537"/>
+            <a:ext cx="3762375" cy="2828925"/>
           </a:xfrm>
           <a:prstGeom prst="rect">
             <a:avLst/>
@@ -11400,7 +11375,7 @@
           <p:cNvPr id="4" name="Date Placeholder 3">
             <a:extLst>
               <a:ext uri="{FF2B5EF4-FFF2-40B4-BE49-F238E27FC236}">
-                <a16:creationId xmlns:a16="http://schemas.microsoft.com/office/drawing/2014/main" id="{E8A222A7-B20C-4D7B-B229-F8CF30F1C82E}"/>
+                <a16:creationId xmlns:a16="http://schemas.microsoft.com/office/drawing/2014/main" id="{27755AF9-2603-4543-BFDD-CB63364DE6E8}"/>
               </a:ext>
             </a:extLst>
           </p:cNvPr>
@@ -11429,7 +11404,7 @@
           <p:cNvPr id="5" name="Slide Number Placeholder 4">
             <a:extLst>
               <a:ext uri="{FF2B5EF4-FFF2-40B4-BE49-F238E27FC236}">
-                <a16:creationId xmlns:a16="http://schemas.microsoft.com/office/drawing/2014/main" id="{58EFABF8-241D-4ACD-9BCD-2E06CF513246}"/>
+                <a16:creationId xmlns:a16="http://schemas.microsoft.com/office/drawing/2014/main" id="{DB4F43E0-A832-4791-A642-C45ED84BDCFB}"/>
               </a:ext>
             </a:extLst>
           </p:cNvPr>
@@ -11456,108 +11431,10 @@
       </p:sp>
       <p:sp>
         <p:nvSpPr>
-          <p:cNvPr id="8" name="TextBox 7">
+          <p:cNvPr id="7" name="TextBox 6">
             <a:extLst>
               <a:ext uri="{FF2B5EF4-FFF2-40B4-BE49-F238E27FC236}">
-                <a16:creationId xmlns:a16="http://schemas.microsoft.com/office/drawing/2014/main" id="{155BA9C9-610E-42F6-8214-B5BCD78C971D}"/>
-              </a:ext>
-            </a:extLst>
-          </p:cNvPr>
-          <p:cNvSpPr txBox="1"/>
-          <p:nvPr/>
-        </p:nvSpPr>
-        <p:spPr>
-          <a:xfrm>
-            <a:off x="4975668" y="2153330"/>
-            <a:ext cx="5327281" cy="2800767"/>
-          </a:xfrm>
-          <a:prstGeom prst="rect">
-            <a:avLst/>
-          </a:prstGeom>
-          <a:noFill/>
-        </p:spPr>
-        <p:txBody>
-          <a:bodyPr wrap="square" rtlCol="0">
-            <a:spAutoFit/>
-          </a:bodyPr>
-          <a:lstStyle/>
-          <a:p>
-            <a:r>
-              <a:rPr lang="en-US" sz="1600" dirty="0">
-                <a:solidFill>
-                  <a:schemeClr val="tx1">
-                    <a:lumMod val="65000"/>
-                    <a:lumOff val="35000"/>
-                  </a:schemeClr>
-                </a:solidFill>
-              </a:rPr>
-              <a:t>This analysis shows that happier nations have a higher Education index than unhappy ones with a strong correlation of 0.76. </a:t>
-            </a:r>
-          </a:p>
-          <a:p>
-            <a:endParaRPr lang="en-US" sz="1600" dirty="0">
-              <a:solidFill>
-                <a:schemeClr val="tx1">
-                  <a:lumMod val="65000"/>
-                  <a:lumOff val="35000"/>
-                </a:schemeClr>
-              </a:solidFill>
-            </a:endParaRPr>
-          </a:p>
-          <a:p>
-            <a:r>
-              <a:rPr lang="en-US" sz="1600" dirty="0">
-                <a:solidFill>
-                  <a:schemeClr val="tx1">
-                    <a:lumMod val="65000"/>
-                    <a:lumOff val="35000"/>
-                  </a:schemeClr>
-                </a:solidFill>
-              </a:rPr>
-              <a:t>We can assume that Education is linked to sense of individual empowerment, community contribution and better job conditions. </a:t>
-            </a:r>
-          </a:p>
-          <a:p>
-            <a:endParaRPr lang="en-US" sz="1600" dirty="0">
-              <a:solidFill>
-                <a:schemeClr val="tx1">
-                  <a:lumMod val="65000"/>
-                  <a:lumOff val="35000"/>
-                </a:schemeClr>
-              </a:solidFill>
-            </a:endParaRPr>
-          </a:p>
-          <a:p>
-            <a:r>
-              <a:rPr lang="en-US" sz="1600" dirty="0">
-                <a:solidFill>
-                  <a:schemeClr val="tx1">
-                    <a:lumMod val="65000"/>
-                    <a:lumOff val="35000"/>
-                  </a:schemeClr>
-                </a:solidFill>
-              </a:rPr>
-              <a:t>All of it contributing to country’s residents sense of security and well being. </a:t>
-            </a:r>
-          </a:p>
-          <a:p>
-            <a:endParaRPr lang="en-US" sz="1600" dirty="0">
-              <a:solidFill>
-                <a:schemeClr val="tx1">
-                  <a:lumMod val="65000"/>
-                  <a:lumOff val="35000"/>
-                </a:schemeClr>
-              </a:solidFill>
-            </a:endParaRPr>
-          </a:p>
-        </p:txBody>
-      </p:sp>
-      <p:sp>
-        <p:nvSpPr>
-          <p:cNvPr id="9" name="TextBox 8">
-            <a:extLst>
-              <a:ext uri="{FF2B5EF4-FFF2-40B4-BE49-F238E27FC236}">
-                <a16:creationId xmlns:a16="http://schemas.microsoft.com/office/drawing/2014/main" id="{1F7B5F28-4CFF-4EB9-A0F9-035416EA5B2E}"/>
+                <a16:creationId xmlns:a16="http://schemas.microsoft.com/office/drawing/2014/main" id="{302B33BF-3245-4472-B8F2-CE000DB5BC22}"/>
               </a:ext>
             </a:extLst>
           </p:cNvPr>
@@ -11589,7 +11466,94 @@
                   </a:schemeClr>
                 </a:solidFill>
               </a:rPr>
-              <a:t>r value: 0.7603</a:t>
+              <a:t>r value: 0.3518</a:t>
+            </a:r>
+          </a:p>
+        </p:txBody>
+      </p:sp>
+      <p:sp>
+        <p:nvSpPr>
+          <p:cNvPr id="10" name="TextBox 9">
+            <a:extLst>
+              <a:ext uri="{FF2B5EF4-FFF2-40B4-BE49-F238E27FC236}">
+                <a16:creationId xmlns:a16="http://schemas.microsoft.com/office/drawing/2014/main" id="{03110C20-0CF7-4E19-B94A-FAFFDE63F0E0}"/>
+              </a:ext>
+            </a:extLst>
+          </p:cNvPr>
+          <p:cNvSpPr txBox="1"/>
+          <p:nvPr/>
+        </p:nvSpPr>
+        <p:spPr>
+          <a:xfrm>
+            <a:off x="4975668" y="2153330"/>
+            <a:ext cx="5327281" cy="2308324"/>
+          </a:xfrm>
+          <a:prstGeom prst="rect">
+            <a:avLst/>
+          </a:prstGeom>
+          <a:noFill/>
+        </p:spPr>
+        <p:txBody>
+          <a:bodyPr wrap="square" rtlCol="0">
+            <a:spAutoFit/>
+          </a:bodyPr>
+          <a:lstStyle/>
+          <a:p>
+            <a:r>
+              <a:rPr lang="en-US" sz="1600" dirty="0">
+                <a:solidFill>
+                  <a:schemeClr val="tx1">
+                    <a:lumMod val="65000"/>
+                    <a:lumOff val="35000"/>
+                  </a:schemeClr>
+                </a:solidFill>
+              </a:rPr>
+              <a:t>Surprisingly, alcohol consumption has a positive correlation with happiness Index. Alcohol consumption has always been linked to be used to numb pain and despair. Also, linked to crime, violence, accidents and death.</a:t>
+            </a:r>
+          </a:p>
+          <a:p>
+            <a:endParaRPr lang="en-US" sz="1600" dirty="0">
+              <a:solidFill>
+                <a:schemeClr val="tx1">
+                  <a:lumMod val="65000"/>
+                  <a:lumOff val="35000"/>
+                </a:schemeClr>
+              </a:solidFill>
+            </a:endParaRPr>
+          </a:p>
+          <a:p>
+            <a:r>
+              <a:rPr lang="en-US" sz="1600" dirty="0">
+                <a:solidFill>
+                  <a:schemeClr val="tx1">
+                    <a:lumMod val="65000"/>
+                    <a:lumOff val="35000"/>
+                  </a:schemeClr>
+                </a:solidFill>
+              </a:rPr>
+              <a:t>However, in this graph we can see that residents of happy countries </a:t>
+            </a:r>
+            <a:r>
+              <a:rPr lang="en-US" sz="1600" i="1" u="sng" dirty="0">
+                <a:solidFill>
+                  <a:schemeClr val="tx1">
+                    <a:lumMod val="65000"/>
+                    <a:lumOff val="35000"/>
+                  </a:schemeClr>
+                </a:solidFill>
+              </a:rPr>
+              <a:t>probably</a:t>
+            </a:r>
+            <a:r>
+              <a:rPr lang="en-US" sz="1600" dirty="0">
+                <a:solidFill>
+                  <a:schemeClr val="tx1">
+                    <a:lumMod val="65000"/>
+                    <a:lumOff val="35000"/>
+                  </a:schemeClr>
+                </a:solidFill>
+              </a:rPr>
+              <a:t> consume alcohol for reasons like pleasure, indulgence and celebration.</a:t>
             </a:r>
           </a:p>
         </p:txBody>
@@ -11597,7 +11561,7 @@
     </p:spTree>
     <p:extLst>
       <p:ext uri="{BB962C8B-B14F-4D97-AF65-F5344CB8AC3E}">
-        <p14:creationId xmlns:p14="http://schemas.microsoft.com/office/powerpoint/2010/main" val="1306680931"/>
+        <p14:creationId xmlns:p14="http://schemas.microsoft.com/office/powerpoint/2010/main" val="3949091215"/>
       </p:ext>
     </p:extLst>
   </p:cSld>
@@ -11629,7 +11593,7 @@
           <p:cNvPr id="2" name="Title 1">
             <a:extLst>
               <a:ext uri="{FF2B5EF4-FFF2-40B4-BE49-F238E27FC236}">
-                <a16:creationId xmlns:a16="http://schemas.microsoft.com/office/drawing/2014/main" id="{60C4DB4B-EE68-4BA2-9DDD-A05453385518}"/>
+                <a16:creationId xmlns:a16="http://schemas.microsoft.com/office/drawing/2014/main" id="{B2BEB5D7-FBE4-462C-A0EF-D425722145A0}"/>
               </a:ext>
             </a:extLst>
           </p:cNvPr>
@@ -11640,12 +11604,7 @@
             <p:ph type="title"/>
           </p:nvPr>
         </p:nvSpPr>
-        <p:spPr>
-          <a:xfrm>
-            <a:off x="677334" y="609600"/>
-            <a:ext cx="8596668" cy="609600"/>
-          </a:xfrm>
-        </p:spPr>
+        <p:spPr/>
         <p:txBody>
           <a:bodyPr>
             <a:normAutofit/>
@@ -11653,18 +11612,25 @@
           <a:lstStyle/>
           <a:p>
             <a:r>
-              <a:rPr lang="en-US" sz="3200" dirty="0"/>
-              <a:t>Internet access level throughout the world</a:t>
+              <a:rPr lang="en-US" dirty="0"/>
+              <a:t>Variable Analysis</a:t>
+            </a:r>
+            <a:br>
+              <a:rPr lang="en-US" dirty="0"/>
+            </a:br>
+            <a:r>
+              <a:rPr lang="en-US" sz="2200" dirty="0"/>
+              <a:t>Is there a relationship between Happiness and Education Index </a:t>
             </a:r>
           </a:p>
         </p:txBody>
       </p:sp>
       <p:pic>
         <p:nvPicPr>
-          <p:cNvPr id="7" name="Content Placeholder 6" descr="A close up of a map&#10;&#10;Description automatically generated">
+          <p:cNvPr id="6" name="Content Placeholder 5">
             <a:extLst>
               <a:ext uri="{FF2B5EF4-FFF2-40B4-BE49-F238E27FC236}">
-                <a16:creationId xmlns:a16="http://schemas.microsoft.com/office/drawing/2014/main" id="{26256857-6956-40F4-8381-DE539C05221A}"/>
+                <a16:creationId xmlns:a16="http://schemas.microsoft.com/office/drawing/2014/main" id="{22A86572-9D15-4649-9363-6B5A6CE88C1E}"/>
               </a:ext>
             </a:extLst>
           </p:cNvPr>
@@ -11683,9 +11649,12 @@
         </p:blipFill>
         <p:spPr>
           <a:xfrm>
-            <a:off x="811985" y="1689562"/>
-            <a:ext cx="7827326" cy="3881437"/>
+            <a:off x="818799" y="1930400"/>
+            <a:ext cx="4355085" cy="3015870"/>
           </a:xfrm>
+          <a:prstGeom prst="rect">
+            <a:avLst/>
+          </a:prstGeom>
         </p:spPr>
       </p:pic>
       <p:sp>
@@ -11693,7 +11662,7 @@
           <p:cNvPr id="4" name="Date Placeholder 3">
             <a:extLst>
               <a:ext uri="{FF2B5EF4-FFF2-40B4-BE49-F238E27FC236}">
-                <a16:creationId xmlns:a16="http://schemas.microsoft.com/office/drawing/2014/main" id="{29BC6CCB-75DC-45EB-90C5-FC9680384F56}"/>
+                <a16:creationId xmlns:a16="http://schemas.microsoft.com/office/drawing/2014/main" id="{E8A222A7-B20C-4D7B-B229-F8CF30F1C82E}"/>
               </a:ext>
             </a:extLst>
           </p:cNvPr>
@@ -11722,7 +11691,7 @@
           <p:cNvPr id="5" name="Slide Number Placeholder 4">
             <a:extLst>
               <a:ext uri="{FF2B5EF4-FFF2-40B4-BE49-F238E27FC236}">
-                <a16:creationId xmlns:a16="http://schemas.microsoft.com/office/drawing/2014/main" id="{8C0B7B00-1B13-43A3-9541-C8F52349A82F}"/>
+                <a16:creationId xmlns:a16="http://schemas.microsoft.com/office/drawing/2014/main" id="{58EFABF8-241D-4ACD-9BCD-2E06CF513246}"/>
               </a:ext>
             </a:extLst>
           </p:cNvPr>
@@ -11747,10 +11716,150 @@
           </a:p>
         </p:txBody>
       </p:sp>
+      <p:sp>
+        <p:nvSpPr>
+          <p:cNvPr id="8" name="TextBox 7">
+            <a:extLst>
+              <a:ext uri="{FF2B5EF4-FFF2-40B4-BE49-F238E27FC236}">
+                <a16:creationId xmlns:a16="http://schemas.microsoft.com/office/drawing/2014/main" id="{155BA9C9-610E-42F6-8214-B5BCD78C971D}"/>
+              </a:ext>
+            </a:extLst>
+          </p:cNvPr>
+          <p:cNvSpPr txBox="1"/>
+          <p:nvPr/>
+        </p:nvSpPr>
+        <p:spPr>
+          <a:xfrm>
+            <a:off x="4975668" y="2153330"/>
+            <a:ext cx="5327281" cy="2800767"/>
+          </a:xfrm>
+          <a:prstGeom prst="rect">
+            <a:avLst/>
+          </a:prstGeom>
+          <a:noFill/>
+        </p:spPr>
+        <p:txBody>
+          <a:bodyPr wrap="square" rtlCol="0">
+            <a:spAutoFit/>
+          </a:bodyPr>
+          <a:lstStyle/>
+          <a:p>
+            <a:r>
+              <a:rPr lang="en-US" sz="1600" dirty="0">
+                <a:solidFill>
+                  <a:schemeClr val="tx1">
+                    <a:lumMod val="65000"/>
+                    <a:lumOff val="35000"/>
+                  </a:schemeClr>
+                </a:solidFill>
+              </a:rPr>
+              <a:t>This analysis shows that happier nations have a higher Education index than unhappy ones with a strong correlation of 0.76. </a:t>
+            </a:r>
+          </a:p>
+          <a:p>
+            <a:endParaRPr lang="en-US" sz="1600" dirty="0">
+              <a:solidFill>
+                <a:schemeClr val="tx1">
+                  <a:lumMod val="65000"/>
+                  <a:lumOff val="35000"/>
+                </a:schemeClr>
+              </a:solidFill>
+            </a:endParaRPr>
+          </a:p>
+          <a:p>
+            <a:r>
+              <a:rPr lang="en-US" sz="1600" dirty="0">
+                <a:solidFill>
+                  <a:schemeClr val="tx1">
+                    <a:lumMod val="65000"/>
+                    <a:lumOff val="35000"/>
+                  </a:schemeClr>
+                </a:solidFill>
+              </a:rPr>
+              <a:t>We can assume that Education is linked to sense of individual empowerment, community contribution and better job conditions. </a:t>
+            </a:r>
+          </a:p>
+          <a:p>
+            <a:endParaRPr lang="en-US" sz="1600" dirty="0">
+              <a:solidFill>
+                <a:schemeClr val="tx1">
+                  <a:lumMod val="65000"/>
+                  <a:lumOff val="35000"/>
+                </a:schemeClr>
+              </a:solidFill>
+            </a:endParaRPr>
+          </a:p>
+          <a:p>
+            <a:r>
+              <a:rPr lang="en-US" sz="1600" dirty="0">
+                <a:solidFill>
+                  <a:schemeClr val="tx1">
+                    <a:lumMod val="65000"/>
+                    <a:lumOff val="35000"/>
+                  </a:schemeClr>
+                </a:solidFill>
+              </a:rPr>
+              <a:t>All of it contributing to country’s residents sense of security and well being. </a:t>
+            </a:r>
+          </a:p>
+          <a:p>
+            <a:endParaRPr lang="en-US" sz="1600" dirty="0">
+              <a:solidFill>
+                <a:schemeClr val="tx1">
+                  <a:lumMod val="65000"/>
+                  <a:lumOff val="35000"/>
+                </a:schemeClr>
+              </a:solidFill>
+            </a:endParaRPr>
+          </a:p>
+        </p:txBody>
+      </p:sp>
+      <p:sp>
+        <p:nvSpPr>
+          <p:cNvPr id="9" name="TextBox 8">
+            <a:extLst>
+              <a:ext uri="{FF2B5EF4-FFF2-40B4-BE49-F238E27FC236}">
+                <a16:creationId xmlns:a16="http://schemas.microsoft.com/office/drawing/2014/main" id="{1F7B5F28-4CFF-4EB9-A0F9-035416EA5B2E}"/>
+              </a:ext>
+            </a:extLst>
+          </p:cNvPr>
+          <p:cNvSpPr txBox="1"/>
+          <p:nvPr/>
+        </p:nvSpPr>
+        <p:spPr>
+          <a:xfrm>
+            <a:off x="1329070" y="4927598"/>
+            <a:ext cx="1988288" cy="369332"/>
+          </a:xfrm>
+          <a:prstGeom prst="rect">
+            <a:avLst/>
+          </a:prstGeom>
+          <a:noFill/>
+        </p:spPr>
+        <p:txBody>
+          <a:bodyPr wrap="square" rtlCol="0">
+            <a:spAutoFit/>
+          </a:bodyPr>
+          <a:lstStyle/>
+          <a:p>
+            <a:r>
+              <a:rPr lang="en-US" dirty="0">
+                <a:solidFill>
+                  <a:schemeClr val="tx1">
+                    <a:lumMod val="75000"/>
+                    <a:lumOff val="25000"/>
+                  </a:schemeClr>
+                </a:solidFill>
+              </a:rPr>
+              <a:t>r value: 0.7603</a:t>
+            </a:r>
+          </a:p>
+        </p:txBody>
+      </p:sp>
     </p:spTree>
     <p:extLst>
       <p:ext uri="{BB962C8B-B14F-4D97-AF65-F5344CB8AC3E}">
-        <p14:creationId xmlns:p14="http://schemas.microsoft.com/office/powerpoint/2010/main" val="427924179"/>
+        <p14:creationId xmlns:p14="http://schemas.microsoft.com/office/powerpoint/2010/main" val="1306680931"/>
       </p:ext>
     </p:extLst>
   </p:cSld>
@@ -11782,7 +11891,7 @@
           <p:cNvPr id="2" name="Title 1">
             <a:extLst>
               <a:ext uri="{FF2B5EF4-FFF2-40B4-BE49-F238E27FC236}">
-                <a16:creationId xmlns:a16="http://schemas.microsoft.com/office/drawing/2014/main" id="{B2BEB5D7-FBE4-462C-A0EF-D425722145A0}"/>
+                <a16:creationId xmlns:a16="http://schemas.microsoft.com/office/drawing/2014/main" id="{60C4DB4B-EE68-4BA2-9DDD-A05453385518}"/>
               </a:ext>
             </a:extLst>
           </p:cNvPr>
@@ -11795,8 +11904,8 @@
         </p:nvSpPr>
         <p:spPr>
           <a:xfrm>
-            <a:off x="422152" y="361507"/>
-            <a:ext cx="8596668" cy="1320800"/>
+            <a:off x="677334" y="609600"/>
+            <a:ext cx="8596668" cy="609600"/>
           </a:xfrm>
         </p:spPr>
         <p:txBody>
@@ -11806,25 +11915,18 @@
           <a:lstStyle/>
           <a:p>
             <a:r>
-              <a:rPr lang="en-US" dirty="0"/>
-              <a:t>Variable Analysis</a:t>
-            </a:r>
-            <a:br>
-              <a:rPr lang="en-US" dirty="0"/>
-            </a:br>
-            <a:r>
-              <a:rPr lang="en-US" sz="2200" dirty="0"/>
-              <a:t>Correlation between happiness score and disaster rate, internet access rate and sleeping.</a:t>
+              <a:rPr lang="en-US" sz="3200" dirty="0"/>
+              <a:t>Internet access level throughout the world</a:t>
             </a:r>
           </a:p>
         </p:txBody>
       </p:sp>
       <p:pic>
         <p:nvPicPr>
-          <p:cNvPr id="7" name="Content Placeholder 6" descr="A close up of text on a white background&#10;&#10;Description automatically generated">
+          <p:cNvPr id="7" name="Content Placeholder 6" descr="A close up of a map&#10;&#10;Description automatically generated">
             <a:extLst>
               <a:ext uri="{FF2B5EF4-FFF2-40B4-BE49-F238E27FC236}">
-                <a16:creationId xmlns:a16="http://schemas.microsoft.com/office/drawing/2014/main" id="{8768A866-C8BA-49D3-923E-7C4637B7E53D}"/>
+                <a16:creationId xmlns:a16="http://schemas.microsoft.com/office/drawing/2014/main" id="{26256857-6956-40F4-8381-DE539C05221A}"/>
               </a:ext>
             </a:extLst>
           </p:cNvPr>
@@ -11843,8 +11945,8 @@
         </p:blipFill>
         <p:spPr>
           <a:xfrm>
-            <a:off x="3035300" y="2160588"/>
-            <a:ext cx="3881437" cy="3881437"/>
+            <a:off x="811985" y="1689562"/>
+            <a:ext cx="7827326" cy="3881437"/>
           </a:xfrm>
         </p:spPr>
       </p:pic>
@@ -11853,7 +11955,7 @@
           <p:cNvPr id="4" name="Date Placeholder 3">
             <a:extLst>
               <a:ext uri="{FF2B5EF4-FFF2-40B4-BE49-F238E27FC236}">
-                <a16:creationId xmlns:a16="http://schemas.microsoft.com/office/drawing/2014/main" id="{C54E478E-DC00-419D-8C89-AA75EFA9E551}"/>
+                <a16:creationId xmlns:a16="http://schemas.microsoft.com/office/drawing/2014/main" id="{29BC6CCB-75DC-45EB-90C5-FC9680384F56}"/>
               </a:ext>
             </a:extLst>
           </p:cNvPr>
@@ -11870,9 +11972,10 @@
           <a:lstStyle/>
           <a:p>
             <a:r>
-              <a:rPr lang="en-US" dirty="0"/>
+              <a:rPr lang="en-US"/>
               <a:t>7/29/2019</a:t>
             </a:r>
+            <a:endParaRPr lang="en-US" dirty="0"/>
           </a:p>
         </p:txBody>
       </p:sp>
@@ -11881,7 +11984,7 @@
           <p:cNvPr id="5" name="Slide Number Placeholder 4">
             <a:extLst>
               <a:ext uri="{FF2B5EF4-FFF2-40B4-BE49-F238E27FC236}">
-                <a16:creationId xmlns:a16="http://schemas.microsoft.com/office/drawing/2014/main" id="{896378A3-BD0C-4094-ACA9-C8AF0E3F2025}"/>
+                <a16:creationId xmlns:a16="http://schemas.microsoft.com/office/drawing/2014/main" id="{8C0B7B00-1B13-43A3-9541-C8F52349A82F}"/>
               </a:ext>
             </a:extLst>
           </p:cNvPr>
@@ -11909,7 +12012,7 @@
     </p:spTree>
     <p:extLst>
       <p:ext uri="{BB962C8B-B14F-4D97-AF65-F5344CB8AC3E}">
-        <p14:creationId xmlns:p14="http://schemas.microsoft.com/office/powerpoint/2010/main" val="3103489254"/>
+        <p14:creationId xmlns:p14="http://schemas.microsoft.com/office/powerpoint/2010/main" val="427924179"/>
       </p:ext>
     </p:extLst>
   </p:cSld>
@@ -11952,7 +12055,12 @@
             <p:ph type="title"/>
           </p:nvPr>
         </p:nvSpPr>
-        <p:spPr/>
+        <p:spPr>
+          <a:xfrm>
+            <a:off x="422152" y="361507"/>
+            <a:ext cx="8596668" cy="1320800"/>
+          </a:xfrm>
+        </p:spPr>
         <p:txBody>
           <a:bodyPr>
             <a:normAutofit/>
@@ -11968,17 +12076,17 @@
             </a:br>
             <a:r>
               <a:rPr lang="en-US" sz="2200" dirty="0"/>
-              <a:t>Is there a relationship between Happiness and Disaster Risk, Internet access rate and Average Sleeping</a:t>
+              <a:t>Correlation between happiness score and disaster rate, internet access rate and sleeping.</a:t>
             </a:r>
           </a:p>
         </p:txBody>
       </p:sp>
       <p:pic>
         <p:nvPicPr>
-          <p:cNvPr id="7" name="Content Placeholder 6" descr="A close up of a map&#10;&#10;Description automatically generated">
+          <p:cNvPr id="7" name="Content Placeholder 6" descr="A close up of text on a white background&#10;&#10;Description automatically generated">
             <a:extLst>
               <a:ext uri="{FF2B5EF4-FFF2-40B4-BE49-F238E27FC236}">
-                <a16:creationId xmlns:a16="http://schemas.microsoft.com/office/drawing/2014/main" id="{40DDE0C9-937B-4C0E-A7A6-EC5CEF55D82A}"/>
+                <a16:creationId xmlns:a16="http://schemas.microsoft.com/office/drawing/2014/main" id="{8768A866-C8BA-49D3-923E-7C4637B7E53D}"/>
               </a:ext>
             </a:extLst>
           </p:cNvPr>
@@ -11997,8 +12105,8 @@
         </p:blipFill>
         <p:spPr>
           <a:xfrm>
-            <a:off x="1732756" y="2159925"/>
-            <a:ext cx="4657724" cy="3881437"/>
+            <a:off x="3035300" y="2160588"/>
+            <a:ext cx="3881437" cy="3881437"/>
           </a:xfrm>
         </p:spPr>
       </p:pic>
@@ -12007,7 +12115,7 @@
           <p:cNvPr id="4" name="Date Placeholder 3">
             <a:extLst>
               <a:ext uri="{FF2B5EF4-FFF2-40B4-BE49-F238E27FC236}">
-                <a16:creationId xmlns:a16="http://schemas.microsoft.com/office/drawing/2014/main" id="{F818E91A-952D-4A9D-9763-F2C38F2777CE}"/>
+                <a16:creationId xmlns:a16="http://schemas.microsoft.com/office/drawing/2014/main" id="{C54E478E-DC00-419D-8C89-AA75EFA9E551}"/>
               </a:ext>
             </a:extLst>
           </p:cNvPr>
@@ -12024,10 +12132,9 @@
           <a:lstStyle/>
           <a:p>
             <a:r>
-              <a:rPr lang="en-US"/>
+              <a:rPr lang="en-US" dirty="0"/>
               <a:t>7/29/2019</a:t>
             </a:r>
-            <a:endParaRPr lang="en-US" dirty="0"/>
           </a:p>
         </p:txBody>
       </p:sp>
@@ -12036,7 +12143,7 @@
           <p:cNvPr id="5" name="Slide Number Placeholder 4">
             <a:extLst>
               <a:ext uri="{FF2B5EF4-FFF2-40B4-BE49-F238E27FC236}">
-                <a16:creationId xmlns:a16="http://schemas.microsoft.com/office/drawing/2014/main" id="{FCD5EB3D-B069-4967-8CBA-80BB4781BEF2}"/>
+                <a16:creationId xmlns:a16="http://schemas.microsoft.com/office/drawing/2014/main" id="{896378A3-BD0C-4094-ACA9-C8AF0E3F2025}"/>
               </a:ext>
             </a:extLst>
           </p:cNvPr>
@@ -12064,7 +12171,7 @@
     </p:spTree>
     <p:extLst>
       <p:ext uri="{BB962C8B-B14F-4D97-AF65-F5344CB8AC3E}">
-        <p14:creationId xmlns:p14="http://schemas.microsoft.com/office/powerpoint/2010/main" val="1010352627"/>
+        <p14:creationId xmlns:p14="http://schemas.microsoft.com/office/powerpoint/2010/main" val="3103489254"/>
       </p:ext>
     </p:extLst>
   </p:cSld>
@@ -12137,7 +12244,7 @@
         </p:nvSpPr>
         <p:spPr>
           <a:xfrm>
-            <a:off x="677334" y="2160590"/>
+            <a:off x="677334" y="1816033"/>
             <a:ext cx="8596668" cy="3418340"/>
           </a:xfrm>
         </p:spPr>
@@ -12147,7 +12254,7 @@
           <a:p>
             <a:r>
               <a:rPr lang="en-US" dirty="0"/>
-              <a:t>Levels of happiness varies throughout the world.  There are likely many factors that influence the level of happiness in a country.  We seek to determine some factors that could be used to predict happiness.</a:t>
+              <a:t>Levels of happiness vary throughout the world.  There are likely many factors that influence the level of happiness in a country.  We seek to determine some factors that could be used to predict happiness.</a:t>
             </a:r>
           </a:p>
           <a:p>
@@ -12160,14 +12267,14 @@
             <a:pPr lvl="1"/>
             <a:r>
               <a:rPr lang="en-US" dirty="0"/>
-              <a:t>How is happiness distributed around the world?</a:t>
+              <a:t>How happiness is distributed around the world?</a:t>
             </a:r>
           </a:p>
           <a:p>
             <a:pPr lvl="1"/>
             <a:r>
               <a:rPr lang="en-US" dirty="0"/>
-              <a:t>What are some of the factors influence happiness?</a:t>
+              <a:t>What are some of the factors that influence happiness?</a:t>
             </a:r>
           </a:p>
           <a:p>
@@ -12308,6 +12415,161 @@
             </a:br>
             <a:r>
               <a:rPr lang="en-US" sz="2200" dirty="0"/>
+              <a:t>Is there a relationship between Happiness and Disaster Risk, Internet access rate and Average Sleeping</a:t>
+            </a:r>
+          </a:p>
+        </p:txBody>
+      </p:sp>
+      <p:pic>
+        <p:nvPicPr>
+          <p:cNvPr id="7" name="Content Placeholder 6" descr="A close up of a map&#10;&#10;Description automatically generated">
+            <a:extLst>
+              <a:ext uri="{FF2B5EF4-FFF2-40B4-BE49-F238E27FC236}">
+                <a16:creationId xmlns:a16="http://schemas.microsoft.com/office/drawing/2014/main" id="{40DDE0C9-937B-4C0E-A7A6-EC5CEF55D82A}"/>
+              </a:ext>
+            </a:extLst>
+          </p:cNvPr>
+          <p:cNvPicPr>
+            <a:picLocks noGrp="1" noChangeAspect="1"/>
+          </p:cNvPicPr>
+          <p:nvPr>
+            <p:ph idx="1"/>
+          </p:nvPr>
+        </p:nvPicPr>
+        <p:blipFill>
+          <a:blip r:embed="rId2"/>
+          <a:stretch>
+            <a:fillRect/>
+          </a:stretch>
+        </p:blipFill>
+        <p:spPr>
+          <a:xfrm>
+            <a:off x="1732756" y="2159925"/>
+            <a:ext cx="4657724" cy="3881437"/>
+          </a:xfrm>
+        </p:spPr>
+      </p:pic>
+      <p:sp>
+        <p:nvSpPr>
+          <p:cNvPr id="4" name="Date Placeholder 3">
+            <a:extLst>
+              <a:ext uri="{FF2B5EF4-FFF2-40B4-BE49-F238E27FC236}">
+                <a16:creationId xmlns:a16="http://schemas.microsoft.com/office/drawing/2014/main" id="{F818E91A-952D-4A9D-9763-F2C38F2777CE}"/>
+              </a:ext>
+            </a:extLst>
+          </p:cNvPr>
+          <p:cNvSpPr>
+            <a:spLocks noGrp="1"/>
+          </p:cNvSpPr>
+          <p:nvPr>
+            <p:ph type="dt" sz="half" idx="10"/>
+          </p:nvPr>
+        </p:nvSpPr>
+        <p:spPr/>
+        <p:txBody>
+          <a:bodyPr/>
+          <a:lstStyle/>
+          <a:p>
+            <a:r>
+              <a:rPr lang="en-US"/>
+              <a:t>7/29/2019</a:t>
+            </a:r>
+            <a:endParaRPr lang="en-US" dirty="0"/>
+          </a:p>
+        </p:txBody>
+      </p:sp>
+      <p:sp>
+        <p:nvSpPr>
+          <p:cNvPr id="5" name="Slide Number Placeholder 4">
+            <a:extLst>
+              <a:ext uri="{FF2B5EF4-FFF2-40B4-BE49-F238E27FC236}">
+                <a16:creationId xmlns:a16="http://schemas.microsoft.com/office/drawing/2014/main" id="{FCD5EB3D-B069-4967-8CBA-80BB4781BEF2}"/>
+              </a:ext>
+            </a:extLst>
+          </p:cNvPr>
+          <p:cNvSpPr>
+            <a:spLocks noGrp="1"/>
+          </p:cNvSpPr>
+          <p:nvPr>
+            <p:ph type="sldNum" sz="quarter" idx="12"/>
+          </p:nvPr>
+        </p:nvSpPr>
+        <p:spPr/>
+        <p:txBody>
+          <a:bodyPr/>
+          <a:lstStyle/>
+          <a:p>
+            <a:fld id="{D57F1E4F-1CFF-5643-939E-217C01CDF565}" type="slidenum">
+              <a:rPr lang="en-US" smtClean="0"/>
+              <a:pPr/>
+              <a:t>20</a:t>
+            </a:fld>
+            <a:endParaRPr lang="en-US" dirty="0"/>
+          </a:p>
+        </p:txBody>
+      </p:sp>
+    </p:spTree>
+    <p:extLst>
+      <p:ext uri="{BB962C8B-B14F-4D97-AF65-F5344CB8AC3E}">
+        <p14:creationId xmlns:p14="http://schemas.microsoft.com/office/powerpoint/2010/main" val="1010352627"/>
+      </p:ext>
+    </p:extLst>
+  </p:cSld>
+  <p:clrMapOvr>
+    <a:masterClrMapping/>
+  </p:clrMapOvr>
+</p:sld>
+</file>
+
+<file path=ppt/slides/slide21.xml><?xml version="1.0" encoding="utf-8"?>
+<p:sld xmlns:a="http://schemas.openxmlformats.org/drawingml/2006/main" xmlns:r="http://schemas.openxmlformats.org/officeDocument/2006/relationships" xmlns:p="http://schemas.openxmlformats.org/presentationml/2006/main">
+  <p:cSld>
+    <p:spTree>
+      <p:nvGrpSpPr>
+        <p:cNvPr id="1" name=""/>
+        <p:cNvGrpSpPr/>
+        <p:nvPr/>
+      </p:nvGrpSpPr>
+      <p:grpSpPr>
+        <a:xfrm>
+          <a:off x="0" y="0"/>
+          <a:ext cx="0" cy="0"/>
+          <a:chOff x="0" y="0"/>
+          <a:chExt cx="0" cy="0"/>
+        </a:xfrm>
+      </p:grpSpPr>
+      <p:sp>
+        <p:nvSpPr>
+          <p:cNvPr id="2" name="Title 1">
+            <a:extLst>
+              <a:ext uri="{FF2B5EF4-FFF2-40B4-BE49-F238E27FC236}">
+                <a16:creationId xmlns:a16="http://schemas.microsoft.com/office/drawing/2014/main" id="{B2BEB5D7-FBE4-462C-A0EF-D425722145A0}"/>
+              </a:ext>
+            </a:extLst>
+          </p:cNvPr>
+          <p:cNvSpPr>
+            <a:spLocks noGrp="1"/>
+          </p:cNvSpPr>
+          <p:nvPr>
+            <p:ph type="title"/>
+          </p:nvPr>
+        </p:nvSpPr>
+        <p:spPr/>
+        <p:txBody>
+          <a:bodyPr>
+            <a:normAutofit/>
+          </a:bodyPr>
+          <a:lstStyle/>
+          <a:p>
+            <a:r>
+              <a:rPr lang="en-US" dirty="0"/>
+              <a:t>Variable Analysis</a:t>
+            </a:r>
+            <a:br>
+              <a:rPr lang="en-US" dirty="0"/>
+            </a:br>
+            <a:r>
+              <a:rPr lang="en-US" sz="2200" dirty="0"/>
               <a:t>Correlation Coefficients between happiness and disaster rate, internet access rate and average sleeping.</a:t>
             </a:r>
           </a:p>
@@ -12366,7 +12628,7 @@
             <a:fld id="{D57F1E4F-1CFF-5643-939E-217C01CDF565}" type="slidenum">
               <a:rPr lang="en-US" smtClean="0"/>
               <a:pPr/>
-              <a:t>20</a:t>
+              <a:t>21</a:t>
             </a:fld>
             <a:endParaRPr lang="en-US" dirty="0"/>
           </a:p>
@@ -12417,453 +12679,6 @@
 </p:sld>
 </file>
 
-<file path=ppt/slides/slide21.xml><?xml version="1.0" encoding="utf-8"?>
-<p:sld xmlns:a="http://schemas.openxmlformats.org/drawingml/2006/main" xmlns:r="http://schemas.openxmlformats.org/officeDocument/2006/relationships" xmlns:p="http://schemas.openxmlformats.org/presentationml/2006/main">
-  <p:cSld>
-    <p:spTree>
-      <p:nvGrpSpPr>
-        <p:cNvPr id="1" name=""/>
-        <p:cNvGrpSpPr/>
-        <p:nvPr/>
-      </p:nvGrpSpPr>
-      <p:grpSpPr>
-        <a:xfrm>
-          <a:off x="0" y="0"/>
-          <a:ext cx="0" cy="0"/>
-          <a:chOff x="0" y="0"/>
-          <a:chExt cx="0" cy="0"/>
-        </a:xfrm>
-      </p:grpSpPr>
-      <p:sp>
-        <p:nvSpPr>
-          <p:cNvPr id="2" name="Title 1">
-            <a:extLst>
-              <a:ext uri="{FF2B5EF4-FFF2-40B4-BE49-F238E27FC236}">
-                <a16:creationId xmlns:a16="http://schemas.microsoft.com/office/drawing/2014/main" id="{CBD7BD3C-95D6-4428-9983-A8EA74421EDD}"/>
-              </a:ext>
-            </a:extLst>
-          </p:cNvPr>
-          <p:cNvSpPr>
-            <a:spLocks noGrp="1"/>
-          </p:cNvSpPr>
-          <p:nvPr>
-            <p:ph type="title"/>
-          </p:nvPr>
-        </p:nvSpPr>
-        <p:spPr>
-          <a:xfrm>
-            <a:off x="677334" y="241300"/>
-            <a:ext cx="8596668" cy="647700"/>
-          </a:xfrm>
-        </p:spPr>
-        <p:txBody>
-          <a:bodyPr/>
-          <a:lstStyle/>
-          <a:p>
-            <a:r>
-              <a:rPr lang="en-US" dirty="0"/>
-              <a:t>Discussion</a:t>
-            </a:r>
-          </a:p>
-        </p:txBody>
-      </p:sp>
-      <p:sp>
-        <p:nvSpPr>
-          <p:cNvPr id="3" name="Content Placeholder 2">
-            <a:extLst>
-              <a:ext uri="{FF2B5EF4-FFF2-40B4-BE49-F238E27FC236}">
-                <a16:creationId xmlns:a16="http://schemas.microsoft.com/office/drawing/2014/main" id="{947669C7-4B40-43A0-9AEB-F1CD2522B8BF}"/>
-              </a:ext>
-            </a:extLst>
-          </p:cNvPr>
-          <p:cNvSpPr>
-            <a:spLocks noGrp="1"/>
-          </p:cNvSpPr>
-          <p:nvPr>
-            <p:ph idx="1"/>
-          </p:nvPr>
-        </p:nvSpPr>
-        <p:spPr>
-          <a:xfrm>
-            <a:off x="798872" y="939799"/>
-            <a:ext cx="8596668" cy="5466687"/>
-          </a:xfrm>
-        </p:spPr>
-        <p:txBody>
-          <a:bodyPr>
-            <a:normAutofit fontScale="55000" lnSpcReduction="20000"/>
-          </a:bodyPr>
-          <a:lstStyle/>
-          <a:p>
-            <a:r>
-              <a:rPr lang="en-US" sz="2900" dirty="0">
-                <a:solidFill>
-                  <a:schemeClr val="tx1">
-                    <a:lumMod val="65000"/>
-                    <a:lumOff val="35000"/>
-                  </a:schemeClr>
-                </a:solidFill>
-              </a:rPr>
-              <a:t>We can conclude that higher Happiness Index around the world is concentrated in Europe, The Americas and Oceania, leaving Africa and Asia with the lower scores.</a:t>
-            </a:r>
-          </a:p>
-          <a:p>
-            <a:pPr marL="0" indent="0">
-              <a:buNone/>
-            </a:pPr>
-            <a:endParaRPr lang="en-US" sz="2900" dirty="0">
-              <a:solidFill>
-                <a:schemeClr val="tx1">
-                  <a:lumMod val="65000"/>
-                  <a:lumOff val="35000"/>
-                </a:schemeClr>
-              </a:solidFill>
-            </a:endParaRPr>
-          </a:p>
-          <a:p>
-            <a:r>
-              <a:rPr lang="en-US" sz="2900" dirty="0">
-                <a:solidFill>
-                  <a:schemeClr val="tx1">
-                    <a:lumMod val="65000"/>
-                    <a:lumOff val="35000"/>
-                  </a:schemeClr>
-                </a:solidFill>
-              </a:rPr>
-              <a:t>Finland, Norway, Denmark, Iceland and Switzerland are the countries with the higher Happiness Index score in the world. And they have consistently ranked at this level for 2015 to 2018. </a:t>
-            </a:r>
-          </a:p>
-          <a:p>
-            <a:endParaRPr lang="en-US" sz="2900" dirty="0">
-              <a:solidFill>
-                <a:schemeClr val="tx1">
-                  <a:lumMod val="65000"/>
-                  <a:lumOff val="35000"/>
-                </a:schemeClr>
-              </a:solidFill>
-            </a:endParaRPr>
-          </a:p>
-          <a:p>
-            <a:r>
-              <a:rPr lang="en-US" sz="2900" dirty="0">
-                <a:solidFill>
-                  <a:schemeClr val="tx1">
-                    <a:lumMod val="65000"/>
-                    <a:lumOff val="35000"/>
-                  </a:schemeClr>
-                </a:solidFill>
-              </a:rPr>
-              <a:t>Factors with </a:t>
-            </a:r>
-            <a:r>
-              <a:rPr lang="en-US" sz="2900" b="1" dirty="0">
-                <a:solidFill>
-                  <a:schemeClr val="tx1">
-                    <a:lumMod val="65000"/>
-                    <a:lumOff val="35000"/>
-                  </a:schemeClr>
-                </a:solidFill>
-              </a:rPr>
-              <a:t>high correlation </a:t>
-            </a:r>
-            <a:r>
-              <a:rPr lang="en-US" sz="2900" dirty="0">
-                <a:solidFill>
-                  <a:schemeClr val="tx1">
-                    <a:lumMod val="65000"/>
-                    <a:lumOff val="35000"/>
-                  </a:schemeClr>
-                </a:solidFill>
-              </a:rPr>
-              <a:t>to country happiness index:</a:t>
-            </a:r>
-          </a:p>
-          <a:p>
-            <a:pPr lvl="1"/>
-            <a:r>
-              <a:rPr lang="en-US" sz="2900" dirty="0">
-                <a:solidFill>
-                  <a:schemeClr val="tx1">
-                    <a:lumMod val="65000"/>
-                    <a:lumOff val="35000"/>
-                  </a:schemeClr>
-                </a:solidFill>
-              </a:rPr>
-              <a:t>GDP, Education Level, Access to Internet, ??????</a:t>
-            </a:r>
-          </a:p>
-          <a:p>
-            <a:pPr lvl="1"/>
-            <a:endParaRPr lang="en-US" sz="2900" dirty="0">
-              <a:solidFill>
-                <a:schemeClr val="tx1">
-                  <a:lumMod val="65000"/>
-                  <a:lumOff val="35000"/>
-                </a:schemeClr>
-              </a:solidFill>
-            </a:endParaRPr>
-          </a:p>
-          <a:p>
-            <a:r>
-              <a:rPr lang="en-US" sz="2900" dirty="0">
-                <a:solidFill>
-                  <a:schemeClr val="tx1">
-                    <a:lumMod val="65000"/>
-                    <a:lumOff val="35000"/>
-                  </a:schemeClr>
-                </a:solidFill>
-              </a:rPr>
-              <a:t>Factors with </a:t>
-            </a:r>
-            <a:r>
-              <a:rPr lang="en-US" sz="2900" b="1" dirty="0">
-                <a:solidFill>
-                  <a:schemeClr val="tx1">
-                    <a:lumMod val="65000"/>
-                    <a:lumOff val="35000"/>
-                  </a:schemeClr>
-                </a:solidFill>
-              </a:rPr>
-              <a:t>some correlation </a:t>
-            </a:r>
-            <a:r>
-              <a:rPr lang="en-US" sz="2900" dirty="0">
-                <a:solidFill>
-                  <a:schemeClr val="tx1">
-                    <a:lumMod val="65000"/>
-                    <a:lumOff val="35000"/>
-                  </a:schemeClr>
-                </a:solidFill>
-              </a:rPr>
-              <a:t>to country happiness index:</a:t>
-            </a:r>
-          </a:p>
-          <a:p>
-            <a:pPr lvl="1"/>
-            <a:r>
-              <a:rPr lang="en-US" sz="2900" dirty="0">
-                <a:solidFill>
-                  <a:schemeClr val="tx1">
-                    <a:lumMod val="65000"/>
-                    <a:lumOff val="35000"/>
-                  </a:schemeClr>
-                </a:solidFill>
-              </a:rPr>
-              <a:t>Median age, Alcohol Consumption, Disaster Risk rate and Average Hours of Sleep</a:t>
-            </a:r>
-          </a:p>
-          <a:p>
-            <a:pPr marL="457200" lvl="1" indent="0">
-              <a:buNone/>
-            </a:pPr>
-            <a:endParaRPr lang="en-US" sz="2900" dirty="0">
-              <a:solidFill>
-                <a:schemeClr val="tx1">
-                  <a:lumMod val="65000"/>
-                  <a:lumOff val="35000"/>
-                </a:schemeClr>
-              </a:solidFill>
-            </a:endParaRPr>
-          </a:p>
-          <a:p>
-            <a:r>
-              <a:rPr lang="en-US" sz="2900" dirty="0">
-                <a:solidFill>
-                  <a:schemeClr val="tx1">
-                    <a:lumMod val="65000"/>
-                    <a:lumOff val="35000"/>
-                  </a:schemeClr>
-                </a:solidFill>
-              </a:rPr>
-              <a:t>Factors with </a:t>
-            </a:r>
-            <a:r>
-              <a:rPr lang="en-US" sz="2900" b="1" dirty="0">
-                <a:solidFill>
-                  <a:schemeClr val="tx1">
-                    <a:lumMod val="65000"/>
-                    <a:lumOff val="35000"/>
-                  </a:schemeClr>
-                </a:solidFill>
-              </a:rPr>
-              <a:t>negative correlation </a:t>
-            </a:r>
-            <a:r>
-              <a:rPr lang="en-US" sz="2900" dirty="0">
-                <a:solidFill>
-                  <a:schemeClr val="tx1">
-                    <a:lumMod val="65000"/>
-                    <a:lumOff val="35000"/>
-                  </a:schemeClr>
-                </a:solidFill>
-              </a:rPr>
-              <a:t>to country happiness index:</a:t>
-            </a:r>
-          </a:p>
-          <a:p>
-            <a:pPr lvl="1"/>
-            <a:r>
-              <a:rPr lang="en-US" sz="2900" dirty="0">
-                <a:solidFill>
-                  <a:schemeClr val="tx1">
-                    <a:lumMod val="65000"/>
-                    <a:lumOff val="35000"/>
-                  </a:schemeClr>
-                </a:solidFill>
-              </a:rPr>
-              <a:t>?????????</a:t>
-            </a:r>
-            <a:br>
-              <a:rPr lang="en-US" sz="2900" dirty="0">
-                <a:solidFill>
-                  <a:schemeClr val="tx1">
-                    <a:lumMod val="65000"/>
-                    <a:lumOff val="35000"/>
-                  </a:schemeClr>
-                </a:solidFill>
-              </a:rPr>
-            </a:br>
-            <a:r>
-              <a:rPr lang="en-US" sz="2900" dirty="0">
-                <a:solidFill>
-                  <a:schemeClr val="tx1">
-                    <a:lumMod val="65000"/>
-                    <a:lumOff val="35000"/>
-                  </a:schemeClr>
-                </a:solidFill>
-              </a:rPr>
-              <a:t>	</a:t>
-            </a:r>
-          </a:p>
-          <a:p>
-            <a:r>
-              <a:rPr lang="en-US" sz="2900" dirty="0">
-                <a:solidFill>
-                  <a:schemeClr val="tx1">
-                    <a:lumMod val="65000"/>
-                    <a:lumOff val="35000"/>
-                  </a:schemeClr>
-                </a:solidFill>
-              </a:rPr>
-              <a:t>Factors with </a:t>
-            </a:r>
-            <a:r>
-              <a:rPr lang="en-US" sz="2900" b="1" dirty="0">
-                <a:solidFill>
-                  <a:schemeClr val="tx1">
-                    <a:lumMod val="65000"/>
-                    <a:lumOff val="35000"/>
-                  </a:schemeClr>
-                </a:solidFill>
-              </a:rPr>
-              <a:t>no correlation </a:t>
-            </a:r>
-            <a:r>
-              <a:rPr lang="en-US" sz="2900" dirty="0">
-                <a:solidFill>
-                  <a:schemeClr val="tx1">
-                    <a:lumMod val="65000"/>
-                    <a:lumOff val="35000"/>
-                  </a:schemeClr>
-                </a:solidFill>
-              </a:rPr>
-              <a:t>to country happiness index:</a:t>
-            </a:r>
-          </a:p>
-          <a:p>
-            <a:pPr lvl="1"/>
-            <a:r>
-              <a:rPr lang="en-US" sz="2900" dirty="0">
-                <a:solidFill>
-                  <a:schemeClr val="tx1">
-                    <a:lumMod val="65000"/>
-                    <a:lumOff val="35000"/>
-                  </a:schemeClr>
-                </a:solidFill>
-              </a:rPr>
-              <a:t>????????, ????????</a:t>
-            </a:r>
-          </a:p>
-          <a:p>
-            <a:endParaRPr lang="en-US" dirty="0"/>
-          </a:p>
-          <a:p>
-            <a:endParaRPr lang="en-US" dirty="0"/>
-          </a:p>
-        </p:txBody>
-      </p:sp>
-      <p:sp>
-        <p:nvSpPr>
-          <p:cNvPr id="4" name="Date Placeholder 3">
-            <a:extLst>
-              <a:ext uri="{FF2B5EF4-FFF2-40B4-BE49-F238E27FC236}">
-                <a16:creationId xmlns:a16="http://schemas.microsoft.com/office/drawing/2014/main" id="{C4ED3B52-CF4F-4420-9626-2DFDCF8C1D10}"/>
-              </a:ext>
-            </a:extLst>
-          </p:cNvPr>
-          <p:cNvSpPr>
-            <a:spLocks noGrp="1"/>
-          </p:cNvSpPr>
-          <p:nvPr>
-            <p:ph type="dt" sz="half" idx="10"/>
-          </p:nvPr>
-        </p:nvSpPr>
-        <p:spPr/>
-        <p:txBody>
-          <a:bodyPr/>
-          <a:lstStyle/>
-          <a:p>
-            <a:r>
-              <a:rPr lang="en-US"/>
-              <a:t>7/29/2019</a:t>
-            </a:r>
-            <a:endParaRPr lang="en-US" dirty="0"/>
-          </a:p>
-        </p:txBody>
-      </p:sp>
-      <p:sp>
-        <p:nvSpPr>
-          <p:cNvPr id="5" name="Slide Number Placeholder 4">
-            <a:extLst>
-              <a:ext uri="{FF2B5EF4-FFF2-40B4-BE49-F238E27FC236}">
-                <a16:creationId xmlns:a16="http://schemas.microsoft.com/office/drawing/2014/main" id="{B7E3EA7A-8014-47E4-AA8D-588A7515DE35}"/>
-              </a:ext>
-            </a:extLst>
-          </p:cNvPr>
-          <p:cNvSpPr>
-            <a:spLocks noGrp="1"/>
-          </p:cNvSpPr>
-          <p:nvPr>
-            <p:ph type="sldNum" sz="quarter" idx="12"/>
-          </p:nvPr>
-        </p:nvSpPr>
-        <p:spPr/>
-        <p:txBody>
-          <a:bodyPr/>
-          <a:lstStyle/>
-          <a:p>
-            <a:fld id="{D57F1E4F-1CFF-5643-939E-217C01CDF565}" type="slidenum">
-              <a:rPr lang="en-US" smtClean="0"/>
-              <a:pPr/>
-              <a:t>21</a:t>
-            </a:fld>
-            <a:endParaRPr lang="en-US" dirty="0"/>
-          </a:p>
-        </p:txBody>
-      </p:sp>
-    </p:spTree>
-    <p:extLst>
-      <p:ext uri="{BB962C8B-B14F-4D97-AF65-F5344CB8AC3E}">
-        <p14:creationId xmlns:p14="http://schemas.microsoft.com/office/powerpoint/2010/main" val="4106366902"/>
-      </p:ext>
-    </p:extLst>
-  </p:cSld>
-  <p:clrMapOvr>
-    <a:masterClrMapping/>
-  </p:clrMapOvr>
-</p:sld>
-</file>
-
 <file path=ppt/slides/slide22.xml><?xml version="1.0" encoding="utf-8"?>
 <p:sld xmlns:a="http://schemas.openxmlformats.org/drawingml/2006/main" xmlns:r="http://schemas.openxmlformats.org/officeDocument/2006/relationships" xmlns:p="http://schemas.openxmlformats.org/presentationml/2006/main">
   <p:cSld>
@@ -12886,7 +12701,7 @@
           <p:cNvPr id="2" name="Title 1">
             <a:extLst>
               <a:ext uri="{FF2B5EF4-FFF2-40B4-BE49-F238E27FC236}">
-                <a16:creationId xmlns:a16="http://schemas.microsoft.com/office/drawing/2014/main" id="{4CD2B565-B36B-48B8-A2E1-F60402A1EFF0}"/>
+                <a16:creationId xmlns:a16="http://schemas.microsoft.com/office/drawing/2014/main" id="{CBD7BD3C-95D6-4428-9983-A8EA74421EDD}"/>
               </a:ext>
             </a:extLst>
           </p:cNvPr>
@@ -12897,16 +12712,20 @@
             <p:ph type="title"/>
           </p:nvPr>
         </p:nvSpPr>
-        <p:spPr/>
+        <p:spPr>
+          <a:xfrm>
+            <a:off x="677334" y="241300"/>
+            <a:ext cx="8596668" cy="647700"/>
+          </a:xfrm>
+        </p:spPr>
         <p:txBody>
           <a:bodyPr/>
           <a:lstStyle/>
           <a:p>
             <a:r>
-              <a:rPr lang="en-US" dirty="0" err="1"/>
-              <a:t>Followups</a:t>
-            </a:r>
-            <a:endParaRPr lang="en-US" dirty="0"/>
+              <a:rPr lang="en-US" dirty="0"/>
+              <a:t>Discussion</a:t>
+            </a:r>
           </a:p>
         </p:txBody>
       </p:sp>
@@ -12915,7 +12734,7 @@
           <p:cNvPr id="3" name="Content Placeholder 2">
             <a:extLst>
               <a:ext uri="{FF2B5EF4-FFF2-40B4-BE49-F238E27FC236}">
-                <a16:creationId xmlns:a16="http://schemas.microsoft.com/office/drawing/2014/main" id="{890CD028-DB36-4934-ACCB-1B77EB261BC1}"/>
+                <a16:creationId xmlns:a16="http://schemas.microsoft.com/office/drawing/2014/main" id="{947669C7-4B40-43A0-9AEB-F1CD2522B8BF}"/>
               </a:ext>
             </a:extLst>
           </p:cNvPr>
@@ -12926,34 +12745,312 @@
             <p:ph idx="1"/>
           </p:nvPr>
         </p:nvSpPr>
-        <p:spPr/>
-        <p:txBody>
-          <a:bodyPr/>
+        <p:spPr>
+          <a:xfrm>
+            <a:off x="798872" y="939799"/>
+            <a:ext cx="8596668" cy="5466687"/>
+          </a:xfrm>
+        </p:spPr>
+        <p:txBody>
+          <a:bodyPr>
+            <a:normAutofit fontScale="55000" lnSpcReduction="20000"/>
+          </a:bodyPr>
           <a:lstStyle/>
           <a:p>
             <a:r>
-              <a:rPr lang="en-US" dirty="0"/>
-              <a:t>Further analysis</a:t>
-            </a:r>
-          </a:p>
-          <a:p>
-            <a:r>
-              <a:rPr lang="en-US" dirty="0" err="1"/>
-              <a:t>Knn</a:t>
-            </a:r>
+              <a:rPr lang="en-US" sz="2900" dirty="0">
+                <a:solidFill>
+                  <a:schemeClr val="tx1">
+                    <a:lumMod val="65000"/>
+                    <a:lumOff val="35000"/>
+                  </a:schemeClr>
+                </a:solidFill>
+              </a:rPr>
+              <a:t>We can conclude that higher Happiness Index around the world is concentrated in Europe, The Americas and Oceania, leaving Africa and Asia with the lower scores.</a:t>
+            </a:r>
+          </a:p>
+          <a:p>
+            <a:pPr marL="0" indent="0">
+              <a:buNone/>
+            </a:pPr>
+            <a:endParaRPr lang="en-US" sz="2900" dirty="0">
+              <a:solidFill>
+                <a:schemeClr val="tx1">
+                  <a:lumMod val="65000"/>
+                  <a:lumOff val="35000"/>
+                </a:schemeClr>
+              </a:solidFill>
+            </a:endParaRPr>
+          </a:p>
+          <a:p>
+            <a:r>
+              <a:rPr lang="en-US" sz="2900" dirty="0">
+                <a:solidFill>
+                  <a:schemeClr val="tx1">
+                    <a:lumMod val="65000"/>
+                    <a:lumOff val="35000"/>
+                  </a:schemeClr>
+                </a:solidFill>
+              </a:rPr>
+              <a:t>Finland, Norway, Denmark, Iceland and Switzerland are the countries with the higher Happiness Index score in the world. And they have consistently ranked at this level for 2015 to 2018. </a:t>
+            </a:r>
+          </a:p>
+          <a:p>
+            <a:endParaRPr lang="en-US" sz="2900" dirty="0">
+              <a:solidFill>
+                <a:schemeClr val="tx1">
+                  <a:lumMod val="65000"/>
+                  <a:lumOff val="35000"/>
+                </a:schemeClr>
+              </a:solidFill>
+            </a:endParaRPr>
+          </a:p>
+          <a:p>
+            <a:r>
+              <a:rPr lang="en-US" sz="2900" dirty="0">
+                <a:solidFill>
+                  <a:schemeClr val="tx1">
+                    <a:lumMod val="65000"/>
+                    <a:lumOff val="35000"/>
+                  </a:schemeClr>
+                </a:solidFill>
+              </a:rPr>
+              <a:t>Factors with </a:t>
+            </a:r>
+            <a:r>
+              <a:rPr lang="en-US" sz="2900" b="1" dirty="0">
+                <a:solidFill>
+                  <a:schemeClr val="tx1">
+                    <a:lumMod val="65000"/>
+                    <a:lumOff val="35000"/>
+                  </a:schemeClr>
+                </a:solidFill>
+              </a:rPr>
+              <a:t>high correlation </a:t>
+            </a:r>
+            <a:r>
+              <a:rPr lang="en-US" sz="2900" dirty="0">
+                <a:solidFill>
+                  <a:schemeClr val="tx1">
+                    <a:lumMod val="65000"/>
+                    <a:lumOff val="35000"/>
+                  </a:schemeClr>
+                </a:solidFill>
+              </a:rPr>
+              <a:t>to country happiness index:</a:t>
+            </a:r>
+          </a:p>
+          <a:p>
+            <a:pPr lvl="1"/>
+            <a:r>
+              <a:rPr lang="en-US" sz="2900" dirty="0">
+                <a:solidFill>
+                  <a:schemeClr val="tx1">
+                    <a:lumMod val="65000"/>
+                    <a:lumOff val="35000"/>
+                  </a:schemeClr>
+                </a:solidFill>
+              </a:rPr>
+              <a:t>GDP, Education Level, Access to Internet, ??????</a:t>
+            </a:r>
+          </a:p>
+          <a:p>
+            <a:pPr lvl="1"/>
+            <a:endParaRPr lang="en-US" sz="2900" dirty="0">
+              <a:solidFill>
+                <a:schemeClr val="tx1">
+                  <a:lumMod val="65000"/>
+                  <a:lumOff val="35000"/>
+                </a:schemeClr>
+              </a:solidFill>
+            </a:endParaRPr>
+          </a:p>
+          <a:p>
+            <a:r>
+              <a:rPr lang="en-US" sz="2900" dirty="0">
+                <a:solidFill>
+                  <a:schemeClr val="tx1">
+                    <a:lumMod val="65000"/>
+                    <a:lumOff val="35000"/>
+                  </a:schemeClr>
+                </a:solidFill>
+              </a:rPr>
+              <a:t>Factors with </a:t>
+            </a:r>
+            <a:r>
+              <a:rPr lang="en-US" sz="2900" b="1" dirty="0">
+                <a:solidFill>
+                  <a:schemeClr val="tx1">
+                    <a:lumMod val="65000"/>
+                    <a:lumOff val="35000"/>
+                  </a:schemeClr>
+                </a:solidFill>
+              </a:rPr>
+              <a:t>some correlation </a:t>
+            </a:r>
+            <a:r>
+              <a:rPr lang="en-US" sz="2900" dirty="0">
+                <a:solidFill>
+                  <a:schemeClr val="tx1">
+                    <a:lumMod val="65000"/>
+                    <a:lumOff val="35000"/>
+                  </a:schemeClr>
+                </a:solidFill>
+              </a:rPr>
+              <a:t>to country happiness index:</a:t>
+            </a:r>
+          </a:p>
+          <a:p>
+            <a:pPr lvl="1"/>
+            <a:r>
+              <a:rPr lang="en-US" sz="2900" dirty="0">
+                <a:solidFill>
+                  <a:schemeClr val="tx1">
+                    <a:lumMod val="65000"/>
+                    <a:lumOff val="35000"/>
+                  </a:schemeClr>
+                </a:solidFill>
+              </a:rPr>
+              <a:t>Median age, Alcohol Consumption, Disaster Risk rate and Average Hours of Sleep</a:t>
+            </a:r>
+          </a:p>
+          <a:p>
+            <a:pPr marL="457200" lvl="1" indent="0">
+              <a:buNone/>
+            </a:pPr>
+            <a:endParaRPr lang="en-US" sz="2900" dirty="0">
+              <a:solidFill>
+                <a:schemeClr val="tx1">
+                  <a:lumMod val="65000"/>
+                  <a:lumOff val="35000"/>
+                </a:schemeClr>
+              </a:solidFill>
+            </a:endParaRPr>
+          </a:p>
+          <a:p>
+            <a:r>
+              <a:rPr lang="en-US" sz="2900" dirty="0">
+                <a:solidFill>
+                  <a:schemeClr val="tx1">
+                    <a:lumMod val="65000"/>
+                    <a:lumOff val="35000"/>
+                  </a:schemeClr>
+                </a:solidFill>
+              </a:rPr>
+              <a:t>Factors with </a:t>
+            </a:r>
+            <a:r>
+              <a:rPr lang="en-US" sz="2900" b="1" dirty="0">
+                <a:solidFill>
+                  <a:schemeClr val="tx1">
+                    <a:lumMod val="65000"/>
+                    <a:lumOff val="35000"/>
+                  </a:schemeClr>
+                </a:solidFill>
+              </a:rPr>
+              <a:t>negative correlation </a:t>
+            </a:r>
+            <a:r>
+              <a:rPr lang="en-US" sz="2900" dirty="0">
+                <a:solidFill>
+                  <a:schemeClr val="tx1">
+                    <a:lumMod val="65000"/>
+                    <a:lumOff val="35000"/>
+                  </a:schemeClr>
+                </a:solidFill>
+              </a:rPr>
+              <a:t>to country happiness index:</a:t>
+            </a:r>
+          </a:p>
+          <a:p>
+            <a:pPr lvl="1"/>
+            <a:r>
+              <a:rPr lang="en-US" sz="2900" dirty="0">
+                <a:solidFill>
+                  <a:schemeClr val="tx1">
+                    <a:lumMod val="65000"/>
+                    <a:lumOff val="35000"/>
+                  </a:schemeClr>
+                </a:solidFill>
+              </a:rPr>
+              <a:t>?????????</a:t>
+            </a:r>
+            <a:br>
+              <a:rPr lang="en-US" sz="2900" dirty="0">
+                <a:solidFill>
+                  <a:schemeClr val="tx1">
+                    <a:lumMod val="65000"/>
+                    <a:lumOff val="35000"/>
+                  </a:schemeClr>
+                </a:solidFill>
+              </a:rPr>
+            </a:br>
+            <a:r>
+              <a:rPr lang="en-US" sz="2900" dirty="0">
+                <a:solidFill>
+                  <a:schemeClr val="tx1">
+                    <a:lumMod val="65000"/>
+                    <a:lumOff val="35000"/>
+                  </a:schemeClr>
+                </a:solidFill>
+              </a:rPr>
+              <a:t>	</a:t>
+            </a:r>
+          </a:p>
+          <a:p>
+            <a:r>
+              <a:rPr lang="en-US" sz="2900" dirty="0">
+                <a:solidFill>
+                  <a:schemeClr val="tx1">
+                    <a:lumMod val="65000"/>
+                    <a:lumOff val="35000"/>
+                  </a:schemeClr>
+                </a:solidFill>
+              </a:rPr>
+              <a:t>Factors with </a:t>
+            </a:r>
+            <a:r>
+              <a:rPr lang="en-US" sz="2900" b="1" dirty="0">
+                <a:solidFill>
+                  <a:schemeClr val="tx1">
+                    <a:lumMod val="65000"/>
+                    <a:lumOff val="35000"/>
+                  </a:schemeClr>
+                </a:solidFill>
+              </a:rPr>
+              <a:t>no correlation </a:t>
+            </a:r>
+            <a:r>
+              <a:rPr lang="en-US" sz="2900" dirty="0">
+                <a:solidFill>
+                  <a:schemeClr val="tx1">
+                    <a:lumMod val="65000"/>
+                    <a:lumOff val="35000"/>
+                  </a:schemeClr>
+                </a:solidFill>
+              </a:rPr>
+              <a:t>to country happiness index:</a:t>
+            </a:r>
+          </a:p>
+          <a:p>
+            <a:pPr lvl="1"/>
+            <a:r>
+              <a:rPr lang="en-US" sz="2900" dirty="0">
+                <a:solidFill>
+                  <a:schemeClr val="tx1">
+                    <a:lumMod val="65000"/>
+                    <a:lumOff val="35000"/>
+                  </a:schemeClr>
+                </a:solidFill>
+              </a:rPr>
+              <a:t>????????, ????????</a:t>
+            </a:r>
+          </a:p>
+          <a:p>
             <a:endParaRPr lang="en-US" dirty="0"/>
           </a:p>
           <a:p>
-            <a:r>
-              <a:rPr lang="en-US" dirty="0"/>
-              <a:t>Seeing how variables relate to each other</a:t>
-            </a:r>
-          </a:p>
-          <a:p>
-            <a:r>
-              <a:rPr lang="en-US" dirty="0"/>
-              <a:t>Other measures of happiness</a:t>
-            </a:r>
+            <a:endParaRPr lang="en-US" dirty="0"/>
           </a:p>
         </p:txBody>
       </p:sp>
@@ -12962,7 +13059,7 @@
           <p:cNvPr id="4" name="Date Placeholder 3">
             <a:extLst>
               <a:ext uri="{FF2B5EF4-FFF2-40B4-BE49-F238E27FC236}">
-                <a16:creationId xmlns:a16="http://schemas.microsoft.com/office/drawing/2014/main" id="{A0DA176E-6A9B-4D6C-ADD8-4EE4ACF70F54}"/>
+                <a16:creationId xmlns:a16="http://schemas.microsoft.com/office/drawing/2014/main" id="{C4ED3B52-CF4F-4420-9626-2DFDCF8C1D10}"/>
               </a:ext>
             </a:extLst>
           </p:cNvPr>
@@ -12991,7 +13088,7 @@
           <p:cNvPr id="5" name="Slide Number Placeholder 4">
             <a:extLst>
               <a:ext uri="{FF2B5EF4-FFF2-40B4-BE49-F238E27FC236}">
-                <a16:creationId xmlns:a16="http://schemas.microsoft.com/office/drawing/2014/main" id="{B3044782-0388-419C-BBAD-0FADCE3791DC}"/>
+                <a16:creationId xmlns:a16="http://schemas.microsoft.com/office/drawing/2014/main" id="{B7E3EA7A-8014-47E4-AA8D-588A7515DE35}"/>
               </a:ext>
             </a:extLst>
           </p:cNvPr>
@@ -13019,7 +13116,7 @@
     </p:spTree>
     <p:extLst>
       <p:ext uri="{BB962C8B-B14F-4D97-AF65-F5344CB8AC3E}">
-        <p14:creationId xmlns:p14="http://schemas.microsoft.com/office/powerpoint/2010/main" val="1032603621"/>
+        <p14:creationId xmlns:p14="http://schemas.microsoft.com/office/powerpoint/2010/main" val="4106366902"/>
       </p:ext>
     </p:extLst>
   </p:cSld>
@@ -13051,6 +13148,177 @@
           <p:cNvPr id="2" name="Title 1">
             <a:extLst>
               <a:ext uri="{FF2B5EF4-FFF2-40B4-BE49-F238E27FC236}">
+                <a16:creationId xmlns:a16="http://schemas.microsoft.com/office/drawing/2014/main" id="{4CD2B565-B36B-48B8-A2E1-F60402A1EFF0}"/>
+              </a:ext>
+            </a:extLst>
+          </p:cNvPr>
+          <p:cNvSpPr>
+            <a:spLocks noGrp="1"/>
+          </p:cNvSpPr>
+          <p:nvPr>
+            <p:ph type="title"/>
+          </p:nvPr>
+        </p:nvSpPr>
+        <p:spPr/>
+        <p:txBody>
+          <a:bodyPr/>
+          <a:lstStyle/>
+          <a:p>
+            <a:r>
+              <a:rPr lang="en-US" dirty="0" err="1"/>
+              <a:t>Followups</a:t>
+            </a:r>
+            <a:endParaRPr lang="en-US" dirty="0"/>
+          </a:p>
+        </p:txBody>
+      </p:sp>
+      <p:sp>
+        <p:nvSpPr>
+          <p:cNvPr id="3" name="Content Placeholder 2">
+            <a:extLst>
+              <a:ext uri="{FF2B5EF4-FFF2-40B4-BE49-F238E27FC236}">
+                <a16:creationId xmlns:a16="http://schemas.microsoft.com/office/drawing/2014/main" id="{890CD028-DB36-4934-ACCB-1B77EB261BC1}"/>
+              </a:ext>
+            </a:extLst>
+          </p:cNvPr>
+          <p:cNvSpPr>
+            <a:spLocks noGrp="1"/>
+          </p:cNvSpPr>
+          <p:nvPr>
+            <p:ph idx="1"/>
+          </p:nvPr>
+        </p:nvSpPr>
+        <p:spPr/>
+        <p:txBody>
+          <a:bodyPr/>
+          <a:lstStyle/>
+          <a:p>
+            <a:r>
+              <a:rPr lang="en-US" dirty="0"/>
+              <a:t>Further analysis</a:t>
+            </a:r>
+          </a:p>
+          <a:p>
+            <a:r>
+              <a:rPr lang="en-US" dirty="0" err="1"/>
+              <a:t>Knn</a:t>
+            </a:r>
+            <a:endParaRPr lang="en-US" dirty="0"/>
+          </a:p>
+          <a:p>
+            <a:r>
+              <a:rPr lang="en-US" dirty="0"/>
+              <a:t>Seeing how variables relate to each other</a:t>
+            </a:r>
+          </a:p>
+          <a:p>
+            <a:r>
+              <a:rPr lang="en-US" dirty="0"/>
+              <a:t>Other measures of happiness</a:t>
+            </a:r>
+          </a:p>
+          <a:p>
+            <a:r>
+              <a:rPr lang="en-US" dirty="0"/>
+              <a:t>Happiness measure for major cities</a:t>
+            </a:r>
+          </a:p>
+        </p:txBody>
+      </p:sp>
+      <p:sp>
+        <p:nvSpPr>
+          <p:cNvPr id="4" name="Date Placeholder 3">
+            <a:extLst>
+              <a:ext uri="{FF2B5EF4-FFF2-40B4-BE49-F238E27FC236}">
+                <a16:creationId xmlns:a16="http://schemas.microsoft.com/office/drawing/2014/main" id="{A0DA176E-6A9B-4D6C-ADD8-4EE4ACF70F54}"/>
+              </a:ext>
+            </a:extLst>
+          </p:cNvPr>
+          <p:cNvSpPr>
+            <a:spLocks noGrp="1"/>
+          </p:cNvSpPr>
+          <p:nvPr>
+            <p:ph type="dt" sz="half" idx="10"/>
+          </p:nvPr>
+        </p:nvSpPr>
+        <p:spPr/>
+        <p:txBody>
+          <a:bodyPr/>
+          <a:lstStyle/>
+          <a:p>
+            <a:r>
+              <a:rPr lang="en-US"/>
+              <a:t>7/29/2019</a:t>
+            </a:r>
+            <a:endParaRPr lang="en-US" dirty="0"/>
+          </a:p>
+        </p:txBody>
+      </p:sp>
+      <p:sp>
+        <p:nvSpPr>
+          <p:cNvPr id="5" name="Slide Number Placeholder 4">
+            <a:extLst>
+              <a:ext uri="{FF2B5EF4-FFF2-40B4-BE49-F238E27FC236}">
+                <a16:creationId xmlns:a16="http://schemas.microsoft.com/office/drawing/2014/main" id="{B3044782-0388-419C-BBAD-0FADCE3791DC}"/>
+              </a:ext>
+            </a:extLst>
+          </p:cNvPr>
+          <p:cNvSpPr>
+            <a:spLocks noGrp="1"/>
+          </p:cNvSpPr>
+          <p:nvPr>
+            <p:ph type="sldNum" sz="quarter" idx="12"/>
+          </p:nvPr>
+        </p:nvSpPr>
+        <p:spPr/>
+        <p:txBody>
+          <a:bodyPr/>
+          <a:lstStyle/>
+          <a:p>
+            <a:fld id="{D57F1E4F-1CFF-5643-939E-217C01CDF565}" type="slidenum">
+              <a:rPr lang="en-US" smtClean="0"/>
+              <a:pPr/>
+              <a:t>23</a:t>
+            </a:fld>
+            <a:endParaRPr lang="en-US" dirty="0"/>
+          </a:p>
+        </p:txBody>
+      </p:sp>
+    </p:spTree>
+    <p:extLst>
+      <p:ext uri="{BB962C8B-B14F-4D97-AF65-F5344CB8AC3E}">
+        <p14:creationId xmlns:p14="http://schemas.microsoft.com/office/powerpoint/2010/main" val="1032603621"/>
+      </p:ext>
+    </p:extLst>
+  </p:cSld>
+  <p:clrMapOvr>
+    <a:masterClrMapping/>
+  </p:clrMapOvr>
+</p:sld>
+</file>
+
+<file path=ppt/slides/slide24.xml><?xml version="1.0" encoding="utf-8"?>
+<p:sld xmlns:a="http://schemas.openxmlformats.org/drawingml/2006/main" xmlns:r="http://schemas.openxmlformats.org/officeDocument/2006/relationships" xmlns:p="http://schemas.openxmlformats.org/presentationml/2006/main">
+  <p:cSld>
+    <p:spTree>
+      <p:nvGrpSpPr>
+        <p:cNvPr id="1" name=""/>
+        <p:cNvGrpSpPr/>
+        <p:nvPr/>
+      </p:nvGrpSpPr>
+      <p:grpSpPr>
+        <a:xfrm>
+          <a:off x="0" y="0"/>
+          <a:ext cx="0" cy="0"/>
+          <a:chOff x="0" y="0"/>
+          <a:chExt cx="0" cy="0"/>
+        </a:xfrm>
+      </p:grpSpPr>
+      <p:sp>
+        <p:nvSpPr>
+          <p:cNvPr id="2" name="Title 1">
+            <a:extLst>
+              <a:ext uri="{FF2B5EF4-FFF2-40B4-BE49-F238E27FC236}">
                 <a16:creationId xmlns:a16="http://schemas.microsoft.com/office/drawing/2014/main" id="{3B2BF537-6F95-44CD-AE4C-EA6303EB086A}"/>
               </a:ext>
             </a:extLst>
@@ -13062,40 +13330,23 @@
             <p:ph type="title"/>
           </p:nvPr>
         </p:nvSpPr>
-        <p:spPr/>
-        <p:txBody>
-          <a:bodyPr/>
+        <p:spPr>
+          <a:xfrm>
+            <a:off x="1233926" y="2768600"/>
+            <a:ext cx="8596668" cy="1320800"/>
+          </a:xfrm>
+        </p:spPr>
+        <p:txBody>
+          <a:bodyPr>
+            <a:normAutofit/>
+          </a:bodyPr>
           <a:lstStyle/>
           <a:p>
-            <a:r>
-              <a:rPr lang="en-US" dirty="0"/>
+            <a:pPr algn="ctr"/>
+            <a:r>
+              <a:rPr lang="en-US" sz="4000" dirty="0"/>
               <a:t>Questions?</a:t>
             </a:r>
-          </a:p>
-        </p:txBody>
-      </p:sp>
-      <p:sp>
-        <p:nvSpPr>
-          <p:cNvPr id="3" name="Content Placeholder 2">
-            <a:extLst>
-              <a:ext uri="{FF2B5EF4-FFF2-40B4-BE49-F238E27FC236}">
-                <a16:creationId xmlns:a16="http://schemas.microsoft.com/office/drawing/2014/main" id="{B0AC4919-7C82-4507-AAF4-29121B58EA07}"/>
-              </a:ext>
-            </a:extLst>
-          </p:cNvPr>
-          <p:cNvSpPr>
-            <a:spLocks noGrp="1"/>
-          </p:cNvSpPr>
-          <p:nvPr>
-            <p:ph idx="1"/>
-          </p:nvPr>
-        </p:nvSpPr>
-        <p:spPr/>
-        <p:txBody>
-          <a:bodyPr/>
-          <a:lstStyle/>
-          <a:p>
-            <a:endParaRPr lang="en-US"/>
           </a:p>
         </p:txBody>
       </p:sp>
@@ -13152,7 +13403,7 @@
             <a:fld id="{D57F1E4F-1CFF-5643-939E-217C01CDF565}" type="slidenum">
               <a:rPr lang="en-US" smtClean="0"/>
               <a:pPr/>
-              <a:t>23</a:t>
+              <a:t>24</a:t>
             </a:fld>
             <a:endParaRPr lang="en-US" dirty="0"/>
           </a:p>
@@ -13171,7 +13422,7 @@
 </p:sld>
 </file>
 
-<file path=ppt/slides/slide24.xml><?xml version="1.0" encoding="utf-8"?>
+<file path=ppt/slides/slide25.xml><?xml version="1.0" encoding="utf-8"?>
 <p:sld xmlns:a="http://schemas.openxmlformats.org/drawingml/2006/main" xmlns:r="http://schemas.openxmlformats.org/officeDocument/2006/relationships" xmlns:p="http://schemas.openxmlformats.org/presentationml/2006/main">
   <p:cSld>
     <p:bg>
@@ -14081,7 +14332,7 @@
                   <a:spcPts val="600"/>
                 </a:spcAft>
               </a:pPr>
-              <a:t>24</a:t>
+              <a:t>25</a:t>
             </a:fld>
             <a:endParaRPr lang="en-US"/>
           </a:p>
@@ -14194,7 +14445,7 @@
         <p:spPr/>
         <p:txBody>
           <a:bodyPr>
-            <a:normAutofit fontScale="77500" lnSpcReduction="20000"/>
+            <a:normAutofit/>
           </a:bodyPr>
           <a:lstStyle/>
           <a:p>
@@ -14207,6 +14458,13 @@
             <a:pPr lvl="1"/>
             <a:r>
               <a:rPr lang="en-US" dirty="0"/>
+              <a:t>How has happiness changed over time?</a:t>
+            </a:r>
+          </a:p>
+          <a:p>
+            <a:pPr lvl="1"/>
+            <a:r>
+              <a:rPr lang="en-US" dirty="0"/>
               <a:t>How is happiness distributed around the world?</a:t>
             </a:r>
           </a:p>
@@ -14222,75 +14480,6 @@
             <a:r>
               <a:rPr lang="en-US" dirty="0"/>
               <a:t>Are nearby countries similar in happiness levels?</a:t>
-            </a:r>
-          </a:p>
-          <a:p>
-            <a:pPr lvl="1"/>
-            <a:r>
-              <a:rPr lang="en-US" dirty="0"/>
-              <a:t>How has happiness changed over time?</a:t>
-            </a:r>
-          </a:p>
-          <a:p>
-            <a:r>
-              <a:rPr lang="en-US" dirty="0"/>
-              <a:t>Do any of the following factors influence happiness?</a:t>
-            </a:r>
-          </a:p>
-          <a:p>
-            <a:pPr lvl="1"/>
-            <a:r>
-              <a:rPr lang="en-US" dirty="0"/>
-              <a:t>GDP/PPP</a:t>
-            </a:r>
-          </a:p>
-          <a:p>
-            <a:pPr lvl="1"/>
-            <a:r>
-              <a:rPr lang="en-US" dirty="0"/>
-              <a:t>Population Total/Population Density</a:t>
-            </a:r>
-          </a:p>
-          <a:p>
-            <a:pPr lvl="1"/>
-            <a:r>
-              <a:rPr lang="en-US" dirty="0"/>
-              <a:t>Median Age</a:t>
-            </a:r>
-          </a:p>
-          <a:p>
-            <a:pPr lvl="1"/>
-            <a:r>
-              <a:rPr lang="en-US" dirty="0"/>
-              <a:t>Level of Education </a:t>
-            </a:r>
-          </a:p>
-          <a:p>
-            <a:pPr lvl="1"/>
-            <a:r>
-              <a:rPr lang="en-US" dirty="0"/>
-              <a:t>Alcohol Consumption</a:t>
-            </a:r>
-          </a:p>
-          <a:p>
-            <a:pPr lvl="1"/>
-            <a:r>
-              <a:rPr lang="en-US" dirty="0"/>
-              <a:t>Internet Access</a:t>
-            </a:r>
-          </a:p>
-          <a:p>
-            <a:pPr lvl="1"/>
-            <a:r>
-              <a:rPr lang="en-US" dirty="0"/>
-              <a:t>Disaster Risk</a:t>
-            </a:r>
-          </a:p>
-          <a:p>
-            <a:pPr lvl="1"/>
-            <a:r>
-              <a:rPr lang="en-US" dirty="0"/>
-              <a:t>Amount of Sleep </a:t>
             </a:r>
           </a:p>
           <a:p>
@@ -14393,7 +14582,7 @@
           <p:cNvPr id="2" name="Title 1">
             <a:extLst>
               <a:ext uri="{FF2B5EF4-FFF2-40B4-BE49-F238E27FC236}">
-                <a16:creationId xmlns:a16="http://schemas.microsoft.com/office/drawing/2014/main" id="{CF6B6134-7876-44F2-BB65-792E702EB5BA}"/>
+                <a16:creationId xmlns:a16="http://schemas.microsoft.com/office/drawing/2014/main" id="{AB7A96DD-42BB-4295-86A0-63E9187D8EC4}"/>
               </a:ext>
             </a:extLst>
           </p:cNvPr>
@@ -14411,7 +14600,7 @@
           <a:p>
             <a:r>
               <a:rPr lang="en-US" dirty="0"/>
-              <a:t>Data Sources</a:t>
+              <a:t>Questions</a:t>
             </a:r>
           </a:p>
         </p:txBody>
@@ -14421,7 +14610,7 @@
           <p:cNvPr id="3" name="Content Placeholder 2">
             <a:extLst>
               <a:ext uri="{FF2B5EF4-FFF2-40B4-BE49-F238E27FC236}">
-                <a16:creationId xmlns:a16="http://schemas.microsoft.com/office/drawing/2014/main" id="{FF54BCB6-F572-444C-8894-926859B93891}"/>
+                <a16:creationId xmlns:a16="http://schemas.microsoft.com/office/drawing/2014/main" id="{7238E1DF-5B4B-4D7C-9EE6-EC1C50BDC86D}"/>
               </a:ext>
             </a:extLst>
           </p:cNvPr>
@@ -14434,43 +14623,75 @@
         </p:nvSpPr>
         <p:spPr/>
         <p:txBody>
-          <a:bodyPr/>
+          <a:bodyPr>
+            <a:normAutofit/>
+          </a:bodyPr>
           <a:lstStyle/>
           <a:p>
             <a:r>
               <a:rPr lang="en-US" dirty="0"/>
-              <a:t>Happiness data is obtained from The World Happiness Report</a:t>
-            </a:r>
-          </a:p>
-          <a:p>
+              <a:t>Do any of the following factors influence happiness?</a:t>
+            </a:r>
+          </a:p>
+          <a:p>
+            <a:pPr lvl="1"/>
             <a:r>
               <a:rPr lang="en-US" dirty="0"/>
-              <a:t>The report contains happiness scores and rankings data from the Gallup World Poll.</a:t>
-            </a:r>
-          </a:p>
-          <a:p>
+              <a:t>GDP/PPP</a:t>
+            </a:r>
+          </a:p>
+          <a:p>
+            <a:pPr lvl="1"/>
             <a:r>
               <a:rPr lang="en-US" dirty="0"/>
-              <a:t>The poll asks respondents to think of a ladder with the best possible life for them being a 10 and the worst possible life being a 0 and to rate their own current lives on that scale.</a:t>
-            </a:r>
-          </a:p>
-          <a:p>
+              <a:t>Population Total/Population Density</a:t>
+            </a:r>
+          </a:p>
+          <a:p>
+            <a:pPr lvl="1"/>
             <a:r>
               <a:rPr lang="en-US" dirty="0"/>
-              <a:t>Data is summarized at the country level</a:t>
-            </a:r>
-          </a:p>
-          <a:p>
+              <a:t>Median Age</a:t>
+            </a:r>
+          </a:p>
+          <a:p>
+            <a:pPr lvl="1"/>
             <a:r>
               <a:rPr lang="en-US" dirty="0"/>
-              <a:t>The World Happiness Report has rankings and scores for 2015-2018.</a:t>
-            </a:r>
-          </a:p>
-          <a:p>
+              <a:t>Alcohol Consumption</a:t>
+            </a:r>
+          </a:p>
+          <a:p>
+            <a:pPr lvl="1"/>
             <a:r>
               <a:rPr lang="en-US" dirty="0"/>
-              <a:t>Contains data for 157 countries (there are 195 total)</a:t>
-            </a:r>
+              <a:t>Level of Education </a:t>
+            </a:r>
+          </a:p>
+          <a:p>
+            <a:pPr lvl="1"/>
+            <a:r>
+              <a:rPr lang="en-US" dirty="0"/>
+              <a:t>Internet Access</a:t>
+            </a:r>
+          </a:p>
+          <a:p>
+            <a:pPr lvl="1"/>
+            <a:r>
+              <a:rPr lang="en-US" dirty="0"/>
+              <a:t>Disaster Risk</a:t>
+            </a:r>
+          </a:p>
+          <a:p>
+            <a:pPr lvl="1"/>
+            <a:r>
+              <a:rPr lang="en-US" dirty="0"/>
+              <a:t>Amount of Sleep </a:t>
+            </a:r>
+          </a:p>
+          <a:p>
+            <a:pPr lvl="1"/>
+            <a:endParaRPr lang="en-US" dirty="0"/>
           </a:p>
         </p:txBody>
       </p:sp>
@@ -14479,7 +14700,7 @@
           <p:cNvPr id="4" name="Date Placeholder 3">
             <a:extLst>
               <a:ext uri="{FF2B5EF4-FFF2-40B4-BE49-F238E27FC236}">
-                <a16:creationId xmlns:a16="http://schemas.microsoft.com/office/drawing/2014/main" id="{611C6292-D106-432F-8984-35C02DA3CEC1}"/>
+                <a16:creationId xmlns:a16="http://schemas.microsoft.com/office/drawing/2014/main" id="{134CD9C2-2645-4809-86E2-AF5154EB44A7}"/>
               </a:ext>
             </a:extLst>
           </p:cNvPr>
@@ -14508,7 +14729,7 @@
           <p:cNvPr id="5" name="Slide Number Placeholder 4">
             <a:extLst>
               <a:ext uri="{FF2B5EF4-FFF2-40B4-BE49-F238E27FC236}">
-                <a16:creationId xmlns:a16="http://schemas.microsoft.com/office/drawing/2014/main" id="{198B185E-330D-4936-85B0-C352DE680CBE}"/>
+                <a16:creationId xmlns:a16="http://schemas.microsoft.com/office/drawing/2014/main" id="{79DD9E08-7ADE-40DE-8254-DC31068C6C86}"/>
               </a:ext>
             </a:extLst>
           </p:cNvPr>
@@ -14536,7 +14757,7 @@
     </p:spTree>
     <p:extLst>
       <p:ext uri="{BB962C8B-B14F-4D97-AF65-F5344CB8AC3E}">
-        <p14:creationId xmlns:p14="http://schemas.microsoft.com/office/powerpoint/2010/main" val="3617859987"/>
+        <p14:creationId xmlns:p14="http://schemas.microsoft.com/office/powerpoint/2010/main" val="10751638"/>
       </p:ext>
     </p:extLst>
   </p:cSld>
@@ -14568,7 +14789,7 @@
           <p:cNvPr id="2" name="Title 1">
             <a:extLst>
               <a:ext uri="{FF2B5EF4-FFF2-40B4-BE49-F238E27FC236}">
-                <a16:creationId xmlns:a16="http://schemas.microsoft.com/office/drawing/2014/main" id="{C79AFF42-56A1-4D41-9592-16B8FD64B6D9}"/>
+                <a16:creationId xmlns:a16="http://schemas.microsoft.com/office/drawing/2014/main" id="{CF6B6134-7876-44F2-BB65-792E702EB5BA}"/>
               </a:ext>
             </a:extLst>
           </p:cNvPr>
@@ -14596,7 +14817,7 @@
           <p:cNvPr id="3" name="Content Placeholder 2">
             <a:extLst>
               <a:ext uri="{FF2B5EF4-FFF2-40B4-BE49-F238E27FC236}">
-                <a16:creationId xmlns:a16="http://schemas.microsoft.com/office/drawing/2014/main" id="{96F3EE3D-3D83-412D-8E95-995940C0A9AE}"/>
+                <a16:creationId xmlns:a16="http://schemas.microsoft.com/office/drawing/2014/main" id="{FF54BCB6-F572-444C-8894-926859B93891}"/>
               </a:ext>
             </a:extLst>
           </p:cNvPr>
@@ -14614,75 +14835,45 @@
           <a:p>
             <a:r>
               <a:rPr lang="en-US" dirty="0"/>
-              <a:t>Other sources of data are: </a:t>
-            </a:r>
-          </a:p>
-          <a:p>
-            <a:pPr lvl="1"/>
+              <a:t>Happiness data is obtained from The World Happiness Report</a:t>
+            </a:r>
+          </a:p>
+          <a:p>
             <a:r>
               <a:rPr lang="en-US" dirty="0"/>
-              <a:t>The World Health Organization</a:t>
-            </a:r>
-          </a:p>
-          <a:p>
-            <a:pPr lvl="1"/>
+              <a:t>The report contains happiness scores and ranking data from the Gallup World Poll.</a:t>
+            </a:r>
+          </a:p>
+          <a:p>
             <a:r>
               <a:rPr lang="en-US" dirty="0"/>
-              <a:t>World Bank</a:t>
-            </a:r>
-          </a:p>
-          <a:p>
-            <a:pPr lvl="1"/>
+              <a:t>The poll asks respondents to think of a ladder with the best possible life for them being a 10 and the worst possible life being a 0 and to rate their own current lives on that scale.</a:t>
+            </a:r>
+          </a:p>
+          <a:p>
             <a:r>
               <a:rPr lang="en-US" dirty="0"/>
-              <a:t>World by Map</a:t>
-            </a:r>
-          </a:p>
-          <a:p>
-            <a:pPr lvl="1"/>
+              <a:t>Data is available at the country level</a:t>
+            </a:r>
+          </a:p>
+          <a:p>
             <a:r>
               <a:rPr lang="en-US" dirty="0"/>
-              <a:t>Human Development Reports, United Nations Development </a:t>
-            </a:r>
-            <a:r>
-              <a:rPr lang="en-US" dirty="0" err="1"/>
-              <a:t>Programme</a:t>
-            </a:r>
-            <a:endParaRPr lang="en-US" dirty="0"/>
-          </a:p>
-          <a:p>
-            <a:pPr lvl="1"/>
+              <a:t>The World Happiness Report has rankings and scores for 2015-2018.</a:t>
+            </a:r>
+          </a:p>
+          <a:p>
             <a:r>
               <a:rPr lang="en-US" dirty="0"/>
-              <a:t>Wikipedia</a:t>
-            </a:r>
-          </a:p>
-          <a:p>
-            <a:pPr lvl="1"/>
-            <a:r>
-              <a:rPr lang="en-US" dirty="0"/>
-              <a:t>Statista</a:t>
-            </a:r>
-          </a:p>
-          <a:p>
-            <a:pPr lvl="1"/>
-            <a:endParaRPr lang="en-US" dirty="0"/>
-          </a:p>
-          <a:p>
-            <a:pPr marL="457200" lvl="1" indent="0">
+              <a:t>Contains data for 157 countries (there are 195 total)</a:t>
+            </a:r>
+          </a:p>
+          <a:p>
+            <a:pPr marL="0" indent="0">
               <a:buNone/>
             </a:pPr>
             <a:endParaRPr lang="en-US" dirty="0"/>
           </a:p>
-          <a:p>
-            <a:r>
-              <a:rPr lang="en-US" dirty="0"/>
-              <a:t>Maps are from Google Maps</a:t>
-            </a:r>
-          </a:p>
-          <a:p>
-            <a:endParaRPr lang="en-US" dirty="0"/>
-          </a:p>
         </p:txBody>
       </p:sp>
       <p:sp>
@@ -14690,7 +14881,7 @@
           <p:cNvPr id="4" name="Date Placeholder 3">
             <a:extLst>
               <a:ext uri="{FF2B5EF4-FFF2-40B4-BE49-F238E27FC236}">
-                <a16:creationId xmlns:a16="http://schemas.microsoft.com/office/drawing/2014/main" id="{7DD18B79-5FB2-4FE3-84CB-824C3F5AFF56}"/>
+                <a16:creationId xmlns:a16="http://schemas.microsoft.com/office/drawing/2014/main" id="{611C6292-D106-432F-8984-35C02DA3CEC1}"/>
               </a:ext>
             </a:extLst>
           </p:cNvPr>
@@ -14719,7 +14910,7 @@
           <p:cNvPr id="5" name="Slide Number Placeholder 4">
             <a:extLst>
               <a:ext uri="{FF2B5EF4-FFF2-40B4-BE49-F238E27FC236}">
-                <a16:creationId xmlns:a16="http://schemas.microsoft.com/office/drawing/2014/main" id="{96EB8BAD-D104-4E5A-9334-7D4F79BFD78B}"/>
+                <a16:creationId xmlns:a16="http://schemas.microsoft.com/office/drawing/2014/main" id="{198B185E-330D-4936-85B0-C352DE680CBE}"/>
               </a:ext>
             </a:extLst>
           </p:cNvPr>
@@ -14747,7 +14938,7 @@
     </p:spTree>
     <p:extLst>
       <p:ext uri="{BB962C8B-B14F-4D97-AF65-F5344CB8AC3E}">
-        <p14:creationId xmlns:p14="http://schemas.microsoft.com/office/powerpoint/2010/main" val="2652702470"/>
+        <p14:creationId xmlns:p14="http://schemas.microsoft.com/office/powerpoint/2010/main" val="3617859987"/>
       </p:ext>
     </p:extLst>
   </p:cSld>
@@ -14779,7 +14970,7 @@
           <p:cNvPr id="2" name="Title 1">
             <a:extLst>
               <a:ext uri="{FF2B5EF4-FFF2-40B4-BE49-F238E27FC236}">
-                <a16:creationId xmlns:a16="http://schemas.microsoft.com/office/drawing/2014/main" id="{03CDB3E4-B70A-4B9F-92EF-CCF89E5FF0A2}"/>
+                <a16:creationId xmlns:a16="http://schemas.microsoft.com/office/drawing/2014/main" id="{C79AFF42-56A1-4D41-9592-16B8FD64B6D9}"/>
               </a:ext>
             </a:extLst>
           </p:cNvPr>
@@ -14790,19 +14981,14 @@
             <p:ph type="title"/>
           </p:nvPr>
         </p:nvSpPr>
-        <p:spPr>
-          <a:xfrm>
-            <a:off x="677334" y="609600"/>
-            <a:ext cx="8596668" cy="825500"/>
-          </a:xfrm>
-        </p:spPr>
+        <p:spPr/>
         <p:txBody>
           <a:bodyPr/>
           <a:lstStyle/>
           <a:p>
             <a:r>
               <a:rPr lang="en-US" dirty="0"/>
-              <a:t>Data Cleaning</a:t>
+              <a:t>Data Sources</a:t>
             </a:r>
           </a:p>
         </p:txBody>
@@ -14812,7 +14998,7 @@
           <p:cNvPr id="3" name="Content Placeholder 2">
             <a:extLst>
               <a:ext uri="{FF2B5EF4-FFF2-40B4-BE49-F238E27FC236}">
-                <a16:creationId xmlns:a16="http://schemas.microsoft.com/office/drawing/2014/main" id="{082FB57E-D497-4788-857B-2D462EF8E449}"/>
+                <a16:creationId xmlns:a16="http://schemas.microsoft.com/office/drawing/2014/main" id="{96F3EE3D-3D83-412D-8E95-995940C0A9AE}"/>
               </a:ext>
             </a:extLst>
           </p:cNvPr>
@@ -14823,43 +15009,73 @@
             <p:ph idx="1"/>
           </p:nvPr>
         </p:nvSpPr>
-        <p:spPr>
-          <a:xfrm>
-            <a:off x="677334" y="1797844"/>
-            <a:ext cx="8596668" cy="3880773"/>
-          </a:xfrm>
-        </p:spPr>
+        <p:spPr/>
         <p:txBody>
           <a:bodyPr/>
           <a:lstStyle/>
           <a:p>
             <a:r>
               <a:rPr lang="en-US" dirty="0"/>
-              <a:t>In order to compare happiness scores to information on other factors from the same year, we focused most of our analysis on happiness scores in 2016.</a:t>
-            </a:r>
-          </a:p>
-          <a:p>
+              <a:t>Other sources of data are: </a:t>
+            </a:r>
+          </a:p>
+          <a:p>
+            <a:pPr lvl="1"/>
             <a:r>
               <a:rPr lang="en-US" dirty="0"/>
-              <a:t>Our interest is only in merging to the countries present in the World Happiness Report.</a:t>
-            </a:r>
-          </a:p>
-          <a:p>
+              <a:t>The World Health Organization</a:t>
+            </a:r>
+          </a:p>
+          <a:p>
+            <a:pPr lvl="1"/>
             <a:r>
               <a:rPr lang="en-US" dirty="0"/>
-              <a:t>Because data is pulled from multiple sources it is important to ensure that the merge key, country name, is consistent. </a:t>
-            </a:r>
-          </a:p>
-          <a:p>
+              <a:t>World Bank</a:t>
+            </a:r>
+          </a:p>
+          <a:p>
+            <a:pPr lvl="1"/>
             <a:r>
               <a:rPr lang="en-US" dirty="0"/>
-              <a:t>Each data source was missing information on a few countries.  For this reason, individual variable analyses varies in number of countries included. (Ranging from to 125-155 countries)</a:t>
-            </a:r>
-          </a:p>
-          <a:p>
+              <a:t>World by Map</a:t>
+            </a:r>
+          </a:p>
+          <a:p>
+            <a:pPr lvl="1"/>
             <a:r>
               <a:rPr lang="en-US" dirty="0"/>
-              <a:t>Note: The source of sleeping includes information for only about 30 countries.</a:t>
+              <a:t>Human Development Reports, United Nations Development </a:t>
+            </a:r>
+            <a:r>
+              <a:rPr lang="en-US" dirty="0" err="1"/>
+              <a:t>Programme</a:t>
+            </a:r>
+            <a:endParaRPr lang="en-US" dirty="0"/>
+          </a:p>
+          <a:p>
+            <a:pPr lvl="1"/>
+            <a:r>
+              <a:rPr lang="en-US" dirty="0"/>
+              <a:t>Wikipedia</a:t>
+            </a:r>
+          </a:p>
+          <a:p>
+            <a:pPr lvl="1"/>
+            <a:r>
+              <a:rPr lang="en-US" dirty="0"/>
+              <a:t>Statista</a:t>
+            </a:r>
+          </a:p>
+          <a:p>
+            <a:pPr marL="457200" lvl="1" indent="0">
+              <a:buNone/>
+            </a:pPr>
+            <a:endParaRPr lang="en-US" dirty="0"/>
+          </a:p>
+          <a:p>
+            <a:r>
+              <a:rPr lang="en-US" dirty="0"/>
+              <a:t>Maps are from Google Maps</a:t>
             </a:r>
           </a:p>
           <a:p>
@@ -14872,7 +15088,7 @@
           <p:cNvPr id="4" name="Date Placeholder 3">
             <a:extLst>
               <a:ext uri="{FF2B5EF4-FFF2-40B4-BE49-F238E27FC236}">
-                <a16:creationId xmlns:a16="http://schemas.microsoft.com/office/drawing/2014/main" id="{B58D5A20-FDC7-4054-BA84-9DADF036AA35}"/>
+                <a16:creationId xmlns:a16="http://schemas.microsoft.com/office/drawing/2014/main" id="{7DD18B79-5FB2-4FE3-84CB-824C3F5AFF56}"/>
               </a:ext>
             </a:extLst>
           </p:cNvPr>
@@ -14901,7 +15117,7 @@
           <p:cNvPr id="5" name="Slide Number Placeholder 4">
             <a:extLst>
               <a:ext uri="{FF2B5EF4-FFF2-40B4-BE49-F238E27FC236}">
-                <a16:creationId xmlns:a16="http://schemas.microsoft.com/office/drawing/2014/main" id="{EE6F5CC5-DCB9-45FA-A601-EEC507065959}"/>
+                <a16:creationId xmlns:a16="http://schemas.microsoft.com/office/drawing/2014/main" id="{96EB8BAD-D104-4E5A-9334-7D4F79BFD78B}"/>
               </a:ext>
             </a:extLst>
           </p:cNvPr>
@@ -14929,7 +15145,7 @@
     </p:spTree>
     <p:extLst>
       <p:ext uri="{BB962C8B-B14F-4D97-AF65-F5344CB8AC3E}">
-        <p14:creationId xmlns:p14="http://schemas.microsoft.com/office/powerpoint/2010/main" val="867010932"/>
+        <p14:creationId xmlns:p14="http://schemas.microsoft.com/office/powerpoint/2010/main" val="2652702470"/>
       </p:ext>
     </p:extLst>
   </p:cSld>
@@ -14961,6 +15177,188 @@
           <p:cNvPr id="2" name="Title 1">
             <a:extLst>
               <a:ext uri="{FF2B5EF4-FFF2-40B4-BE49-F238E27FC236}">
+                <a16:creationId xmlns:a16="http://schemas.microsoft.com/office/drawing/2014/main" id="{03CDB3E4-B70A-4B9F-92EF-CCF89E5FF0A2}"/>
+              </a:ext>
+            </a:extLst>
+          </p:cNvPr>
+          <p:cNvSpPr>
+            <a:spLocks noGrp="1"/>
+          </p:cNvSpPr>
+          <p:nvPr>
+            <p:ph type="title"/>
+          </p:nvPr>
+        </p:nvSpPr>
+        <p:spPr>
+          <a:xfrm>
+            <a:off x="677334" y="609600"/>
+            <a:ext cx="8596668" cy="825500"/>
+          </a:xfrm>
+        </p:spPr>
+        <p:txBody>
+          <a:bodyPr/>
+          <a:lstStyle/>
+          <a:p>
+            <a:r>
+              <a:rPr lang="en-US" dirty="0"/>
+              <a:t>Data Cleaning</a:t>
+            </a:r>
+          </a:p>
+        </p:txBody>
+      </p:sp>
+      <p:sp>
+        <p:nvSpPr>
+          <p:cNvPr id="3" name="Content Placeholder 2">
+            <a:extLst>
+              <a:ext uri="{FF2B5EF4-FFF2-40B4-BE49-F238E27FC236}">
+                <a16:creationId xmlns:a16="http://schemas.microsoft.com/office/drawing/2014/main" id="{082FB57E-D497-4788-857B-2D462EF8E449}"/>
+              </a:ext>
+            </a:extLst>
+          </p:cNvPr>
+          <p:cNvSpPr>
+            <a:spLocks noGrp="1"/>
+          </p:cNvSpPr>
+          <p:nvPr>
+            <p:ph idx="1"/>
+          </p:nvPr>
+        </p:nvSpPr>
+        <p:spPr>
+          <a:xfrm>
+            <a:off x="677334" y="1797844"/>
+            <a:ext cx="8596668" cy="3880773"/>
+          </a:xfrm>
+        </p:spPr>
+        <p:txBody>
+          <a:bodyPr/>
+          <a:lstStyle/>
+          <a:p>
+            <a:r>
+              <a:rPr lang="en-US" dirty="0"/>
+              <a:t>In order to compare happiness scores to information on other factors from the same year, we focused most of our analysis on happiness scores in 2016.</a:t>
+            </a:r>
+          </a:p>
+          <a:p>
+            <a:r>
+              <a:rPr lang="en-US" dirty="0"/>
+              <a:t>Our interest is only in merging to the countries present in the World Happiness Report.</a:t>
+            </a:r>
+          </a:p>
+          <a:p>
+            <a:r>
+              <a:rPr lang="en-US" dirty="0"/>
+              <a:t>Because data is pulled from multiple sources, it is important to ensure that the country name is consistent when merging. </a:t>
+            </a:r>
+          </a:p>
+          <a:p>
+            <a:r>
+              <a:rPr lang="en-US" dirty="0"/>
+              <a:t>Each data source was missing information on a few countries.  For this reason, individual variable analyses varies in number of countries included. (Ranging from to 125-155 countries)</a:t>
+            </a:r>
+          </a:p>
+          <a:p>
+            <a:r>
+              <a:rPr lang="en-US" dirty="0"/>
+              <a:t>Note: The source of sleeping includes information for only about 30 countries.</a:t>
+            </a:r>
+          </a:p>
+          <a:p>
+            <a:endParaRPr lang="en-US" dirty="0"/>
+          </a:p>
+        </p:txBody>
+      </p:sp>
+      <p:sp>
+        <p:nvSpPr>
+          <p:cNvPr id="4" name="Date Placeholder 3">
+            <a:extLst>
+              <a:ext uri="{FF2B5EF4-FFF2-40B4-BE49-F238E27FC236}">
+                <a16:creationId xmlns:a16="http://schemas.microsoft.com/office/drawing/2014/main" id="{B58D5A20-FDC7-4054-BA84-9DADF036AA35}"/>
+              </a:ext>
+            </a:extLst>
+          </p:cNvPr>
+          <p:cNvSpPr>
+            <a:spLocks noGrp="1"/>
+          </p:cNvSpPr>
+          <p:nvPr>
+            <p:ph type="dt" sz="half" idx="10"/>
+          </p:nvPr>
+        </p:nvSpPr>
+        <p:spPr/>
+        <p:txBody>
+          <a:bodyPr/>
+          <a:lstStyle/>
+          <a:p>
+            <a:r>
+              <a:rPr lang="en-US"/>
+              <a:t>7/29/2019</a:t>
+            </a:r>
+            <a:endParaRPr lang="en-US" dirty="0"/>
+          </a:p>
+        </p:txBody>
+      </p:sp>
+      <p:sp>
+        <p:nvSpPr>
+          <p:cNvPr id="5" name="Slide Number Placeholder 4">
+            <a:extLst>
+              <a:ext uri="{FF2B5EF4-FFF2-40B4-BE49-F238E27FC236}">
+                <a16:creationId xmlns:a16="http://schemas.microsoft.com/office/drawing/2014/main" id="{EE6F5CC5-DCB9-45FA-A601-EEC507065959}"/>
+              </a:ext>
+            </a:extLst>
+          </p:cNvPr>
+          <p:cNvSpPr>
+            <a:spLocks noGrp="1"/>
+          </p:cNvSpPr>
+          <p:nvPr>
+            <p:ph type="sldNum" sz="quarter" idx="12"/>
+          </p:nvPr>
+        </p:nvSpPr>
+        <p:spPr/>
+        <p:txBody>
+          <a:bodyPr/>
+          <a:lstStyle/>
+          <a:p>
+            <a:fld id="{D57F1E4F-1CFF-5643-939E-217C01CDF565}" type="slidenum">
+              <a:rPr lang="en-US" smtClean="0"/>
+              <a:pPr/>
+              <a:t>7</a:t>
+            </a:fld>
+            <a:endParaRPr lang="en-US" dirty="0"/>
+          </a:p>
+        </p:txBody>
+      </p:sp>
+    </p:spTree>
+    <p:extLst>
+      <p:ext uri="{BB962C8B-B14F-4D97-AF65-F5344CB8AC3E}">
+        <p14:creationId xmlns:p14="http://schemas.microsoft.com/office/powerpoint/2010/main" val="867010932"/>
+      </p:ext>
+    </p:extLst>
+  </p:cSld>
+  <p:clrMapOvr>
+    <a:masterClrMapping/>
+  </p:clrMapOvr>
+</p:sld>
+</file>
+
+<file path=ppt/slides/slide8.xml><?xml version="1.0" encoding="utf-8"?>
+<p:sld xmlns:a="http://schemas.openxmlformats.org/drawingml/2006/main" xmlns:r="http://schemas.openxmlformats.org/officeDocument/2006/relationships" xmlns:p="http://schemas.openxmlformats.org/presentationml/2006/main">
+  <p:cSld>
+    <p:spTree>
+      <p:nvGrpSpPr>
+        <p:cNvPr id="1" name=""/>
+        <p:cNvGrpSpPr/>
+        <p:nvPr/>
+      </p:nvGrpSpPr>
+      <p:grpSpPr>
+        <a:xfrm>
+          <a:off x="0" y="0"/>
+          <a:ext cx="0" cy="0"/>
+          <a:chOff x="0" y="0"/>
+          <a:chExt cx="0" cy="0"/>
+        </a:xfrm>
+      </p:grpSpPr>
+      <p:sp>
+        <p:nvSpPr>
+          <p:cNvPr id="2" name="Title 1">
+            <a:extLst>
+              <a:ext uri="{FF2B5EF4-FFF2-40B4-BE49-F238E27FC236}">
                 <a16:creationId xmlns:a16="http://schemas.microsoft.com/office/drawing/2014/main" id="{C2DCEBA7-A0D2-41B7-8FD9-689D41FB5569}"/>
               </a:ext>
             </a:extLst>
@@ -14979,7 +15377,7 @@
           <a:p>
             <a:r>
               <a:rPr lang="en-US" dirty="0"/>
-              <a:t>Happy Score Over time</a:t>
+              <a:t>Happiness Score Over Time</a:t>
             </a:r>
           </a:p>
         </p:txBody>
@@ -15066,9 +15464,57 @@
             <a:fld id="{D57F1E4F-1CFF-5643-939E-217C01CDF565}" type="slidenum">
               <a:rPr lang="en-US" smtClean="0"/>
               <a:pPr/>
-              <a:t>7</a:t>
+              <a:t>8</a:t>
             </a:fld>
             <a:endParaRPr lang="en-US" dirty="0"/>
+          </a:p>
+        </p:txBody>
+      </p:sp>
+      <p:sp>
+        <p:nvSpPr>
+          <p:cNvPr id="3" name="TextBox 2">
+            <a:extLst>
+              <a:ext uri="{FF2B5EF4-FFF2-40B4-BE49-F238E27FC236}">
+                <a16:creationId xmlns:a16="http://schemas.microsoft.com/office/drawing/2014/main" id="{6C0FE252-8EC4-449D-93F0-BF578102E4B8}"/>
+              </a:ext>
+            </a:extLst>
+          </p:cNvPr>
+          <p:cNvSpPr txBox="1"/>
+          <p:nvPr/>
+        </p:nvSpPr>
+        <p:spPr>
+          <a:xfrm flipH="1">
+            <a:off x="1477320" y="5687353"/>
+            <a:ext cx="7455012" cy="646331"/>
+          </a:xfrm>
+          <a:prstGeom prst="rect">
+            <a:avLst/>
+          </a:prstGeom>
+        </p:spPr>
+        <p:txBody>
+          <a:bodyPr wrap="square" rtlCol="0">
+            <a:spAutoFit/>
+          </a:bodyPr>
+          <a:lstStyle/>
+          <a:p>
+            <a:pPr>
+              <a:buSzPts val="1300"/>
+              <a:buFont typeface="Wingdings 3" panose="05040102010807070707" pitchFamily="18" charset="2"/>
+              <a:buChar char=""/>
+            </a:pPr>
+            <a:r>
+              <a:rPr lang="en-US" dirty="0">
+                <a:solidFill>
+                  <a:srgbClr val="404040"/>
+                </a:solidFill>
+                <a:latin typeface="Trebuchet MS" panose="020B0603020202020204" pitchFamily="34" charset="0"/>
+              </a:rPr>
+              <a:t> </a:t>
+            </a:r>
+            <a:r>
+              <a:rPr lang="en-US" dirty="0"/>
+              <a:t>The 5 happiest countries tend to stay happy over time.  Finland saw a large increase in happiness in 2018. </a:t>
+            </a:r>
           </a:p>
         </p:txBody>
       </p:sp>
@@ -15085,7 +15531,7 @@
 </p:sld>
 </file>
 
-<file path=ppt/slides/slide8.xml><?xml version="1.0" encoding="utf-8"?>
+<file path=ppt/slides/slide9.xml><?xml version="1.0" encoding="utf-8"?>
 <p:sld xmlns:a="http://schemas.openxmlformats.org/drawingml/2006/main" xmlns:r="http://schemas.openxmlformats.org/officeDocument/2006/relationships" xmlns:p="http://schemas.openxmlformats.org/presentationml/2006/main">
   <p:cSld>
     <p:spTree>
@@ -15263,7 +15709,7 @@
             <a:fld id="{D57F1E4F-1CFF-5643-939E-217C01CDF565}" type="slidenum">
               <a:rPr lang="en-US" smtClean="0"/>
               <a:pPr/>
-              <a:t>8</a:t>
+              <a:t>9</a:t>
             </a:fld>
             <a:endParaRPr lang="en-US" dirty="0"/>
           </a:p>
@@ -15273,152 +15719,6 @@
     <p:extLst>
       <p:ext uri="{BB962C8B-B14F-4D97-AF65-F5344CB8AC3E}">
         <p14:creationId xmlns:p14="http://schemas.microsoft.com/office/powerpoint/2010/main" val="1533547439"/>
-      </p:ext>
-    </p:extLst>
-  </p:cSld>
-  <p:clrMapOvr>
-    <a:masterClrMapping/>
-  </p:clrMapOvr>
-</p:sld>
-</file>
-
-<file path=ppt/slides/slide9.xml><?xml version="1.0" encoding="utf-8"?>
-<p:sld xmlns:a="http://schemas.openxmlformats.org/drawingml/2006/main" xmlns:r="http://schemas.openxmlformats.org/officeDocument/2006/relationships" xmlns:p="http://schemas.openxmlformats.org/presentationml/2006/main">
-  <p:cSld>
-    <p:spTree>
-      <p:nvGrpSpPr>
-        <p:cNvPr id="1" name=""/>
-        <p:cNvGrpSpPr/>
-        <p:nvPr/>
-      </p:nvGrpSpPr>
-      <p:grpSpPr>
-        <a:xfrm>
-          <a:off x="0" y="0"/>
-          <a:ext cx="0" cy="0"/>
-          <a:chOff x="0" y="0"/>
-          <a:chExt cx="0" cy="0"/>
-        </a:xfrm>
-      </p:grpSpPr>
-      <p:sp>
-        <p:nvSpPr>
-          <p:cNvPr id="2" name="Title 1">
-            <a:extLst>
-              <a:ext uri="{FF2B5EF4-FFF2-40B4-BE49-F238E27FC236}">
-                <a16:creationId xmlns:a16="http://schemas.microsoft.com/office/drawing/2014/main" id="{DDD59A54-BBD2-4806-AF8D-2A67EFD873DE}"/>
-              </a:ext>
-            </a:extLst>
-          </p:cNvPr>
-          <p:cNvSpPr>
-            <a:spLocks noGrp="1"/>
-          </p:cNvSpPr>
-          <p:nvPr>
-            <p:ph type="title"/>
-          </p:nvPr>
-        </p:nvSpPr>
-        <p:spPr/>
-        <p:txBody>
-          <a:bodyPr/>
-          <a:lstStyle/>
-          <a:p>
-            <a:r>
-              <a:rPr lang="en-US" dirty="0"/>
-              <a:t>Happiness Distribution by Continent</a:t>
-            </a:r>
-          </a:p>
-        </p:txBody>
-      </p:sp>
-      <p:pic>
-        <p:nvPicPr>
-          <p:cNvPr id="5" name="Content Placeholder 4" descr="A screenshot of a video game&#10;&#10;Description automatically generated">
-            <a:extLst>
-              <a:ext uri="{FF2B5EF4-FFF2-40B4-BE49-F238E27FC236}">
-                <a16:creationId xmlns:a16="http://schemas.microsoft.com/office/drawing/2014/main" id="{D469D088-FBDF-47B4-80BF-7D669041ACDE}"/>
-              </a:ext>
-            </a:extLst>
-          </p:cNvPr>
-          <p:cNvPicPr>
-            <a:picLocks noGrp="1" noChangeAspect="1"/>
-          </p:cNvPicPr>
-          <p:nvPr>
-            <p:ph idx="1"/>
-          </p:nvPr>
-        </p:nvPicPr>
-        <p:blipFill>
-          <a:blip r:embed="rId2"/>
-          <a:stretch>
-            <a:fillRect/>
-          </a:stretch>
-        </p:blipFill>
-        <p:spPr>
-          <a:xfrm>
-            <a:off x="98474" y="1241083"/>
-            <a:ext cx="11168856" cy="4723618"/>
-          </a:xfrm>
-        </p:spPr>
-      </p:pic>
-      <p:sp>
-        <p:nvSpPr>
-          <p:cNvPr id="3" name="Date Placeholder 2">
-            <a:extLst>
-              <a:ext uri="{FF2B5EF4-FFF2-40B4-BE49-F238E27FC236}">
-                <a16:creationId xmlns:a16="http://schemas.microsoft.com/office/drawing/2014/main" id="{C2325EB5-C1FB-4C12-8970-601159236936}"/>
-              </a:ext>
-            </a:extLst>
-          </p:cNvPr>
-          <p:cNvSpPr>
-            <a:spLocks noGrp="1"/>
-          </p:cNvSpPr>
-          <p:nvPr>
-            <p:ph type="dt" sz="half" idx="10"/>
-          </p:nvPr>
-        </p:nvSpPr>
-        <p:spPr/>
-        <p:txBody>
-          <a:bodyPr/>
-          <a:lstStyle/>
-          <a:p>
-            <a:r>
-              <a:rPr lang="en-US"/>
-              <a:t>7/29/2019</a:t>
-            </a:r>
-            <a:endParaRPr lang="en-US" dirty="0"/>
-          </a:p>
-        </p:txBody>
-      </p:sp>
-      <p:sp>
-        <p:nvSpPr>
-          <p:cNvPr id="4" name="Slide Number Placeholder 3">
-            <a:extLst>
-              <a:ext uri="{FF2B5EF4-FFF2-40B4-BE49-F238E27FC236}">
-                <a16:creationId xmlns:a16="http://schemas.microsoft.com/office/drawing/2014/main" id="{2B6E5C7D-7471-4587-8391-B09B2E4C06FF}"/>
-              </a:ext>
-            </a:extLst>
-          </p:cNvPr>
-          <p:cNvSpPr>
-            <a:spLocks noGrp="1"/>
-          </p:cNvSpPr>
-          <p:nvPr>
-            <p:ph type="sldNum" sz="quarter" idx="12"/>
-          </p:nvPr>
-        </p:nvSpPr>
-        <p:spPr/>
-        <p:txBody>
-          <a:bodyPr/>
-          <a:lstStyle/>
-          <a:p>
-            <a:fld id="{D57F1E4F-1CFF-5643-939E-217C01CDF565}" type="slidenum">
-              <a:rPr lang="en-US" smtClean="0"/>
-              <a:pPr/>
-              <a:t>9</a:t>
-            </a:fld>
-            <a:endParaRPr lang="en-US" dirty="0"/>
-          </a:p>
-        </p:txBody>
-      </p:sp>
-    </p:spTree>
-    <p:extLst>
-      <p:ext uri="{BB962C8B-B14F-4D97-AF65-F5344CB8AC3E}">
-        <p14:creationId xmlns:p14="http://schemas.microsoft.com/office/powerpoint/2010/main" val="3636055716"/>
       </p:ext>
     </p:extLst>
   </p:cSld>

--- a/What Makes the World Happy.pptx
+++ b/What Makes the World Happy.pptx
@@ -5,7 +5,7 @@
     <p:sldMasterId id="2147483648" r:id="rId1"/>
   </p:sldMasterIdLst>
   <p:notesMasterIdLst>
-    <p:notesMasterId r:id="rId27"/>
+    <p:notesMasterId r:id="rId29"/>
   </p:notesMasterIdLst>
   <p:sldIdLst>
     <p:sldId id="256" r:id="rId2"/>
@@ -22,17 +22,19 @@
     <p:sldId id="269" r:id="rId13"/>
     <p:sldId id="271" r:id="rId14"/>
     <p:sldId id="270" r:id="rId15"/>
-    <p:sldId id="273" r:id="rId16"/>
-    <p:sldId id="276" r:id="rId17"/>
-    <p:sldId id="275" r:id="rId18"/>
-    <p:sldId id="280" r:id="rId19"/>
-    <p:sldId id="274" r:id="rId20"/>
-    <p:sldId id="277" r:id="rId21"/>
-    <p:sldId id="278" r:id="rId22"/>
-    <p:sldId id="262" r:id="rId23"/>
-    <p:sldId id="263" r:id="rId24"/>
-    <p:sldId id="264" r:id="rId25"/>
-    <p:sldId id="265" r:id="rId26"/>
+    <p:sldId id="282" r:id="rId16"/>
+    <p:sldId id="283" r:id="rId17"/>
+    <p:sldId id="273" r:id="rId18"/>
+    <p:sldId id="276" r:id="rId19"/>
+    <p:sldId id="275" r:id="rId20"/>
+    <p:sldId id="280" r:id="rId21"/>
+    <p:sldId id="274" r:id="rId22"/>
+    <p:sldId id="277" r:id="rId23"/>
+    <p:sldId id="278" r:id="rId24"/>
+    <p:sldId id="262" r:id="rId25"/>
+    <p:sldId id="263" r:id="rId26"/>
+    <p:sldId id="264" r:id="rId27"/>
+    <p:sldId id="265" r:id="rId28"/>
   </p:sldIdLst>
   <p:sldSz cx="12192000" cy="6858000"/>
   <p:notesSz cx="6858000" cy="9144000"/>
@@ -6627,7 +6629,7 @@
         <p:spPr>
           <a:xfrm>
             <a:off x="1143000" y="5124345"/>
-            <a:ext cx="6814457" cy="646331"/>
+            <a:ext cx="6814457" cy="923330"/>
           </a:xfrm>
           <a:prstGeom prst="rect">
             <a:avLst/>
@@ -6646,8 +6648,15 @@
             </a:pPr>
             <a:r>
               <a:rPr lang="en-US" dirty="0"/>
-              <a:t>The average score and the ranges are significantly different between regions</a:t>
-            </a:r>
+              <a:t>The mean of most regions within Africa are similar, but the mean happiness in North Africa is greater.</a:t>
+            </a:r>
+          </a:p>
+          <a:p>
+            <a:pPr marL="285750" indent="-285750">
+              <a:buFont typeface="Arial" panose="020B0604020202020204" pitchFamily="34" charset="0"/>
+              <a:buChar char="•"/>
+            </a:pPr>
+            <a:endParaRPr lang="en-US" dirty="0"/>
           </a:p>
         </p:txBody>
       </p:sp>
@@ -10877,31 +10886,35 @@
           </a:p>
         </p:txBody>
       </p:sp>
-      <p:sp>
-        <p:nvSpPr>
-          <p:cNvPr id="3" name="Content Placeholder 2">
+      <p:pic>
+        <p:nvPicPr>
+          <p:cNvPr id="7" name="Content Placeholder 6" descr="A close up of a map&#10;&#10;Description automatically generated">
             <a:extLst>
               <a:ext uri="{FF2B5EF4-FFF2-40B4-BE49-F238E27FC236}">
-                <a16:creationId xmlns:a16="http://schemas.microsoft.com/office/drawing/2014/main" id="{F63BAD29-8260-4863-9027-F5B9F2D78E5C}"/>
+                <a16:creationId xmlns:a16="http://schemas.microsoft.com/office/drawing/2014/main" id="{E8CF7247-8A97-43E3-A0AE-CA5FDC4AE769}"/>
               </a:ext>
             </a:extLst>
           </p:cNvPr>
-          <p:cNvSpPr>
-            <a:spLocks noGrp="1"/>
-          </p:cNvSpPr>
+          <p:cNvPicPr>
+            <a:picLocks noGrp="1" noChangeAspect="1"/>
+          </p:cNvPicPr>
           <p:nvPr>
             <p:ph idx="1"/>
           </p:nvPr>
-        </p:nvSpPr>
-        <p:spPr/>
-        <p:txBody>
-          <a:bodyPr/>
-          <a:lstStyle/>
-          <a:p>
-            <a:endParaRPr lang="en-US" dirty="0"/>
-          </a:p>
-        </p:txBody>
-      </p:sp>
+        </p:nvPicPr>
+        <p:blipFill>
+          <a:blip r:embed="rId2"/>
+          <a:stretch>
+            <a:fillRect/>
+          </a:stretch>
+        </p:blipFill>
+        <p:spPr>
+          <a:xfrm>
+            <a:off x="5155352" y="792922"/>
+            <a:ext cx="6546573" cy="5455478"/>
+          </a:xfrm>
+        </p:spPr>
+      </p:pic>
       <p:sp>
         <p:nvSpPr>
           <p:cNvPr id="4" name="Date Placeholder 3">
@@ -10958,6 +10971,53 @@
               <a:t>13</a:t>
             </a:fld>
             <a:endParaRPr lang="en-US" dirty="0"/>
+          </a:p>
+        </p:txBody>
+      </p:sp>
+      <p:sp>
+        <p:nvSpPr>
+          <p:cNvPr id="8" name="TextBox 7">
+            <a:extLst>
+              <a:ext uri="{FF2B5EF4-FFF2-40B4-BE49-F238E27FC236}">
+                <a16:creationId xmlns:a16="http://schemas.microsoft.com/office/drawing/2014/main" id="{E633CF89-E740-49BC-A413-A59DE38B507B}"/>
+              </a:ext>
+            </a:extLst>
+          </p:cNvPr>
+          <p:cNvSpPr txBox="1"/>
+          <p:nvPr/>
+        </p:nvSpPr>
+        <p:spPr>
+          <a:xfrm>
+            <a:off x="1132925" y="2544415"/>
+            <a:ext cx="3664362" cy="2585323"/>
+          </a:xfrm>
+          <a:prstGeom prst="rect">
+            <a:avLst/>
+          </a:prstGeom>
+          <a:noFill/>
+        </p:spPr>
+        <p:txBody>
+          <a:bodyPr wrap="square" rtlCol="0">
+            <a:spAutoFit/>
+          </a:bodyPr>
+          <a:lstStyle/>
+          <a:p>
+            <a:r>
+              <a:rPr lang="en-US" dirty="0"/>
+              <a:t>There is almost no correlation between distance between countries and difference between scores.</a:t>
+            </a:r>
+          </a:p>
+          <a:p>
+            <a:r>
+              <a:rPr lang="en-US" dirty="0"/>
+              <a:t>The R Squared values for all continents are very small</a:t>
+            </a:r>
+          </a:p>
+          <a:p>
+            <a:r>
+              <a:rPr lang="en-US" dirty="0"/>
+              <a:t>The different sizes of countries makes this comparison inconsistent.</a:t>
+            </a:r>
           </a:p>
         </p:txBody>
       </p:sp>
@@ -11023,44 +11083,40 @@
             </a:br>
             <a:r>
               <a:rPr lang="en-US" sz="2200" dirty="0"/>
-              <a:t>Is there a relationship between Happiness and GDP, </a:t>
-            </a:r>
-            <a:r>
-              <a:rPr lang="en-US" sz="2200" dirty="0" err="1"/>
-              <a:t>PPP,etc</a:t>
-            </a:r>
-            <a:r>
-              <a:rPr lang="en-US" sz="2200" dirty="0"/>
-              <a:t> </a:t>
-            </a:r>
-          </a:p>
-        </p:txBody>
-      </p:sp>
-      <p:sp>
-        <p:nvSpPr>
-          <p:cNvPr id="3" name="Content Placeholder 2">
+              <a:t>Is there a relationship between Happiness and Economic Variables?</a:t>
+            </a:r>
+          </a:p>
+        </p:txBody>
+      </p:sp>
+      <p:pic>
+        <p:nvPicPr>
+          <p:cNvPr id="7" name="Content Placeholder 6" descr="A close up of a map&#10;&#10;Description automatically generated">
             <a:extLst>
               <a:ext uri="{FF2B5EF4-FFF2-40B4-BE49-F238E27FC236}">
-                <a16:creationId xmlns:a16="http://schemas.microsoft.com/office/drawing/2014/main" id="{6EB76005-FE48-4FAC-84C4-A22B94BAF6B9}"/>
+                <a16:creationId xmlns:a16="http://schemas.microsoft.com/office/drawing/2014/main" id="{1FFACE8A-8689-4002-92C9-EFA002BB263E}"/>
               </a:ext>
             </a:extLst>
           </p:cNvPr>
-          <p:cNvSpPr>
-            <a:spLocks noGrp="1"/>
-          </p:cNvSpPr>
+          <p:cNvPicPr>
+            <a:picLocks noGrp="1" noChangeAspect="1"/>
+          </p:cNvPicPr>
           <p:nvPr>
             <p:ph idx="1"/>
           </p:nvPr>
-        </p:nvSpPr>
-        <p:spPr/>
-        <p:txBody>
-          <a:bodyPr/>
-          <a:lstStyle/>
-          <a:p>
-            <a:endParaRPr lang="en-US" dirty="0"/>
-          </a:p>
-        </p:txBody>
-      </p:sp>
+        </p:nvPicPr>
+        <p:blipFill>
+          <a:blip r:embed="rId2"/>
+          <a:stretch>
+            <a:fillRect/>
+          </a:stretch>
+        </p:blipFill>
+        <p:spPr>
+          <a:xfrm>
+            <a:off x="2164568" y="1599096"/>
+            <a:ext cx="5622200" cy="3881437"/>
+          </a:xfrm>
+        </p:spPr>
+      </p:pic>
       <p:sp>
         <p:nvSpPr>
           <p:cNvPr id="4" name="Date Placeholder 3">
@@ -11117,6 +11173,41 @@
               <a:t>14</a:t>
             </a:fld>
             <a:endParaRPr lang="en-US" dirty="0"/>
+          </a:p>
+        </p:txBody>
+      </p:sp>
+      <p:sp>
+        <p:nvSpPr>
+          <p:cNvPr id="8" name="TextBox 7">
+            <a:extLst>
+              <a:ext uri="{FF2B5EF4-FFF2-40B4-BE49-F238E27FC236}">
+                <a16:creationId xmlns:a16="http://schemas.microsoft.com/office/drawing/2014/main" id="{BD2CF4ED-22D3-452D-BF21-7478EAA7E7F6}"/>
+              </a:ext>
+            </a:extLst>
+          </p:cNvPr>
+          <p:cNvSpPr txBox="1"/>
+          <p:nvPr/>
+        </p:nvSpPr>
+        <p:spPr>
+          <a:xfrm>
+            <a:off x="1272209" y="5577593"/>
+            <a:ext cx="8596668" cy="646331"/>
+          </a:xfrm>
+          <a:prstGeom prst="rect">
+            <a:avLst/>
+          </a:prstGeom>
+          <a:noFill/>
+        </p:spPr>
+        <p:txBody>
+          <a:bodyPr wrap="square" rtlCol="0">
+            <a:spAutoFit/>
+          </a:bodyPr>
+          <a:lstStyle/>
+          <a:p>
+            <a:r>
+              <a:rPr lang="en-US" dirty="0"/>
+              <a:t>In order to find a linear relationship, the values of GDP, PPP, Population Density, and Population Total required a log transformation</a:t>
+            </a:r>
           </a:p>
         </p:txBody>
       </p:sp>
@@ -11182,7 +11273,7 @@
             </a:br>
             <a:r>
               <a:rPr lang="en-US" sz="2200" dirty="0"/>
-              <a:t>Is there a relationship between Happiness and Median Age </a:t>
+              <a:t>Is there a relationship between Happiness and GDP/PPP? </a:t>
             </a:r>
           </a:p>
         </p:txBody>
@@ -11203,12 +11294,34 @@
             <p:ph idx="1"/>
           </p:nvPr>
         </p:nvSpPr>
-        <p:spPr/>
-        <p:txBody>
-          <a:bodyPr/>
-          <a:lstStyle/>
-          <a:p>
-            <a:endParaRPr lang="en-US" dirty="0"/>
+        <p:spPr>
+          <a:xfrm>
+            <a:off x="677334" y="5092505"/>
+            <a:ext cx="8596668" cy="1320800"/>
+          </a:xfrm>
+        </p:spPr>
+        <p:txBody>
+          <a:bodyPr>
+            <a:normAutofit/>
+          </a:bodyPr>
+          <a:lstStyle/>
+          <a:p>
+            <a:r>
+              <a:rPr lang="en-US" dirty="0"/>
+              <a:t>Log(GDP) has some relationship with the happiness score. </a:t>
+            </a:r>
+          </a:p>
+          <a:p>
+            <a:r>
+              <a:rPr lang="en-US" dirty="0"/>
+              <a:t>R squared is 0.308</a:t>
+            </a:r>
+          </a:p>
+          <a:p>
+            <a:r>
+              <a:rPr lang="en-US" dirty="0"/>
+              <a:t>Wealthier countries tend to be happier.</a:t>
+            </a:r>
           </a:p>
         </p:txBody>
       </p:sp>
@@ -11217,7 +11330,7 @@
           <p:cNvPr id="4" name="Date Placeholder 3">
             <a:extLst>
               <a:ext uri="{FF2B5EF4-FFF2-40B4-BE49-F238E27FC236}">
-                <a16:creationId xmlns:a16="http://schemas.microsoft.com/office/drawing/2014/main" id="{E49C0D53-1491-4694-BE73-4D1931323941}"/>
+                <a16:creationId xmlns:a16="http://schemas.microsoft.com/office/drawing/2014/main" id="{92B88C72-B79D-4D21-8D6C-B81F31EC40A9}"/>
               </a:ext>
             </a:extLst>
           </p:cNvPr>
@@ -11246,7 +11359,7 @@
           <p:cNvPr id="5" name="Slide Number Placeholder 4">
             <a:extLst>
               <a:ext uri="{FF2B5EF4-FFF2-40B4-BE49-F238E27FC236}">
-                <a16:creationId xmlns:a16="http://schemas.microsoft.com/office/drawing/2014/main" id="{A6481B05-E5A6-4F43-8240-63D853C310F8}"/>
+                <a16:creationId xmlns:a16="http://schemas.microsoft.com/office/drawing/2014/main" id="{C83CDD9F-D3D6-4069-BC62-092039A5B68F}"/>
               </a:ext>
             </a:extLst>
           </p:cNvPr>
@@ -11271,10 +11384,39 @@
           </a:p>
         </p:txBody>
       </p:sp>
+      <p:pic>
+        <p:nvPicPr>
+          <p:cNvPr id="7" name="Picture 6" descr="A close up of a map&#10;&#10;Description automatically generated">
+            <a:extLst>
+              <a:ext uri="{FF2B5EF4-FFF2-40B4-BE49-F238E27FC236}">
+                <a16:creationId xmlns:a16="http://schemas.microsoft.com/office/drawing/2014/main" id="{ECB6436C-D1A6-470E-86F5-57E7B802A443}"/>
+              </a:ext>
+            </a:extLst>
+          </p:cNvPr>
+          <p:cNvPicPr>
+            <a:picLocks noChangeAspect="1"/>
+          </p:cNvPicPr>
+          <p:nvPr/>
+        </p:nvPicPr>
+        <p:blipFill rotWithShape="1">
+          <a:blip r:embed="rId2"/>
+          <a:srcRect t="-1" b="59041"/>
+          <a:stretch/>
+        </p:blipFill>
+        <p:spPr>
+          <a:xfrm>
+            <a:off x="1358348" y="2004167"/>
+            <a:ext cx="8229599" cy="2800350"/>
+          </a:xfrm>
+          <a:prstGeom prst="rect">
+            <a:avLst/>
+          </a:prstGeom>
+        </p:spPr>
+      </p:pic>
     </p:spTree>
     <p:extLst>
       <p:ext uri="{BB962C8B-B14F-4D97-AF65-F5344CB8AC3E}">
-        <p14:creationId xmlns:p14="http://schemas.microsoft.com/office/powerpoint/2010/main" val="776261134"/>
+        <p14:creationId xmlns:p14="http://schemas.microsoft.com/office/powerpoint/2010/main" val="727563923"/>
       </p:ext>
     </p:extLst>
   </p:cSld>
@@ -11333,235 +11475,142 @@
             </a:br>
             <a:r>
               <a:rPr lang="en-US" sz="2200" dirty="0"/>
-              <a:t>Is there a relationship between Happiness and Alcohol Consumption </a:t>
-            </a:r>
+              <a:t>Is there a relationship between Happiness and Population?</a:t>
+            </a:r>
+          </a:p>
+        </p:txBody>
+      </p:sp>
+      <p:sp>
+        <p:nvSpPr>
+          <p:cNvPr id="3" name="Content Placeholder 2">
+            <a:extLst>
+              <a:ext uri="{FF2B5EF4-FFF2-40B4-BE49-F238E27FC236}">
+                <a16:creationId xmlns:a16="http://schemas.microsoft.com/office/drawing/2014/main" id="{6EB76005-FE48-4FAC-84C4-A22B94BAF6B9}"/>
+              </a:ext>
+            </a:extLst>
+          </p:cNvPr>
+          <p:cNvSpPr>
+            <a:spLocks noGrp="1"/>
+          </p:cNvSpPr>
+          <p:nvPr>
+            <p:ph idx="1"/>
+          </p:nvPr>
+        </p:nvSpPr>
+        <p:spPr>
+          <a:xfrm>
+            <a:off x="677334" y="5247861"/>
+            <a:ext cx="8596668" cy="793501"/>
+          </a:xfrm>
+        </p:spPr>
+        <p:txBody>
+          <a:bodyPr/>
+          <a:lstStyle/>
+          <a:p>
+            <a:r>
+              <a:rPr lang="en-US" dirty="0"/>
+              <a:t>There is no relationship between population and the happiness score.</a:t>
+            </a:r>
+          </a:p>
+          <a:p>
+            <a:r>
+              <a:rPr lang="en-US" dirty="0"/>
+              <a:t>Country size and population concentration do not affect happiness. </a:t>
+            </a:r>
+          </a:p>
+        </p:txBody>
+      </p:sp>
+      <p:sp>
+        <p:nvSpPr>
+          <p:cNvPr id="4" name="Date Placeholder 3">
+            <a:extLst>
+              <a:ext uri="{FF2B5EF4-FFF2-40B4-BE49-F238E27FC236}">
+                <a16:creationId xmlns:a16="http://schemas.microsoft.com/office/drawing/2014/main" id="{92B88C72-B79D-4D21-8D6C-B81F31EC40A9}"/>
+              </a:ext>
+            </a:extLst>
+          </p:cNvPr>
+          <p:cNvSpPr>
+            <a:spLocks noGrp="1"/>
+          </p:cNvSpPr>
+          <p:nvPr>
+            <p:ph type="dt" sz="half" idx="10"/>
+          </p:nvPr>
+        </p:nvSpPr>
+        <p:spPr/>
+        <p:txBody>
+          <a:bodyPr/>
+          <a:lstStyle/>
+          <a:p>
+            <a:r>
+              <a:rPr lang="en-US"/>
+              <a:t>7/29/2019</a:t>
+            </a:r>
+            <a:endParaRPr lang="en-US" dirty="0"/>
+          </a:p>
+        </p:txBody>
+      </p:sp>
+      <p:sp>
+        <p:nvSpPr>
+          <p:cNvPr id="5" name="Slide Number Placeholder 4">
+            <a:extLst>
+              <a:ext uri="{FF2B5EF4-FFF2-40B4-BE49-F238E27FC236}">
+                <a16:creationId xmlns:a16="http://schemas.microsoft.com/office/drawing/2014/main" id="{C83CDD9F-D3D6-4069-BC62-092039A5B68F}"/>
+              </a:ext>
+            </a:extLst>
+          </p:cNvPr>
+          <p:cNvSpPr>
+            <a:spLocks noGrp="1"/>
+          </p:cNvSpPr>
+          <p:nvPr>
+            <p:ph type="sldNum" sz="quarter" idx="12"/>
+          </p:nvPr>
+        </p:nvSpPr>
+        <p:spPr/>
+        <p:txBody>
+          <a:bodyPr/>
+          <a:lstStyle/>
+          <a:p>
+            <a:fld id="{D57F1E4F-1CFF-5643-939E-217C01CDF565}" type="slidenum">
+              <a:rPr lang="en-US" smtClean="0"/>
+              <a:pPr/>
+              <a:t>16</a:t>
+            </a:fld>
+            <a:endParaRPr lang="en-US" dirty="0"/>
           </a:p>
         </p:txBody>
       </p:sp>
       <p:pic>
         <p:nvPicPr>
-          <p:cNvPr id="6" name="Content Placeholder 5">
+          <p:cNvPr id="7" name="Picture 6" descr="A screenshot of a cell phone&#10;&#10;Description automatically generated">
             <a:extLst>
               <a:ext uri="{FF2B5EF4-FFF2-40B4-BE49-F238E27FC236}">
-                <a16:creationId xmlns:a16="http://schemas.microsoft.com/office/drawing/2014/main" id="{A29C5335-1013-418A-83DF-239814F88866}"/>
+                <a16:creationId xmlns:a16="http://schemas.microsoft.com/office/drawing/2014/main" id="{08A32887-A7B5-4482-8EF9-E9244A24AE24}"/>
               </a:ext>
             </a:extLst>
           </p:cNvPr>
           <p:cNvPicPr>
-            <a:picLocks noGrp="1" noChangeAspect="1"/>
+            <a:picLocks noChangeAspect="1"/>
           </p:cNvPicPr>
-          <p:nvPr>
-            <p:ph idx="1"/>
-          </p:nvPr>
+          <p:nvPr/>
         </p:nvPicPr>
-        <p:blipFill>
+        <p:blipFill rotWithShape="1">
           <a:blip r:embed="rId2"/>
-          <a:stretch>
-            <a:fillRect/>
-          </a:stretch>
+          <a:srcRect b="59981"/>
+          <a:stretch/>
         </p:blipFill>
         <p:spPr>
           <a:xfrm>
-            <a:off x="904524" y="2014537"/>
-            <a:ext cx="3762375" cy="2828925"/>
+            <a:off x="860868" y="1930400"/>
+            <a:ext cx="8229599" cy="2744547"/>
           </a:xfrm>
           <a:prstGeom prst="rect">
             <a:avLst/>
           </a:prstGeom>
         </p:spPr>
       </p:pic>
-      <p:sp>
-        <p:nvSpPr>
-          <p:cNvPr id="4" name="Date Placeholder 3">
-            <a:extLst>
-              <a:ext uri="{FF2B5EF4-FFF2-40B4-BE49-F238E27FC236}">
-                <a16:creationId xmlns:a16="http://schemas.microsoft.com/office/drawing/2014/main" id="{27755AF9-2603-4543-BFDD-CB63364DE6E8}"/>
-              </a:ext>
-            </a:extLst>
-          </p:cNvPr>
-          <p:cNvSpPr>
-            <a:spLocks noGrp="1"/>
-          </p:cNvSpPr>
-          <p:nvPr>
-            <p:ph type="dt" sz="half" idx="10"/>
-          </p:nvPr>
-        </p:nvSpPr>
-        <p:spPr/>
-        <p:txBody>
-          <a:bodyPr/>
-          <a:lstStyle/>
-          <a:p>
-            <a:r>
-              <a:rPr lang="en-US"/>
-              <a:t>7/29/2019</a:t>
-            </a:r>
-            <a:endParaRPr lang="en-US" dirty="0"/>
-          </a:p>
-        </p:txBody>
-      </p:sp>
-      <p:sp>
-        <p:nvSpPr>
-          <p:cNvPr id="5" name="Slide Number Placeholder 4">
-            <a:extLst>
-              <a:ext uri="{FF2B5EF4-FFF2-40B4-BE49-F238E27FC236}">
-                <a16:creationId xmlns:a16="http://schemas.microsoft.com/office/drawing/2014/main" id="{DB4F43E0-A832-4791-A642-C45ED84BDCFB}"/>
-              </a:ext>
-            </a:extLst>
-          </p:cNvPr>
-          <p:cNvSpPr>
-            <a:spLocks noGrp="1"/>
-          </p:cNvSpPr>
-          <p:nvPr>
-            <p:ph type="sldNum" sz="quarter" idx="12"/>
-          </p:nvPr>
-        </p:nvSpPr>
-        <p:spPr/>
-        <p:txBody>
-          <a:bodyPr/>
-          <a:lstStyle/>
-          <a:p>
-            <a:fld id="{D57F1E4F-1CFF-5643-939E-217C01CDF565}" type="slidenum">
-              <a:rPr lang="en-US" smtClean="0"/>
-              <a:pPr/>
-              <a:t>16</a:t>
-            </a:fld>
-            <a:endParaRPr lang="en-US" dirty="0"/>
-          </a:p>
-        </p:txBody>
-      </p:sp>
-      <p:sp>
-        <p:nvSpPr>
-          <p:cNvPr id="7" name="TextBox 6">
-            <a:extLst>
-              <a:ext uri="{FF2B5EF4-FFF2-40B4-BE49-F238E27FC236}">
-                <a16:creationId xmlns:a16="http://schemas.microsoft.com/office/drawing/2014/main" id="{302B33BF-3245-4472-B8F2-CE000DB5BC22}"/>
-              </a:ext>
-            </a:extLst>
-          </p:cNvPr>
-          <p:cNvSpPr txBox="1"/>
-          <p:nvPr/>
-        </p:nvSpPr>
-        <p:spPr>
-          <a:xfrm>
-            <a:off x="1329070" y="4927598"/>
-            <a:ext cx="1988288" cy="369332"/>
-          </a:xfrm>
-          <a:prstGeom prst="rect">
-            <a:avLst/>
-          </a:prstGeom>
-          <a:noFill/>
-        </p:spPr>
-        <p:txBody>
-          <a:bodyPr wrap="square" rtlCol="0">
-            <a:spAutoFit/>
-          </a:bodyPr>
-          <a:lstStyle/>
-          <a:p>
-            <a:r>
-              <a:rPr lang="en-US" dirty="0">
-                <a:solidFill>
-                  <a:schemeClr val="tx1">
-                    <a:lumMod val="75000"/>
-                    <a:lumOff val="25000"/>
-                  </a:schemeClr>
-                </a:solidFill>
-              </a:rPr>
-              <a:t>r value: 0.3518</a:t>
-            </a:r>
-          </a:p>
-        </p:txBody>
-      </p:sp>
-      <p:sp>
-        <p:nvSpPr>
-          <p:cNvPr id="10" name="TextBox 9">
-            <a:extLst>
-              <a:ext uri="{FF2B5EF4-FFF2-40B4-BE49-F238E27FC236}">
-                <a16:creationId xmlns:a16="http://schemas.microsoft.com/office/drawing/2014/main" id="{03110C20-0CF7-4E19-B94A-FAFFDE63F0E0}"/>
-              </a:ext>
-            </a:extLst>
-          </p:cNvPr>
-          <p:cNvSpPr txBox="1"/>
-          <p:nvPr/>
-        </p:nvSpPr>
-        <p:spPr>
-          <a:xfrm>
-            <a:off x="4975668" y="2153330"/>
-            <a:ext cx="5327281" cy="2308324"/>
-          </a:xfrm>
-          <a:prstGeom prst="rect">
-            <a:avLst/>
-          </a:prstGeom>
-          <a:noFill/>
-        </p:spPr>
-        <p:txBody>
-          <a:bodyPr wrap="square" rtlCol="0">
-            <a:spAutoFit/>
-          </a:bodyPr>
-          <a:lstStyle/>
-          <a:p>
-            <a:r>
-              <a:rPr lang="en-US" sz="1600" dirty="0">
-                <a:solidFill>
-                  <a:schemeClr val="tx1">
-                    <a:lumMod val="65000"/>
-                    <a:lumOff val="35000"/>
-                  </a:schemeClr>
-                </a:solidFill>
-              </a:rPr>
-              <a:t>Surprisingly, alcohol consumption has a positive correlation with happiness Index. Alcohol consumption has always been linked to be used to numb pain and despair. Also, linked to crime, violence, accidents and death.</a:t>
-            </a:r>
-          </a:p>
-          <a:p>
-            <a:endParaRPr lang="en-US" sz="1600" dirty="0">
-              <a:solidFill>
-                <a:schemeClr val="tx1">
-                  <a:lumMod val="65000"/>
-                  <a:lumOff val="35000"/>
-                </a:schemeClr>
-              </a:solidFill>
-            </a:endParaRPr>
-          </a:p>
-          <a:p>
-            <a:r>
-              <a:rPr lang="en-US" sz="1600" dirty="0">
-                <a:solidFill>
-                  <a:schemeClr val="tx1">
-                    <a:lumMod val="65000"/>
-                    <a:lumOff val="35000"/>
-                  </a:schemeClr>
-                </a:solidFill>
-              </a:rPr>
-              <a:t>However, in this graph we can see that residents of happy countries </a:t>
-            </a:r>
-            <a:r>
-              <a:rPr lang="en-US" sz="1600" i="1" u="sng" dirty="0">
-                <a:solidFill>
-                  <a:schemeClr val="tx1">
-                    <a:lumMod val="65000"/>
-                    <a:lumOff val="35000"/>
-                  </a:schemeClr>
-                </a:solidFill>
-              </a:rPr>
-              <a:t>probably</a:t>
-            </a:r>
-            <a:r>
-              <a:rPr lang="en-US" sz="1600" dirty="0">
-                <a:solidFill>
-                  <a:schemeClr val="tx1">
-                    <a:lumMod val="65000"/>
-                    <a:lumOff val="35000"/>
-                  </a:schemeClr>
-                </a:solidFill>
-              </a:rPr>
-              <a:t> consume alcohol for reasons like pleasure, indulgence and celebration.</a:t>
-            </a:r>
-          </a:p>
-        </p:txBody>
-      </p:sp>
     </p:spTree>
     <p:extLst>
       <p:ext uri="{BB962C8B-B14F-4D97-AF65-F5344CB8AC3E}">
-        <p14:creationId xmlns:p14="http://schemas.microsoft.com/office/powerpoint/2010/main" val="3949091215"/>
+        <p14:creationId xmlns:p14="http://schemas.microsoft.com/office/powerpoint/2010/main" val="307456920"/>
       </p:ext>
     </p:extLst>
   </p:cSld>
@@ -11620,246 +11669,162 @@
             </a:br>
             <a:r>
               <a:rPr lang="en-US" sz="2200" dirty="0"/>
-              <a:t>Is there a relationship between Happiness and Education Index </a:t>
-            </a:r>
+              <a:t>Is there a relationship between Happiness and Median Age? </a:t>
+            </a:r>
+          </a:p>
+        </p:txBody>
+      </p:sp>
+      <p:sp>
+        <p:nvSpPr>
+          <p:cNvPr id="4" name="Date Placeholder 3">
+            <a:extLst>
+              <a:ext uri="{FF2B5EF4-FFF2-40B4-BE49-F238E27FC236}">
+                <a16:creationId xmlns:a16="http://schemas.microsoft.com/office/drawing/2014/main" id="{E49C0D53-1491-4694-BE73-4D1931323941}"/>
+              </a:ext>
+            </a:extLst>
+          </p:cNvPr>
+          <p:cNvSpPr>
+            <a:spLocks noGrp="1"/>
+          </p:cNvSpPr>
+          <p:nvPr>
+            <p:ph type="dt" sz="half" idx="10"/>
+          </p:nvPr>
+        </p:nvSpPr>
+        <p:spPr/>
+        <p:txBody>
+          <a:bodyPr/>
+          <a:lstStyle/>
+          <a:p>
+            <a:r>
+              <a:rPr lang="en-US"/>
+              <a:t>7/29/2019</a:t>
+            </a:r>
+            <a:endParaRPr lang="en-US" dirty="0"/>
+          </a:p>
+        </p:txBody>
+      </p:sp>
+      <p:sp>
+        <p:nvSpPr>
+          <p:cNvPr id="5" name="Slide Number Placeholder 4">
+            <a:extLst>
+              <a:ext uri="{FF2B5EF4-FFF2-40B4-BE49-F238E27FC236}">
+                <a16:creationId xmlns:a16="http://schemas.microsoft.com/office/drawing/2014/main" id="{A6481B05-E5A6-4F43-8240-63D853C310F8}"/>
+              </a:ext>
+            </a:extLst>
+          </p:cNvPr>
+          <p:cNvSpPr>
+            <a:spLocks noGrp="1"/>
+          </p:cNvSpPr>
+          <p:nvPr>
+            <p:ph type="sldNum" sz="quarter" idx="12"/>
+          </p:nvPr>
+        </p:nvSpPr>
+        <p:spPr/>
+        <p:txBody>
+          <a:bodyPr/>
+          <a:lstStyle/>
+          <a:p>
+            <a:fld id="{D57F1E4F-1CFF-5643-939E-217C01CDF565}" type="slidenum">
+              <a:rPr lang="en-US" smtClean="0"/>
+              <a:pPr/>
+              <a:t>17</a:t>
+            </a:fld>
+            <a:endParaRPr lang="en-US" dirty="0"/>
+          </a:p>
+        </p:txBody>
+      </p:sp>
+      <p:sp>
+        <p:nvSpPr>
+          <p:cNvPr id="9" name="Content Placeholder 8">
+            <a:extLst>
+              <a:ext uri="{FF2B5EF4-FFF2-40B4-BE49-F238E27FC236}">
+                <a16:creationId xmlns:a16="http://schemas.microsoft.com/office/drawing/2014/main" id="{A82CF8E7-4FE2-4A77-9753-6C154FC35AB8}"/>
+              </a:ext>
+            </a:extLst>
+          </p:cNvPr>
+          <p:cNvSpPr>
+            <a:spLocks noGrp="1"/>
+          </p:cNvSpPr>
+          <p:nvPr>
+            <p:ph idx="1"/>
+          </p:nvPr>
+        </p:nvSpPr>
+        <p:spPr>
+          <a:xfrm>
+            <a:off x="5474417" y="1991255"/>
+            <a:ext cx="3669583" cy="3706160"/>
+          </a:xfrm>
+        </p:spPr>
+        <p:txBody>
+          <a:bodyPr>
+            <a:normAutofit/>
+          </a:bodyPr>
+          <a:lstStyle/>
+          <a:p>
+            <a:r>
+              <a:rPr lang="en-US" dirty="0"/>
+              <a:t>There is some relationship between the median age in a country and its happiness score.</a:t>
+            </a:r>
+          </a:p>
+          <a:p>
+            <a:r>
+              <a:rPr lang="en-US" dirty="0"/>
+              <a:t>A higher median age indicates that people live longer and are likely healthier.</a:t>
+            </a:r>
+          </a:p>
+          <a:p>
+            <a:r>
+              <a:rPr lang="en-US" dirty="0"/>
+              <a:t>This indicates good health and a long life increase happiness.</a:t>
+            </a:r>
+          </a:p>
+          <a:p>
+            <a:pPr marL="0" indent="0">
+              <a:buNone/>
+            </a:pPr>
+            <a:r>
+              <a:rPr lang="en-US" dirty="0"/>
+              <a:t> </a:t>
+            </a:r>
+          </a:p>
+          <a:p>
+            <a:endParaRPr lang="en-US" dirty="0"/>
           </a:p>
         </p:txBody>
       </p:sp>
       <p:pic>
         <p:nvPicPr>
-          <p:cNvPr id="6" name="Content Placeholder 5">
+          <p:cNvPr id="11" name="Picture 10" descr="A screenshot of a cell phone&#10;&#10;Description automatically generated">
             <a:extLst>
               <a:ext uri="{FF2B5EF4-FFF2-40B4-BE49-F238E27FC236}">
-                <a16:creationId xmlns:a16="http://schemas.microsoft.com/office/drawing/2014/main" id="{22A86572-9D15-4649-9363-6B5A6CE88C1E}"/>
+                <a16:creationId xmlns:a16="http://schemas.microsoft.com/office/drawing/2014/main" id="{2A7C1BE8-B314-4469-B877-3626AAD9F5E2}"/>
               </a:ext>
             </a:extLst>
           </p:cNvPr>
           <p:cNvPicPr>
-            <a:picLocks noGrp="1" noChangeAspect="1"/>
+            <a:picLocks noChangeAspect="1"/>
           </p:cNvPicPr>
-          <p:nvPr>
-            <p:ph idx="1"/>
-          </p:nvPr>
+          <p:nvPr/>
         </p:nvPicPr>
-        <p:blipFill>
+        <p:blipFill rotWithShape="1">
           <a:blip r:embed="rId2"/>
-          <a:stretch>
-            <a:fillRect/>
-          </a:stretch>
+          <a:srcRect l="8272" t="8862" r="53847" b="63556"/>
+          <a:stretch/>
         </p:blipFill>
         <p:spPr>
           <a:xfrm>
-            <a:off x="818799" y="1930400"/>
-            <a:ext cx="4355085" cy="3015870"/>
+            <a:off x="501056" y="1930400"/>
+            <a:ext cx="4474612" cy="2715064"/>
           </a:xfrm>
           <a:prstGeom prst="rect">
             <a:avLst/>
           </a:prstGeom>
         </p:spPr>
       </p:pic>
-      <p:sp>
-        <p:nvSpPr>
-          <p:cNvPr id="4" name="Date Placeholder 3">
-            <a:extLst>
-              <a:ext uri="{FF2B5EF4-FFF2-40B4-BE49-F238E27FC236}">
-                <a16:creationId xmlns:a16="http://schemas.microsoft.com/office/drawing/2014/main" id="{E8A222A7-B20C-4D7B-B229-F8CF30F1C82E}"/>
-              </a:ext>
-            </a:extLst>
-          </p:cNvPr>
-          <p:cNvSpPr>
-            <a:spLocks noGrp="1"/>
-          </p:cNvSpPr>
-          <p:nvPr>
-            <p:ph type="dt" sz="half" idx="10"/>
-          </p:nvPr>
-        </p:nvSpPr>
-        <p:spPr/>
-        <p:txBody>
-          <a:bodyPr/>
-          <a:lstStyle/>
-          <a:p>
-            <a:r>
-              <a:rPr lang="en-US"/>
-              <a:t>7/29/2019</a:t>
-            </a:r>
-            <a:endParaRPr lang="en-US" dirty="0"/>
-          </a:p>
-        </p:txBody>
-      </p:sp>
-      <p:sp>
-        <p:nvSpPr>
-          <p:cNvPr id="5" name="Slide Number Placeholder 4">
-            <a:extLst>
-              <a:ext uri="{FF2B5EF4-FFF2-40B4-BE49-F238E27FC236}">
-                <a16:creationId xmlns:a16="http://schemas.microsoft.com/office/drawing/2014/main" id="{58EFABF8-241D-4ACD-9BCD-2E06CF513246}"/>
-              </a:ext>
-            </a:extLst>
-          </p:cNvPr>
-          <p:cNvSpPr>
-            <a:spLocks noGrp="1"/>
-          </p:cNvSpPr>
-          <p:nvPr>
-            <p:ph type="sldNum" sz="quarter" idx="12"/>
-          </p:nvPr>
-        </p:nvSpPr>
-        <p:spPr/>
-        <p:txBody>
-          <a:bodyPr/>
-          <a:lstStyle/>
-          <a:p>
-            <a:fld id="{D57F1E4F-1CFF-5643-939E-217C01CDF565}" type="slidenum">
-              <a:rPr lang="en-US" smtClean="0"/>
-              <a:pPr/>
-              <a:t>17</a:t>
-            </a:fld>
-            <a:endParaRPr lang="en-US" dirty="0"/>
-          </a:p>
-        </p:txBody>
-      </p:sp>
-      <p:sp>
-        <p:nvSpPr>
-          <p:cNvPr id="8" name="TextBox 7">
-            <a:extLst>
-              <a:ext uri="{FF2B5EF4-FFF2-40B4-BE49-F238E27FC236}">
-                <a16:creationId xmlns:a16="http://schemas.microsoft.com/office/drawing/2014/main" id="{155BA9C9-610E-42F6-8214-B5BCD78C971D}"/>
-              </a:ext>
-            </a:extLst>
-          </p:cNvPr>
-          <p:cNvSpPr txBox="1"/>
-          <p:nvPr/>
-        </p:nvSpPr>
-        <p:spPr>
-          <a:xfrm>
-            <a:off x="4975668" y="2153330"/>
-            <a:ext cx="5327281" cy="2800767"/>
-          </a:xfrm>
-          <a:prstGeom prst="rect">
-            <a:avLst/>
-          </a:prstGeom>
-          <a:noFill/>
-        </p:spPr>
-        <p:txBody>
-          <a:bodyPr wrap="square" rtlCol="0">
-            <a:spAutoFit/>
-          </a:bodyPr>
-          <a:lstStyle/>
-          <a:p>
-            <a:r>
-              <a:rPr lang="en-US" sz="1600" dirty="0">
-                <a:solidFill>
-                  <a:schemeClr val="tx1">
-                    <a:lumMod val="65000"/>
-                    <a:lumOff val="35000"/>
-                  </a:schemeClr>
-                </a:solidFill>
-              </a:rPr>
-              <a:t>This analysis shows that happier nations have a higher Education index than unhappy ones with a strong correlation of 0.76. </a:t>
-            </a:r>
-          </a:p>
-          <a:p>
-            <a:endParaRPr lang="en-US" sz="1600" dirty="0">
-              <a:solidFill>
-                <a:schemeClr val="tx1">
-                  <a:lumMod val="65000"/>
-                  <a:lumOff val="35000"/>
-                </a:schemeClr>
-              </a:solidFill>
-            </a:endParaRPr>
-          </a:p>
-          <a:p>
-            <a:r>
-              <a:rPr lang="en-US" sz="1600" dirty="0">
-                <a:solidFill>
-                  <a:schemeClr val="tx1">
-                    <a:lumMod val="65000"/>
-                    <a:lumOff val="35000"/>
-                  </a:schemeClr>
-                </a:solidFill>
-              </a:rPr>
-              <a:t>We can assume that Education is linked to sense of individual empowerment, community contribution and better job conditions. </a:t>
-            </a:r>
-          </a:p>
-          <a:p>
-            <a:endParaRPr lang="en-US" sz="1600" dirty="0">
-              <a:solidFill>
-                <a:schemeClr val="tx1">
-                  <a:lumMod val="65000"/>
-                  <a:lumOff val="35000"/>
-                </a:schemeClr>
-              </a:solidFill>
-            </a:endParaRPr>
-          </a:p>
-          <a:p>
-            <a:r>
-              <a:rPr lang="en-US" sz="1600" dirty="0">
-                <a:solidFill>
-                  <a:schemeClr val="tx1">
-                    <a:lumMod val="65000"/>
-                    <a:lumOff val="35000"/>
-                  </a:schemeClr>
-                </a:solidFill>
-              </a:rPr>
-              <a:t>All of it contributing to country’s residents sense of security and well being. </a:t>
-            </a:r>
-          </a:p>
-          <a:p>
-            <a:endParaRPr lang="en-US" sz="1600" dirty="0">
-              <a:solidFill>
-                <a:schemeClr val="tx1">
-                  <a:lumMod val="65000"/>
-                  <a:lumOff val="35000"/>
-                </a:schemeClr>
-              </a:solidFill>
-            </a:endParaRPr>
-          </a:p>
-        </p:txBody>
-      </p:sp>
-      <p:sp>
-        <p:nvSpPr>
-          <p:cNvPr id="9" name="TextBox 8">
-            <a:extLst>
-              <a:ext uri="{FF2B5EF4-FFF2-40B4-BE49-F238E27FC236}">
-                <a16:creationId xmlns:a16="http://schemas.microsoft.com/office/drawing/2014/main" id="{1F7B5F28-4CFF-4EB9-A0F9-035416EA5B2E}"/>
-              </a:ext>
-            </a:extLst>
-          </p:cNvPr>
-          <p:cNvSpPr txBox="1"/>
-          <p:nvPr/>
-        </p:nvSpPr>
-        <p:spPr>
-          <a:xfrm>
-            <a:off x="1329070" y="4927598"/>
-            <a:ext cx="1988288" cy="369332"/>
-          </a:xfrm>
-          <a:prstGeom prst="rect">
-            <a:avLst/>
-          </a:prstGeom>
-          <a:noFill/>
-        </p:spPr>
-        <p:txBody>
-          <a:bodyPr wrap="square" rtlCol="0">
-            <a:spAutoFit/>
-          </a:bodyPr>
-          <a:lstStyle/>
-          <a:p>
-            <a:r>
-              <a:rPr lang="en-US" dirty="0">
-                <a:solidFill>
-                  <a:schemeClr val="tx1">
-                    <a:lumMod val="75000"/>
-                    <a:lumOff val="25000"/>
-                  </a:schemeClr>
-                </a:solidFill>
-              </a:rPr>
-              <a:t>r value: 0.7603</a:t>
-            </a:r>
-          </a:p>
-        </p:txBody>
-      </p:sp>
     </p:spTree>
     <p:extLst>
       <p:ext uri="{BB962C8B-B14F-4D97-AF65-F5344CB8AC3E}">
-        <p14:creationId xmlns:p14="http://schemas.microsoft.com/office/powerpoint/2010/main" val="1306680931"/>
+        <p14:creationId xmlns:p14="http://schemas.microsoft.com/office/powerpoint/2010/main" val="776261134"/>
       </p:ext>
     </p:extLst>
   </p:cSld>
@@ -11891,7 +11856,7 @@
           <p:cNvPr id="2" name="Title 1">
             <a:extLst>
               <a:ext uri="{FF2B5EF4-FFF2-40B4-BE49-F238E27FC236}">
-                <a16:creationId xmlns:a16="http://schemas.microsoft.com/office/drawing/2014/main" id="{60C4DB4B-EE68-4BA2-9DDD-A05453385518}"/>
+                <a16:creationId xmlns:a16="http://schemas.microsoft.com/office/drawing/2014/main" id="{B2BEB5D7-FBE4-462C-A0EF-D425722145A0}"/>
               </a:ext>
             </a:extLst>
           </p:cNvPr>
@@ -11902,12 +11867,7 @@
             <p:ph type="title"/>
           </p:nvPr>
         </p:nvSpPr>
-        <p:spPr>
-          <a:xfrm>
-            <a:off x="677334" y="609600"/>
-            <a:ext cx="8596668" cy="609600"/>
-          </a:xfrm>
-        </p:spPr>
+        <p:spPr/>
         <p:txBody>
           <a:bodyPr>
             <a:normAutofit/>
@@ -11915,18 +11875,25 @@
           <a:lstStyle/>
           <a:p>
             <a:r>
-              <a:rPr lang="en-US" sz="3200" dirty="0"/>
-              <a:t>Internet access level throughout the world</a:t>
+              <a:rPr lang="en-US" dirty="0"/>
+              <a:t>Variable Analysis</a:t>
+            </a:r>
+            <a:br>
+              <a:rPr lang="en-US" dirty="0"/>
+            </a:br>
+            <a:r>
+              <a:rPr lang="en-US" sz="2200" dirty="0"/>
+              <a:t>Is there a relationship between Happiness and Alcohol Consumption ?</a:t>
             </a:r>
           </a:p>
         </p:txBody>
       </p:sp>
       <p:pic>
         <p:nvPicPr>
-          <p:cNvPr id="7" name="Content Placeholder 6" descr="A close up of a map&#10;&#10;Description automatically generated">
+          <p:cNvPr id="6" name="Content Placeholder 5">
             <a:extLst>
               <a:ext uri="{FF2B5EF4-FFF2-40B4-BE49-F238E27FC236}">
-                <a16:creationId xmlns:a16="http://schemas.microsoft.com/office/drawing/2014/main" id="{26256857-6956-40F4-8381-DE539C05221A}"/>
+                <a16:creationId xmlns:a16="http://schemas.microsoft.com/office/drawing/2014/main" id="{A29C5335-1013-418A-83DF-239814F88866}"/>
               </a:ext>
             </a:extLst>
           </p:cNvPr>
@@ -11945,9 +11912,12 @@
         </p:blipFill>
         <p:spPr>
           <a:xfrm>
-            <a:off x="811985" y="1689562"/>
-            <a:ext cx="7827326" cy="3881437"/>
+            <a:off x="904524" y="2014537"/>
+            <a:ext cx="3762375" cy="2828925"/>
           </a:xfrm>
+          <a:prstGeom prst="rect">
+            <a:avLst/>
+          </a:prstGeom>
         </p:spPr>
       </p:pic>
       <p:sp>
@@ -11955,7 +11925,7 @@
           <p:cNvPr id="4" name="Date Placeholder 3">
             <a:extLst>
               <a:ext uri="{FF2B5EF4-FFF2-40B4-BE49-F238E27FC236}">
-                <a16:creationId xmlns:a16="http://schemas.microsoft.com/office/drawing/2014/main" id="{29BC6CCB-75DC-45EB-90C5-FC9680384F56}"/>
+                <a16:creationId xmlns:a16="http://schemas.microsoft.com/office/drawing/2014/main" id="{27755AF9-2603-4543-BFDD-CB63364DE6E8}"/>
               </a:ext>
             </a:extLst>
           </p:cNvPr>
@@ -11984,7 +11954,7 @@
           <p:cNvPr id="5" name="Slide Number Placeholder 4">
             <a:extLst>
               <a:ext uri="{FF2B5EF4-FFF2-40B4-BE49-F238E27FC236}">
-                <a16:creationId xmlns:a16="http://schemas.microsoft.com/office/drawing/2014/main" id="{8C0B7B00-1B13-43A3-9541-C8F52349A82F}"/>
+                <a16:creationId xmlns:a16="http://schemas.microsoft.com/office/drawing/2014/main" id="{DB4F43E0-A832-4791-A642-C45ED84BDCFB}"/>
               </a:ext>
             </a:extLst>
           </p:cNvPr>
@@ -12009,10 +11979,139 @@
           </a:p>
         </p:txBody>
       </p:sp>
+      <p:sp>
+        <p:nvSpPr>
+          <p:cNvPr id="7" name="TextBox 6">
+            <a:extLst>
+              <a:ext uri="{FF2B5EF4-FFF2-40B4-BE49-F238E27FC236}">
+                <a16:creationId xmlns:a16="http://schemas.microsoft.com/office/drawing/2014/main" id="{302B33BF-3245-4472-B8F2-CE000DB5BC22}"/>
+              </a:ext>
+            </a:extLst>
+          </p:cNvPr>
+          <p:cNvSpPr txBox="1"/>
+          <p:nvPr/>
+        </p:nvSpPr>
+        <p:spPr>
+          <a:xfrm>
+            <a:off x="1329070" y="4927598"/>
+            <a:ext cx="1988288" cy="369332"/>
+          </a:xfrm>
+          <a:prstGeom prst="rect">
+            <a:avLst/>
+          </a:prstGeom>
+          <a:noFill/>
+        </p:spPr>
+        <p:txBody>
+          <a:bodyPr wrap="square" rtlCol="0">
+            <a:spAutoFit/>
+          </a:bodyPr>
+          <a:lstStyle/>
+          <a:p>
+            <a:r>
+              <a:rPr lang="en-US" dirty="0">
+                <a:solidFill>
+                  <a:schemeClr val="tx1">
+                    <a:lumMod val="75000"/>
+                    <a:lumOff val="25000"/>
+                  </a:schemeClr>
+                </a:solidFill>
+              </a:rPr>
+              <a:t>r value: 0.3518</a:t>
+            </a:r>
+          </a:p>
+        </p:txBody>
+      </p:sp>
+      <p:sp>
+        <p:nvSpPr>
+          <p:cNvPr id="10" name="TextBox 9">
+            <a:extLst>
+              <a:ext uri="{FF2B5EF4-FFF2-40B4-BE49-F238E27FC236}">
+                <a16:creationId xmlns:a16="http://schemas.microsoft.com/office/drawing/2014/main" id="{03110C20-0CF7-4E19-B94A-FAFFDE63F0E0}"/>
+              </a:ext>
+            </a:extLst>
+          </p:cNvPr>
+          <p:cNvSpPr txBox="1"/>
+          <p:nvPr/>
+        </p:nvSpPr>
+        <p:spPr>
+          <a:xfrm>
+            <a:off x="4975668" y="2153330"/>
+            <a:ext cx="5327281" cy="2308324"/>
+          </a:xfrm>
+          <a:prstGeom prst="rect">
+            <a:avLst/>
+          </a:prstGeom>
+          <a:noFill/>
+        </p:spPr>
+        <p:txBody>
+          <a:bodyPr wrap="square" rtlCol="0">
+            <a:spAutoFit/>
+          </a:bodyPr>
+          <a:lstStyle/>
+          <a:p>
+            <a:r>
+              <a:rPr lang="en-US" sz="1600" dirty="0">
+                <a:solidFill>
+                  <a:schemeClr val="tx1">
+                    <a:lumMod val="65000"/>
+                    <a:lumOff val="35000"/>
+                  </a:schemeClr>
+                </a:solidFill>
+              </a:rPr>
+              <a:t>Surprisingly, alcohol consumption has a positive correlation with the happiness score. Alcohol consumption has always been linked to be used to cope with pain and despair. It is also linked to crime, violence, accidents and death.</a:t>
+            </a:r>
+          </a:p>
+          <a:p>
+            <a:endParaRPr lang="en-US" sz="1600" dirty="0">
+              <a:solidFill>
+                <a:schemeClr val="tx1">
+                  <a:lumMod val="65000"/>
+                  <a:lumOff val="35000"/>
+                </a:schemeClr>
+              </a:solidFill>
+            </a:endParaRPr>
+          </a:p>
+          <a:p>
+            <a:r>
+              <a:rPr lang="en-US" sz="1600" dirty="0">
+                <a:solidFill>
+                  <a:schemeClr val="tx1">
+                    <a:lumMod val="65000"/>
+                    <a:lumOff val="35000"/>
+                  </a:schemeClr>
+                </a:solidFill>
+              </a:rPr>
+              <a:t>However, in this graph we can see that residents of happy countries </a:t>
+            </a:r>
+            <a:r>
+              <a:rPr lang="en-US" sz="1600" i="1" u="sng" dirty="0">
+                <a:solidFill>
+                  <a:schemeClr val="tx1">
+                    <a:lumMod val="65000"/>
+                    <a:lumOff val="35000"/>
+                  </a:schemeClr>
+                </a:solidFill>
+              </a:rPr>
+              <a:t>probably</a:t>
+            </a:r>
+            <a:r>
+              <a:rPr lang="en-US" sz="1600" dirty="0">
+                <a:solidFill>
+                  <a:schemeClr val="tx1">
+                    <a:lumMod val="65000"/>
+                    <a:lumOff val="35000"/>
+                  </a:schemeClr>
+                </a:solidFill>
+              </a:rPr>
+              <a:t> consume alcohol for reasons like pleasure, indulgence and celebration.</a:t>
+            </a:r>
+          </a:p>
+        </p:txBody>
+      </p:sp>
     </p:spTree>
     <p:extLst>
       <p:ext uri="{BB962C8B-B14F-4D97-AF65-F5344CB8AC3E}">
-        <p14:creationId xmlns:p14="http://schemas.microsoft.com/office/powerpoint/2010/main" val="427924179"/>
+        <p14:creationId xmlns:p14="http://schemas.microsoft.com/office/powerpoint/2010/main" val="3949091215"/>
       </p:ext>
     </p:extLst>
   </p:cSld>
@@ -12055,12 +12154,7 @@
             <p:ph type="title"/>
           </p:nvPr>
         </p:nvSpPr>
-        <p:spPr>
-          <a:xfrm>
-            <a:off x="422152" y="361507"/>
-            <a:ext cx="8596668" cy="1320800"/>
-          </a:xfrm>
-        </p:spPr>
+        <p:spPr/>
         <p:txBody>
           <a:bodyPr>
             <a:normAutofit/>
@@ -12076,17 +12170,17 @@
             </a:br>
             <a:r>
               <a:rPr lang="en-US" sz="2200" dirty="0"/>
-              <a:t>Correlation between happiness score and disaster rate, internet access rate and sleeping.</a:t>
+              <a:t>Is there a relationship between Happiness and Education Index? </a:t>
             </a:r>
           </a:p>
         </p:txBody>
       </p:sp>
       <p:pic>
         <p:nvPicPr>
-          <p:cNvPr id="7" name="Content Placeholder 6" descr="A close up of text on a white background&#10;&#10;Description automatically generated">
+          <p:cNvPr id="6" name="Content Placeholder 5">
             <a:extLst>
               <a:ext uri="{FF2B5EF4-FFF2-40B4-BE49-F238E27FC236}">
-                <a16:creationId xmlns:a16="http://schemas.microsoft.com/office/drawing/2014/main" id="{8768A866-C8BA-49D3-923E-7C4637B7E53D}"/>
+                <a16:creationId xmlns:a16="http://schemas.microsoft.com/office/drawing/2014/main" id="{22A86572-9D15-4649-9363-6B5A6CE88C1E}"/>
               </a:ext>
             </a:extLst>
           </p:cNvPr>
@@ -12105,9 +12199,12 @@
         </p:blipFill>
         <p:spPr>
           <a:xfrm>
-            <a:off x="3035300" y="2160588"/>
-            <a:ext cx="3881437" cy="3881437"/>
+            <a:off x="818799" y="1930400"/>
+            <a:ext cx="4355085" cy="3015870"/>
           </a:xfrm>
+          <a:prstGeom prst="rect">
+            <a:avLst/>
+          </a:prstGeom>
         </p:spPr>
       </p:pic>
       <p:sp>
@@ -12115,7 +12212,7 @@
           <p:cNvPr id="4" name="Date Placeholder 3">
             <a:extLst>
               <a:ext uri="{FF2B5EF4-FFF2-40B4-BE49-F238E27FC236}">
-                <a16:creationId xmlns:a16="http://schemas.microsoft.com/office/drawing/2014/main" id="{C54E478E-DC00-419D-8C89-AA75EFA9E551}"/>
+                <a16:creationId xmlns:a16="http://schemas.microsoft.com/office/drawing/2014/main" id="{E8A222A7-B20C-4D7B-B229-F8CF30F1C82E}"/>
               </a:ext>
             </a:extLst>
           </p:cNvPr>
@@ -12132,9 +12229,10 @@
           <a:lstStyle/>
           <a:p>
             <a:r>
-              <a:rPr lang="en-US" dirty="0"/>
+              <a:rPr lang="en-US"/>
               <a:t>7/29/2019</a:t>
             </a:r>
+            <a:endParaRPr lang="en-US" dirty="0"/>
           </a:p>
         </p:txBody>
       </p:sp>
@@ -12143,7 +12241,7 @@
           <p:cNvPr id="5" name="Slide Number Placeholder 4">
             <a:extLst>
               <a:ext uri="{FF2B5EF4-FFF2-40B4-BE49-F238E27FC236}">
-                <a16:creationId xmlns:a16="http://schemas.microsoft.com/office/drawing/2014/main" id="{896378A3-BD0C-4094-ACA9-C8AF0E3F2025}"/>
+                <a16:creationId xmlns:a16="http://schemas.microsoft.com/office/drawing/2014/main" id="{58EFABF8-241D-4ACD-9BCD-2E06CF513246}"/>
               </a:ext>
             </a:extLst>
           </p:cNvPr>
@@ -12168,10 +12266,150 @@
           </a:p>
         </p:txBody>
       </p:sp>
+      <p:sp>
+        <p:nvSpPr>
+          <p:cNvPr id="8" name="TextBox 7">
+            <a:extLst>
+              <a:ext uri="{FF2B5EF4-FFF2-40B4-BE49-F238E27FC236}">
+                <a16:creationId xmlns:a16="http://schemas.microsoft.com/office/drawing/2014/main" id="{155BA9C9-610E-42F6-8214-B5BCD78C971D}"/>
+              </a:ext>
+            </a:extLst>
+          </p:cNvPr>
+          <p:cNvSpPr txBox="1"/>
+          <p:nvPr/>
+        </p:nvSpPr>
+        <p:spPr>
+          <a:xfrm>
+            <a:off x="4975668" y="2153330"/>
+            <a:ext cx="5327281" cy="2800767"/>
+          </a:xfrm>
+          <a:prstGeom prst="rect">
+            <a:avLst/>
+          </a:prstGeom>
+          <a:noFill/>
+        </p:spPr>
+        <p:txBody>
+          <a:bodyPr wrap="square" rtlCol="0">
+            <a:spAutoFit/>
+          </a:bodyPr>
+          <a:lstStyle/>
+          <a:p>
+            <a:r>
+              <a:rPr lang="en-US" sz="1600" dirty="0">
+                <a:solidFill>
+                  <a:schemeClr val="tx1">
+                    <a:lumMod val="65000"/>
+                    <a:lumOff val="35000"/>
+                  </a:schemeClr>
+                </a:solidFill>
+              </a:rPr>
+              <a:t>This analysis shows that happier nations have a higher Education index than unhappy ones with a strong correlation of 0.76. </a:t>
+            </a:r>
+          </a:p>
+          <a:p>
+            <a:endParaRPr lang="en-US" sz="1600" dirty="0">
+              <a:solidFill>
+                <a:schemeClr val="tx1">
+                  <a:lumMod val="65000"/>
+                  <a:lumOff val="35000"/>
+                </a:schemeClr>
+              </a:solidFill>
+            </a:endParaRPr>
+          </a:p>
+          <a:p>
+            <a:r>
+              <a:rPr lang="en-US" sz="1600" dirty="0">
+                <a:solidFill>
+                  <a:schemeClr val="tx1">
+                    <a:lumMod val="65000"/>
+                    <a:lumOff val="35000"/>
+                  </a:schemeClr>
+                </a:solidFill>
+              </a:rPr>
+              <a:t>We can assume that education is linked to a sense of individual empowerment, community contribution and better job conditions. </a:t>
+            </a:r>
+          </a:p>
+          <a:p>
+            <a:endParaRPr lang="en-US" sz="1600" dirty="0">
+              <a:solidFill>
+                <a:schemeClr val="tx1">
+                  <a:lumMod val="65000"/>
+                  <a:lumOff val="35000"/>
+                </a:schemeClr>
+              </a:solidFill>
+            </a:endParaRPr>
+          </a:p>
+          <a:p>
+            <a:r>
+              <a:rPr lang="en-US" sz="1600" dirty="0">
+                <a:solidFill>
+                  <a:schemeClr val="tx1">
+                    <a:lumMod val="65000"/>
+                    <a:lumOff val="35000"/>
+                  </a:schemeClr>
+                </a:solidFill>
+              </a:rPr>
+              <a:t>All of which contributes to country’s sense of security and well being. </a:t>
+            </a:r>
+          </a:p>
+          <a:p>
+            <a:endParaRPr lang="en-US" sz="1600" dirty="0">
+              <a:solidFill>
+                <a:schemeClr val="tx1">
+                  <a:lumMod val="65000"/>
+                  <a:lumOff val="35000"/>
+                </a:schemeClr>
+              </a:solidFill>
+            </a:endParaRPr>
+          </a:p>
+        </p:txBody>
+      </p:sp>
+      <p:sp>
+        <p:nvSpPr>
+          <p:cNvPr id="9" name="TextBox 8">
+            <a:extLst>
+              <a:ext uri="{FF2B5EF4-FFF2-40B4-BE49-F238E27FC236}">
+                <a16:creationId xmlns:a16="http://schemas.microsoft.com/office/drawing/2014/main" id="{1F7B5F28-4CFF-4EB9-A0F9-035416EA5B2E}"/>
+              </a:ext>
+            </a:extLst>
+          </p:cNvPr>
+          <p:cNvSpPr txBox="1"/>
+          <p:nvPr/>
+        </p:nvSpPr>
+        <p:spPr>
+          <a:xfrm>
+            <a:off x="1329070" y="4927598"/>
+            <a:ext cx="1988288" cy="369332"/>
+          </a:xfrm>
+          <a:prstGeom prst="rect">
+            <a:avLst/>
+          </a:prstGeom>
+          <a:noFill/>
+        </p:spPr>
+        <p:txBody>
+          <a:bodyPr wrap="square" rtlCol="0">
+            <a:spAutoFit/>
+          </a:bodyPr>
+          <a:lstStyle/>
+          <a:p>
+            <a:r>
+              <a:rPr lang="en-US" dirty="0">
+                <a:solidFill>
+                  <a:schemeClr val="tx1">
+                    <a:lumMod val="75000"/>
+                    <a:lumOff val="25000"/>
+                  </a:schemeClr>
+                </a:solidFill>
+              </a:rPr>
+              <a:t>r value: 0.7603</a:t>
+            </a:r>
+          </a:p>
+        </p:txBody>
+      </p:sp>
     </p:spTree>
     <p:extLst>
       <p:ext uri="{BB962C8B-B14F-4D97-AF65-F5344CB8AC3E}">
-        <p14:creationId xmlns:p14="http://schemas.microsoft.com/office/powerpoint/2010/main" val="3103489254"/>
+        <p14:creationId xmlns:p14="http://schemas.microsoft.com/office/powerpoint/2010/main" val="1306680931"/>
       </p:ext>
     </p:extLst>
   </p:cSld>
@@ -12388,7 +12626,7 @@
           <p:cNvPr id="2" name="Title 1">
             <a:extLst>
               <a:ext uri="{FF2B5EF4-FFF2-40B4-BE49-F238E27FC236}">
-                <a16:creationId xmlns:a16="http://schemas.microsoft.com/office/drawing/2014/main" id="{B2BEB5D7-FBE4-462C-A0EF-D425722145A0}"/>
+                <a16:creationId xmlns:a16="http://schemas.microsoft.com/office/drawing/2014/main" id="{60C4DB4B-EE68-4BA2-9DDD-A05453385518}"/>
               </a:ext>
             </a:extLst>
           </p:cNvPr>
@@ -12399,7 +12637,12 @@
             <p:ph type="title"/>
           </p:nvPr>
         </p:nvSpPr>
-        <p:spPr/>
+        <p:spPr>
+          <a:xfrm>
+            <a:off x="677334" y="609600"/>
+            <a:ext cx="8596668" cy="609600"/>
+          </a:xfrm>
+        </p:spPr>
         <p:txBody>
           <a:bodyPr>
             <a:normAutofit/>
@@ -12407,15 +12650,8 @@
           <a:lstStyle/>
           <a:p>
             <a:r>
-              <a:rPr lang="en-US" dirty="0"/>
-              <a:t>Variable Analysis</a:t>
-            </a:r>
-            <a:br>
-              <a:rPr lang="en-US" dirty="0"/>
-            </a:br>
-            <a:r>
-              <a:rPr lang="en-US" sz="2200" dirty="0"/>
-              <a:t>Is there a relationship between Happiness and Disaster Risk, Internet access rate and Average Sleeping</a:t>
+              <a:rPr lang="en-US" sz="3200" dirty="0"/>
+              <a:t>Internet access level throughout the world</a:t>
             </a:r>
           </a:p>
         </p:txBody>
@@ -12425,7 +12661,7 @@
           <p:cNvPr id="7" name="Content Placeholder 6" descr="A close up of a map&#10;&#10;Description automatically generated">
             <a:extLst>
               <a:ext uri="{FF2B5EF4-FFF2-40B4-BE49-F238E27FC236}">
-                <a16:creationId xmlns:a16="http://schemas.microsoft.com/office/drawing/2014/main" id="{40DDE0C9-937B-4C0E-A7A6-EC5CEF55D82A}"/>
+                <a16:creationId xmlns:a16="http://schemas.microsoft.com/office/drawing/2014/main" id="{26256857-6956-40F4-8381-DE539C05221A}"/>
               </a:ext>
             </a:extLst>
           </p:cNvPr>
@@ -12444,8 +12680,8 @@
         </p:blipFill>
         <p:spPr>
           <a:xfrm>
-            <a:off x="1732756" y="2159925"/>
-            <a:ext cx="4657724" cy="3881437"/>
+            <a:off x="811985" y="1689562"/>
+            <a:ext cx="7827326" cy="3881437"/>
           </a:xfrm>
         </p:spPr>
       </p:pic>
@@ -12454,7 +12690,7 @@
           <p:cNvPr id="4" name="Date Placeholder 3">
             <a:extLst>
               <a:ext uri="{FF2B5EF4-FFF2-40B4-BE49-F238E27FC236}">
-                <a16:creationId xmlns:a16="http://schemas.microsoft.com/office/drawing/2014/main" id="{F818E91A-952D-4A9D-9763-F2C38F2777CE}"/>
+                <a16:creationId xmlns:a16="http://schemas.microsoft.com/office/drawing/2014/main" id="{29BC6CCB-75DC-45EB-90C5-FC9680384F56}"/>
               </a:ext>
             </a:extLst>
           </p:cNvPr>
@@ -12483,7 +12719,7 @@
           <p:cNvPr id="5" name="Slide Number Placeholder 4">
             <a:extLst>
               <a:ext uri="{FF2B5EF4-FFF2-40B4-BE49-F238E27FC236}">
-                <a16:creationId xmlns:a16="http://schemas.microsoft.com/office/drawing/2014/main" id="{FCD5EB3D-B069-4967-8CBA-80BB4781BEF2}"/>
+                <a16:creationId xmlns:a16="http://schemas.microsoft.com/office/drawing/2014/main" id="{8C0B7B00-1B13-43A3-9541-C8F52349A82F}"/>
               </a:ext>
             </a:extLst>
           </p:cNvPr>
@@ -12511,7 +12747,7 @@
     </p:spTree>
     <p:extLst>
       <p:ext uri="{BB962C8B-B14F-4D97-AF65-F5344CB8AC3E}">
-        <p14:creationId xmlns:p14="http://schemas.microsoft.com/office/powerpoint/2010/main" val="1010352627"/>
+        <p14:creationId xmlns:p14="http://schemas.microsoft.com/office/powerpoint/2010/main" val="427924179"/>
       </p:ext>
     </p:extLst>
   </p:cSld>
@@ -12554,6 +12790,320 @@
             <p:ph type="title"/>
           </p:nvPr>
         </p:nvSpPr>
+        <p:spPr>
+          <a:xfrm>
+            <a:off x="422152" y="361507"/>
+            <a:ext cx="8596668" cy="1320800"/>
+          </a:xfrm>
+        </p:spPr>
+        <p:txBody>
+          <a:bodyPr>
+            <a:normAutofit/>
+          </a:bodyPr>
+          <a:lstStyle/>
+          <a:p>
+            <a:r>
+              <a:rPr lang="en-US" dirty="0"/>
+              <a:t>Variable Analysis</a:t>
+            </a:r>
+            <a:br>
+              <a:rPr lang="en-US" dirty="0"/>
+            </a:br>
+            <a:r>
+              <a:rPr lang="en-US" sz="2200" dirty="0"/>
+              <a:t>Correlation between happiness score and disaster rate, internet access rate and sleeping.</a:t>
+            </a:r>
+          </a:p>
+        </p:txBody>
+      </p:sp>
+      <p:pic>
+        <p:nvPicPr>
+          <p:cNvPr id="7" name="Content Placeholder 6" descr="A close up of text on a white background&#10;&#10;Description automatically generated">
+            <a:extLst>
+              <a:ext uri="{FF2B5EF4-FFF2-40B4-BE49-F238E27FC236}">
+                <a16:creationId xmlns:a16="http://schemas.microsoft.com/office/drawing/2014/main" id="{8768A866-C8BA-49D3-923E-7C4637B7E53D}"/>
+              </a:ext>
+            </a:extLst>
+          </p:cNvPr>
+          <p:cNvPicPr>
+            <a:picLocks noGrp="1" noChangeAspect="1"/>
+          </p:cNvPicPr>
+          <p:nvPr>
+            <p:ph idx="1"/>
+          </p:nvPr>
+        </p:nvPicPr>
+        <p:blipFill>
+          <a:blip r:embed="rId2"/>
+          <a:stretch>
+            <a:fillRect/>
+          </a:stretch>
+        </p:blipFill>
+        <p:spPr>
+          <a:xfrm>
+            <a:off x="3035300" y="2160588"/>
+            <a:ext cx="3881437" cy="3881437"/>
+          </a:xfrm>
+        </p:spPr>
+      </p:pic>
+      <p:sp>
+        <p:nvSpPr>
+          <p:cNvPr id="4" name="Date Placeholder 3">
+            <a:extLst>
+              <a:ext uri="{FF2B5EF4-FFF2-40B4-BE49-F238E27FC236}">
+                <a16:creationId xmlns:a16="http://schemas.microsoft.com/office/drawing/2014/main" id="{C54E478E-DC00-419D-8C89-AA75EFA9E551}"/>
+              </a:ext>
+            </a:extLst>
+          </p:cNvPr>
+          <p:cNvSpPr>
+            <a:spLocks noGrp="1"/>
+          </p:cNvSpPr>
+          <p:nvPr>
+            <p:ph type="dt" sz="half" idx="10"/>
+          </p:nvPr>
+        </p:nvSpPr>
+        <p:spPr/>
+        <p:txBody>
+          <a:bodyPr/>
+          <a:lstStyle/>
+          <a:p>
+            <a:r>
+              <a:rPr lang="en-US" dirty="0"/>
+              <a:t>7/29/2019</a:t>
+            </a:r>
+          </a:p>
+        </p:txBody>
+      </p:sp>
+      <p:sp>
+        <p:nvSpPr>
+          <p:cNvPr id="5" name="Slide Number Placeholder 4">
+            <a:extLst>
+              <a:ext uri="{FF2B5EF4-FFF2-40B4-BE49-F238E27FC236}">
+                <a16:creationId xmlns:a16="http://schemas.microsoft.com/office/drawing/2014/main" id="{896378A3-BD0C-4094-ACA9-C8AF0E3F2025}"/>
+              </a:ext>
+            </a:extLst>
+          </p:cNvPr>
+          <p:cNvSpPr>
+            <a:spLocks noGrp="1"/>
+          </p:cNvSpPr>
+          <p:nvPr>
+            <p:ph type="sldNum" sz="quarter" idx="12"/>
+          </p:nvPr>
+        </p:nvSpPr>
+        <p:spPr/>
+        <p:txBody>
+          <a:bodyPr/>
+          <a:lstStyle/>
+          <a:p>
+            <a:fld id="{D57F1E4F-1CFF-5643-939E-217C01CDF565}" type="slidenum">
+              <a:rPr lang="en-US" smtClean="0"/>
+              <a:pPr/>
+              <a:t>21</a:t>
+            </a:fld>
+            <a:endParaRPr lang="en-US" dirty="0"/>
+          </a:p>
+        </p:txBody>
+      </p:sp>
+    </p:spTree>
+    <p:extLst>
+      <p:ext uri="{BB962C8B-B14F-4D97-AF65-F5344CB8AC3E}">
+        <p14:creationId xmlns:p14="http://schemas.microsoft.com/office/powerpoint/2010/main" val="3103489254"/>
+      </p:ext>
+    </p:extLst>
+  </p:cSld>
+  <p:clrMapOvr>
+    <a:masterClrMapping/>
+  </p:clrMapOvr>
+</p:sld>
+</file>
+
+<file path=ppt/slides/slide22.xml><?xml version="1.0" encoding="utf-8"?>
+<p:sld xmlns:a="http://schemas.openxmlformats.org/drawingml/2006/main" xmlns:r="http://schemas.openxmlformats.org/officeDocument/2006/relationships" xmlns:p="http://schemas.openxmlformats.org/presentationml/2006/main">
+  <p:cSld>
+    <p:spTree>
+      <p:nvGrpSpPr>
+        <p:cNvPr id="1" name=""/>
+        <p:cNvGrpSpPr/>
+        <p:nvPr/>
+      </p:nvGrpSpPr>
+      <p:grpSpPr>
+        <a:xfrm>
+          <a:off x="0" y="0"/>
+          <a:ext cx="0" cy="0"/>
+          <a:chOff x="0" y="0"/>
+          <a:chExt cx="0" cy="0"/>
+        </a:xfrm>
+      </p:grpSpPr>
+      <p:sp>
+        <p:nvSpPr>
+          <p:cNvPr id="2" name="Title 1">
+            <a:extLst>
+              <a:ext uri="{FF2B5EF4-FFF2-40B4-BE49-F238E27FC236}">
+                <a16:creationId xmlns:a16="http://schemas.microsoft.com/office/drawing/2014/main" id="{B2BEB5D7-FBE4-462C-A0EF-D425722145A0}"/>
+              </a:ext>
+            </a:extLst>
+          </p:cNvPr>
+          <p:cNvSpPr>
+            <a:spLocks noGrp="1"/>
+          </p:cNvSpPr>
+          <p:nvPr>
+            <p:ph type="title"/>
+          </p:nvPr>
+        </p:nvSpPr>
+        <p:spPr/>
+        <p:txBody>
+          <a:bodyPr>
+            <a:normAutofit/>
+          </a:bodyPr>
+          <a:lstStyle/>
+          <a:p>
+            <a:r>
+              <a:rPr lang="en-US" dirty="0"/>
+              <a:t>Variable Analysis</a:t>
+            </a:r>
+            <a:br>
+              <a:rPr lang="en-US" dirty="0"/>
+            </a:br>
+            <a:r>
+              <a:rPr lang="en-US" sz="2200" dirty="0"/>
+              <a:t>Is there a relationship between Happiness and Disaster Risk, Internet access rate and Average Sleeping?</a:t>
+            </a:r>
+          </a:p>
+        </p:txBody>
+      </p:sp>
+      <p:pic>
+        <p:nvPicPr>
+          <p:cNvPr id="7" name="Content Placeholder 6" descr="A close up of a map&#10;&#10;Description automatically generated">
+            <a:extLst>
+              <a:ext uri="{FF2B5EF4-FFF2-40B4-BE49-F238E27FC236}">
+                <a16:creationId xmlns:a16="http://schemas.microsoft.com/office/drawing/2014/main" id="{40DDE0C9-937B-4C0E-A7A6-EC5CEF55D82A}"/>
+              </a:ext>
+            </a:extLst>
+          </p:cNvPr>
+          <p:cNvPicPr>
+            <a:picLocks noGrp="1" noChangeAspect="1"/>
+          </p:cNvPicPr>
+          <p:nvPr>
+            <p:ph idx="1"/>
+          </p:nvPr>
+        </p:nvPicPr>
+        <p:blipFill>
+          <a:blip r:embed="rId2"/>
+          <a:stretch>
+            <a:fillRect/>
+          </a:stretch>
+        </p:blipFill>
+        <p:spPr>
+          <a:xfrm>
+            <a:off x="1732756" y="2159925"/>
+            <a:ext cx="4657724" cy="3881437"/>
+          </a:xfrm>
+        </p:spPr>
+      </p:pic>
+      <p:sp>
+        <p:nvSpPr>
+          <p:cNvPr id="4" name="Date Placeholder 3">
+            <a:extLst>
+              <a:ext uri="{FF2B5EF4-FFF2-40B4-BE49-F238E27FC236}">
+                <a16:creationId xmlns:a16="http://schemas.microsoft.com/office/drawing/2014/main" id="{F818E91A-952D-4A9D-9763-F2C38F2777CE}"/>
+              </a:ext>
+            </a:extLst>
+          </p:cNvPr>
+          <p:cNvSpPr>
+            <a:spLocks noGrp="1"/>
+          </p:cNvSpPr>
+          <p:nvPr>
+            <p:ph type="dt" sz="half" idx="10"/>
+          </p:nvPr>
+        </p:nvSpPr>
+        <p:spPr/>
+        <p:txBody>
+          <a:bodyPr/>
+          <a:lstStyle/>
+          <a:p>
+            <a:r>
+              <a:rPr lang="en-US"/>
+              <a:t>7/29/2019</a:t>
+            </a:r>
+            <a:endParaRPr lang="en-US" dirty="0"/>
+          </a:p>
+        </p:txBody>
+      </p:sp>
+      <p:sp>
+        <p:nvSpPr>
+          <p:cNvPr id="5" name="Slide Number Placeholder 4">
+            <a:extLst>
+              <a:ext uri="{FF2B5EF4-FFF2-40B4-BE49-F238E27FC236}">
+                <a16:creationId xmlns:a16="http://schemas.microsoft.com/office/drawing/2014/main" id="{FCD5EB3D-B069-4967-8CBA-80BB4781BEF2}"/>
+              </a:ext>
+            </a:extLst>
+          </p:cNvPr>
+          <p:cNvSpPr>
+            <a:spLocks noGrp="1"/>
+          </p:cNvSpPr>
+          <p:nvPr>
+            <p:ph type="sldNum" sz="quarter" idx="12"/>
+          </p:nvPr>
+        </p:nvSpPr>
+        <p:spPr/>
+        <p:txBody>
+          <a:bodyPr/>
+          <a:lstStyle/>
+          <a:p>
+            <a:fld id="{D57F1E4F-1CFF-5643-939E-217C01CDF565}" type="slidenum">
+              <a:rPr lang="en-US" smtClean="0"/>
+              <a:pPr/>
+              <a:t>22</a:t>
+            </a:fld>
+            <a:endParaRPr lang="en-US" dirty="0"/>
+          </a:p>
+        </p:txBody>
+      </p:sp>
+    </p:spTree>
+    <p:extLst>
+      <p:ext uri="{BB962C8B-B14F-4D97-AF65-F5344CB8AC3E}">
+        <p14:creationId xmlns:p14="http://schemas.microsoft.com/office/powerpoint/2010/main" val="1010352627"/>
+      </p:ext>
+    </p:extLst>
+  </p:cSld>
+  <p:clrMapOvr>
+    <a:masterClrMapping/>
+  </p:clrMapOvr>
+</p:sld>
+</file>
+
+<file path=ppt/slides/slide23.xml><?xml version="1.0" encoding="utf-8"?>
+<p:sld xmlns:a="http://schemas.openxmlformats.org/drawingml/2006/main" xmlns:r="http://schemas.openxmlformats.org/officeDocument/2006/relationships" xmlns:p="http://schemas.openxmlformats.org/presentationml/2006/main">
+  <p:cSld>
+    <p:spTree>
+      <p:nvGrpSpPr>
+        <p:cNvPr id="1" name=""/>
+        <p:cNvGrpSpPr/>
+        <p:nvPr/>
+      </p:nvGrpSpPr>
+      <p:grpSpPr>
+        <a:xfrm>
+          <a:off x="0" y="0"/>
+          <a:ext cx="0" cy="0"/>
+          <a:chOff x="0" y="0"/>
+          <a:chExt cx="0" cy="0"/>
+        </a:xfrm>
+      </p:grpSpPr>
+      <p:sp>
+        <p:nvSpPr>
+          <p:cNvPr id="2" name="Title 1">
+            <a:extLst>
+              <a:ext uri="{FF2B5EF4-FFF2-40B4-BE49-F238E27FC236}">
+                <a16:creationId xmlns:a16="http://schemas.microsoft.com/office/drawing/2014/main" id="{B2BEB5D7-FBE4-462C-A0EF-D425722145A0}"/>
+              </a:ext>
+            </a:extLst>
+          </p:cNvPr>
+          <p:cNvSpPr>
+            <a:spLocks noGrp="1"/>
+          </p:cNvSpPr>
+          <p:nvPr>
+            <p:ph type="title"/>
+          </p:nvPr>
+        </p:nvSpPr>
         <p:spPr/>
         <p:txBody>
           <a:bodyPr>
@@ -12628,7 +13178,7 @@
             <a:fld id="{D57F1E4F-1CFF-5643-939E-217C01CDF565}" type="slidenum">
               <a:rPr lang="en-US" smtClean="0"/>
               <a:pPr/>
-              <a:t>21</a:t>
+              <a:t>23</a:t>
             </a:fld>
             <a:endParaRPr lang="en-US" dirty="0"/>
           </a:p>
@@ -12679,624 +13229,6 @@
 </p:sld>
 </file>
 
-<file path=ppt/slides/slide22.xml><?xml version="1.0" encoding="utf-8"?>
-<p:sld xmlns:a="http://schemas.openxmlformats.org/drawingml/2006/main" xmlns:r="http://schemas.openxmlformats.org/officeDocument/2006/relationships" xmlns:p="http://schemas.openxmlformats.org/presentationml/2006/main">
-  <p:cSld>
-    <p:spTree>
-      <p:nvGrpSpPr>
-        <p:cNvPr id="1" name=""/>
-        <p:cNvGrpSpPr/>
-        <p:nvPr/>
-      </p:nvGrpSpPr>
-      <p:grpSpPr>
-        <a:xfrm>
-          <a:off x="0" y="0"/>
-          <a:ext cx="0" cy="0"/>
-          <a:chOff x="0" y="0"/>
-          <a:chExt cx="0" cy="0"/>
-        </a:xfrm>
-      </p:grpSpPr>
-      <p:sp>
-        <p:nvSpPr>
-          <p:cNvPr id="2" name="Title 1">
-            <a:extLst>
-              <a:ext uri="{FF2B5EF4-FFF2-40B4-BE49-F238E27FC236}">
-                <a16:creationId xmlns:a16="http://schemas.microsoft.com/office/drawing/2014/main" id="{CBD7BD3C-95D6-4428-9983-A8EA74421EDD}"/>
-              </a:ext>
-            </a:extLst>
-          </p:cNvPr>
-          <p:cNvSpPr>
-            <a:spLocks noGrp="1"/>
-          </p:cNvSpPr>
-          <p:nvPr>
-            <p:ph type="title"/>
-          </p:nvPr>
-        </p:nvSpPr>
-        <p:spPr>
-          <a:xfrm>
-            <a:off x="677334" y="241300"/>
-            <a:ext cx="8596668" cy="647700"/>
-          </a:xfrm>
-        </p:spPr>
-        <p:txBody>
-          <a:bodyPr/>
-          <a:lstStyle/>
-          <a:p>
-            <a:r>
-              <a:rPr lang="en-US" dirty="0"/>
-              <a:t>Discussion</a:t>
-            </a:r>
-          </a:p>
-        </p:txBody>
-      </p:sp>
-      <p:sp>
-        <p:nvSpPr>
-          <p:cNvPr id="3" name="Content Placeholder 2">
-            <a:extLst>
-              <a:ext uri="{FF2B5EF4-FFF2-40B4-BE49-F238E27FC236}">
-                <a16:creationId xmlns:a16="http://schemas.microsoft.com/office/drawing/2014/main" id="{947669C7-4B40-43A0-9AEB-F1CD2522B8BF}"/>
-              </a:ext>
-            </a:extLst>
-          </p:cNvPr>
-          <p:cNvSpPr>
-            <a:spLocks noGrp="1"/>
-          </p:cNvSpPr>
-          <p:nvPr>
-            <p:ph idx="1"/>
-          </p:nvPr>
-        </p:nvSpPr>
-        <p:spPr>
-          <a:xfrm>
-            <a:off x="798872" y="939799"/>
-            <a:ext cx="8596668" cy="5466687"/>
-          </a:xfrm>
-        </p:spPr>
-        <p:txBody>
-          <a:bodyPr>
-            <a:normAutofit fontScale="55000" lnSpcReduction="20000"/>
-          </a:bodyPr>
-          <a:lstStyle/>
-          <a:p>
-            <a:r>
-              <a:rPr lang="en-US" sz="2900" dirty="0">
-                <a:solidFill>
-                  <a:schemeClr val="tx1">
-                    <a:lumMod val="65000"/>
-                    <a:lumOff val="35000"/>
-                  </a:schemeClr>
-                </a:solidFill>
-              </a:rPr>
-              <a:t>We can conclude that higher Happiness Index around the world is concentrated in Europe, The Americas and Oceania, leaving Africa and Asia with the lower scores.</a:t>
-            </a:r>
-          </a:p>
-          <a:p>
-            <a:pPr marL="0" indent="0">
-              <a:buNone/>
-            </a:pPr>
-            <a:endParaRPr lang="en-US" sz="2900" dirty="0">
-              <a:solidFill>
-                <a:schemeClr val="tx1">
-                  <a:lumMod val="65000"/>
-                  <a:lumOff val="35000"/>
-                </a:schemeClr>
-              </a:solidFill>
-            </a:endParaRPr>
-          </a:p>
-          <a:p>
-            <a:r>
-              <a:rPr lang="en-US" sz="2900" dirty="0">
-                <a:solidFill>
-                  <a:schemeClr val="tx1">
-                    <a:lumMod val="65000"/>
-                    <a:lumOff val="35000"/>
-                  </a:schemeClr>
-                </a:solidFill>
-              </a:rPr>
-              <a:t>Finland, Norway, Denmark, Iceland and Switzerland are the countries with the higher Happiness Index score in the world. And they have consistently ranked at this level for 2015 to 2018. </a:t>
-            </a:r>
-          </a:p>
-          <a:p>
-            <a:endParaRPr lang="en-US" sz="2900" dirty="0">
-              <a:solidFill>
-                <a:schemeClr val="tx1">
-                  <a:lumMod val="65000"/>
-                  <a:lumOff val="35000"/>
-                </a:schemeClr>
-              </a:solidFill>
-            </a:endParaRPr>
-          </a:p>
-          <a:p>
-            <a:r>
-              <a:rPr lang="en-US" sz="2900" dirty="0">
-                <a:solidFill>
-                  <a:schemeClr val="tx1">
-                    <a:lumMod val="65000"/>
-                    <a:lumOff val="35000"/>
-                  </a:schemeClr>
-                </a:solidFill>
-              </a:rPr>
-              <a:t>Factors with </a:t>
-            </a:r>
-            <a:r>
-              <a:rPr lang="en-US" sz="2900" b="1" dirty="0">
-                <a:solidFill>
-                  <a:schemeClr val="tx1">
-                    <a:lumMod val="65000"/>
-                    <a:lumOff val="35000"/>
-                  </a:schemeClr>
-                </a:solidFill>
-              </a:rPr>
-              <a:t>high correlation </a:t>
-            </a:r>
-            <a:r>
-              <a:rPr lang="en-US" sz="2900" dirty="0">
-                <a:solidFill>
-                  <a:schemeClr val="tx1">
-                    <a:lumMod val="65000"/>
-                    <a:lumOff val="35000"/>
-                  </a:schemeClr>
-                </a:solidFill>
-              </a:rPr>
-              <a:t>to country happiness index:</a:t>
-            </a:r>
-          </a:p>
-          <a:p>
-            <a:pPr lvl="1"/>
-            <a:r>
-              <a:rPr lang="en-US" sz="2900" dirty="0">
-                <a:solidFill>
-                  <a:schemeClr val="tx1">
-                    <a:lumMod val="65000"/>
-                    <a:lumOff val="35000"/>
-                  </a:schemeClr>
-                </a:solidFill>
-              </a:rPr>
-              <a:t>GDP, Education Level, Access to Internet, ??????</a:t>
-            </a:r>
-          </a:p>
-          <a:p>
-            <a:pPr lvl="1"/>
-            <a:endParaRPr lang="en-US" sz="2900" dirty="0">
-              <a:solidFill>
-                <a:schemeClr val="tx1">
-                  <a:lumMod val="65000"/>
-                  <a:lumOff val="35000"/>
-                </a:schemeClr>
-              </a:solidFill>
-            </a:endParaRPr>
-          </a:p>
-          <a:p>
-            <a:r>
-              <a:rPr lang="en-US" sz="2900" dirty="0">
-                <a:solidFill>
-                  <a:schemeClr val="tx1">
-                    <a:lumMod val="65000"/>
-                    <a:lumOff val="35000"/>
-                  </a:schemeClr>
-                </a:solidFill>
-              </a:rPr>
-              <a:t>Factors with </a:t>
-            </a:r>
-            <a:r>
-              <a:rPr lang="en-US" sz="2900" b="1" dirty="0">
-                <a:solidFill>
-                  <a:schemeClr val="tx1">
-                    <a:lumMod val="65000"/>
-                    <a:lumOff val="35000"/>
-                  </a:schemeClr>
-                </a:solidFill>
-              </a:rPr>
-              <a:t>some correlation </a:t>
-            </a:r>
-            <a:r>
-              <a:rPr lang="en-US" sz="2900" dirty="0">
-                <a:solidFill>
-                  <a:schemeClr val="tx1">
-                    <a:lumMod val="65000"/>
-                    <a:lumOff val="35000"/>
-                  </a:schemeClr>
-                </a:solidFill>
-              </a:rPr>
-              <a:t>to country happiness index:</a:t>
-            </a:r>
-          </a:p>
-          <a:p>
-            <a:pPr lvl="1"/>
-            <a:r>
-              <a:rPr lang="en-US" sz="2900" dirty="0">
-                <a:solidFill>
-                  <a:schemeClr val="tx1">
-                    <a:lumMod val="65000"/>
-                    <a:lumOff val="35000"/>
-                  </a:schemeClr>
-                </a:solidFill>
-              </a:rPr>
-              <a:t>Median age, Alcohol Consumption, Disaster Risk rate and Average Hours of Sleep</a:t>
-            </a:r>
-          </a:p>
-          <a:p>
-            <a:pPr marL="457200" lvl="1" indent="0">
-              <a:buNone/>
-            </a:pPr>
-            <a:endParaRPr lang="en-US" sz="2900" dirty="0">
-              <a:solidFill>
-                <a:schemeClr val="tx1">
-                  <a:lumMod val="65000"/>
-                  <a:lumOff val="35000"/>
-                </a:schemeClr>
-              </a:solidFill>
-            </a:endParaRPr>
-          </a:p>
-          <a:p>
-            <a:r>
-              <a:rPr lang="en-US" sz="2900" dirty="0">
-                <a:solidFill>
-                  <a:schemeClr val="tx1">
-                    <a:lumMod val="65000"/>
-                    <a:lumOff val="35000"/>
-                  </a:schemeClr>
-                </a:solidFill>
-              </a:rPr>
-              <a:t>Factors with </a:t>
-            </a:r>
-            <a:r>
-              <a:rPr lang="en-US" sz="2900" b="1" dirty="0">
-                <a:solidFill>
-                  <a:schemeClr val="tx1">
-                    <a:lumMod val="65000"/>
-                    <a:lumOff val="35000"/>
-                  </a:schemeClr>
-                </a:solidFill>
-              </a:rPr>
-              <a:t>negative correlation </a:t>
-            </a:r>
-            <a:r>
-              <a:rPr lang="en-US" sz="2900" dirty="0">
-                <a:solidFill>
-                  <a:schemeClr val="tx1">
-                    <a:lumMod val="65000"/>
-                    <a:lumOff val="35000"/>
-                  </a:schemeClr>
-                </a:solidFill>
-              </a:rPr>
-              <a:t>to country happiness index:</a:t>
-            </a:r>
-          </a:p>
-          <a:p>
-            <a:pPr lvl="1"/>
-            <a:r>
-              <a:rPr lang="en-US" sz="2900" dirty="0">
-                <a:solidFill>
-                  <a:schemeClr val="tx1">
-                    <a:lumMod val="65000"/>
-                    <a:lumOff val="35000"/>
-                  </a:schemeClr>
-                </a:solidFill>
-              </a:rPr>
-              <a:t>?????????</a:t>
-            </a:r>
-            <a:br>
-              <a:rPr lang="en-US" sz="2900" dirty="0">
-                <a:solidFill>
-                  <a:schemeClr val="tx1">
-                    <a:lumMod val="65000"/>
-                    <a:lumOff val="35000"/>
-                  </a:schemeClr>
-                </a:solidFill>
-              </a:rPr>
-            </a:br>
-            <a:r>
-              <a:rPr lang="en-US" sz="2900" dirty="0">
-                <a:solidFill>
-                  <a:schemeClr val="tx1">
-                    <a:lumMod val="65000"/>
-                    <a:lumOff val="35000"/>
-                  </a:schemeClr>
-                </a:solidFill>
-              </a:rPr>
-              <a:t>	</a:t>
-            </a:r>
-          </a:p>
-          <a:p>
-            <a:r>
-              <a:rPr lang="en-US" sz="2900" dirty="0">
-                <a:solidFill>
-                  <a:schemeClr val="tx1">
-                    <a:lumMod val="65000"/>
-                    <a:lumOff val="35000"/>
-                  </a:schemeClr>
-                </a:solidFill>
-              </a:rPr>
-              <a:t>Factors with </a:t>
-            </a:r>
-            <a:r>
-              <a:rPr lang="en-US" sz="2900" b="1" dirty="0">
-                <a:solidFill>
-                  <a:schemeClr val="tx1">
-                    <a:lumMod val="65000"/>
-                    <a:lumOff val="35000"/>
-                  </a:schemeClr>
-                </a:solidFill>
-              </a:rPr>
-              <a:t>no correlation </a:t>
-            </a:r>
-            <a:r>
-              <a:rPr lang="en-US" sz="2900" dirty="0">
-                <a:solidFill>
-                  <a:schemeClr val="tx1">
-                    <a:lumMod val="65000"/>
-                    <a:lumOff val="35000"/>
-                  </a:schemeClr>
-                </a:solidFill>
-              </a:rPr>
-              <a:t>to country happiness index:</a:t>
-            </a:r>
-          </a:p>
-          <a:p>
-            <a:pPr lvl="1"/>
-            <a:r>
-              <a:rPr lang="en-US" sz="2900" dirty="0">
-                <a:solidFill>
-                  <a:schemeClr val="tx1">
-                    <a:lumMod val="65000"/>
-                    <a:lumOff val="35000"/>
-                  </a:schemeClr>
-                </a:solidFill>
-              </a:rPr>
-              <a:t>????????, ????????</a:t>
-            </a:r>
-          </a:p>
-          <a:p>
-            <a:endParaRPr lang="en-US" dirty="0"/>
-          </a:p>
-          <a:p>
-            <a:endParaRPr lang="en-US" dirty="0"/>
-          </a:p>
-        </p:txBody>
-      </p:sp>
-      <p:sp>
-        <p:nvSpPr>
-          <p:cNvPr id="4" name="Date Placeholder 3">
-            <a:extLst>
-              <a:ext uri="{FF2B5EF4-FFF2-40B4-BE49-F238E27FC236}">
-                <a16:creationId xmlns:a16="http://schemas.microsoft.com/office/drawing/2014/main" id="{C4ED3B52-CF4F-4420-9626-2DFDCF8C1D10}"/>
-              </a:ext>
-            </a:extLst>
-          </p:cNvPr>
-          <p:cNvSpPr>
-            <a:spLocks noGrp="1"/>
-          </p:cNvSpPr>
-          <p:nvPr>
-            <p:ph type="dt" sz="half" idx="10"/>
-          </p:nvPr>
-        </p:nvSpPr>
-        <p:spPr/>
-        <p:txBody>
-          <a:bodyPr/>
-          <a:lstStyle/>
-          <a:p>
-            <a:r>
-              <a:rPr lang="en-US"/>
-              <a:t>7/29/2019</a:t>
-            </a:r>
-            <a:endParaRPr lang="en-US" dirty="0"/>
-          </a:p>
-        </p:txBody>
-      </p:sp>
-      <p:sp>
-        <p:nvSpPr>
-          <p:cNvPr id="5" name="Slide Number Placeholder 4">
-            <a:extLst>
-              <a:ext uri="{FF2B5EF4-FFF2-40B4-BE49-F238E27FC236}">
-                <a16:creationId xmlns:a16="http://schemas.microsoft.com/office/drawing/2014/main" id="{B7E3EA7A-8014-47E4-AA8D-588A7515DE35}"/>
-              </a:ext>
-            </a:extLst>
-          </p:cNvPr>
-          <p:cNvSpPr>
-            <a:spLocks noGrp="1"/>
-          </p:cNvSpPr>
-          <p:nvPr>
-            <p:ph type="sldNum" sz="quarter" idx="12"/>
-          </p:nvPr>
-        </p:nvSpPr>
-        <p:spPr/>
-        <p:txBody>
-          <a:bodyPr/>
-          <a:lstStyle/>
-          <a:p>
-            <a:fld id="{D57F1E4F-1CFF-5643-939E-217C01CDF565}" type="slidenum">
-              <a:rPr lang="en-US" smtClean="0"/>
-              <a:pPr/>
-              <a:t>22</a:t>
-            </a:fld>
-            <a:endParaRPr lang="en-US" dirty="0"/>
-          </a:p>
-        </p:txBody>
-      </p:sp>
-    </p:spTree>
-    <p:extLst>
-      <p:ext uri="{BB962C8B-B14F-4D97-AF65-F5344CB8AC3E}">
-        <p14:creationId xmlns:p14="http://schemas.microsoft.com/office/powerpoint/2010/main" val="4106366902"/>
-      </p:ext>
-    </p:extLst>
-  </p:cSld>
-  <p:clrMapOvr>
-    <a:masterClrMapping/>
-  </p:clrMapOvr>
-</p:sld>
-</file>
-
-<file path=ppt/slides/slide23.xml><?xml version="1.0" encoding="utf-8"?>
-<p:sld xmlns:a="http://schemas.openxmlformats.org/drawingml/2006/main" xmlns:r="http://schemas.openxmlformats.org/officeDocument/2006/relationships" xmlns:p="http://schemas.openxmlformats.org/presentationml/2006/main">
-  <p:cSld>
-    <p:spTree>
-      <p:nvGrpSpPr>
-        <p:cNvPr id="1" name=""/>
-        <p:cNvGrpSpPr/>
-        <p:nvPr/>
-      </p:nvGrpSpPr>
-      <p:grpSpPr>
-        <a:xfrm>
-          <a:off x="0" y="0"/>
-          <a:ext cx="0" cy="0"/>
-          <a:chOff x="0" y="0"/>
-          <a:chExt cx="0" cy="0"/>
-        </a:xfrm>
-      </p:grpSpPr>
-      <p:sp>
-        <p:nvSpPr>
-          <p:cNvPr id="2" name="Title 1">
-            <a:extLst>
-              <a:ext uri="{FF2B5EF4-FFF2-40B4-BE49-F238E27FC236}">
-                <a16:creationId xmlns:a16="http://schemas.microsoft.com/office/drawing/2014/main" id="{4CD2B565-B36B-48B8-A2E1-F60402A1EFF0}"/>
-              </a:ext>
-            </a:extLst>
-          </p:cNvPr>
-          <p:cNvSpPr>
-            <a:spLocks noGrp="1"/>
-          </p:cNvSpPr>
-          <p:nvPr>
-            <p:ph type="title"/>
-          </p:nvPr>
-        </p:nvSpPr>
-        <p:spPr/>
-        <p:txBody>
-          <a:bodyPr/>
-          <a:lstStyle/>
-          <a:p>
-            <a:r>
-              <a:rPr lang="en-US" dirty="0" err="1"/>
-              <a:t>Followups</a:t>
-            </a:r>
-            <a:endParaRPr lang="en-US" dirty="0"/>
-          </a:p>
-        </p:txBody>
-      </p:sp>
-      <p:sp>
-        <p:nvSpPr>
-          <p:cNvPr id="3" name="Content Placeholder 2">
-            <a:extLst>
-              <a:ext uri="{FF2B5EF4-FFF2-40B4-BE49-F238E27FC236}">
-                <a16:creationId xmlns:a16="http://schemas.microsoft.com/office/drawing/2014/main" id="{890CD028-DB36-4934-ACCB-1B77EB261BC1}"/>
-              </a:ext>
-            </a:extLst>
-          </p:cNvPr>
-          <p:cNvSpPr>
-            <a:spLocks noGrp="1"/>
-          </p:cNvSpPr>
-          <p:nvPr>
-            <p:ph idx="1"/>
-          </p:nvPr>
-        </p:nvSpPr>
-        <p:spPr/>
-        <p:txBody>
-          <a:bodyPr/>
-          <a:lstStyle/>
-          <a:p>
-            <a:r>
-              <a:rPr lang="en-US" dirty="0"/>
-              <a:t>Further analysis</a:t>
-            </a:r>
-          </a:p>
-          <a:p>
-            <a:r>
-              <a:rPr lang="en-US" dirty="0" err="1"/>
-              <a:t>Knn</a:t>
-            </a:r>
-            <a:endParaRPr lang="en-US" dirty="0"/>
-          </a:p>
-          <a:p>
-            <a:r>
-              <a:rPr lang="en-US" dirty="0"/>
-              <a:t>Seeing how variables relate to each other</a:t>
-            </a:r>
-          </a:p>
-          <a:p>
-            <a:r>
-              <a:rPr lang="en-US" dirty="0"/>
-              <a:t>Other measures of happiness</a:t>
-            </a:r>
-          </a:p>
-          <a:p>
-            <a:r>
-              <a:rPr lang="en-US" dirty="0"/>
-              <a:t>Happiness measure for major cities</a:t>
-            </a:r>
-          </a:p>
-        </p:txBody>
-      </p:sp>
-      <p:sp>
-        <p:nvSpPr>
-          <p:cNvPr id="4" name="Date Placeholder 3">
-            <a:extLst>
-              <a:ext uri="{FF2B5EF4-FFF2-40B4-BE49-F238E27FC236}">
-                <a16:creationId xmlns:a16="http://schemas.microsoft.com/office/drawing/2014/main" id="{A0DA176E-6A9B-4D6C-ADD8-4EE4ACF70F54}"/>
-              </a:ext>
-            </a:extLst>
-          </p:cNvPr>
-          <p:cNvSpPr>
-            <a:spLocks noGrp="1"/>
-          </p:cNvSpPr>
-          <p:nvPr>
-            <p:ph type="dt" sz="half" idx="10"/>
-          </p:nvPr>
-        </p:nvSpPr>
-        <p:spPr/>
-        <p:txBody>
-          <a:bodyPr/>
-          <a:lstStyle/>
-          <a:p>
-            <a:r>
-              <a:rPr lang="en-US"/>
-              <a:t>7/29/2019</a:t>
-            </a:r>
-            <a:endParaRPr lang="en-US" dirty="0"/>
-          </a:p>
-        </p:txBody>
-      </p:sp>
-      <p:sp>
-        <p:nvSpPr>
-          <p:cNvPr id="5" name="Slide Number Placeholder 4">
-            <a:extLst>
-              <a:ext uri="{FF2B5EF4-FFF2-40B4-BE49-F238E27FC236}">
-                <a16:creationId xmlns:a16="http://schemas.microsoft.com/office/drawing/2014/main" id="{B3044782-0388-419C-BBAD-0FADCE3791DC}"/>
-              </a:ext>
-            </a:extLst>
-          </p:cNvPr>
-          <p:cNvSpPr>
-            <a:spLocks noGrp="1"/>
-          </p:cNvSpPr>
-          <p:nvPr>
-            <p:ph type="sldNum" sz="quarter" idx="12"/>
-          </p:nvPr>
-        </p:nvSpPr>
-        <p:spPr/>
-        <p:txBody>
-          <a:bodyPr/>
-          <a:lstStyle/>
-          <a:p>
-            <a:fld id="{D57F1E4F-1CFF-5643-939E-217C01CDF565}" type="slidenum">
-              <a:rPr lang="en-US" smtClean="0"/>
-              <a:pPr/>
-              <a:t>23</a:t>
-            </a:fld>
-            <a:endParaRPr lang="en-US" dirty="0"/>
-          </a:p>
-        </p:txBody>
-      </p:sp>
-    </p:spTree>
-    <p:extLst>
-      <p:ext uri="{BB962C8B-B14F-4D97-AF65-F5344CB8AC3E}">
-        <p14:creationId xmlns:p14="http://schemas.microsoft.com/office/powerpoint/2010/main" val="1032603621"/>
-      </p:ext>
-    </p:extLst>
-  </p:cSld>
-  <p:clrMapOvr>
-    <a:masterClrMapping/>
-  </p:clrMapOvr>
-</p:sld>
-</file>
-
 <file path=ppt/slides/slide24.xml><?xml version="1.0" encoding="utf-8"?>
 <p:sld xmlns:a="http://schemas.openxmlformats.org/drawingml/2006/main" xmlns:r="http://schemas.openxmlformats.org/officeDocument/2006/relationships" xmlns:p="http://schemas.openxmlformats.org/presentationml/2006/main">
   <p:cSld>
@@ -13319,6 +13251,624 @@
           <p:cNvPr id="2" name="Title 1">
             <a:extLst>
               <a:ext uri="{FF2B5EF4-FFF2-40B4-BE49-F238E27FC236}">
+                <a16:creationId xmlns:a16="http://schemas.microsoft.com/office/drawing/2014/main" id="{CBD7BD3C-95D6-4428-9983-A8EA74421EDD}"/>
+              </a:ext>
+            </a:extLst>
+          </p:cNvPr>
+          <p:cNvSpPr>
+            <a:spLocks noGrp="1"/>
+          </p:cNvSpPr>
+          <p:nvPr>
+            <p:ph type="title"/>
+          </p:nvPr>
+        </p:nvSpPr>
+        <p:spPr>
+          <a:xfrm>
+            <a:off x="677334" y="241300"/>
+            <a:ext cx="8596668" cy="647700"/>
+          </a:xfrm>
+        </p:spPr>
+        <p:txBody>
+          <a:bodyPr/>
+          <a:lstStyle/>
+          <a:p>
+            <a:r>
+              <a:rPr lang="en-US" dirty="0"/>
+              <a:t>Discussion</a:t>
+            </a:r>
+          </a:p>
+        </p:txBody>
+      </p:sp>
+      <p:sp>
+        <p:nvSpPr>
+          <p:cNvPr id="3" name="Content Placeholder 2">
+            <a:extLst>
+              <a:ext uri="{FF2B5EF4-FFF2-40B4-BE49-F238E27FC236}">
+                <a16:creationId xmlns:a16="http://schemas.microsoft.com/office/drawing/2014/main" id="{947669C7-4B40-43A0-9AEB-F1CD2522B8BF}"/>
+              </a:ext>
+            </a:extLst>
+          </p:cNvPr>
+          <p:cNvSpPr>
+            <a:spLocks noGrp="1"/>
+          </p:cNvSpPr>
+          <p:nvPr>
+            <p:ph idx="1"/>
+          </p:nvPr>
+        </p:nvSpPr>
+        <p:spPr>
+          <a:xfrm>
+            <a:off x="798872" y="939799"/>
+            <a:ext cx="8596668" cy="5466687"/>
+          </a:xfrm>
+        </p:spPr>
+        <p:txBody>
+          <a:bodyPr>
+            <a:normAutofit fontScale="55000" lnSpcReduction="20000"/>
+          </a:bodyPr>
+          <a:lstStyle/>
+          <a:p>
+            <a:r>
+              <a:rPr lang="en-US" sz="2900" dirty="0">
+                <a:solidFill>
+                  <a:schemeClr val="tx1">
+                    <a:lumMod val="65000"/>
+                    <a:lumOff val="35000"/>
+                  </a:schemeClr>
+                </a:solidFill>
+              </a:rPr>
+              <a:t>We can conclude that higher Happiness Index around the world is concentrated in Europe, The Americas and Oceania, leaving Africa and Asia with the lower scores.</a:t>
+            </a:r>
+          </a:p>
+          <a:p>
+            <a:pPr marL="0" indent="0">
+              <a:buNone/>
+            </a:pPr>
+            <a:endParaRPr lang="en-US" sz="2900" dirty="0">
+              <a:solidFill>
+                <a:schemeClr val="tx1">
+                  <a:lumMod val="65000"/>
+                  <a:lumOff val="35000"/>
+                </a:schemeClr>
+              </a:solidFill>
+            </a:endParaRPr>
+          </a:p>
+          <a:p>
+            <a:r>
+              <a:rPr lang="en-US" sz="2900" dirty="0">
+                <a:solidFill>
+                  <a:schemeClr val="tx1">
+                    <a:lumMod val="65000"/>
+                    <a:lumOff val="35000"/>
+                  </a:schemeClr>
+                </a:solidFill>
+              </a:rPr>
+              <a:t>Finland, Norway, Denmark, Iceland and Switzerland are the countries with the higher Happiness Index score in the world. And they have consistently ranked at this level for 2015 to 2018. </a:t>
+            </a:r>
+          </a:p>
+          <a:p>
+            <a:endParaRPr lang="en-US" sz="2900" dirty="0">
+              <a:solidFill>
+                <a:schemeClr val="tx1">
+                  <a:lumMod val="65000"/>
+                  <a:lumOff val="35000"/>
+                </a:schemeClr>
+              </a:solidFill>
+            </a:endParaRPr>
+          </a:p>
+          <a:p>
+            <a:r>
+              <a:rPr lang="en-US" sz="2900" dirty="0">
+                <a:solidFill>
+                  <a:schemeClr val="tx1">
+                    <a:lumMod val="65000"/>
+                    <a:lumOff val="35000"/>
+                  </a:schemeClr>
+                </a:solidFill>
+              </a:rPr>
+              <a:t>Factors with </a:t>
+            </a:r>
+            <a:r>
+              <a:rPr lang="en-US" sz="2900" b="1" dirty="0">
+                <a:solidFill>
+                  <a:schemeClr val="tx1">
+                    <a:lumMod val="65000"/>
+                    <a:lumOff val="35000"/>
+                  </a:schemeClr>
+                </a:solidFill>
+              </a:rPr>
+              <a:t>high correlation </a:t>
+            </a:r>
+            <a:r>
+              <a:rPr lang="en-US" sz="2900" dirty="0">
+                <a:solidFill>
+                  <a:schemeClr val="tx1">
+                    <a:lumMod val="65000"/>
+                    <a:lumOff val="35000"/>
+                  </a:schemeClr>
+                </a:solidFill>
+              </a:rPr>
+              <a:t>to country happiness index:</a:t>
+            </a:r>
+          </a:p>
+          <a:p>
+            <a:pPr lvl="1"/>
+            <a:r>
+              <a:rPr lang="en-US" sz="2900" dirty="0">
+                <a:solidFill>
+                  <a:schemeClr val="tx1">
+                    <a:lumMod val="65000"/>
+                    <a:lumOff val="35000"/>
+                  </a:schemeClr>
+                </a:solidFill>
+              </a:rPr>
+              <a:t>GDP, Education Level, Access to Internet, ??????</a:t>
+            </a:r>
+          </a:p>
+          <a:p>
+            <a:pPr lvl="1"/>
+            <a:endParaRPr lang="en-US" sz="2900" dirty="0">
+              <a:solidFill>
+                <a:schemeClr val="tx1">
+                  <a:lumMod val="65000"/>
+                  <a:lumOff val="35000"/>
+                </a:schemeClr>
+              </a:solidFill>
+            </a:endParaRPr>
+          </a:p>
+          <a:p>
+            <a:r>
+              <a:rPr lang="en-US" sz="2900" dirty="0">
+                <a:solidFill>
+                  <a:schemeClr val="tx1">
+                    <a:lumMod val="65000"/>
+                    <a:lumOff val="35000"/>
+                  </a:schemeClr>
+                </a:solidFill>
+              </a:rPr>
+              <a:t>Factors with </a:t>
+            </a:r>
+            <a:r>
+              <a:rPr lang="en-US" sz="2900" b="1" dirty="0">
+                <a:solidFill>
+                  <a:schemeClr val="tx1">
+                    <a:lumMod val="65000"/>
+                    <a:lumOff val="35000"/>
+                  </a:schemeClr>
+                </a:solidFill>
+              </a:rPr>
+              <a:t>some correlation </a:t>
+            </a:r>
+            <a:r>
+              <a:rPr lang="en-US" sz="2900" dirty="0">
+                <a:solidFill>
+                  <a:schemeClr val="tx1">
+                    <a:lumMod val="65000"/>
+                    <a:lumOff val="35000"/>
+                  </a:schemeClr>
+                </a:solidFill>
+              </a:rPr>
+              <a:t>to country happiness index:</a:t>
+            </a:r>
+          </a:p>
+          <a:p>
+            <a:pPr lvl="1"/>
+            <a:r>
+              <a:rPr lang="en-US" sz="2900" dirty="0">
+                <a:solidFill>
+                  <a:schemeClr val="tx1">
+                    <a:lumMod val="65000"/>
+                    <a:lumOff val="35000"/>
+                  </a:schemeClr>
+                </a:solidFill>
+              </a:rPr>
+              <a:t>Median age, Alcohol Consumption, Disaster Risk rate and Average Hours of Sleep</a:t>
+            </a:r>
+          </a:p>
+          <a:p>
+            <a:pPr marL="457200" lvl="1" indent="0">
+              <a:buNone/>
+            </a:pPr>
+            <a:endParaRPr lang="en-US" sz="2900" dirty="0">
+              <a:solidFill>
+                <a:schemeClr val="tx1">
+                  <a:lumMod val="65000"/>
+                  <a:lumOff val="35000"/>
+                </a:schemeClr>
+              </a:solidFill>
+            </a:endParaRPr>
+          </a:p>
+          <a:p>
+            <a:r>
+              <a:rPr lang="en-US" sz="2900" dirty="0">
+                <a:solidFill>
+                  <a:schemeClr val="tx1">
+                    <a:lumMod val="65000"/>
+                    <a:lumOff val="35000"/>
+                  </a:schemeClr>
+                </a:solidFill>
+              </a:rPr>
+              <a:t>Factors with </a:t>
+            </a:r>
+            <a:r>
+              <a:rPr lang="en-US" sz="2900" b="1" dirty="0">
+                <a:solidFill>
+                  <a:schemeClr val="tx1">
+                    <a:lumMod val="65000"/>
+                    <a:lumOff val="35000"/>
+                  </a:schemeClr>
+                </a:solidFill>
+              </a:rPr>
+              <a:t>negative correlation </a:t>
+            </a:r>
+            <a:r>
+              <a:rPr lang="en-US" sz="2900" dirty="0">
+                <a:solidFill>
+                  <a:schemeClr val="tx1">
+                    <a:lumMod val="65000"/>
+                    <a:lumOff val="35000"/>
+                  </a:schemeClr>
+                </a:solidFill>
+              </a:rPr>
+              <a:t>to country happiness index:</a:t>
+            </a:r>
+          </a:p>
+          <a:p>
+            <a:pPr lvl="1"/>
+            <a:r>
+              <a:rPr lang="en-US" sz="2900" dirty="0">
+                <a:solidFill>
+                  <a:schemeClr val="tx1">
+                    <a:lumMod val="65000"/>
+                    <a:lumOff val="35000"/>
+                  </a:schemeClr>
+                </a:solidFill>
+              </a:rPr>
+              <a:t>?????????</a:t>
+            </a:r>
+            <a:br>
+              <a:rPr lang="en-US" sz="2900" dirty="0">
+                <a:solidFill>
+                  <a:schemeClr val="tx1">
+                    <a:lumMod val="65000"/>
+                    <a:lumOff val="35000"/>
+                  </a:schemeClr>
+                </a:solidFill>
+              </a:rPr>
+            </a:br>
+            <a:r>
+              <a:rPr lang="en-US" sz="2900" dirty="0">
+                <a:solidFill>
+                  <a:schemeClr val="tx1">
+                    <a:lumMod val="65000"/>
+                    <a:lumOff val="35000"/>
+                  </a:schemeClr>
+                </a:solidFill>
+              </a:rPr>
+              <a:t>	</a:t>
+            </a:r>
+          </a:p>
+          <a:p>
+            <a:r>
+              <a:rPr lang="en-US" sz="2900" dirty="0">
+                <a:solidFill>
+                  <a:schemeClr val="tx1">
+                    <a:lumMod val="65000"/>
+                    <a:lumOff val="35000"/>
+                  </a:schemeClr>
+                </a:solidFill>
+              </a:rPr>
+              <a:t>Factors with </a:t>
+            </a:r>
+            <a:r>
+              <a:rPr lang="en-US" sz="2900" b="1" dirty="0">
+                <a:solidFill>
+                  <a:schemeClr val="tx1">
+                    <a:lumMod val="65000"/>
+                    <a:lumOff val="35000"/>
+                  </a:schemeClr>
+                </a:solidFill>
+              </a:rPr>
+              <a:t>no correlation </a:t>
+            </a:r>
+            <a:r>
+              <a:rPr lang="en-US" sz="2900" dirty="0">
+                <a:solidFill>
+                  <a:schemeClr val="tx1">
+                    <a:lumMod val="65000"/>
+                    <a:lumOff val="35000"/>
+                  </a:schemeClr>
+                </a:solidFill>
+              </a:rPr>
+              <a:t>to country happiness index:</a:t>
+            </a:r>
+          </a:p>
+          <a:p>
+            <a:pPr lvl="1"/>
+            <a:r>
+              <a:rPr lang="en-US" sz="2900" dirty="0">
+                <a:solidFill>
+                  <a:schemeClr val="tx1">
+                    <a:lumMod val="65000"/>
+                    <a:lumOff val="35000"/>
+                  </a:schemeClr>
+                </a:solidFill>
+              </a:rPr>
+              <a:t>????????, ????????</a:t>
+            </a:r>
+          </a:p>
+          <a:p>
+            <a:endParaRPr lang="en-US" dirty="0"/>
+          </a:p>
+          <a:p>
+            <a:endParaRPr lang="en-US" dirty="0"/>
+          </a:p>
+        </p:txBody>
+      </p:sp>
+      <p:sp>
+        <p:nvSpPr>
+          <p:cNvPr id="4" name="Date Placeholder 3">
+            <a:extLst>
+              <a:ext uri="{FF2B5EF4-FFF2-40B4-BE49-F238E27FC236}">
+                <a16:creationId xmlns:a16="http://schemas.microsoft.com/office/drawing/2014/main" id="{C4ED3B52-CF4F-4420-9626-2DFDCF8C1D10}"/>
+              </a:ext>
+            </a:extLst>
+          </p:cNvPr>
+          <p:cNvSpPr>
+            <a:spLocks noGrp="1"/>
+          </p:cNvSpPr>
+          <p:nvPr>
+            <p:ph type="dt" sz="half" idx="10"/>
+          </p:nvPr>
+        </p:nvSpPr>
+        <p:spPr/>
+        <p:txBody>
+          <a:bodyPr/>
+          <a:lstStyle/>
+          <a:p>
+            <a:r>
+              <a:rPr lang="en-US"/>
+              <a:t>7/29/2019</a:t>
+            </a:r>
+            <a:endParaRPr lang="en-US" dirty="0"/>
+          </a:p>
+        </p:txBody>
+      </p:sp>
+      <p:sp>
+        <p:nvSpPr>
+          <p:cNvPr id="5" name="Slide Number Placeholder 4">
+            <a:extLst>
+              <a:ext uri="{FF2B5EF4-FFF2-40B4-BE49-F238E27FC236}">
+                <a16:creationId xmlns:a16="http://schemas.microsoft.com/office/drawing/2014/main" id="{B7E3EA7A-8014-47E4-AA8D-588A7515DE35}"/>
+              </a:ext>
+            </a:extLst>
+          </p:cNvPr>
+          <p:cNvSpPr>
+            <a:spLocks noGrp="1"/>
+          </p:cNvSpPr>
+          <p:nvPr>
+            <p:ph type="sldNum" sz="quarter" idx="12"/>
+          </p:nvPr>
+        </p:nvSpPr>
+        <p:spPr/>
+        <p:txBody>
+          <a:bodyPr/>
+          <a:lstStyle/>
+          <a:p>
+            <a:fld id="{D57F1E4F-1CFF-5643-939E-217C01CDF565}" type="slidenum">
+              <a:rPr lang="en-US" smtClean="0"/>
+              <a:pPr/>
+              <a:t>24</a:t>
+            </a:fld>
+            <a:endParaRPr lang="en-US" dirty="0"/>
+          </a:p>
+        </p:txBody>
+      </p:sp>
+    </p:spTree>
+    <p:extLst>
+      <p:ext uri="{BB962C8B-B14F-4D97-AF65-F5344CB8AC3E}">
+        <p14:creationId xmlns:p14="http://schemas.microsoft.com/office/powerpoint/2010/main" val="4106366902"/>
+      </p:ext>
+    </p:extLst>
+  </p:cSld>
+  <p:clrMapOvr>
+    <a:masterClrMapping/>
+  </p:clrMapOvr>
+</p:sld>
+</file>
+
+<file path=ppt/slides/slide25.xml><?xml version="1.0" encoding="utf-8"?>
+<p:sld xmlns:a="http://schemas.openxmlformats.org/drawingml/2006/main" xmlns:r="http://schemas.openxmlformats.org/officeDocument/2006/relationships" xmlns:p="http://schemas.openxmlformats.org/presentationml/2006/main">
+  <p:cSld>
+    <p:spTree>
+      <p:nvGrpSpPr>
+        <p:cNvPr id="1" name=""/>
+        <p:cNvGrpSpPr/>
+        <p:nvPr/>
+      </p:nvGrpSpPr>
+      <p:grpSpPr>
+        <a:xfrm>
+          <a:off x="0" y="0"/>
+          <a:ext cx="0" cy="0"/>
+          <a:chOff x="0" y="0"/>
+          <a:chExt cx="0" cy="0"/>
+        </a:xfrm>
+      </p:grpSpPr>
+      <p:sp>
+        <p:nvSpPr>
+          <p:cNvPr id="2" name="Title 1">
+            <a:extLst>
+              <a:ext uri="{FF2B5EF4-FFF2-40B4-BE49-F238E27FC236}">
+                <a16:creationId xmlns:a16="http://schemas.microsoft.com/office/drawing/2014/main" id="{4CD2B565-B36B-48B8-A2E1-F60402A1EFF0}"/>
+              </a:ext>
+            </a:extLst>
+          </p:cNvPr>
+          <p:cNvSpPr>
+            <a:spLocks noGrp="1"/>
+          </p:cNvSpPr>
+          <p:nvPr>
+            <p:ph type="title"/>
+          </p:nvPr>
+        </p:nvSpPr>
+        <p:spPr/>
+        <p:txBody>
+          <a:bodyPr/>
+          <a:lstStyle/>
+          <a:p>
+            <a:r>
+              <a:rPr lang="en-US" dirty="0" err="1"/>
+              <a:t>Followups</a:t>
+            </a:r>
+            <a:endParaRPr lang="en-US" dirty="0"/>
+          </a:p>
+        </p:txBody>
+      </p:sp>
+      <p:sp>
+        <p:nvSpPr>
+          <p:cNvPr id="3" name="Content Placeholder 2">
+            <a:extLst>
+              <a:ext uri="{FF2B5EF4-FFF2-40B4-BE49-F238E27FC236}">
+                <a16:creationId xmlns:a16="http://schemas.microsoft.com/office/drawing/2014/main" id="{890CD028-DB36-4934-ACCB-1B77EB261BC1}"/>
+              </a:ext>
+            </a:extLst>
+          </p:cNvPr>
+          <p:cNvSpPr>
+            <a:spLocks noGrp="1"/>
+          </p:cNvSpPr>
+          <p:nvPr>
+            <p:ph idx="1"/>
+          </p:nvPr>
+        </p:nvSpPr>
+        <p:spPr/>
+        <p:txBody>
+          <a:bodyPr/>
+          <a:lstStyle/>
+          <a:p>
+            <a:r>
+              <a:rPr lang="en-US" dirty="0"/>
+              <a:t>Further analysis</a:t>
+            </a:r>
+          </a:p>
+          <a:p>
+            <a:r>
+              <a:rPr lang="en-US" dirty="0" err="1"/>
+              <a:t>Knn</a:t>
+            </a:r>
+            <a:endParaRPr lang="en-US" dirty="0"/>
+          </a:p>
+          <a:p>
+            <a:r>
+              <a:rPr lang="en-US" dirty="0"/>
+              <a:t>Seeing how variables relate to each other</a:t>
+            </a:r>
+          </a:p>
+          <a:p>
+            <a:r>
+              <a:rPr lang="en-US" dirty="0"/>
+              <a:t>Other measures of happiness</a:t>
+            </a:r>
+          </a:p>
+          <a:p>
+            <a:r>
+              <a:rPr lang="en-US" dirty="0"/>
+              <a:t>Happiness measure for major cities</a:t>
+            </a:r>
+          </a:p>
+        </p:txBody>
+      </p:sp>
+      <p:sp>
+        <p:nvSpPr>
+          <p:cNvPr id="4" name="Date Placeholder 3">
+            <a:extLst>
+              <a:ext uri="{FF2B5EF4-FFF2-40B4-BE49-F238E27FC236}">
+                <a16:creationId xmlns:a16="http://schemas.microsoft.com/office/drawing/2014/main" id="{A0DA176E-6A9B-4D6C-ADD8-4EE4ACF70F54}"/>
+              </a:ext>
+            </a:extLst>
+          </p:cNvPr>
+          <p:cNvSpPr>
+            <a:spLocks noGrp="1"/>
+          </p:cNvSpPr>
+          <p:nvPr>
+            <p:ph type="dt" sz="half" idx="10"/>
+          </p:nvPr>
+        </p:nvSpPr>
+        <p:spPr/>
+        <p:txBody>
+          <a:bodyPr/>
+          <a:lstStyle/>
+          <a:p>
+            <a:r>
+              <a:rPr lang="en-US"/>
+              <a:t>7/29/2019</a:t>
+            </a:r>
+            <a:endParaRPr lang="en-US" dirty="0"/>
+          </a:p>
+        </p:txBody>
+      </p:sp>
+      <p:sp>
+        <p:nvSpPr>
+          <p:cNvPr id="5" name="Slide Number Placeholder 4">
+            <a:extLst>
+              <a:ext uri="{FF2B5EF4-FFF2-40B4-BE49-F238E27FC236}">
+                <a16:creationId xmlns:a16="http://schemas.microsoft.com/office/drawing/2014/main" id="{B3044782-0388-419C-BBAD-0FADCE3791DC}"/>
+              </a:ext>
+            </a:extLst>
+          </p:cNvPr>
+          <p:cNvSpPr>
+            <a:spLocks noGrp="1"/>
+          </p:cNvSpPr>
+          <p:nvPr>
+            <p:ph type="sldNum" sz="quarter" idx="12"/>
+          </p:nvPr>
+        </p:nvSpPr>
+        <p:spPr/>
+        <p:txBody>
+          <a:bodyPr/>
+          <a:lstStyle/>
+          <a:p>
+            <a:fld id="{D57F1E4F-1CFF-5643-939E-217C01CDF565}" type="slidenum">
+              <a:rPr lang="en-US" smtClean="0"/>
+              <a:pPr/>
+              <a:t>25</a:t>
+            </a:fld>
+            <a:endParaRPr lang="en-US" dirty="0"/>
+          </a:p>
+        </p:txBody>
+      </p:sp>
+    </p:spTree>
+    <p:extLst>
+      <p:ext uri="{BB962C8B-B14F-4D97-AF65-F5344CB8AC3E}">
+        <p14:creationId xmlns:p14="http://schemas.microsoft.com/office/powerpoint/2010/main" val="1032603621"/>
+      </p:ext>
+    </p:extLst>
+  </p:cSld>
+  <p:clrMapOvr>
+    <a:masterClrMapping/>
+  </p:clrMapOvr>
+</p:sld>
+</file>
+
+<file path=ppt/slides/slide26.xml><?xml version="1.0" encoding="utf-8"?>
+<p:sld xmlns:a="http://schemas.openxmlformats.org/drawingml/2006/main" xmlns:r="http://schemas.openxmlformats.org/officeDocument/2006/relationships" xmlns:p="http://schemas.openxmlformats.org/presentationml/2006/main">
+  <p:cSld>
+    <p:spTree>
+      <p:nvGrpSpPr>
+        <p:cNvPr id="1" name=""/>
+        <p:cNvGrpSpPr/>
+        <p:nvPr/>
+      </p:nvGrpSpPr>
+      <p:grpSpPr>
+        <a:xfrm>
+          <a:off x="0" y="0"/>
+          <a:ext cx="0" cy="0"/>
+          <a:chOff x="0" y="0"/>
+          <a:chExt cx="0" cy="0"/>
+        </a:xfrm>
+      </p:grpSpPr>
+      <p:sp>
+        <p:nvSpPr>
+          <p:cNvPr id="2" name="Title 1">
+            <a:extLst>
+              <a:ext uri="{FF2B5EF4-FFF2-40B4-BE49-F238E27FC236}">
                 <a16:creationId xmlns:a16="http://schemas.microsoft.com/office/drawing/2014/main" id="{3B2BF537-6F95-44CD-AE4C-EA6303EB086A}"/>
               </a:ext>
             </a:extLst>
@@ -13403,7 +13953,7 @@
             <a:fld id="{D57F1E4F-1CFF-5643-939E-217C01CDF565}" type="slidenum">
               <a:rPr lang="en-US" smtClean="0"/>
               <a:pPr/>
-              <a:t>24</a:t>
+              <a:t>26</a:t>
             </a:fld>
             <a:endParaRPr lang="en-US" dirty="0"/>
           </a:p>
@@ -13422,7 +13972,7 @@
 </p:sld>
 </file>
 
-<file path=ppt/slides/slide25.xml><?xml version="1.0" encoding="utf-8"?>
+<file path=ppt/slides/slide27.xml><?xml version="1.0" encoding="utf-8"?>
 <p:sld xmlns:a="http://schemas.openxmlformats.org/drawingml/2006/main" xmlns:r="http://schemas.openxmlformats.org/officeDocument/2006/relationships" xmlns:p="http://schemas.openxmlformats.org/presentationml/2006/main">
   <p:cSld>
     <p:bg>
@@ -14332,7 +14882,7 @@
                   <a:spcPts val="600"/>
                 </a:spcAft>
               </a:pPr>
-              <a:t>25</a:t>
+              <a:t>27</a:t>
             </a:fld>
             <a:endParaRPr lang="en-US"/>
           </a:p>

--- a/What Makes the World Happy.pptx
+++ b/What Makes the World Happy.pptx
@@ -6450,7 +6450,15 @@
             </a:pPr>
             <a:r>
               <a:rPr lang="en-US" dirty="0"/>
-              <a:t>The mean of South America is close  to Europe and North America </a:t>
+              <a:t>The mean of South America is </a:t>
+            </a:r>
+            <a:r>
+              <a:rPr lang="en-US"/>
+              <a:t>close to </a:t>
+            </a:r>
+            <a:r>
+              <a:rPr lang="en-US" dirty="0"/>
+              <a:t>Europe and North America </a:t>
             </a:r>
           </a:p>
           <a:p>
@@ -12049,6 +12057,10 @@
           </a:bodyPr>
           <a:lstStyle/>
           <a:p>
+            <a:pPr marL="285750" indent="-285750">
+              <a:buFont typeface="Wingdings" panose="05000000000000000000" pitchFamily="2" charset="2"/>
+              <a:buChar char="Ø"/>
+            </a:pPr>
             <a:r>
               <a:rPr lang="en-US" sz="1600" dirty="0">
                 <a:solidFill>
@@ -12062,6 +12074,10 @@
             </a:r>
           </a:p>
           <a:p>
+            <a:pPr marL="285750" indent="-285750">
+              <a:buFont typeface="Wingdings" panose="05000000000000000000" pitchFamily="2" charset="2"/>
+              <a:buChar char="Ø"/>
+            </a:pPr>
             <a:endParaRPr lang="en-US" sz="1600" dirty="0">
               <a:solidFill>
                 <a:schemeClr val="tx1">
@@ -12072,6 +12088,10 @@
             </a:endParaRPr>
           </a:p>
           <a:p>
+            <a:pPr marL="285750" indent="-285750">
+              <a:buFont typeface="Wingdings" panose="05000000000000000000" pitchFamily="2" charset="2"/>
+              <a:buChar char="Ø"/>
+            </a:pPr>
             <a:r>
               <a:rPr lang="en-US" sz="1600" dirty="0">
                 <a:solidFill>
@@ -12811,17 +12831,75 @@
             </a:br>
             <a:r>
               <a:rPr lang="en-US" sz="2200" dirty="0"/>
-              <a:t>Correlation between happiness score and disaster rate, internet access rate and sleeping.</a:t>
-            </a:r>
+              <a:t>Correlation between happiness score and disaster rate, internet access rate and average sleeping.</a:t>
+            </a:r>
+          </a:p>
+        </p:txBody>
+      </p:sp>
+      <p:sp>
+        <p:nvSpPr>
+          <p:cNvPr id="4" name="Date Placeholder 3">
+            <a:extLst>
+              <a:ext uri="{FF2B5EF4-FFF2-40B4-BE49-F238E27FC236}">
+                <a16:creationId xmlns:a16="http://schemas.microsoft.com/office/drawing/2014/main" id="{C54E478E-DC00-419D-8C89-AA75EFA9E551}"/>
+              </a:ext>
+            </a:extLst>
+          </p:cNvPr>
+          <p:cNvSpPr>
+            <a:spLocks noGrp="1"/>
+          </p:cNvSpPr>
+          <p:nvPr>
+            <p:ph type="dt" sz="half" idx="10"/>
+          </p:nvPr>
+        </p:nvSpPr>
+        <p:spPr/>
+        <p:txBody>
+          <a:bodyPr/>
+          <a:lstStyle/>
+          <a:p>
+            <a:r>
+              <a:rPr lang="en-US" dirty="0"/>
+              <a:t>7/29/2019</a:t>
+            </a:r>
+          </a:p>
+        </p:txBody>
+      </p:sp>
+      <p:sp>
+        <p:nvSpPr>
+          <p:cNvPr id="5" name="Slide Number Placeholder 4">
+            <a:extLst>
+              <a:ext uri="{FF2B5EF4-FFF2-40B4-BE49-F238E27FC236}">
+                <a16:creationId xmlns:a16="http://schemas.microsoft.com/office/drawing/2014/main" id="{896378A3-BD0C-4094-ACA9-C8AF0E3F2025}"/>
+              </a:ext>
+            </a:extLst>
+          </p:cNvPr>
+          <p:cNvSpPr>
+            <a:spLocks noGrp="1"/>
+          </p:cNvSpPr>
+          <p:nvPr>
+            <p:ph type="sldNum" sz="quarter" idx="12"/>
+          </p:nvPr>
+        </p:nvSpPr>
+        <p:spPr/>
+        <p:txBody>
+          <a:bodyPr/>
+          <a:lstStyle/>
+          <a:p>
+            <a:fld id="{D57F1E4F-1CFF-5643-939E-217C01CDF565}" type="slidenum">
+              <a:rPr lang="en-US" smtClean="0"/>
+              <a:pPr/>
+              <a:t>21</a:t>
+            </a:fld>
+            <a:endParaRPr lang="en-US" dirty="0"/>
           </a:p>
         </p:txBody>
       </p:sp>
       <p:pic>
         <p:nvPicPr>
-          <p:cNvPr id="7" name="Content Placeholder 6" descr="A close up of text on a white background&#10;&#10;Description automatically generated">
+          <p:cNvPr id="10" name="Content Placeholder 9" descr="A close up of a map&#10;&#10;Description automatically generated">
             <a:extLst>
               <a:ext uri="{FF2B5EF4-FFF2-40B4-BE49-F238E27FC236}">
-                <a16:creationId xmlns:a16="http://schemas.microsoft.com/office/drawing/2014/main" id="{8768A866-C8BA-49D3-923E-7C4637B7E53D}"/>
+                <a16:creationId xmlns:a16="http://schemas.microsoft.com/office/drawing/2014/main" id="{FB1A3063-4C99-4A6D-B6A6-A609DF92ABB5}"/>
               </a:ext>
             </a:extLst>
           </p:cNvPr>
@@ -12840,66 +12918,43 @@
         </p:blipFill>
         <p:spPr>
           <a:xfrm>
-            <a:off x="3035300" y="2160588"/>
-            <a:ext cx="3881437" cy="3881437"/>
+            <a:off x="710684" y="1991859"/>
+            <a:ext cx="4414628" cy="4414628"/>
           </a:xfrm>
         </p:spPr>
       </p:pic>
       <p:sp>
         <p:nvSpPr>
-          <p:cNvPr id="4" name="Date Placeholder 3">
+          <p:cNvPr id="11" name="TextBox 10">
             <a:extLst>
               <a:ext uri="{FF2B5EF4-FFF2-40B4-BE49-F238E27FC236}">
-                <a16:creationId xmlns:a16="http://schemas.microsoft.com/office/drawing/2014/main" id="{C54E478E-DC00-419D-8C89-AA75EFA9E551}"/>
+                <a16:creationId xmlns:a16="http://schemas.microsoft.com/office/drawing/2014/main" id="{A0350DD0-E56D-4BAE-9C12-746F6888F38C}"/>
               </a:ext>
             </a:extLst>
           </p:cNvPr>
-          <p:cNvSpPr>
-            <a:spLocks noGrp="1"/>
-          </p:cNvSpPr>
-          <p:nvPr>
-            <p:ph type="dt" sz="half" idx="10"/>
-          </p:nvPr>
-        </p:nvSpPr>
-        <p:spPr/>
-        <p:txBody>
-          <a:bodyPr/>
+          <p:cNvSpPr txBox="1"/>
+          <p:nvPr/>
+        </p:nvSpPr>
+        <p:spPr>
+          <a:xfrm>
+            <a:off x="5916385" y="2177143"/>
+            <a:ext cx="3586843" cy="1200329"/>
+          </a:xfrm>
+          <a:prstGeom prst="rect">
+            <a:avLst/>
+          </a:prstGeom>
+          <a:noFill/>
+        </p:spPr>
+        <p:txBody>
+          <a:bodyPr wrap="square" rtlCol="0">
+            <a:spAutoFit/>
+          </a:bodyPr>
           <a:lstStyle/>
           <a:p>
             <a:r>
               <a:rPr lang="en-US" dirty="0"/>
-              <a:t>7/29/2019</a:t>
-            </a:r>
-          </a:p>
-        </p:txBody>
-      </p:sp>
-      <p:sp>
-        <p:nvSpPr>
-          <p:cNvPr id="5" name="Slide Number Placeholder 4">
-            <a:extLst>
-              <a:ext uri="{FF2B5EF4-FFF2-40B4-BE49-F238E27FC236}">
-                <a16:creationId xmlns:a16="http://schemas.microsoft.com/office/drawing/2014/main" id="{896378A3-BD0C-4094-ACA9-C8AF0E3F2025}"/>
-              </a:ext>
-            </a:extLst>
-          </p:cNvPr>
-          <p:cNvSpPr>
-            <a:spLocks noGrp="1"/>
-          </p:cNvSpPr>
-          <p:nvPr>
-            <p:ph type="sldNum" sz="quarter" idx="12"/>
-          </p:nvPr>
-        </p:nvSpPr>
-        <p:spPr/>
-        <p:txBody>
-          <a:bodyPr/>
-          <a:lstStyle/>
-          <a:p>
-            <a:fld id="{D57F1E4F-1CFF-5643-939E-217C01CDF565}" type="slidenum">
-              <a:rPr lang="en-US" smtClean="0"/>
-              <a:pPr/>
-              <a:t>21</a:t>
-            </a:fld>
-            <a:endParaRPr lang="en-US" dirty="0"/>
+              <a:t>- There are slight relationships between happiness score and disaster rate, internet access rate.</a:t>
+            </a:r>
           </a:p>
         </p:txBody>
       </p:sp>
@@ -12994,8 +13049,8 @@
         </p:blipFill>
         <p:spPr>
           <a:xfrm>
-            <a:off x="1732756" y="2159925"/>
-            <a:ext cx="4657724" cy="3881437"/>
+            <a:off x="677334" y="2100054"/>
+            <a:ext cx="5252923" cy="4377436"/>
           </a:xfrm>
         </p:spPr>
       </p:pic>
@@ -13055,6 +13110,75 @@
               <a:t>22</a:t>
             </a:fld>
             <a:endParaRPr lang="en-US" dirty="0"/>
+          </a:p>
+        </p:txBody>
+      </p:sp>
+      <p:sp>
+        <p:nvSpPr>
+          <p:cNvPr id="3" name="TextBox 2">
+            <a:extLst>
+              <a:ext uri="{FF2B5EF4-FFF2-40B4-BE49-F238E27FC236}">
+                <a16:creationId xmlns:a16="http://schemas.microsoft.com/office/drawing/2014/main" id="{178611F6-9653-470D-B059-ACEB4D5C20C4}"/>
+              </a:ext>
+            </a:extLst>
+          </p:cNvPr>
+          <p:cNvSpPr txBox="1"/>
+          <p:nvPr/>
+        </p:nvSpPr>
+        <p:spPr>
+          <a:xfrm>
+            <a:off x="6134100" y="2552700"/>
+            <a:ext cx="3565071" cy="3139321"/>
+          </a:xfrm>
+          <a:prstGeom prst="rect">
+            <a:avLst/>
+          </a:prstGeom>
+          <a:noFill/>
+        </p:spPr>
+        <p:txBody>
+          <a:bodyPr wrap="square" rtlCol="0">
+            <a:spAutoFit/>
+          </a:bodyPr>
+          <a:lstStyle/>
+          <a:p>
+            <a:pPr marL="285750" indent="-285750">
+              <a:buFontTx/>
+              <a:buChar char="-"/>
+            </a:pPr>
+            <a:r>
+              <a:rPr lang="en-US" dirty="0"/>
+              <a:t>Internet rate, disaster rate could have an impact on happiness score.</a:t>
+            </a:r>
+          </a:p>
+          <a:p>
+            <a:pPr marL="285750" indent="-285750">
+              <a:buFontTx/>
+              <a:buChar char="-"/>
+            </a:pPr>
+            <a:r>
+              <a:rPr lang="en-US" dirty="0"/>
+              <a:t>More disasters lead to less happiness for people,</a:t>
+            </a:r>
+          </a:p>
+          <a:p>
+            <a:pPr marL="285750" indent="-285750">
+              <a:buFontTx/>
+              <a:buChar char="-"/>
+            </a:pPr>
+            <a:r>
+              <a:rPr lang="en-US" dirty="0"/>
+              <a:t>More access to the internet help people feel happier.</a:t>
+            </a:r>
+          </a:p>
+          <a:p>
+            <a:pPr marL="285750" indent="-285750">
+              <a:buFontTx/>
+              <a:buChar char="-"/>
+            </a:pPr>
+            <a:r>
+              <a:rPr lang="en-US" dirty="0"/>
+              <a:t>While sleeping is not, but we need deeper analysis because there are less countries in this study.</a:t>
+            </a:r>
           </a:p>
         </p:txBody>
       </p:sp>
@@ -13208,8 +13332,8 @@
         </p:blipFill>
         <p:spPr>
           <a:xfrm>
-            <a:off x="2232194" y="2272090"/>
-            <a:ext cx="5487650" cy="3658433"/>
+            <a:off x="1039586" y="2069330"/>
+            <a:ext cx="6505736" cy="4337157"/>
           </a:xfrm>
           <a:prstGeom prst="rect">
             <a:avLst/>
@@ -13303,12 +13427,17 @@
         </p:spPr>
         <p:txBody>
           <a:bodyPr>
-            <a:normAutofit fontScale="55000" lnSpcReduction="20000"/>
+            <a:normAutofit fontScale="40000" lnSpcReduction="20000"/>
           </a:bodyPr>
           <a:lstStyle/>
           <a:p>
-            <a:r>
-              <a:rPr lang="en-US" sz="2900" dirty="0">
+            <a:pPr>
+              <a:lnSpc>
+                <a:spcPct val="120000"/>
+              </a:lnSpc>
+            </a:pPr>
+            <a:r>
+              <a:rPr lang="en-US" sz="4500" dirty="0">
                 <a:solidFill>
                   <a:schemeClr val="tx1">
                     <a:lumMod val="65000"/>
@@ -13320,21 +13449,13 @@
             </a:r>
           </a:p>
           <a:p>
-            <a:pPr marL="0" indent="0">
-              <a:buNone/>
+            <a:pPr>
+              <a:lnSpc>
+                <a:spcPct val="120000"/>
+              </a:lnSpc>
             </a:pPr>
-            <a:endParaRPr lang="en-US" sz="2900" dirty="0">
-              <a:solidFill>
-                <a:schemeClr val="tx1">
-                  <a:lumMod val="65000"/>
-                  <a:lumOff val="35000"/>
-                </a:schemeClr>
-              </a:solidFill>
-            </a:endParaRPr>
-          </a:p>
-          <a:p>
-            <a:r>
-              <a:rPr lang="en-US" sz="2900" dirty="0">
+            <a:r>
+              <a:rPr lang="en-US" sz="4500" dirty="0">
                 <a:solidFill>
                   <a:schemeClr val="tx1">
                     <a:lumMod val="65000"/>
@@ -13342,22 +13463,35 @@
                   </a:schemeClr>
                 </a:solidFill>
               </a:rPr>
-              <a:t>Finland, Norway, Denmark, Iceland and Switzerland are the countries with the higher Happiness Index score in the world. And they have consistently ranked at this level for 2015 to 2018. </a:t>
-            </a:r>
-          </a:p>
-          <a:p>
-            <a:endParaRPr lang="en-US" sz="2900" dirty="0">
-              <a:solidFill>
-                <a:schemeClr val="tx1">
-                  <a:lumMod val="65000"/>
-                  <a:lumOff val="35000"/>
-                </a:schemeClr>
-              </a:solidFill>
-            </a:endParaRPr>
-          </a:p>
-          <a:p>
-            <a:r>
-              <a:rPr lang="en-US" sz="2900" dirty="0">
+              <a:t>Finland, Norway, Denmark, Iceland and Switzerland are the countries with the highest happiness score in the world, and they have consistently been ranked high for 2015 to 2018. </a:t>
+            </a:r>
+          </a:p>
+          <a:p>
+            <a:pPr>
+              <a:lnSpc>
+                <a:spcPct val="120000"/>
+              </a:lnSpc>
+            </a:pPr>
+            <a:r>
+              <a:rPr lang="en-US" sz="4500" dirty="0">
+                <a:solidFill>
+                  <a:schemeClr val="tx1">
+                    <a:lumMod val="65000"/>
+                    <a:lumOff val="35000"/>
+                  </a:schemeClr>
+                </a:solidFill>
+              </a:rPr>
+              <a:t>Further analysis should be conducted to draw any conclusions about how happiness nearby countries impact each other.</a:t>
+            </a:r>
+          </a:p>
+          <a:p>
+            <a:pPr>
+              <a:lnSpc>
+                <a:spcPct val="120000"/>
+              </a:lnSpc>
+            </a:pPr>
+            <a:r>
+              <a:rPr lang="en-US" sz="4500" dirty="0">
                 <a:solidFill>
                   <a:schemeClr val="tx1">
                     <a:lumMod val="65000"/>
@@ -13368,7 +13502,7 @@
               <a:t>Factors with </a:t>
             </a:r>
             <a:r>
-              <a:rPr lang="en-US" sz="2900" b="1" dirty="0">
+              <a:rPr lang="en-US" sz="4500" b="1" dirty="0">
                 <a:solidFill>
                   <a:schemeClr val="tx1">
                     <a:lumMod val="65000"/>
@@ -13376,10 +13510,70 @@
                   </a:schemeClr>
                 </a:solidFill>
               </a:rPr>
-              <a:t>high correlation </a:t>
-            </a:r>
-            <a:r>
-              <a:rPr lang="en-US" sz="2900" dirty="0">
+              <a:t>strong correlation </a:t>
+            </a:r>
+            <a:r>
+              <a:rPr lang="en-US" sz="4500" dirty="0">
+                <a:solidFill>
+                  <a:schemeClr val="tx1">
+                    <a:lumMod val="65000"/>
+                    <a:lumOff val="35000"/>
+                  </a:schemeClr>
+                </a:solidFill>
+              </a:rPr>
+              <a:t>to country happiness score:</a:t>
+            </a:r>
+          </a:p>
+          <a:p>
+            <a:pPr lvl="1">
+              <a:lnSpc>
+                <a:spcPct val="120000"/>
+              </a:lnSpc>
+              <a:buFont typeface="Wingdings" panose="05000000000000000000" pitchFamily="2" charset="2"/>
+              <a:buChar char="§"/>
+            </a:pPr>
+            <a:r>
+              <a:rPr lang="en-US" sz="4500" dirty="0">
+                <a:solidFill>
+                  <a:schemeClr val="tx1">
+                    <a:lumMod val="65000"/>
+                    <a:lumOff val="35000"/>
+                  </a:schemeClr>
+                </a:solidFill>
+              </a:rPr>
+              <a:t>Median Age, Education Level, Access to Internet.</a:t>
+            </a:r>
+          </a:p>
+          <a:p>
+            <a:pPr>
+              <a:lnSpc>
+                <a:spcPct val="120000"/>
+              </a:lnSpc>
+            </a:pPr>
+            <a:r>
+              <a:rPr lang="en-US" sz="4500" dirty="0">
+                <a:solidFill>
+                  <a:schemeClr val="tx1">
+                    <a:lumMod val="65000"/>
+                    <a:lumOff val="35000"/>
+                  </a:schemeClr>
+                </a:solidFill>
+              </a:rPr>
+              <a:t>Factors with </a:t>
+            </a:r>
+            <a:r>
+              <a:rPr lang="en-US" sz="4500" b="1" dirty="0">
+                <a:solidFill>
+                  <a:schemeClr val="tx1">
+                    <a:lumMod val="65000"/>
+                    <a:lumOff val="35000"/>
+                  </a:schemeClr>
+                </a:solidFill>
+              </a:rPr>
+              <a:t>some correlation </a:t>
+            </a:r>
+            <a:r>
+              <a:rPr lang="en-US" sz="4500" dirty="0">
                 <a:solidFill>
                   <a:schemeClr val="tx1">
                     <a:lumMod val="65000"/>
@@ -13391,9 +13585,15 @@
             </a:r>
           </a:p>
           <a:p>
-            <a:pPr lvl="1"/>
-            <a:r>
-              <a:rPr lang="en-US" sz="2900" dirty="0">
+            <a:pPr lvl="1">
+              <a:lnSpc>
+                <a:spcPct val="120000"/>
+              </a:lnSpc>
+              <a:buFont typeface="Wingdings" panose="05000000000000000000" pitchFamily="2" charset="2"/>
+              <a:buChar char="§"/>
+            </a:pPr>
+            <a:r>
+              <a:rPr lang="en-US" sz="4500" dirty="0">
                 <a:solidFill>
                   <a:schemeClr val="tx1">
                     <a:lumMod val="65000"/>
@@ -13401,23 +13601,17 @@
                   </a:schemeClr>
                 </a:solidFill>
               </a:rPr>
-              <a:t>GDP, Education Level, Access to Internet, ??????</a:t>
-            </a:r>
-          </a:p>
-          <a:p>
-            <a:pPr lvl="1"/>
-            <a:endParaRPr lang="en-US" sz="2900" dirty="0">
-              <a:solidFill>
-                <a:schemeClr val="tx1">
-                  <a:lumMod val="65000"/>
-                  <a:lumOff val="35000"/>
-                </a:schemeClr>
-              </a:solidFill>
-            </a:endParaRPr>
-          </a:p>
-          <a:p>
-            <a:r>
-              <a:rPr lang="en-US" sz="2900" dirty="0">
+              <a:t>GDP/PPP, Alcohol Consumption, Disaster Risk rate, Average Sleep</a:t>
+            </a:r>
+          </a:p>
+          <a:p>
+            <a:pPr>
+              <a:lnSpc>
+                <a:spcPct val="120000"/>
+              </a:lnSpc>
+            </a:pPr>
+            <a:r>
+              <a:rPr lang="en-US" sz="4500" dirty="0">
                 <a:solidFill>
                   <a:schemeClr val="tx1">
                     <a:lumMod val="65000"/>
@@ -13428,7 +13622,7 @@
               <a:t>Factors with </a:t>
             </a:r>
             <a:r>
-              <a:rPr lang="en-US" sz="2900" b="1" dirty="0">
+              <a:rPr lang="en-US" sz="4500" b="1" dirty="0">
                 <a:solidFill>
                   <a:schemeClr val="tx1">
                     <a:lumMod val="65000"/>
@@ -13436,10 +13630,10 @@
                   </a:schemeClr>
                 </a:solidFill>
               </a:rPr>
-              <a:t>some correlation </a:t>
-            </a:r>
-            <a:r>
-              <a:rPr lang="en-US" sz="2900" dirty="0">
+              <a:t>no correlation </a:t>
+            </a:r>
+            <a:r>
+              <a:rPr lang="en-US" sz="4500" dirty="0">
                 <a:solidFill>
                   <a:schemeClr val="tx1">
                     <a:lumMod val="65000"/>
@@ -13451,9 +13645,15 @@
             </a:r>
           </a:p>
           <a:p>
-            <a:pPr lvl="1"/>
-            <a:r>
-              <a:rPr lang="en-US" sz="2900" dirty="0">
+            <a:pPr lvl="1">
+              <a:lnSpc>
+                <a:spcPct val="120000"/>
+              </a:lnSpc>
+              <a:buFont typeface="Wingdings" panose="05000000000000000000" pitchFamily="2" charset="2"/>
+              <a:buChar char="§"/>
+            </a:pPr>
+            <a:r>
+              <a:rPr lang="en-US" sz="4500" dirty="0">
                 <a:solidFill>
                   <a:schemeClr val="tx1">
                     <a:lumMod val="65000"/>
@@ -13461,143 +13661,9 @@
                   </a:schemeClr>
                 </a:solidFill>
               </a:rPr>
-              <a:t>Median age, Alcohol Consumption, Disaster Risk rate and Average Hours of Sleep</a:t>
-            </a:r>
-          </a:p>
-          <a:p>
-            <a:pPr marL="457200" lvl="1" indent="0">
-              <a:buNone/>
-            </a:pPr>
-            <a:endParaRPr lang="en-US" sz="2900" dirty="0">
-              <a:solidFill>
-                <a:schemeClr val="tx1">
-                  <a:lumMod val="65000"/>
-                  <a:lumOff val="35000"/>
-                </a:schemeClr>
-              </a:solidFill>
-            </a:endParaRPr>
-          </a:p>
-          <a:p>
-            <a:r>
-              <a:rPr lang="en-US" sz="2900" dirty="0">
-                <a:solidFill>
-                  <a:schemeClr val="tx1">
-                    <a:lumMod val="65000"/>
-                    <a:lumOff val="35000"/>
-                  </a:schemeClr>
-                </a:solidFill>
-              </a:rPr>
-              <a:t>Factors with </a:t>
-            </a:r>
-            <a:r>
-              <a:rPr lang="en-US" sz="2900" b="1" dirty="0">
-                <a:solidFill>
-                  <a:schemeClr val="tx1">
-                    <a:lumMod val="65000"/>
-                    <a:lumOff val="35000"/>
-                  </a:schemeClr>
-                </a:solidFill>
-              </a:rPr>
-              <a:t>negative correlation </a:t>
-            </a:r>
-            <a:r>
-              <a:rPr lang="en-US" sz="2900" dirty="0">
-                <a:solidFill>
-                  <a:schemeClr val="tx1">
-                    <a:lumMod val="65000"/>
-                    <a:lumOff val="35000"/>
-                  </a:schemeClr>
-                </a:solidFill>
-              </a:rPr>
-              <a:t>to country happiness index:</a:t>
-            </a:r>
-          </a:p>
-          <a:p>
-            <a:pPr lvl="1"/>
-            <a:r>
-              <a:rPr lang="en-US" sz="2900" dirty="0">
-                <a:solidFill>
-                  <a:schemeClr val="tx1">
-                    <a:lumMod val="65000"/>
-                    <a:lumOff val="35000"/>
-                  </a:schemeClr>
-                </a:solidFill>
-              </a:rPr>
-              <a:t>?????????</a:t>
-            </a:r>
-            <a:br>
-              <a:rPr lang="en-US" sz="2900" dirty="0">
-                <a:solidFill>
-                  <a:schemeClr val="tx1">
-                    <a:lumMod val="65000"/>
-                    <a:lumOff val="35000"/>
-                  </a:schemeClr>
-                </a:solidFill>
-              </a:rPr>
-            </a:br>
-            <a:r>
-              <a:rPr lang="en-US" sz="2900" dirty="0">
-                <a:solidFill>
-                  <a:schemeClr val="tx1">
-                    <a:lumMod val="65000"/>
-                    <a:lumOff val="35000"/>
-                  </a:schemeClr>
-                </a:solidFill>
-              </a:rPr>
-              <a:t>	</a:t>
-            </a:r>
-          </a:p>
-          <a:p>
-            <a:r>
-              <a:rPr lang="en-US" sz="2900" dirty="0">
-                <a:solidFill>
-                  <a:schemeClr val="tx1">
-                    <a:lumMod val="65000"/>
-                    <a:lumOff val="35000"/>
-                  </a:schemeClr>
-                </a:solidFill>
-              </a:rPr>
-              <a:t>Factors with </a:t>
-            </a:r>
-            <a:r>
-              <a:rPr lang="en-US" sz="2900" b="1" dirty="0">
-                <a:solidFill>
-                  <a:schemeClr val="tx1">
-                    <a:lumMod val="65000"/>
-                    <a:lumOff val="35000"/>
-                  </a:schemeClr>
-                </a:solidFill>
-              </a:rPr>
-              <a:t>no correlation </a:t>
-            </a:r>
-            <a:r>
-              <a:rPr lang="en-US" sz="2900" dirty="0">
-                <a:solidFill>
-                  <a:schemeClr val="tx1">
-                    <a:lumMod val="65000"/>
-                    <a:lumOff val="35000"/>
-                  </a:schemeClr>
-                </a:solidFill>
-              </a:rPr>
-              <a:t>to country happiness index:</a:t>
-            </a:r>
-          </a:p>
-          <a:p>
-            <a:pPr lvl="1"/>
-            <a:r>
-              <a:rPr lang="en-US" sz="2900" dirty="0">
-                <a:solidFill>
-                  <a:schemeClr val="tx1">
-                    <a:lumMod val="65000"/>
-                    <a:lumOff val="35000"/>
-                  </a:schemeClr>
-                </a:solidFill>
-              </a:rPr>
-              <a:t>????????, ????????</a:t>
-            </a:r>
-          </a:p>
-          <a:p>
-            <a:endParaRPr lang="en-US" dirty="0"/>
+              <a:t>Population.</a:t>
+            </a:r>
+            <a:endParaRPr lang="en-US" sz="4500" dirty="0"/>
           </a:p>
           <a:p>
             <a:endParaRPr lang="en-US" dirty="0"/>
@@ -13738,7 +13804,12 @@
             <p:ph idx="1"/>
           </p:nvPr>
         </p:nvSpPr>
-        <p:spPr/>
+        <p:spPr>
+          <a:xfrm>
+            <a:off x="677334" y="1643743"/>
+            <a:ext cx="8596668" cy="4397619"/>
+          </a:xfrm>
+        </p:spPr>
         <p:txBody>
           <a:bodyPr/>
           <a:lstStyle/>
@@ -13749,28 +13820,51 @@
             </a:r>
           </a:p>
           <a:p>
+            <a:pPr lvl="1">
+              <a:buFont typeface="Wingdings" panose="05000000000000000000" pitchFamily="2" charset="2"/>
+              <a:buChar char="§"/>
+            </a:pPr>
+            <a:r>
+              <a:rPr lang="en-US" dirty="0"/>
+              <a:t>Influence of nearby countries to happiness.</a:t>
+            </a:r>
+          </a:p>
+          <a:p>
+            <a:pPr lvl="1">
+              <a:buFont typeface="Wingdings" panose="05000000000000000000" pitchFamily="2" charset="2"/>
+              <a:buChar char="§"/>
+            </a:pPr>
             <a:r>
               <a:rPr lang="en-US" dirty="0" err="1"/>
               <a:t>Knn</a:t>
             </a:r>
-            <a:endParaRPr lang="en-US" dirty="0"/>
-          </a:p>
-          <a:p>
             <a:r>
               <a:rPr lang="en-US" dirty="0"/>
-              <a:t>Seeing how variables relate to each other</a:t>
+              <a:t>.</a:t>
             </a:r>
           </a:p>
           <a:p>
             <a:r>
               <a:rPr lang="en-US" dirty="0"/>
-              <a:t>Other measures of happiness</a:t>
+              <a:t>Include more factors into the analysis: sunshine, weather condition, amount of vacation…</a:t>
             </a:r>
           </a:p>
           <a:p>
             <a:r>
               <a:rPr lang="en-US" dirty="0"/>
-              <a:t>Happiness measure for major cities</a:t>
+              <a:t>Measures of happiness in other methodologies.</a:t>
+            </a:r>
+          </a:p>
+          <a:p>
+            <a:r>
+              <a:rPr lang="en-US" dirty="0"/>
+              <a:t>Happiness measure for cities, states.</a:t>
+            </a:r>
+          </a:p>
+          <a:p>
+            <a:r>
+              <a:rPr lang="en-US" dirty="0"/>
+              <a:t>The changes of happiness over time. </a:t>
             </a:r>
           </a:p>
         </p:txBody>

--- a/What Makes the World Happy.pptx
+++ b/What Makes the World Happy.pptx
@@ -223,7 +223,7 @@
           <a:p>
             <a:fld id="{503B2ACC-A628-475F-AC4B-C987AC91FD6D}" type="datetimeFigureOut">
               <a:rPr lang="en-US" smtClean="0"/>
-              <a:t>7/28/2019</a:t>
+              <a:t>7/29/2019</a:t>
             </a:fld>
             <a:endParaRPr lang="en-US"/>
           </a:p>
@@ -6286,6 +6286,100 @@
       </p:grpSpPr>
       <p:sp>
         <p:nvSpPr>
+          <p:cNvPr id="6" name="TextBox 5">
+            <a:extLst>
+              <a:ext uri="{FF2B5EF4-FFF2-40B4-BE49-F238E27FC236}">
+                <a16:creationId xmlns:a16="http://schemas.microsoft.com/office/drawing/2014/main" id="{6232B0AF-5558-4D20-8897-7987813506AB}"/>
+              </a:ext>
+            </a:extLst>
+          </p:cNvPr>
+          <p:cNvSpPr txBox="1"/>
+          <p:nvPr/>
+        </p:nvSpPr>
+        <p:spPr>
+          <a:xfrm>
+            <a:off x="995629" y="4927601"/>
+            <a:ext cx="7699513" cy="1862048"/>
+          </a:xfrm>
+          <a:prstGeom prst="rect">
+            <a:avLst/>
+          </a:prstGeom>
+          <a:noFill/>
+        </p:spPr>
+        <p:txBody>
+          <a:bodyPr wrap="square" rtlCol="0">
+            <a:spAutoFit/>
+          </a:bodyPr>
+          <a:lstStyle/>
+          <a:p>
+            <a:pPr marL="342900" lvl="0" indent="-342900">
+              <a:spcBef>
+                <a:spcPts val="1000"/>
+              </a:spcBef>
+              <a:buClr>
+                <a:srgbClr val="90C226"/>
+              </a:buClr>
+              <a:buSzPct val="80000"/>
+              <a:buFont typeface="Wingdings 3" charset="2"/>
+              <a:buChar char=""/>
+            </a:pPr>
+            <a:r>
+              <a:rPr lang="en-US" dirty="0"/>
+              <a:t>The distribution of Europe and North America appear to be similar.</a:t>
+            </a:r>
+          </a:p>
+          <a:p>
+            <a:pPr marL="342900" indent="-342900">
+              <a:spcBef>
+                <a:spcPts val="1000"/>
+              </a:spcBef>
+              <a:buClr>
+                <a:srgbClr val="90C226"/>
+              </a:buClr>
+              <a:buSzPct val="80000"/>
+              <a:buFont typeface="Wingdings 3" charset="2"/>
+              <a:buChar char=""/>
+            </a:pPr>
+            <a:r>
+              <a:rPr lang="en-US" dirty="0"/>
+              <a:t>The mean of South America is close to Europe and North America.</a:t>
+            </a:r>
+          </a:p>
+          <a:p>
+            <a:pPr marL="342900" indent="-342900">
+              <a:spcBef>
+                <a:spcPts val="1000"/>
+              </a:spcBef>
+              <a:buClr>
+                <a:srgbClr val="90C226"/>
+              </a:buClr>
+              <a:buSzPct val="80000"/>
+              <a:buFont typeface="Wingdings 3" charset="2"/>
+              <a:buChar char=""/>
+            </a:pPr>
+            <a:r>
+              <a:rPr lang="en-US" dirty="0"/>
+              <a:t>The distribution of Africa’s happiness score is much lower than other continents. </a:t>
+            </a:r>
+          </a:p>
+          <a:p>
+            <a:pPr marL="342900" lvl="0" indent="-342900">
+              <a:spcBef>
+                <a:spcPts val="1000"/>
+              </a:spcBef>
+              <a:buClr>
+                <a:srgbClr val="90C226"/>
+              </a:buClr>
+              <a:buSzPct val="80000"/>
+              <a:buFont typeface="Wingdings 3" charset="2"/>
+              <a:buChar char=""/>
+            </a:pPr>
+            <a:endParaRPr lang="en-US" dirty="0"/>
+          </a:p>
+        </p:txBody>
+      </p:sp>
+      <p:sp>
+        <p:nvSpPr>
           <p:cNvPr id="2" name="Title 1">
             <a:extLst>
               <a:ext uri="{FF2B5EF4-FFF2-40B4-BE49-F238E27FC236}">
@@ -6343,35 +6437,6 @@
       </p:pic>
       <p:sp>
         <p:nvSpPr>
-          <p:cNvPr id="3" name="Date Placeholder 2">
-            <a:extLst>
-              <a:ext uri="{FF2B5EF4-FFF2-40B4-BE49-F238E27FC236}">
-                <a16:creationId xmlns:a16="http://schemas.microsoft.com/office/drawing/2014/main" id="{C2325EB5-C1FB-4C12-8970-601159236936}"/>
-              </a:ext>
-            </a:extLst>
-          </p:cNvPr>
-          <p:cNvSpPr>
-            <a:spLocks noGrp="1"/>
-          </p:cNvSpPr>
-          <p:nvPr>
-            <p:ph type="dt" sz="half" idx="10"/>
-          </p:nvPr>
-        </p:nvSpPr>
-        <p:spPr/>
-        <p:txBody>
-          <a:bodyPr/>
-          <a:lstStyle/>
-          <a:p>
-            <a:r>
-              <a:rPr lang="en-US"/>
-              <a:t>7/29/2019</a:t>
-            </a:r>
-            <a:endParaRPr lang="en-US" dirty="0"/>
-          </a:p>
-        </p:txBody>
-      </p:sp>
-      <p:sp>
-        <p:nvSpPr>
           <p:cNvPr id="4" name="Slide Number Placeholder 3">
             <a:extLst>
               <a:ext uri="{FF2B5EF4-FFF2-40B4-BE49-F238E27FC236}">
@@ -6397,82 +6462,6 @@
               <a:t>10</a:t>
             </a:fld>
             <a:endParaRPr lang="en-US" dirty="0"/>
-          </a:p>
-        </p:txBody>
-      </p:sp>
-      <p:sp>
-        <p:nvSpPr>
-          <p:cNvPr id="6" name="TextBox 5">
-            <a:extLst>
-              <a:ext uri="{FF2B5EF4-FFF2-40B4-BE49-F238E27FC236}">
-                <a16:creationId xmlns:a16="http://schemas.microsoft.com/office/drawing/2014/main" id="{6232B0AF-5558-4D20-8897-7987813506AB}"/>
-              </a:ext>
-            </a:extLst>
-          </p:cNvPr>
-          <p:cNvSpPr txBox="1"/>
-          <p:nvPr/>
-        </p:nvSpPr>
-        <p:spPr>
-          <a:xfrm>
-            <a:off x="995629" y="4927601"/>
-            <a:ext cx="7699513" cy="1703480"/>
-          </a:xfrm>
-          <a:prstGeom prst="rect">
-            <a:avLst/>
-          </a:prstGeom>
-          <a:noFill/>
-        </p:spPr>
-        <p:txBody>
-          <a:bodyPr wrap="square" rtlCol="0">
-            <a:spAutoFit/>
-          </a:bodyPr>
-          <a:lstStyle/>
-          <a:p>
-            <a:pPr marL="285750" indent="-285750">
-              <a:lnSpc>
-                <a:spcPct val="150000"/>
-              </a:lnSpc>
-              <a:buFont typeface="Arial" panose="020B0604020202020204" pitchFamily="34" charset="0"/>
-              <a:buChar char="•"/>
-            </a:pPr>
-            <a:r>
-              <a:rPr lang="en-US" dirty="0"/>
-              <a:t>The distribution of Europe and North America appear to be similar.</a:t>
-            </a:r>
-          </a:p>
-          <a:p>
-            <a:pPr marL="285750" indent="-285750">
-              <a:lnSpc>
-                <a:spcPct val="150000"/>
-              </a:lnSpc>
-              <a:buFont typeface="Arial" panose="020B0604020202020204" pitchFamily="34" charset="0"/>
-              <a:buChar char="•"/>
-            </a:pPr>
-            <a:r>
-              <a:rPr lang="en-US" dirty="0"/>
-              <a:t>The mean of South America is </a:t>
-            </a:r>
-            <a:r>
-              <a:rPr lang="en-US"/>
-              <a:t>close to </a:t>
-            </a:r>
-            <a:r>
-              <a:rPr lang="en-US" dirty="0"/>
-              <a:t>Europe and North America </a:t>
-            </a:r>
-          </a:p>
-          <a:p>
-            <a:pPr marL="285750" indent="-285750">
-              <a:lnSpc>
-                <a:spcPct val="150000"/>
-              </a:lnSpc>
-              <a:buFont typeface="Arial" panose="020B0604020202020204" pitchFamily="34" charset="0"/>
-              <a:buChar char="•"/>
-            </a:pPr>
-            <a:r>
-              <a:rPr lang="en-US" dirty="0"/>
-              <a:t>The distribution of Africa’s happiness score is much lower than other continents.</a:t>
-            </a:r>
           </a:p>
         </p:txBody>
       </p:sp>
@@ -6565,35 +6554,6 @@
       </p:pic>
       <p:sp>
         <p:nvSpPr>
-          <p:cNvPr id="3" name="Date Placeholder 2">
-            <a:extLst>
-              <a:ext uri="{FF2B5EF4-FFF2-40B4-BE49-F238E27FC236}">
-                <a16:creationId xmlns:a16="http://schemas.microsoft.com/office/drawing/2014/main" id="{A22D2B38-9C3F-4D98-8531-E8B6BBD96737}"/>
-              </a:ext>
-            </a:extLst>
-          </p:cNvPr>
-          <p:cNvSpPr>
-            <a:spLocks noGrp="1"/>
-          </p:cNvSpPr>
-          <p:nvPr>
-            <p:ph type="dt" sz="half" idx="10"/>
-          </p:nvPr>
-        </p:nvSpPr>
-        <p:spPr/>
-        <p:txBody>
-          <a:bodyPr/>
-          <a:lstStyle/>
-          <a:p>
-            <a:r>
-              <a:rPr lang="en-US"/>
-              <a:t>7/29/2019</a:t>
-            </a:r>
-            <a:endParaRPr lang="en-US" dirty="0"/>
-          </a:p>
-        </p:txBody>
-      </p:sp>
-      <p:sp>
-        <p:nvSpPr>
           <p:cNvPr id="4" name="Slide Number Placeholder 3">
             <a:extLst>
               <a:ext uri="{FF2B5EF4-FFF2-40B4-BE49-F238E27FC236}">
@@ -6636,8 +6596,8 @@
         </p:nvSpPr>
         <p:spPr>
           <a:xfrm>
-            <a:off x="1143000" y="5124345"/>
-            <a:ext cx="6814457" cy="923330"/>
+            <a:off x="1242218" y="5285468"/>
+            <a:ext cx="6814457" cy="1200329"/>
           </a:xfrm>
           <a:prstGeom prst="rect">
             <a:avLst/>
@@ -6650,14 +6610,37 @@
           </a:bodyPr>
           <a:lstStyle/>
           <a:p>
+            <a:pPr marL="342900" lvl="0" indent="-342900">
+              <a:spcBef>
+                <a:spcPts val="1000"/>
+              </a:spcBef>
+              <a:buClr>
+                <a:srgbClr val="90C226"/>
+              </a:buClr>
+              <a:buSzPct val="80000"/>
+              <a:buFont typeface="Wingdings 3" charset="2"/>
+              <a:buChar char=""/>
+            </a:pPr>
+            <a:r>
+              <a:rPr lang="en-US" dirty="0"/>
+              <a:t>The mean of most regions within Africa are similar, but the mean happiness in North Africa is greater than the others.</a:t>
+            </a:r>
+            <a:r>
+              <a:rPr lang="en-US" dirty="0">
+                <a:solidFill>
+                  <a:prstClr val="black"/>
+                </a:solidFill>
+              </a:rPr>
+              <a:t> </a:t>
+            </a:r>
+            <a:endParaRPr lang="en-US" dirty="0"/>
+          </a:p>
+          <a:p>
             <a:pPr marL="285750" indent="-285750">
               <a:buFont typeface="Arial" panose="020B0604020202020204" pitchFamily="34" charset="0"/>
               <a:buChar char="•"/>
             </a:pPr>
-            <a:r>
-              <a:rPr lang="en-US" dirty="0"/>
-              <a:t>The mean of most regions within Africa are similar, but the mean happiness in North Africa is greater.</a:t>
-            </a:r>
+            <a:endParaRPr lang="en-US" dirty="0"/>
           </a:p>
           <a:p>
             <a:pPr marL="285750" indent="-285750">
@@ -6726,7 +6709,7 @@
           <a:p>
             <a:r>
               <a:rPr lang="en-US" dirty="0"/>
-              <a:t>T-test Comparison of Continents</a:t>
+              <a:t>T-Test Comparison of Continents</a:t>
             </a:r>
           </a:p>
         </p:txBody>
@@ -6746,13 +6729,13 @@
           <p:nvPr>
             <p:extLst>
               <p:ext uri="{D42A27DB-BD31-4B8C-83A1-F6EECF244321}">
-                <p14:modId xmlns:p14="http://schemas.microsoft.com/office/powerpoint/2010/main" val="3889776525"/>
+                <p14:modId xmlns:p14="http://schemas.microsoft.com/office/powerpoint/2010/main" val="1802852816"/>
               </p:ext>
             </p:extLst>
           </p:nvPr>
         </p:nvGraphicFramePr>
         <p:xfrm>
-          <a:off x="1702991" y="1283252"/>
+          <a:off x="861494" y="1283252"/>
           <a:ext cx="5479688" cy="5277896"/>
         </p:xfrm>
         <a:graphic>
@@ -10747,67 +10730,6 @@
       </p:graphicFrame>
       <p:sp>
         <p:nvSpPr>
-          <p:cNvPr id="7" name="Content Placeholder 6">
-            <a:extLst>
-              <a:ext uri="{FF2B5EF4-FFF2-40B4-BE49-F238E27FC236}">
-                <a16:creationId xmlns:a16="http://schemas.microsoft.com/office/drawing/2014/main" id="{B5986935-2B8F-4BD1-B994-16BA32FAB3A9}"/>
-              </a:ext>
-            </a:extLst>
-          </p:cNvPr>
-          <p:cNvSpPr>
-            <a:spLocks noGrp="1"/>
-          </p:cNvSpPr>
-          <p:nvPr>
-            <p:ph idx="1"/>
-          </p:nvPr>
-        </p:nvSpPr>
-        <p:spPr>
-          <a:xfrm flipV="1">
-            <a:off x="677334" y="6041362"/>
-            <a:ext cx="8596668" cy="45719"/>
-          </a:xfrm>
-        </p:spPr>
-        <p:txBody>
-          <a:bodyPr>
-            <a:normAutofit fontScale="25000" lnSpcReduction="20000"/>
-          </a:bodyPr>
-          <a:lstStyle/>
-          <a:p>
-            <a:endParaRPr lang="en-US" dirty="0"/>
-          </a:p>
-        </p:txBody>
-      </p:sp>
-      <p:sp>
-        <p:nvSpPr>
-          <p:cNvPr id="3" name="Date Placeholder 2">
-            <a:extLst>
-              <a:ext uri="{FF2B5EF4-FFF2-40B4-BE49-F238E27FC236}">
-                <a16:creationId xmlns:a16="http://schemas.microsoft.com/office/drawing/2014/main" id="{9D399695-80FB-413F-A427-01F1F6EA7E3C}"/>
-              </a:ext>
-            </a:extLst>
-          </p:cNvPr>
-          <p:cNvSpPr>
-            <a:spLocks noGrp="1"/>
-          </p:cNvSpPr>
-          <p:nvPr>
-            <p:ph type="dt" sz="half" idx="10"/>
-          </p:nvPr>
-        </p:nvSpPr>
-        <p:spPr/>
-        <p:txBody>
-          <a:bodyPr/>
-          <a:lstStyle/>
-          <a:p>
-            <a:r>
-              <a:rPr lang="en-US"/>
-              <a:t>7/29/2019</a:t>
-            </a:r>
-            <a:endParaRPr lang="en-US" dirty="0"/>
-          </a:p>
-        </p:txBody>
-      </p:sp>
-      <p:sp>
-        <p:nvSpPr>
           <p:cNvPr id="4" name="Slide Number Placeholder 3">
             <a:extLst>
               <a:ext uri="{FF2B5EF4-FFF2-40B4-BE49-F238E27FC236}">
@@ -10894,64 +10816,6 @@
           </a:p>
         </p:txBody>
       </p:sp>
-      <p:pic>
-        <p:nvPicPr>
-          <p:cNvPr id="7" name="Content Placeholder 6" descr="A close up of a map&#10;&#10;Description automatically generated">
-            <a:extLst>
-              <a:ext uri="{FF2B5EF4-FFF2-40B4-BE49-F238E27FC236}">
-                <a16:creationId xmlns:a16="http://schemas.microsoft.com/office/drawing/2014/main" id="{E8CF7247-8A97-43E3-A0AE-CA5FDC4AE769}"/>
-              </a:ext>
-            </a:extLst>
-          </p:cNvPr>
-          <p:cNvPicPr>
-            <a:picLocks noGrp="1" noChangeAspect="1"/>
-          </p:cNvPicPr>
-          <p:nvPr>
-            <p:ph idx="1"/>
-          </p:nvPr>
-        </p:nvPicPr>
-        <p:blipFill>
-          <a:blip r:embed="rId2"/>
-          <a:stretch>
-            <a:fillRect/>
-          </a:stretch>
-        </p:blipFill>
-        <p:spPr>
-          <a:xfrm>
-            <a:off x="5155352" y="792922"/>
-            <a:ext cx="6546573" cy="5455478"/>
-          </a:xfrm>
-        </p:spPr>
-      </p:pic>
-      <p:sp>
-        <p:nvSpPr>
-          <p:cNvPr id="4" name="Date Placeholder 3">
-            <a:extLst>
-              <a:ext uri="{FF2B5EF4-FFF2-40B4-BE49-F238E27FC236}">
-                <a16:creationId xmlns:a16="http://schemas.microsoft.com/office/drawing/2014/main" id="{A2698940-B160-4FE7-A7D1-08526FD121AB}"/>
-              </a:ext>
-            </a:extLst>
-          </p:cNvPr>
-          <p:cNvSpPr>
-            <a:spLocks noGrp="1"/>
-          </p:cNvSpPr>
-          <p:nvPr>
-            <p:ph type="dt" sz="half" idx="10"/>
-          </p:nvPr>
-        </p:nvSpPr>
-        <p:spPr/>
-        <p:txBody>
-          <a:bodyPr/>
-          <a:lstStyle/>
-          <a:p>
-            <a:r>
-              <a:rPr lang="en-US"/>
-              <a:t>7/29/2019</a:t>
-            </a:r>
-            <a:endParaRPr lang="en-US" dirty="0"/>
-          </a:p>
-        </p:txBody>
-      </p:sp>
       <p:sp>
         <p:nvSpPr>
           <p:cNvPr id="5" name="Slide Number Placeholder 4">
@@ -10997,7 +10861,7 @@
         <p:spPr>
           <a:xfrm>
             <a:off x="1132925" y="2544415"/>
-            <a:ext cx="3664362" cy="2585323"/>
+            <a:ext cx="3664362" cy="3118803"/>
           </a:xfrm>
           <a:prstGeom prst="rect">
             <a:avLst/>
@@ -11010,18 +10874,51 @@
           </a:bodyPr>
           <a:lstStyle/>
           <a:p>
+            <a:pPr marL="342900" lvl="0" indent="-342900">
+              <a:spcBef>
+                <a:spcPts val="1000"/>
+              </a:spcBef>
+              <a:buClr>
+                <a:srgbClr val="90C226"/>
+              </a:buClr>
+              <a:buSzPct val="80000"/>
+              <a:buFont typeface="Wingdings 3" charset="2"/>
+              <a:buChar char=""/>
+            </a:pPr>
             <a:r>
               <a:rPr lang="en-US" dirty="0"/>
               <a:t>There is almost no correlation between distance between countries and difference between scores.</a:t>
             </a:r>
           </a:p>
           <a:p>
+            <a:pPr marL="342900" lvl="0" indent="-342900">
+              <a:spcBef>
+                <a:spcPts val="1000"/>
+              </a:spcBef>
+              <a:buClr>
+                <a:srgbClr val="90C226"/>
+              </a:buClr>
+              <a:buSzPct val="80000"/>
+              <a:buFont typeface="Wingdings 3" charset="2"/>
+              <a:buChar char=""/>
+            </a:pPr>
             <a:r>
               <a:rPr lang="en-US" dirty="0"/>
-              <a:t>The R Squared values for all continents are very small</a:t>
-            </a:r>
-          </a:p>
-          <a:p>
+              <a:t>The correlation coefficients are close to zero for all continents.</a:t>
+            </a:r>
+          </a:p>
+          <a:p>
+            <a:pPr marL="342900" lvl="0" indent="-342900">
+              <a:spcBef>
+                <a:spcPts val="1000"/>
+              </a:spcBef>
+              <a:buClr>
+                <a:srgbClr val="90C226"/>
+              </a:buClr>
+              <a:buSzPct val="80000"/>
+              <a:buFont typeface="Wingdings 3" charset="2"/>
+              <a:buChar char=""/>
+            </a:pPr>
             <a:r>
               <a:rPr lang="en-US" dirty="0"/>
               <a:t>The different sizes of countries makes this comparison inconsistent.</a:t>
@@ -11029,6 +10926,35 @@
           </a:p>
         </p:txBody>
       </p:sp>
+      <p:pic>
+        <p:nvPicPr>
+          <p:cNvPr id="10" name="Content Placeholder 9" descr="A close up of a map&#10;&#10;Description automatically generated">
+            <a:extLst>
+              <a:ext uri="{FF2B5EF4-FFF2-40B4-BE49-F238E27FC236}">
+                <a16:creationId xmlns:a16="http://schemas.microsoft.com/office/drawing/2014/main" id="{1CB5A3A5-92F0-4A97-97DC-6EF5FC034E92}"/>
+              </a:ext>
+            </a:extLst>
+          </p:cNvPr>
+          <p:cNvPicPr>
+            <a:picLocks noGrp="1" noChangeAspect="1"/>
+          </p:cNvPicPr>
+          <p:nvPr>
+            <p:ph idx="1"/>
+          </p:nvPr>
+        </p:nvPicPr>
+        <p:blipFill>
+          <a:blip r:embed="rId2"/>
+          <a:stretch>
+            <a:fillRect/>
+          </a:stretch>
+        </p:blipFill>
+        <p:spPr>
+          <a:xfrm>
+            <a:off x="5204826" y="1351722"/>
+            <a:ext cx="6518114" cy="5274364"/>
+          </a:xfrm>
+        </p:spPr>
+      </p:pic>
     </p:spTree>
     <p:extLst>
       <p:ext uri="{BB962C8B-B14F-4D97-AF65-F5344CB8AC3E}">
@@ -11127,35 +11053,6 @@
       </p:pic>
       <p:sp>
         <p:nvSpPr>
-          <p:cNvPr id="4" name="Date Placeholder 3">
-            <a:extLst>
-              <a:ext uri="{FF2B5EF4-FFF2-40B4-BE49-F238E27FC236}">
-                <a16:creationId xmlns:a16="http://schemas.microsoft.com/office/drawing/2014/main" id="{92B88C72-B79D-4D21-8D6C-B81F31EC40A9}"/>
-              </a:ext>
-            </a:extLst>
-          </p:cNvPr>
-          <p:cNvSpPr>
-            <a:spLocks noGrp="1"/>
-          </p:cNvSpPr>
-          <p:nvPr>
-            <p:ph type="dt" sz="half" idx="10"/>
-          </p:nvPr>
-        </p:nvSpPr>
-        <p:spPr/>
-        <p:txBody>
-          <a:bodyPr/>
-          <a:lstStyle/>
-          <a:p>
-            <a:r>
-              <a:rPr lang="en-US"/>
-              <a:t>7/29/2019</a:t>
-            </a:r>
-            <a:endParaRPr lang="en-US" dirty="0"/>
-          </a:p>
-        </p:txBody>
-      </p:sp>
-      <p:sp>
-        <p:nvSpPr>
           <p:cNvPr id="5" name="Slide Number Placeholder 4">
             <a:extLst>
               <a:ext uri="{FF2B5EF4-FFF2-40B4-BE49-F238E27FC236}">
@@ -11212,6 +11109,17 @@
           </a:bodyPr>
           <a:lstStyle/>
           <a:p>
+            <a:pPr marL="342900" lvl="0" indent="-342900">
+              <a:spcBef>
+                <a:spcPts val="1000"/>
+              </a:spcBef>
+              <a:buClr>
+                <a:srgbClr val="90C226"/>
+              </a:buClr>
+              <a:buSzPct val="80000"/>
+              <a:buFont typeface="Wingdings 3" charset="2"/>
+              <a:buChar char=""/>
+            </a:pPr>
             <a:r>
               <a:rPr lang="en-US" dirty="0"/>
               <a:t>In order to find a linear relationship, the values of GDP, PPP, Population Density, and Population Total required a log transformation</a:t>
@@ -11265,7 +11173,12 @@
             <p:ph type="title"/>
           </p:nvPr>
         </p:nvSpPr>
-        <p:spPr/>
+        <p:spPr>
+          <a:xfrm>
+            <a:off x="677334" y="609600"/>
+            <a:ext cx="8596668" cy="1320800"/>
+          </a:xfrm>
+        </p:spPr>
         <p:txBody>
           <a:bodyPr>
             <a:normAutofit/>
@@ -11304,7 +11217,7 @@
         </p:nvSpPr>
         <p:spPr>
           <a:xfrm>
-            <a:off x="677334" y="5092505"/>
+            <a:off x="677334" y="5105757"/>
             <a:ext cx="8596668" cy="1320800"/>
           </a:xfrm>
         </p:spPr>
@@ -11322,7 +11235,7 @@
           <a:p>
             <a:r>
               <a:rPr lang="en-US" dirty="0"/>
-              <a:t>R squared is 0.308</a:t>
+              <a:t>Correlation coefficient is 0.5549 </a:t>
             </a:r>
           </a:p>
           <a:p>
@@ -11394,10 +11307,10 @@
       </p:sp>
       <p:pic>
         <p:nvPicPr>
-          <p:cNvPr id="7" name="Picture 6" descr="A close up of a map&#10;&#10;Description automatically generated">
+          <p:cNvPr id="8" name="Picture 7" descr="A close up of a map&#10;&#10;Description automatically generated">
             <a:extLst>
               <a:ext uri="{FF2B5EF4-FFF2-40B4-BE49-F238E27FC236}">
-                <a16:creationId xmlns:a16="http://schemas.microsoft.com/office/drawing/2014/main" id="{ECB6436C-D1A6-470E-86F5-57E7B802A443}"/>
+                <a16:creationId xmlns:a16="http://schemas.microsoft.com/office/drawing/2014/main" id="{565A73CB-4437-4D19-B319-B7486D2EE8D4}"/>
               </a:ext>
             </a:extLst>
           </p:cNvPr>
@@ -11408,13 +11321,13 @@
         </p:nvPicPr>
         <p:blipFill rotWithShape="1">
           <a:blip r:embed="rId2"/>
-          <a:srcRect t="-1" b="59041"/>
+          <a:srcRect b="61231"/>
           <a:stretch/>
         </p:blipFill>
         <p:spPr>
           <a:xfrm>
-            <a:off x="1358348" y="2004167"/>
-            <a:ext cx="8229599" cy="2800350"/>
+            <a:off x="1151205" y="1965093"/>
+            <a:ext cx="8809225" cy="2846058"/>
           </a:xfrm>
           <a:prstGeom prst="rect">
             <a:avLst/>
@@ -11467,7 +11380,12 @@
             <p:ph type="title"/>
           </p:nvPr>
         </p:nvSpPr>
-        <p:spPr/>
+        <p:spPr>
+          <a:xfrm>
+            <a:off x="677334" y="596348"/>
+            <a:ext cx="8596668" cy="1320800"/>
+          </a:xfrm>
+        </p:spPr>
         <p:txBody>
           <a:bodyPr>
             <a:normAutofit/>
@@ -11507,11 +11425,13 @@
         <p:spPr>
           <a:xfrm>
             <a:off x="677334" y="5247861"/>
-            <a:ext cx="8596668" cy="793501"/>
+            <a:ext cx="8596668" cy="1158626"/>
           </a:xfrm>
         </p:spPr>
         <p:txBody>
-          <a:bodyPr/>
+          <a:bodyPr>
+            <a:normAutofit/>
+          </a:bodyPr>
           <a:lstStyle/>
           <a:p>
             <a:r>
@@ -11522,37 +11442,8 @@
           <a:p>
             <a:r>
               <a:rPr lang="en-US" dirty="0"/>
-              <a:t>Country size and population concentration do not affect happiness. </a:t>
-            </a:r>
-          </a:p>
-        </p:txBody>
-      </p:sp>
-      <p:sp>
-        <p:nvSpPr>
-          <p:cNvPr id="4" name="Date Placeholder 3">
-            <a:extLst>
-              <a:ext uri="{FF2B5EF4-FFF2-40B4-BE49-F238E27FC236}">
-                <a16:creationId xmlns:a16="http://schemas.microsoft.com/office/drawing/2014/main" id="{92B88C72-B79D-4D21-8D6C-B81F31EC40A9}"/>
-              </a:ext>
-            </a:extLst>
-          </p:cNvPr>
-          <p:cNvSpPr>
-            <a:spLocks noGrp="1"/>
-          </p:cNvSpPr>
-          <p:nvPr>
-            <p:ph type="dt" sz="half" idx="10"/>
-          </p:nvPr>
-        </p:nvSpPr>
-        <p:spPr/>
-        <p:txBody>
-          <a:bodyPr/>
-          <a:lstStyle/>
-          <a:p>
-            <a:r>
-              <a:rPr lang="en-US"/>
-              <a:t>7/29/2019</a:t>
-            </a:r>
-            <a:endParaRPr lang="en-US" dirty="0"/>
+              <a:t>The number of people I a country and how close they live to each other does not affect happiness. </a:t>
+            </a:r>
           </a:p>
         </p:txBody>
       </p:sp>
@@ -11588,10 +11479,10 @@
       </p:sp>
       <p:pic>
         <p:nvPicPr>
-          <p:cNvPr id="7" name="Picture 6" descr="A screenshot of a cell phone&#10;&#10;Description automatically generated">
+          <p:cNvPr id="8" name="Picture 7" descr="A screenshot of a cell phone&#10;&#10;Description automatically generated">
             <a:extLst>
               <a:ext uri="{FF2B5EF4-FFF2-40B4-BE49-F238E27FC236}">
-                <a16:creationId xmlns:a16="http://schemas.microsoft.com/office/drawing/2014/main" id="{08A32887-A7B5-4482-8EF9-E9244A24AE24}"/>
+                <a16:creationId xmlns:a16="http://schemas.microsoft.com/office/drawing/2014/main" id="{5D0D8806-5BCD-4D31-8F9F-B0F6E74588A6}"/>
               </a:ext>
             </a:extLst>
           </p:cNvPr>
@@ -11602,13 +11493,13 @@
         </p:nvPicPr>
         <p:blipFill rotWithShape="1">
           <a:blip r:embed="rId2"/>
-          <a:srcRect b="59981"/>
+          <a:srcRect b="61231"/>
           <a:stretch/>
         </p:blipFill>
         <p:spPr>
           <a:xfrm>
-            <a:off x="860868" y="1930400"/>
-            <a:ext cx="8229599" cy="2744547"/>
+            <a:off x="677334" y="1786375"/>
+            <a:ext cx="8980866" cy="2901511"/>
           </a:xfrm>
           <a:prstGeom prst="rect">
             <a:avLst/>
@@ -11684,35 +11575,6 @@
       </p:sp>
       <p:sp>
         <p:nvSpPr>
-          <p:cNvPr id="4" name="Date Placeholder 3">
-            <a:extLst>
-              <a:ext uri="{FF2B5EF4-FFF2-40B4-BE49-F238E27FC236}">
-                <a16:creationId xmlns:a16="http://schemas.microsoft.com/office/drawing/2014/main" id="{E49C0D53-1491-4694-BE73-4D1931323941}"/>
-              </a:ext>
-            </a:extLst>
-          </p:cNvPr>
-          <p:cNvSpPr>
-            <a:spLocks noGrp="1"/>
-          </p:cNvSpPr>
-          <p:nvPr>
-            <p:ph type="dt" sz="half" idx="10"/>
-          </p:nvPr>
-        </p:nvSpPr>
-        <p:spPr/>
-        <p:txBody>
-          <a:bodyPr/>
-          <a:lstStyle/>
-          <a:p>
-            <a:r>
-              <a:rPr lang="en-US"/>
-              <a:t>7/29/2019</a:t>
-            </a:r>
-            <a:endParaRPr lang="en-US" dirty="0"/>
-          </a:p>
-        </p:txBody>
-      </p:sp>
-      <p:sp>
-        <p:nvSpPr>
           <p:cNvPr id="5" name="Slide Number Placeholder 4">
             <a:extLst>
               <a:ext uri="{FF2B5EF4-FFF2-40B4-BE49-F238E27FC236}">
@@ -11783,7 +11645,7 @@
           <a:p>
             <a:r>
               <a:rPr lang="en-US" dirty="0"/>
-              <a:t>This indicates good health and a long life increase happiness.</a:t>
+              <a:t>This indicates good health and a longer life increase happiness.</a:t>
             </a:r>
           </a:p>
           <a:p>
@@ -11802,10 +11664,10 @@
       </p:sp>
       <p:pic>
         <p:nvPicPr>
-          <p:cNvPr id="11" name="Picture 10" descr="A screenshot of a cell phone&#10;&#10;Description automatically generated">
+          <p:cNvPr id="6" name="Picture 5" descr="A screenshot of a cell phone&#10;&#10;Description automatically generated">
             <a:extLst>
               <a:ext uri="{FF2B5EF4-FFF2-40B4-BE49-F238E27FC236}">
-                <a16:creationId xmlns:a16="http://schemas.microsoft.com/office/drawing/2014/main" id="{2A7C1BE8-B314-4469-B877-3626AAD9F5E2}"/>
+                <a16:creationId xmlns:a16="http://schemas.microsoft.com/office/drawing/2014/main" id="{300A85DF-A59D-4629-9E12-6017D981685D}"/>
               </a:ext>
             </a:extLst>
           </p:cNvPr>
@@ -11816,13 +11678,13 @@
         </p:nvPicPr>
         <p:blipFill rotWithShape="1">
           <a:blip r:embed="rId2"/>
-          <a:srcRect l="8272" t="8862" r="53847" b="63556"/>
+          <a:srcRect l="8234" t="7180" r="51937" b="62666"/>
           <a:stretch/>
         </p:blipFill>
         <p:spPr>
           <a:xfrm>
-            <a:off x="501056" y="1930400"/>
-            <a:ext cx="4474612" cy="2715064"/>
+            <a:off x="562707" y="1991255"/>
+            <a:ext cx="4358142" cy="2749557"/>
           </a:xfrm>
           <a:prstGeom prst="rect">
             <a:avLst/>
@@ -11930,35 +11792,6 @@
       </p:pic>
       <p:sp>
         <p:nvSpPr>
-          <p:cNvPr id="4" name="Date Placeholder 3">
-            <a:extLst>
-              <a:ext uri="{FF2B5EF4-FFF2-40B4-BE49-F238E27FC236}">
-                <a16:creationId xmlns:a16="http://schemas.microsoft.com/office/drawing/2014/main" id="{27755AF9-2603-4543-BFDD-CB63364DE6E8}"/>
-              </a:ext>
-            </a:extLst>
-          </p:cNvPr>
-          <p:cNvSpPr>
-            <a:spLocks noGrp="1"/>
-          </p:cNvSpPr>
-          <p:nvPr>
-            <p:ph type="dt" sz="half" idx="10"/>
-          </p:nvPr>
-        </p:nvSpPr>
-        <p:spPr/>
-        <p:txBody>
-          <a:bodyPr/>
-          <a:lstStyle/>
-          <a:p>
-            <a:r>
-              <a:rPr lang="en-US"/>
-              <a:t>7/29/2019</a:t>
-            </a:r>
-            <a:endParaRPr lang="en-US" dirty="0"/>
-          </a:p>
-        </p:txBody>
-      </p:sp>
-      <p:sp>
-        <p:nvSpPr>
           <p:cNvPr id="5" name="Slide Number Placeholder 4">
             <a:extLst>
               <a:ext uri="{FF2B5EF4-FFF2-40B4-BE49-F238E27FC236}">
@@ -12044,7 +11877,7 @@
         <p:spPr>
           <a:xfrm>
             <a:off x="4975668" y="2153330"/>
-            <a:ext cx="5327281" cy="2308324"/>
+            <a:ext cx="5327281" cy="2564805"/>
           </a:xfrm>
           <a:prstGeom prst="rect">
             <a:avLst/>
@@ -12056,23 +11889,6 @@
             <a:spAutoFit/>
           </a:bodyPr>
           <a:lstStyle/>
-          <a:p>
-            <a:pPr marL="285750" indent="-285750">
-              <a:buFont typeface="Wingdings" panose="05000000000000000000" pitchFamily="2" charset="2"/>
-              <a:buChar char="Ø"/>
-            </a:pPr>
-            <a:r>
-              <a:rPr lang="en-US" sz="1600" dirty="0">
-                <a:solidFill>
-                  <a:schemeClr val="tx1">
-                    <a:lumMod val="65000"/>
-                    <a:lumOff val="35000"/>
-                  </a:schemeClr>
-                </a:solidFill>
-              </a:rPr>
-              <a:t>Surprisingly, alcohol consumption has a positive correlation with the happiness score. Alcohol consumption has always been linked to be used to cope with pain and despair. It is also linked to crime, violence, accidents and death.</a:t>
-            </a:r>
-          </a:p>
           <a:p>
             <a:pPr marL="285750" indent="-285750">
               <a:buFont typeface="Wingdings" panose="05000000000000000000" pitchFamily="2" charset="2"/>
@@ -12088,9 +11904,40 @@
             </a:endParaRPr>
           </a:p>
           <a:p>
-            <a:pPr marL="285750" indent="-285750">
-              <a:buFont typeface="Wingdings" panose="05000000000000000000" pitchFamily="2" charset="2"/>
-              <a:buChar char="Ø"/>
+            <a:pPr marL="342900" lvl="0" indent="-342900">
+              <a:spcBef>
+                <a:spcPts val="1000"/>
+              </a:spcBef>
+              <a:buClr>
+                <a:srgbClr val="90C226"/>
+              </a:buClr>
+              <a:buSzPct val="80000"/>
+              <a:buFont typeface="Wingdings 3" charset="2"/>
+              <a:buChar char=""/>
+            </a:pPr>
+            <a:r>
+              <a:rPr lang="en-US" sz="1600" dirty="0">
+                <a:solidFill>
+                  <a:schemeClr val="tx1">
+                    <a:lumMod val="65000"/>
+                    <a:lumOff val="35000"/>
+                  </a:schemeClr>
+                </a:solidFill>
+              </a:rPr>
+              <a:t>Surprisingly, alcohol consumption has a positive correlation with the happiness score. Alcohol consumption has always been linked to be used to cope with pain and despair. It is also linked to crime, violence, accidents and death.</a:t>
+            </a:r>
+          </a:p>
+          <a:p>
+            <a:pPr marL="342900" lvl="0" indent="-342900">
+              <a:spcBef>
+                <a:spcPts val="1000"/>
+              </a:spcBef>
+              <a:buClr>
+                <a:srgbClr val="90C226"/>
+              </a:buClr>
+              <a:buSzPct val="80000"/>
+              <a:buFont typeface="Wingdings 3" charset="2"/>
+              <a:buChar char=""/>
             </a:pPr>
             <a:r>
               <a:rPr lang="en-US" sz="1600" dirty="0">
@@ -12229,35 +12076,6 @@
       </p:pic>
       <p:sp>
         <p:nvSpPr>
-          <p:cNvPr id="4" name="Date Placeholder 3">
-            <a:extLst>
-              <a:ext uri="{FF2B5EF4-FFF2-40B4-BE49-F238E27FC236}">
-                <a16:creationId xmlns:a16="http://schemas.microsoft.com/office/drawing/2014/main" id="{E8A222A7-B20C-4D7B-B229-F8CF30F1C82E}"/>
-              </a:ext>
-            </a:extLst>
-          </p:cNvPr>
-          <p:cNvSpPr>
-            <a:spLocks noGrp="1"/>
-          </p:cNvSpPr>
-          <p:nvPr>
-            <p:ph type="dt" sz="half" idx="10"/>
-          </p:nvPr>
-        </p:nvSpPr>
-        <p:spPr/>
-        <p:txBody>
-          <a:bodyPr/>
-          <a:lstStyle/>
-          <a:p>
-            <a:r>
-              <a:rPr lang="en-US"/>
-              <a:t>7/29/2019</a:t>
-            </a:r>
-            <a:endParaRPr lang="en-US" dirty="0"/>
-          </a:p>
-        </p:txBody>
-      </p:sp>
-      <p:sp>
-        <p:nvSpPr>
           <p:cNvPr id="5" name="Slide Number Placeholder 4">
             <a:extLst>
               <a:ext uri="{FF2B5EF4-FFF2-40B4-BE49-F238E27FC236}">
@@ -12301,7 +12119,7 @@
         <p:spPr>
           <a:xfrm>
             <a:off x="4975668" y="2153330"/>
-            <a:ext cx="5327281" cy="2800767"/>
+            <a:ext cx="5327281" cy="2564805"/>
           </a:xfrm>
           <a:prstGeom prst="rect">
             <a:avLst/>
@@ -12314,6 +12132,17 @@
           </a:bodyPr>
           <a:lstStyle/>
           <a:p>
+            <a:pPr marL="342900" lvl="0" indent="-342900">
+              <a:spcBef>
+                <a:spcPts val="1000"/>
+              </a:spcBef>
+              <a:buClr>
+                <a:srgbClr val="90C226"/>
+              </a:buClr>
+              <a:buSzPct val="80000"/>
+              <a:buFont typeface="Wingdings 3" charset="2"/>
+              <a:buChar char=""/>
+            </a:pPr>
             <a:r>
               <a:rPr lang="en-US" sz="1600" dirty="0">
                 <a:solidFill>
@@ -12327,16 +12156,17 @@
             </a:r>
           </a:p>
           <a:p>
-            <a:endParaRPr lang="en-US" sz="1600" dirty="0">
-              <a:solidFill>
-                <a:schemeClr val="tx1">
-                  <a:lumMod val="65000"/>
-                  <a:lumOff val="35000"/>
-                </a:schemeClr>
-              </a:solidFill>
-            </a:endParaRPr>
-          </a:p>
-          <a:p>
+            <a:pPr marL="342900" lvl="0" indent="-342900">
+              <a:spcBef>
+                <a:spcPts val="1000"/>
+              </a:spcBef>
+              <a:buClr>
+                <a:srgbClr val="90C226"/>
+              </a:buClr>
+              <a:buSzPct val="80000"/>
+              <a:buFont typeface="Wingdings 3" charset="2"/>
+              <a:buChar char=""/>
+            </a:pPr>
             <a:r>
               <a:rPr lang="en-US" sz="1600" dirty="0">
                 <a:solidFill>
@@ -12350,16 +12180,17 @@
             </a:r>
           </a:p>
           <a:p>
-            <a:endParaRPr lang="en-US" sz="1600" dirty="0">
-              <a:solidFill>
-                <a:schemeClr val="tx1">
-                  <a:lumMod val="65000"/>
-                  <a:lumOff val="35000"/>
-                </a:schemeClr>
-              </a:solidFill>
-            </a:endParaRPr>
-          </a:p>
-          <a:p>
+            <a:pPr marL="342900" lvl="0" indent="-342900">
+              <a:spcBef>
+                <a:spcPts val="1000"/>
+              </a:spcBef>
+              <a:buClr>
+                <a:srgbClr val="90C226"/>
+              </a:buClr>
+              <a:buSzPct val="80000"/>
+              <a:buFont typeface="Wingdings 3" charset="2"/>
+              <a:buChar char=""/>
+            </a:pPr>
             <a:r>
               <a:rPr lang="en-US" sz="1600" dirty="0">
                 <a:solidFill>
@@ -12554,35 +12385,6 @@
       </p:sp>
       <p:sp>
         <p:nvSpPr>
-          <p:cNvPr id="4" name="Date Placeholder 3">
-            <a:extLst>
-              <a:ext uri="{FF2B5EF4-FFF2-40B4-BE49-F238E27FC236}">
-                <a16:creationId xmlns:a16="http://schemas.microsoft.com/office/drawing/2014/main" id="{84C5B54A-00FC-402E-9608-F1DB644EF4C7}"/>
-              </a:ext>
-            </a:extLst>
-          </p:cNvPr>
-          <p:cNvSpPr>
-            <a:spLocks noGrp="1"/>
-          </p:cNvSpPr>
-          <p:nvPr>
-            <p:ph type="dt" sz="half" idx="10"/>
-          </p:nvPr>
-        </p:nvSpPr>
-        <p:spPr/>
-        <p:txBody>
-          <a:bodyPr/>
-          <a:lstStyle/>
-          <a:p>
-            <a:r>
-              <a:rPr lang="en-US"/>
-              <a:t>7/29/2019</a:t>
-            </a:r>
-            <a:endParaRPr lang="en-US" dirty="0"/>
-          </a:p>
-        </p:txBody>
-      </p:sp>
-      <p:sp>
-        <p:nvSpPr>
           <p:cNvPr id="5" name="Slide Number Placeholder 4">
             <a:extLst>
               <a:ext uri="{FF2B5EF4-FFF2-40B4-BE49-F238E27FC236}">
@@ -12707,35 +12509,6 @@
       </p:pic>
       <p:sp>
         <p:nvSpPr>
-          <p:cNvPr id="4" name="Date Placeholder 3">
-            <a:extLst>
-              <a:ext uri="{FF2B5EF4-FFF2-40B4-BE49-F238E27FC236}">
-                <a16:creationId xmlns:a16="http://schemas.microsoft.com/office/drawing/2014/main" id="{29BC6CCB-75DC-45EB-90C5-FC9680384F56}"/>
-              </a:ext>
-            </a:extLst>
-          </p:cNvPr>
-          <p:cNvSpPr>
-            <a:spLocks noGrp="1"/>
-          </p:cNvSpPr>
-          <p:nvPr>
-            <p:ph type="dt" sz="half" idx="10"/>
-          </p:nvPr>
-        </p:nvSpPr>
-        <p:spPr/>
-        <p:txBody>
-          <a:bodyPr/>
-          <a:lstStyle/>
-          <a:p>
-            <a:r>
-              <a:rPr lang="en-US"/>
-              <a:t>7/29/2019</a:t>
-            </a:r>
-            <a:endParaRPr lang="en-US" dirty="0"/>
-          </a:p>
-        </p:txBody>
-      </p:sp>
-      <p:sp>
-        <p:nvSpPr>
           <p:cNvPr id="5" name="Slide Number Placeholder 4">
             <a:extLst>
               <a:ext uri="{FF2B5EF4-FFF2-40B4-BE49-F238E27FC236}">
@@ -12831,35 +12604,7 @@
             </a:br>
             <a:r>
               <a:rPr lang="en-US" sz="2200" dirty="0"/>
-              <a:t>Correlation between happiness score and disaster rate, internet access rate and average sleeping.</a:t>
-            </a:r>
-          </a:p>
-        </p:txBody>
-      </p:sp>
-      <p:sp>
-        <p:nvSpPr>
-          <p:cNvPr id="4" name="Date Placeholder 3">
-            <a:extLst>
-              <a:ext uri="{FF2B5EF4-FFF2-40B4-BE49-F238E27FC236}">
-                <a16:creationId xmlns:a16="http://schemas.microsoft.com/office/drawing/2014/main" id="{C54E478E-DC00-419D-8C89-AA75EFA9E551}"/>
-              </a:ext>
-            </a:extLst>
-          </p:cNvPr>
-          <p:cNvSpPr>
-            <a:spLocks noGrp="1"/>
-          </p:cNvSpPr>
-          <p:nvPr>
-            <p:ph type="dt" sz="half" idx="10"/>
-          </p:nvPr>
-        </p:nvSpPr>
-        <p:spPr/>
-        <p:txBody>
-          <a:bodyPr/>
-          <a:lstStyle/>
-          <a:p>
-            <a:r>
-              <a:rPr lang="en-US" dirty="0"/>
-              <a:t>7/29/2019</a:t>
+              <a:t>Correlation between Happiness Score and Disaster Rate, Internet Access Rate, and Average Sleeping.</a:t>
             </a:r>
           </a:p>
         </p:txBody>
@@ -12951,9 +12696,20 @@
           </a:bodyPr>
           <a:lstStyle/>
           <a:p>
+            <a:pPr marL="342900" lvl="0" indent="-342900">
+              <a:spcBef>
+                <a:spcPts val="1000"/>
+              </a:spcBef>
+              <a:buClr>
+                <a:srgbClr val="90C226"/>
+              </a:buClr>
+              <a:buSzPct val="80000"/>
+              <a:buFont typeface="Wingdings 3" charset="2"/>
+              <a:buChar char=""/>
+            </a:pPr>
             <a:r>
               <a:rPr lang="en-US" dirty="0"/>
-              <a:t>- There are slight relationships between happiness score and disaster rate, internet access rate.</a:t>
+              <a:t>There are slight relationships between happiness score and disaster rate, internet access rate.</a:t>
             </a:r>
           </a:p>
         </p:txBody>
@@ -13020,7 +12776,7 @@
             </a:br>
             <a:r>
               <a:rPr lang="en-US" sz="2200" dirty="0"/>
-              <a:t>Is there a relationship between Happiness and Disaster Risk, Internet access rate and Average Sleeping?</a:t>
+              <a:t>Is there a relationship between Happiness and Disaster Risk, Internet Access Rate, and Average Sleeping?</a:t>
             </a:r>
           </a:p>
         </p:txBody>
@@ -13056,35 +12812,6 @@
       </p:pic>
       <p:sp>
         <p:nvSpPr>
-          <p:cNvPr id="4" name="Date Placeholder 3">
-            <a:extLst>
-              <a:ext uri="{FF2B5EF4-FFF2-40B4-BE49-F238E27FC236}">
-                <a16:creationId xmlns:a16="http://schemas.microsoft.com/office/drawing/2014/main" id="{F818E91A-952D-4A9D-9763-F2C38F2777CE}"/>
-              </a:ext>
-            </a:extLst>
-          </p:cNvPr>
-          <p:cNvSpPr>
-            <a:spLocks noGrp="1"/>
-          </p:cNvSpPr>
-          <p:nvPr>
-            <p:ph type="dt" sz="half" idx="10"/>
-          </p:nvPr>
-        </p:nvSpPr>
-        <p:spPr/>
-        <p:txBody>
-          <a:bodyPr/>
-          <a:lstStyle/>
-          <a:p>
-            <a:r>
-              <a:rPr lang="en-US"/>
-              <a:t>7/29/2019</a:t>
-            </a:r>
-            <a:endParaRPr lang="en-US" dirty="0"/>
-          </a:p>
-        </p:txBody>
-      </p:sp>
-      <p:sp>
-        <p:nvSpPr>
           <p:cNvPr id="5" name="Slide Number Placeholder 4">
             <a:extLst>
               <a:ext uri="{FF2B5EF4-FFF2-40B4-BE49-F238E27FC236}">
@@ -13127,8 +12854,8 @@
         </p:nvSpPr>
         <p:spPr>
           <a:xfrm>
-            <a:off x="6134100" y="2552700"/>
-            <a:ext cx="3565071" cy="3139321"/>
+            <a:off x="6096000" y="2170361"/>
+            <a:ext cx="3565071" cy="4078039"/>
           </a:xfrm>
           <a:prstGeom prst="rect">
             <a:avLst/>
@@ -13141,9 +12868,16 @@
           </a:bodyPr>
           <a:lstStyle/>
           <a:p>
-            <a:pPr marL="285750" indent="-285750">
-              <a:buFontTx/>
-              <a:buChar char="-"/>
+            <a:pPr marL="342900" lvl="0" indent="-342900">
+              <a:spcBef>
+                <a:spcPts val="1000"/>
+              </a:spcBef>
+              <a:buClr>
+                <a:srgbClr val="90C226"/>
+              </a:buClr>
+              <a:buSzPct val="80000"/>
+              <a:buFont typeface="Wingdings 3" charset="2"/>
+              <a:buChar char=""/>
             </a:pPr>
             <a:r>
               <a:rPr lang="en-US" dirty="0"/>
@@ -13151,33 +12885,54 @@
             </a:r>
           </a:p>
           <a:p>
-            <a:pPr marL="285750" indent="-285750">
-              <a:buFontTx/>
-              <a:buChar char="-"/>
+            <a:pPr marL="342900" lvl="0" indent="-342900">
+              <a:spcBef>
+                <a:spcPts val="1000"/>
+              </a:spcBef>
+              <a:buClr>
+                <a:srgbClr val="90C226"/>
+              </a:buClr>
+              <a:buSzPct val="80000"/>
+              <a:buFont typeface="Wingdings 3" charset="2"/>
+              <a:buChar char=""/>
             </a:pPr>
             <a:r>
               <a:rPr lang="en-US" dirty="0"/>
-              <a:t>More disasters lead to less happiness for people,</a:t>
-            </a:r>
-          </a:p>
-          <a:p>
-            <a:pPr marL="285750" indent="-285750">
-              <a:buFontTx/>
-              <a:buChar char="-"/>
+              <a:t>More disasters lead to less happiness for people.</a:t>
+            </a:r>
+          </a:p>
+          <a:p>
+            <a:pPr marL="342900" lvl="0" indent="-342900">
+              <a:spcBef>
+                <a:spcPts val="1000"/>
+              </a:spcBef>
+              <a:buClr>
+                <a:srgbClr val="90C226"/>
+              </a:buClr>
+              <a:buSzPct val="80000"/>
+              <a:buFont typeface="Wingdings 3" charset="2"/>
+              <a:buChar char=""/>
             </a:pPr>
             <a:r>
               <a:rPr lang="en-US" dirty="0"/>
-              <a:t>More access to the internet help people feel happier.</a:t>
-            </a:r>
-          </a:p>
-          <a:p>
-            <a:pPr marL="285750" indent="-285750">
-              <a:buFontTx/>
-              <a:buChar char="-"/>
+              <a:t>More access to the internet helps people feel happier.</a:t>
+            </a:r>
+          </a:p>
+          <a:p>
+            <a:pPr marL="342900" lvl="0" indent="-342900">
+              <a:spcBef>
+                <a:spcPts val="1000"/>
+              </a:spcBef>
+              <a:buClr>
+                <a:srgbClr val="90C226"/>
+              </a:buClr>
+              <a:buSzPct val="80000"/>
+              <a:buFont typeface="Wingdings 3" charset="2"/>
+              <a:buChar char=""/>
             </a:pPr>
             <a:r>
               <a:rPr lang="en-US" dirty="0"/>
-              <a:t>While sleeping is not, but we need deeper analysis because there are less countries in this study.</a:t>
+              <a:t>While sleeping does not appear to have a strong relationship with happiness, deeper analysis is needed because there are fewer countries in this study.</a:t>
             </a:r>
           </a:p>
         </p:txBody>
@@ -13244,37 +12999,8 @@
             </a:br>
             <a:r>
               <a:rPr lang="en-US" sz="2200" dirty="0"/>
-              <a:t>Correlation Coefficients between happiness and disaster rate, internet access rate and average sleeping.</a:t>
-            </a:r>
-          </a:p>
-        </p:txBody>
-      </p:sp>
-      <p:sp>
-        <p:nvSpPr>
-          <p:cNvPr id="4" name="Date Placeholder 3">
-            <a:extLst>
-              <a:ext uri="{FF2B5EF4-FFF2-40B4-BE49-F238E27FC236}">
-                <a16:creationId xmlns:a16="http://schemas.microsoft.com/office/drawing/2014/main" id="{D07D9A69-7125-4006-995E-1BF4B2955E96}"/>
-              </a:ext>
-            </a:extLst>
-          </p:cNvPr>
-          <p:cNvSpPr>
-            <a:spLocks noGrp="1"/>
-          </p:cNvSpPr>
-          <p:nvPr>
-            <p:ph type="dt" sz="half" idx="10"/>
-          </p:nvPr>
-        </p:nvSpPr>
-        <p:spPr/>
-        <p:txBody>
-          <a:bodyPr/>
-          <a:lstStyle/>
-          <a:p>
-            <a:r>
-              <a:rPr lang="en-US"/>
-              <a:t>7/29/2019</a:t>
-            </a:r>
-            <a:endParaRPr lang="en-US" dirty="0"/>
+              <a:t>Correlation Coefficients Happiness Score and Disaster Rate, Internet Access Rate, and Average Sleeping.</a:t>
+            </a:r>
           </a:p>
         </p:txBody>
       </p:sp>
@@ -13672,35 +13398,6 @@
       </p:sp>
       <p:sp>
         <p:nvSpPr>
-          <p:cNvPr id="4" name="Date Placeholder 3">
-            <a:extLst>
-              <a:ext uri="{FF2B5EF4-FFF2-40B4-BE49-F238E27FC236}">
-                <a16:creationId xmlns:a16="http://schemas.microsoft.com/office/drawing/2014/main" id="{C4ED3B52-CF4F-4420-9626-2DFDCF8C1D10}"/>
-              </a:ext>
-            </a:extLst>
-          </p:cNvPr>
-          <p:cNvSpPr>
-            <a:spLocks noGrp="1"/>
-          </p:cNvSpPr>
-          <p:nvPr>
-            <p:ph type="dt" sz="half" idx="10"/>
-          </p:nvPr>
-        </p:nvSpPr>
-        <p:spPr/>
-        <p:txBody>
-          <a:bodyPr/>
-          <a:lstStyle/>
-          <a:p>
-            <a:r>
-              <a:rPr lang="en-US"/>
-              <a:t>7/29/2019</a:t>
-            </a:r>
-            <a:endParaRPr lang="en-US" dirty="0"/>
-          </a:p>
-        </p:txBody>
-      </p:sp>
-      <p:sp>
-        <p:nvSpPr>
           <p:cNvPr id="5" name="Slide Number Placeholder 4">
             <a:extLst>
               <a:ext uri="{FF2B5EF4-FFF2-40B4-BE49-F238E27FC236}">
@@ -13781,10 +13478,9 @@
           <a:lstStyle/>
           <a:p>
             <a:r>
-              <a:rPr lang="en-US" dirty="0" err="1"/>
-              <a:t>Followups</a:t>
-            </a:r>
-            <a:endParaRPr lang="en-US" dirty="0"/>
+              <a:rPr lang="en-US" dirty="0"/>
+              <a:t>Follow-Ups</a:t>
+            </a:r>
           </a:p>
         </p:txBody>
       </p:sp>
@@ -13835,12 +13531,8 @@
               <a:buChar char="§"/>
             </a:pPr>
             <a:r>
-              <a:rPr lang="en-US" dirty="0" err="1"/>
-              <a:t>Knn</a:t>
-            </a:r>
-            <a:r>
               <a:rPr lang="en-US" dirty="0"/>
-              <a:t>.</a:t>
+              <a:t>K Nearest Neighbor.</a:t>
             </a:r>
           </a:p>
           <a:p>
@@ -13866,35 +13558,6 @@
               <a:rPr lang="en-US" dirty="0"/>
               <a:t>The changes of happiness over time. </a:t>
             </a:r>
-          </a:p>
-        </p:txBody>
-      </p:sp>
-      <p:sp>
-        <p:nvSpPr>
-          <p:cNvPr id="4" name="Date Placeholder 3">
-            <a:extLst>
-              <a:ext uri="{FF2B5EF4-FFF2-40B4-BE49-F238E27FC236}">
-                <a16:creationId xmlns:a16="http://schemas.microsoft.com/office/drawing/2014/main" id="{A0DA176E-6A9B-4D6C-ADD8-4EE4ACF70F54}"/>
-              </a:ext>
-            </a:extLst>
-          </p:cNvPr>
-          <p:cNvSpPr>
-            <a:spLocks noGrp="1"/>
-          </p:cNvSpPr>
-          <p:nvPr>
-            <p:ph type="dt" sz="half" idx="10"/>
-          </p:nvPr>
-        </p:nvSpPr>
-        <p:spPr/>
-        <p:txBody>
-          <a:bodyPr/>
-          <a:lstStyle/>
-          <a:p>
-            <a:r>
-              <a:rPr lang="en-US"/>
-              <a:t>7/29/2019</a:t>
-            </a:r>
-            <a:endParaRPr lang="en-US" dirty="0"/>
           </a:p>
         </p:txBody>
       </p:sp>
@@ -13991,35 +13654,6 @@
               <a:rPr lang="en-US" sz="4000" dirty="0"/>
               <a:t>Questions?</a:t>
             </a:r>
-          </a:p>
-        </p:txBody>
-      </p:sp>
-      <p:sp>
-        <p:nvSpPr>
-          <p:cNvPr id="4" name="Date Placeholder 3">
-            <a:extLst>
-              <a:ext uri="{FF2B5EF4-FFF2-40B4-BE49-F238E27FC236}">
-                <a16:creationId xmlns:a16="http://schemas.microsoft.com/office/drawing/2014/main" id="{7C669383-E5C2-4490-B317-643DC573D855}"/>
-              </a:ext>
-            </a:extLst>
-          </p:cNvPr>
-          <p:cNvSpPr>
-            <a:spLocks noGrp="1"/>
-          </p:cNvSpPr>
-          <p:nvPr>
-            <p:ph type="dt" sz="half" idx="10"/>
-          </p:nvPr>
-        </p:nvSpPr>
-        <p:spPr/>
-        <p:txBody>
-          <a:bodyPr/>
-          <a:lstStyle/>
-          <a:p>
-            <a:r>
-              <a:rPr lang="en-US"/>
-              <a:t>7/29/2019</a:t>
-            </a:r>
-            <a:endParaRPr lang="en-US" dirty="0"/>
           </a:p>
         </p:txBody>
       </p:sp>
@@ -14822,15 +14456,15 @@
               </a:lnSpc>
             </a:pPr>
             <a:r>
-              <a:rPr lang="en-US" sz="4200"/>
-              <a:t> International Day of Happiness is on March 20</a:t>
-            </a:r>
-            <a:r>
-              <a:rPr lang="en-US" sz="4200" baseline="30000"/>
+              <a:rPr lang="en-US" sz="4200" dirty="0"/>
+              <a:t>International Day of Happiness is on March 20</a:t>
+            </a:r>
+            <a:r>
+              <a:rPr lang="en-US" sz="4200" baseline="30000" dirty="0"/>
               <a:t>th</a:t>
             </a:r>
             <a:r>
-              <a:rPr lang="en-US" sz="4200"/>
+              <a:rPr lang="en-US" sz="4200" dirty="0"/>
               <a:t>.</a:t>
             </a:r>
           </a:p>
@@ -14866,46 +14500,6 @@
           </a:prstGeom>
         </p:spPr>
       </p:pic>
-      <p:sp>
-        <p:nvSpPr>
-          <p:cNvPr id="3" name="Date Placeholder 2">
-            <a:extLst>
-              <a:ext uri="{FF2B5EF4-FFF2-40B4-BE49-F238E27FC236}">
-                <a16:creationId xmlns:a16="http://schemas.microsoft.com/office/drawing/2014/main" id="{21935C9B-159C-4890-83B8-0ACCA636AB2C}"/>
-              </a:ext>
-            </a:extLst>
-          </p:cNvPr>
-          <p:cNvSpPr>
-            <a:spLocks noGrp="1"/>
-          </p:cNvSpPr>
-          <p:nvPr>
-            <p:ph type="dt" sz="half" idx="10"/>
-          </p:nvPr>
-        </p:nvSpPr>
-        <p:spPr>
-          <a:xfrm>
-            <a:off x="6094411" y="6041362"/>
-            <a:ext cx="2022661" cy="365125"/>
-          </a:xfrm>
-        </p:spPr>
-        <p:txBody>
-          <a:bodyPr vert="horz" lIns="91440" tIns="45720" rIns="91440" bIns="45720" rtlCol="0" anchor="ctr">
-            <a:normAutofit/>
-          </a:bodyPr>
-          <a:lstStyle/>
-          <a:p>
-            <a:pPr defTabSz="914400">
-              <a:spcAft>
-                <a:spcPts val="600"/>
-              </a:spcAft>
-            </a:pPr>
-            <a:r>
-              <a:rPr lang="en-US"/>
-              <a:t>7/29/2019</a:t>
-            </a:r>
-          </a:p>
-        </p:txBody>
-      </p:sp>
       <p:pic>
         <p:nvPicPr>
           <p:cNvPr id="6" name="Picture 5" descr="A picture containing indoor&#10;&#10;Description automatically generated">
@@ -15134,35 +14728,6 @@
       </p:sp>
       <p:sp>
         <p:nvSpPr>
-          <p:cNvPr id="4" name="Date Placeholder 3">
-            <a:extLst>
-              <a:ext uri="{FF2B5EF4-FFF2-40B4-BE49-F238E27FC236}">
-                <a16:creationId xmlns:a16="http://schemas.microsoft.com/office/drawing/2014/main" id="{134CD9C2-2645-4809-86E2-AF5154EB44A7}"/>
-              </a:ext>
-            </a:extLst>
-          </p:cNvPr>
-          <p:cNvSpPr>
-            <a:spLocks noGrp="1"/>
-          </p:cNvSpPr>
-          <p:nvPr>
-            <p:ph type="dt" sz="half" idx="10"/>
-          </p:nvPr>
-        </p:nvSpPr>
-        <p:spPr/>
-        <p:txBody>
-          <a:bodyPr/>
-          <a:lstStyle/>
-          <a:p>
-            <a:r>
-              <a:rPr lang="en-US"/>
-              <a:t>7/29/2019</a:t>
-            </a:r>
-            <a:endParaRPr lang="en-US" dirty="0"/>
-          </a:p>
-        </p:txBody>
-      </p:sp>
-      <p:sp>
-        <p:nvSpPr>
           <p:cNvPr id="5" name="Slide Number Placeholder 4">
             <a:extLst>
               <a:ext uri="{FF2B5EF4-FFF2-40B4-BE49-F238E27FC236}">
@@ -15341,35 +14906,6 @@
       </p:sp>
       <p:sp>
         <p:nvSpPr>
-          <p:cNvPr id="4" name="Date Placeholder 3">
-            <a:extLst>
-              <a:ext uri="{FF2B5EF4-FFF2-40B4-BE49-F238E27FC236}">
-                <a16:creationId xmlns:a16="http://schemas.microsoft.com/office/drawing/2014/main" id="{134CD9C2-2645-4809-86E2-AF5154EB44A7}"/>
-              </a:ext>
-            </a:extLst>
-          </p:cNvPr>
-          <p:cNvSpPr>
-            <a:spLocks noGrp="1"/>
-          </p:cNvSpPr>
-          <p:nvPr>
-            <p:ph type="dt" sz="half" idx="10"/>
-          </p:nvPr>
-        </p:nvSpPr>
-        <p:spPr/>
-        <p:txBody>
-          <a:bodyPr/>
-          <a:lstStyle/>
-          <a:p>
-            <a:r>
-              <a:rPr lang="en-US"/>
-              <a:t>7/29/2019</a:t>
-            </a:r>
-            <a:endParaRPr lang="en-US" dirty="0"/>
-          </a:p>
-        </p:txBody>
-      </p:sp>
-      <p:sp>
-        <p:nvSpPr>
           <p:cNvPr id="5" name="Slide Number Placeholder 4">
             <a:extLst>
               <a:ext uri="{FF2B5EF4-FFF2-40B4-BE49-F238E27FC236}">
@@ -15479,7 +15015,7 @@
           <a:p>
             <a:r>
               <a:rPr lang="en-US" dirty="0"/>
-              <a:t>Happiness data is obtained from The World Happiness Report</a:t>
+              <a:t>Happiness data is obtained from The World Happiness Report.</a:t>
             </a:r>
           </a:p>
           <a:p>
@@ -15497,7 +15033,7 @@
           <a:p>
             <a:r>
               <a:rPr lang="en-US" dirty="0"/>
-              <a:t>Data is available at the country level</a:t>
+              <a:t>Data is available at the country level.</a:t>
             </a:r>
           </a:p>
           <a:p>
@@ -15516,35 +15052,6 @@
             <a:pPr marL="0" indent="0">
               <a:buNone/>
             </a:pPr>
-            <a:endParaRPr lang="en-US" dirty="0"/>
-          </a:p>
-        </p:txBody>
-      </p:sp>
-      <p:sp>
-        <p:nvSpPr>
-          <p:cNvPr id="4" name="Date Placeholder 3">
-            <a:extLst>
-              <a:ext uri="{FF2B5EF4-FFF2-40B4-BE49-F238E27FC236}">
-                <a16:creationId xmlns:a16="http://schemas.microsoft.com/office/drawing/2014/main" id="{611C6292-D106-432F-8984-35C02DA3CEC1}"/>
-              </a:ext>
-            </a:extLst>
-          </p:cNvPr>
-          <p:cNvSpPr>
-            <a:spLocks noGrp="1"/>
-          </p:cNvSpPr>
-          <p:nvPr>
-            <p:ph type="dt" sz="half" idx="10"/>
-          </p:nvPr>
-        </p:nvSpPr>
-        <p:spPr/>
-        <p:txBody>
-          <a:bodyPr/>
-          <a:lstStyle/>
-          <a:p>
-            <a:r>
-              <a:rPr lang="en-US"/>
-              <a:t>7/29/2019</a:t>
-            </a:r>
             <a:endParaRPr lang="en-US" dirty="0"/>
           </a:p>
         </p:txBody>
@@ -15711,47 +15218,12 @@
             </a:r>
           </a:p>
           <a:p>
-            <a:pPr marL="457200" lvl="1" indent="0">
-              <a:buNone/>
-            </a:pPr>
-            <a:endParaRPr lang="en-US" dirty="0"/>
-          </a:p>
-          <a:p>
             <a:r>
               <a:rPr lang="en-US" dirty="0"/>
               <a:t>Maps are from Google Maps</a:t>
             </a:r>
           </a:p>
           <a:p>
-            <a:endParaRPr lang="en-US" dirty="0"/>
-          </a:p>
-        </p:txBody>
-      </p:sp>
-      <p:sp>
-        <p:nvSpPr>
-          <p:cNvPr id="4" name="Date Placeholder 3">
-            <a:extLst>
-              <a:ext uri="{FF2B5EF4-FFF2-40B4-BE49-F238E27FC236}">
-                <a16:creationId xmlns:a16="http://schemas.microsoft.com/office/drawing/2014/main" id="{7DD18B79-5FB2-4FE3-84CB-824C3F5AFF56}"/>
-              </a:ext>
-            </a:extLst>
-          </p:cNvPr>
-          <p:cNvSpPr>
-            <a:spLocks noGrp="1"/>
-          </p:cNvSpPr>
-          <p:nvPr>
-            <p:ph type="dt" sz="half" idx="10"/>
-          </p:nvPr>
-        </p:nvSpPr>
-        <p:spPr/>
-        <p:txBody>
-          <a:bodyPr/>
-          <a:lstStyle/>
-          <a:p>
-            <a:r>
-              <a:rPr lang="en-US"/>
-              <a:t>7/29/2019</a:t>
-            </a:r>
             <a:endParaRPr lang="en-US" dirty="0"/>
           </a:p>
         </p:txBody>
@@ -15911,35 +15383,6 @@
       </p:sp>
       <p:sp>
         <p:nvSpPr>
-          <p:cNvPr id="4" name="Date Placeholder 3">
-            <a:extLst>
-              <a:ext uri="{FF2B5EF4-FFF2-40B4-BE49-F238E27FC236}">
-                <a16:creationId xmlns:a16="http://schemas.microsoft.com/office/drawing/2014/main" id="{B58D5A20-FDC7-4054-BA84-9DADF036AA35}"/>
-              </a:ext>
-            </a:extLst>
-          </p:cNvPr>
-          <p:cNvSpPr>
-            <a:spLocks noGrp="1"/>
-          </p:cNvSpPr>
-          <p:nvPr>
-            <p:ph type="dt" sz="half" idx="10"/>
-          </p:nvPr>
-        </p:nvSpPr>
-        <p:spPr/>
-        <p:txBody>
-          <a:bodyPr/>
-          <a:lstStyle/>
-          <a:p>
-            <a:r>
-              <a:rPr lang="en-US"/>
-              <a:t>7/29/2019</a:t>
-            </a:r>
-            <a:endParaRPr lang="en-US" dirty="0"/>
-          </a:p>
-        </p:txBody>
-      </p:sp>
-      <p:sp>
-        <p:nvSpPr>
           <p:cNvPr id="5" name="Slide Number Placeholder 4">
             <a:extLst>
               <a:ext uri="{FF2B5EF4-FFF2-40B4-BE49-F238E27FC236}">
@@ -16055,35 +15498,6 @@
           </a:xfrm>
         </p:spPr>
       </p:pic>
-      <p:sp>
-        <p:nvSpPr>
-          <p:cNvPr id="4" name="Date Placeholder 3">
-            <a:extLst>
-              <a:ext uri="{FF2B5EF4-FFF2-40B4-BE49-F238E27FC236}">
-                <a16:creationId xmlns:a16="http://schemas.microsoft.com/office/drawing/2014/main" id="{E1E1B43F-3C54-4D57-A6CD-E7DA60699B28}"/>
-              </a:ext>
-            </a:extLst>
-          </p:cNvPr>
-          <p:cNvSpPr>
-            <a:spLocks noGrp="1"/>
-          </p:cNvSpPr>
-          <p:nvPr>
-            <p:ph type="dt" sz="half" idx="10"/>
-          </p:nvPr>
-        </p:nvSpPr>
-        <p:spPr/>
-        <p:txBody>
-          <a:bodyPr/>
-          <a:lstStyle/>
-          <a:p>
-            <a:r>
-              <a:rPr lang="en-US"/>
-              <a:t>7/29/2019</a:t>
-            </a:r>
-            <a:endParaRPr lang="en-US" dirty="0"/>
-          </a:p>
-        </p:txBody>
-      </p:sp>
       <p:sp>
         <p:nvSpPr>
           <p:cNvPr id="5" name="Slide Number Placeholder 4">
@@ -16300,35 +15714,6 @@
           </a:extLst>
         </p:spPr>
       </p:pic>
-      <p:sp>
-        <p:nvSpPr>
-          <p:cNvPr id="3" name="Date Placeholder 2">
-            <a:extLst>
-              <a:ext uri="{FF2B5EF4-FFF2-40B4-BE49-F238E27FC236}">
-                <a16:creationId xmlns:a16="http://schemas.microsoft.com/office/drawing/2014/main" id="{6FA8C679-EE13-4847-BAF0-B8FFEDB526D5}"/>
-              </a:ext>
-            </a:extLst>
-          </p:cNvPr>
-          <p:cNvSpPr>
-            <a:spLocks noGrp="1"/>
-          </p:cNvSpPr>
-          <p:nvPr>
-            <p:ph type="dt" sz="half" idx="10"/>
-          </p:nvPr>
-        </p:nvSpPr>
-        <p:spPr/>
-        <p:txBody>
-          <a:bodyPr/>
-          <a:lstStyle/>
-          <a:p>
-            <a:r>
-              <a:rPr lang="en-US"/>
-              <a:t>7/29/2019</a:t>
-            </a:r>
-            <a:endParaRPr lang="en-US" dirty="0"/>
-          </a:p>
-        </p:txBody>
-      </p:sp>
       <p:sp>
         <p:nvSpPr>
           <p:cNvPr id="6" name="Slide Number Placeholder 5">

--- a/What Makes the World Happy.pptx
+++ b/What Makes the World Happy.pptx
@@ -11223,26 +11223,32 @@
         </p:spPr>
         <p:txBody>
           <a:bodyPr>
-            <a:normAutofit/>
+            <a:normAutofit fontScale="92500" lnSpcReduction="10000"/>
           </a:bodyPr>
           <a:lstStyle/>
           <a:p>
+            <a:pPr lvl="0"/>
             <a:r>
               <a:rPr lang="en-US" dirty="0"/>
-              <a:t>Log(GDP) has some relationship with the happiness score. </a:t>
-            </a:r>
-          </a:p>
-          <a:p>
+              <a:t>Log(GDP) AND Log (PPP) have some relationship with the happiness score. </a:t>
+            </a:r>
+          </a:p>
+          <a:p>
+            <a:pPr lvl="0"/>
             <a:r>
               <a:rPr lang="en-US" dirty="0"/>
-              <a:t>Correlation coefficient is 0.5549 </a:t>
-            </a:r>
-          </a:p>
-          <a:p>
+              <a:t>Correlation coefficients are 0.5549 and 0.4455 </a:t>
+            </a:r>
+          </a:p>
+          <a:p>
+            <a:pPr lvl="0"/>
             <a:r>
               <a:rPr lang="en-US" dirty="0"/>
-              <a:t>Wealthier countries tend to be happier.</a:t>
-            </a:r>
+              <a:t>Wealthier countries and countries with a higher standard of living tend to be happier.</a:t>
+            </a:r>
+          </a:p>
+          <a:p>
+            <a:endParaRPr lang="en-US" dirty="0"/>
           </a:p>
         </p:txBody>
       </p:sp>
@@ -11326,7 +11332,7 @@
         </p:blipFill>
         <p:spPr>
           <a:xfrm>
-            <a:off x="1151205" y="1965093"/>
+            <a:off x="1151205" y="1930400"/>
             <a:ext cx="8809225" cy="2846058"/>
           </a:xfrm>
           <a:prstGeom prst="rect">
@@ -11442,7 +11448,7 @@
           <a:p>
             <a:r>
               <a:rPr lang="en-US" dirty="0"/>
-              <a:t>The number of people I a country and how close they live to each other does not affect happiness. </a:t>
+              <a:t>The number of people in a country and how close they live to each other does not affect happiness. </a:t>
             </a:r>
           </a:p>
         </p:txBody>
@@ -13327,7 +13333,7 @@
                   </a:schemeClr>
                 </a:solidFill>
               </a:rPr>
-              <a:t>GDP/PPP, Alcohol Consumption, Disaster Risk rate, Average Sleep</a:t>
+              <a:t>GDP, PPP, Alcohol Consumption, Disaster Risk rate, Average Sleep</a:t>
             </a:r>
           </a:p>
           <a:p>

--- a/What Makes the World Happy.pptx
+++ b/What Makes the World Happy.pptx
@@ -5,7 +5,7 @@
     <p:sldMasterId id="2147483648" r:id="rId1"/>
   </p:sldMasterIdLst>
   <p:notesMasterIdLst>
-    <p:notesMasterId r:id="rId29"/>
+    <p:notesMasterId r:id="rId28"/>
   </p:notesMasterIdLst>
   <p:sldIdLst>
     <p:sldId id="256" r:id="rId2"/>
@@ -20,21 +20,20 @@
     <p:sldId id="267" r:id="rId11"/>
     <p:sldId id="268" r:id="rId12"/>
     <p:sldId id="269" r:id="rId13"/>
-    <p:sldId id="271" r:id="rId14"/>
-    <p:sldId id="270" r:id="rId15"/>
-    <p:sldId id="282" r:id="rId16"/>
-    <p:sldId id="283" r:id="rId17"/>
-    <p:sldId id="273" r:id="rId18"/>
-    <p:sldId id="276" r:id="rId19"/>
-    <p:sldId id="275" r:id="rId20"/>
-    <p:sldId id="280" r:id="rId21"/>
-    <p:sldId id="274" r:id="rId22"/>
-    <p:sldId id="277" r:id="rId23"/>
-    <p:sldId id="278" r:id="rId24"/>
-    <p:sldId id="262" r:id="rId25"/>
-    <p:sldId id="263" r:id="rId26"/>
-    <p:sldId id="264" r:id="rId27"/>
-    <p:sldId id="265" r:id="rId28"/>
+    <p:sldId id="270" r:id="rId14"/>
+    <p:sldId id="282" r:id="rId15"/>
+    <p:sldId id="283" r:id="rId16"/>
+    <p:sldId id="273" r:id="rId17"/>
+    <p:sldId id="276" r:id="rId18"/>
+    <p:sldId id="275" r:id="rId19"/>
+    <p:sldId id="280" r:id="rId20"/>
+    <p:sldId id="274" r:id="rId21"/>
+    <p:sldId id="277" r:id="rId22"/>
+    <p:sldId id="278" r:id="rId23"/>
+    <p:sldId id="262" r:id="rId24"/>
+    <p:sldId id="263" r:id="rId25"/>
+    <p:sldId id="264" r:id="rId26"/>
+    <p:sldId id="265" r:id="rId27"/>
   </p:sldIdLst>
   <p:sldSz cx="12192000" cy="6858000"/>
   <p:notesSz cx="6858000" cy="9144000"/>
@@ -10793,7 +10792,7 @@
           <p:cNvPr id="2" name="Title 1">
             <a:extLst>
               <a:ext uri="{FF2B5EF4-FFF2-40B4-BE49-F238E27FC236}">
-                <a16:creationId xmlns:a16="http://schemas.microsoft.com/office/drawing/2014/main" id="{1B4ED215-20D1-4DAB-8576-23EE0E06DEB8}"/>
+                <a16:creationId xmlns:a16="http://schemas.microsoft.com/office/drawing/2014/main" id="{B2BEB5D7-FBE4-462C-A0EF-D425722145A0}"/>
               </a:ext>
             </a:extLst>
           </p:cNvPr>
@@ -10806,22 +10805,60 @@
         </p:nvSpPr>
         <p:spPr/>
         <p:txBody>
-          <a:bodyPr/>
+          <a:bodyPr>
+            <a:normAutofit/>
+          </a:bodyPr>
           <a:lstStyle/>
           <a:p>
             <a:r>
               <a:rPr lang="en-US" dirty="0"/>
-              <a:t>Distance Analysis</a:t>
-            </a:r>
-          </a:p>
-        </p:txBody>
-      </p:sp>
+              <a:t>Variable Analysis</a:t>
+            </a:r>
+            <a:br>
+              <a:rPr lang="en-US" dirty="0"/>
+            </a:br>
+            <a:r>
+              <a:rPr lang="en-US" sz="2200" dirty="0"/>
+              <a:t>Is there a relationship between Happiness and Economic Variables?</a:t>
+            </a:r>
+          </a:p>
+        </p:txBody>
+      </p:sp>
+      <p:pic>
+        <p:nvPicPr>
+          <p:cNvPr id="7" name="Content Placeholder 6" descr="A close up of a map&#10;&#10;Description automatically generated">
+            <a:extLst>
+              <a:ext uri="{FF2B5EF4-FFF2-40B4-BE49-F238E27FC236}">
+                <a16:creationId xmlns:a16="http://schemas.microsoft.com/office/drawing/2014/main" id="{1FFACE8A-8689-4002-92C9-EFA002BB263E}"/>
+              </a:ext>
+            </a:extLst>
+          </p:cNvPr>
+          <p:cNvPicPr>
+            <a:picLocks noGrp="1" noChangeAspect="1"/>
+          </p:cNvPicPr>
+          <p:nvPr>
+            <p:ph idx="1"/>
+          </p:nvPr>
+        </p:nvPicPr>
+        <p:blipFill>
+          <a:blip r:embed="rId2"/>
+          <a:stretch>
+            <a:fillRect/>
+          </a:stretch>
+        </p:blipFill>
+        <p:spPr>
+          <a:xfrm>
+            <a:off x="2164568" y="1599096"/>
+            <a:ext cx="5622200" cy="3881437"/>
+          </a:xfrm>
+        </p:spPr>
+      </p:pic>
       <p:sp>
         <p:nvSpPr>
           <p:cNvPr id="5" name="Slide Number Placeholder 4">
             <a:extLst>
               <a:ext uri="{FF2B5EF4-FFF2-40B4-BE49-F238E27FC236}">
-                <a16:creationId xmlns:a16="http://schemas.microsoft.com/office/drawing/2014/main" id="{8716A715-5BB9-4673-914A-4F9AC31F68A0}"/>
+                <a16:creationId xmlns:a16="http://schemas.microsoft.com/office/drawing/2014/main" id="{C83CDD9F-D3D6-4069-BC62-092039A5B68F}"/>
               </a:ext>
             </a:extLst>
           </p:cNvPr>
@@ -10851,7 +10888,7 @@
           <p:cNvPr id="8" name="TextBox 7">
             <a:extLst>
               <a:ext uri="{FF2B5EF4-FFF2-40B4-BE49-F238E27FC236}">
-                <a16:creationId xmlns:a16="http://schemas.microsoft.com/office/drawing/2014/main" id="{E633CF89-E740-49BC-A413-A59DE38B507B}"/>
+                <a16:creationId xmlns:a16="http://schemas.microsoft.com/office/drawing/2014/main" id="{BD2CF4ED-22D3-452D-BF21-7478EAA7E7F6}"/>
               </a:ext>
             </a:extLst>
           </p:cNvPr>
@@ -10860,8 +10897,8 @@
         </p:nvSpPr>
         <p:spPr>
           <a:xfrm>
-            <a:off x="1132925" y="2544415"/>
-            <a:ext cx="3664362" cy="3118803"/>
+            <a:off x="1272209" y="5577593"/>
+            <a:ext cx="8596668" cy="646331"/>
           </a:xfrm>
           <a:prstGeom prst="rect">
             <a:avLst/>
@@ -10887,78 +10924,15 @@
             </a:pPr>
             <a:r>
               <a:rPr lang="en-US" dirty="0"/>
-              <a:t>There is almost no correlation between distance between countries and difference between scores.</a:t>
-            </a:r>
-          </a:p>
-          <a:p>
-            <a:pPr marL="342900" lvl="0" indent="-342900">
-              <a:spcBef>
-                <a:spcPts val="1000"/>
-              </a:spcBef>
-              <a:buClr>
-                <a:srgbClr val="90C226"/>
-              </a:buClr>
-              <a:buSzPct val="80000"/>
-              <a:buFont typeface="Wingdings 3" charset="2"/>
-              <a:buChar char=""/>
-            </a:pPr>
-            <a:r>
-              <a:rPr lang="en-US" dirty="0"/>
-              <a:t>The correlation coefficients are close to zero for all continents.</a:t>
-            </a:r>
-          </a:p>
-          <a:p>
-            <a:pPr marL="342900" lvl="0" indent="-342900">
-              <a:spcBef>
-                <a:spcPts val="1000"/>
-              </a:spcBef>
-              <a:buClr>
-                <a:srgbClr val="90C226"/>
-              </a:buClr>
-              <a:buSzPct val="80000"/>
-              <a:buFont typeface="Wingdings 3" charset="2"/>
-              <a:buChar char=""/>
-            </a:pPr>
-            <a:r>
-              <a:rPr lang="en-US" dirty="0"/>
-              <a:t>The different sizes of countries makes this comparison inconsistent.</a:t>
-            </a:r>
-          </a:p>
-        </p:txBody>
-      </p:sp>
-      <p:pic>
-        <p:nvPicPr>
-          <p:cNvPr id="10" name="Content Placeholder 9" descr="A close up of a map&#10;&#10;Description automatically generated">
-            <a:extLst>
-              <a:ext uri="{FF2B5EF4-FFF2-40B4-BE49-F238E27FC236}">
-                <a16:creationId xmlns:a16="http://schemas.microsoft.com/office/drawing/2014/main" id="{1CB5A3A5-92F0-4A97-97DC-6EF5FC034E92}"/>
-              </a:ext>
-            </a:extLst>
-          </p:cNvPr>
-          <p:cNvPicPr>
-            <a:picLocks noGrp="1" noChangeAspect="1"/>
-          </p:cNvPicPr>
-          <p:nvPr>
-            <p:ph idx="1"/>
-          </p:nvPr>
-        </p:nvPicPr>
-        <p:blipFill>
-          <a:blip r:embed="rId2"/>
-          <a:stretch>
-            <a:fillRect/>
-          </a:stretch>
-        </p:blipFill>
-        <p:spPr>
-          <a:xfrm>
-            <a:off x="5204826" y="1351722"/>
-            <a:ext cx="6518114" cy="5274364"/>
-          </a:xfrm>
-        </p:spPr>
-      </p:pic>
+              <a:t>In order to find a linear relationship, the values of GDP, PPP, Population Density, and Population Total required a log transformation</a:t>
+            </a:r>
+          </a:p>
+        </p:txBody>
+      </p:sp>
     </p:spTree>
     <p:extLst>
       <p:ext uri="{BB962C8B-B14F-4D97-AF65-F5344CB8AC3E}">
-        <p14:creationId xmlns:p14="http://schemas.microsoft.com/office/powerpoint/2010/main" val="1298886055"/>
+        <p14:creationId xmlns:p14="http://schemas.microsoft.com/office/powerpoint/2010/main" val="997795935"/>
       </p:ext>
     </p:extLst>
   </p:cSld>
@@ -11001,7 +10975,12 @@
             <p:ph type="title"/>
           </p:nvPr>
         </p:nvSpPr>
-        <p:spPr/>
+        <p:spPr>
+          <a:xfrm>
+            <a:off x="677334" y="609600"/>
+            <a:ext cx="8596668" cy="1320800"/>
+          </a:xfrm>
+        </p:spPr>
         <p:txBody>
           <a:bodyPr>
             <a:normAutofit/>
@@ -11017,40 +10996,93 @@
             </a:br>
             <a:r>
               <a:rPr lang="en-US" sz="2200" dirty="0"/>
-              <a:t>Is there a relationship between Happiness and Economic Variables?</a:t>
-            </a:r>
-          </a:p>
-        </p:txBody>
-      </p:sp>
-      <p:pic>
-        <p:nvPicPr>
-          <p:cNvPr id="7" name="Content Placeholder 6" descr="A close up of a map&#10;&#10;Description automatically generated">
+              <a:t>Is there a relationship between Happiness and GDP/PPP? </a:t>
+            </a:r>
+          </a:p>
+        </p:txBody>
+      </p:sp>
+      <p:sp>
+        <p:nvSpPr>
+          <p:cNvPr id="3" name="Content Placeholder 2">
             <a:extLst>
               <a:ext uri="{FF2B5EF4-FFF2-40B4-BE49-F238E27FC236}">
-                <a16:creationId xmlns:a16="http://schemas.microsoft.com/office/drawing/2014/main" id="{1FFACE8A-8689-4002-92C9-EFA002BB263E}"/>
+                <a16:creationId xmlns:a16="http://schemas.microsoft.com/office/drawing/2014/main" id="{6EB76005-FE48-4FAC-84C4-A22B94BAF6B9}"/>
               </a:ext>
             </a:extLst>
           </p:cNvPr>
-          <p:cNvPicPr>
-            <a:picLocks noGrp="1" noChangeAspect="1"/>
-          </p:cNvPicPr>
+          <p:cNvSpPr>
+            <a:spLocks noGrp="1"/>
+          </p:cNvSpPr>
           <p:nvPr>
             <p:ph idx="1"/>
           </p:nvPr>
-        </p:nvPicPr>
-        <p:blipFill>
-          <a:blip r:embed="rId2"/>
-          <a:stretch>
-            <a:fillRect/>
-          </a:stretch>
-        </p:blipFill>
+        </p:nvSpPr>
         <p:spPr>
           <a:xfrm>
-            <a:off x="2164568" y="1599096"/>
-            <a:ext cx="5622200" cy="3881437"/>
+            <a:off x="677334" y="5105757"/>
+            <a:ext cx="8596668" cy="1320800"/>
           </a:xfrm>
         </p:spPr>
-      </p:pic>
+        <p:txBody>
+          <a:bodyPr>
+            <a:normAutofit fontScale="92500" lnSpcReduction="10000"/>
+          </a:bodyPr>
+          <a:lstStyle/>
+          <a:p>
+            <a:pPr lvl="0"/>
+            <a:r>
+              <a:rPr lang="en-US" dirty="0"/>
+              <a:t>Log(GDP) AND Log (PPP) have some relationship with the happiness score. </a:t>
+            </a:r>
+          </a:p>
+          <a:p>
+            <a:pPr lvl="0"/>
+            <a:r>
+              <a:rPr lang="en-US" dirty="0"/>
+              <a:t>Correlation coefficients are 0.5549 and 0.4455 </a:t>
+            </a:r>
+          </a:p>
+          <a:p>
+            <a:pPr lvl="0"/>
+            <a:r>
+              <a:rPr lang="en-US" dirty="0"/>
+              <a:t>Wealthier countries and countries with a higher standard of living tend to be happier.</a:t>
+            </a:r>
+          </a:p>
+          <a:p>
+            <a:endParaRPr lang="en-US" dirty="0"/>
+          </a:p>
+        </p:txBody>
+      </p:sp>
+      <p:sp>
+        <p:nvSpPr>
+          <p:cNvPr id="4" name="Date Placeholder 3">
+            <a:extLst>
+              <a:ext uri="{FF2B5EF4-FFF2-40B4-BE49-F238E27FC236}">
+                <a16:creationId xmlns:a16="http://schemas.microsoft.com/office/drawing/2014/main" id="{92B88C72-B79D-4D21-8D6C-B81F31EC40A9}"/>
+              </a:ext>
+            </a:extLst>
+          </p:cNvPr>
+          <p:cNvSpPr>
+            <a:spLocks noGrp="1"/>
+          </p:cNvSpPr>
+          <p:nvPr>
+            <p:ph type="dt" sz="half" idx="10"/>
+          </p:nvPr>
+        </p:nvSpPr>
+        <p:spPr/>
+        <p:txBody>
+          <a:bodyPr/>
+          <a:lstStyle/>
+          <a:p>
+            <a:r>
+              <a:rPr lang="en-US"/>
+              <a:t>7/29/2019</a:t>
+            </a:r>
+            <a:endParaRPr lang="en-US" dirty="0"/>
+          </a:p>
+        </p:txBody>
+      </p:sp>
       <p:sp>
         <p:nvSpPr>
           <p:cNvPr id="5" name="Slide Number Placeholder 4">
@@ -11076,236 +11108,6 @@
               <a:rPr lang="en-US" smtClean="0"/>
               <a:pPr/>
               <a:t>14</a:t>
-            </a:fld>
-            <a:endParaRPr lang="en-US" dirty="0"/>
-          </a:p>
-        </p:txBody>
-      </p:sp>
-      <p:sp>
-        <p:nvSpPr>
-          <p:cNvPr id="8" name="TextBox 7">
-            <a:extLst>
-              <a:ext uri="{FF2B5EF4-FFF2-40B4-BE49-F238E27FC236}">
-                <a16:creationId xmlns:a16="http://schemas.microsoft.com/office/drawing/2014/main" id="{BD2CF4ED-22D3-452D-BF21-7478EAA7E7F6}"/>
-              </a:ext>
-            </a:extLst>
-          </p:cNvPr>
-          <p:cNvSpPr txBox="1"/>
-          <p:nvPr/>
-        </p:nvSpPr>
-        <p:spPr>
-          <a:xfrm>
-            <a:off x="1272209" y="5577593"/>
-            <a:ext cx="8596668" cy="646331"/>
-          </a:xfrm>
-          <a:prstGeom prst="rect">
-            <a:avLst/>
-          </a:prstGeom>
-          <a:noFill/>
-        </p:spPr>
-        <p:txBody>
-          <a:bodyPr wrap="square" rtlCol="0">
-            <a:spAutoFit/>
-          </a:bodyPr>
-          <a:lstStyle/>
-          <a:p>
-            <a:pPr marL="342900" lvl="0" indent="-342900">
-              <a:spcBef>
-                <a:spcPts val="1000"/>
-              </a:spcBef>
-              <a:buClr>
-                <a:srgbClr val="90C226"/>
-              </a:buClr>
-              <a:buSzPct val="80000"/>
-              <a:buFont typeface="Wingdings 3" charset="2"/>
-              <a:buChar char=""/>
-            </a:pPr>
-            <a:r>
-              <a:rPr lang="en-US" dirty="0"/>
-              <a:t>In order to find a linear relationship, the values of GDP, PPP, Population Density, and Population Total required a log transformation</a:t>
-            </a:r>
-          </a:p>
-        </p:txBody>
-      </p:sp>
-    </p:spTree>
-    <p:extLst>
-      <p:ext uri="{BB962C8B-B14F-4D97-AF65-F5344CB8AC3E}">
-        <p14:creationId xmlns:p14="http://schemas.microsoft.com/office/powerpoint/2010/main" val="997795935"/>
-      </p:ext>
-    </p:extLst>
-  </p:cSld>
-  <p:clrMapOvr>
-    <a:masterClrMapping/>
-  </p:clrMapOvr>
-</p:sld>
-</file>
-
-<file path=ppt/slides/slide15.xml><?xml version="1.0" encoding="utf-8"?>
-<p:sld xmlns:a="http://schemas.openxmlformats.org/drawingml/2006/main" xmlns:r="http://schemas.openxmlformats.org/officeDocument/2006/relationships" xmlns:p="http://schemas.openxmlformats.org/presentationml/2006/main">
-  <p:cSld>
-    <p:spTree>
-      <p:nvGrpSpPr>
-        <p:cNvPr id="1" name=""/>
-        <p:cNvGrpSpPr/>
-        <p:nvPr/>
-      </p:nvGrpSpPr>
-      <p:grpSpPr>
-        <a:xfrm>
-          <a:off x="0" y="0"/>
-          <a:ext cx="0" cy="0"/>
-          <a:chOff x="0" y="0"/>
-          <a:chExt cx="0" cy="0"/>
-        </a:xfrm>
-      </p:grpSpPr>
-      <p:sp>
-        <p:nvSpPr>
-          <p:cNvPr id="2" name="Title 1">
-            <a:extLst>
-              <a:ext uri="{FF2B5EF4-FFF2-40B4-BE49-F238E27FC236}">
-                <a16:creationId xmlns:a16="http://schemas.microsoft.com/office/drawing/2014/main" id="{B2BEB5D7-FBE4-462C-A0EF-D425722145A0}"/>
-              </a:ext>
-            </a:extLst>
-          </p:cNvPr>
-          <p:cNvSpPr>
-            <a:spLocks noGrp="1"/>
-          </p:cNvSpPr>
-          <p:nvPr>
-            <p:ph type="title"/>
-          </p:nvPr>
-        </p:nvSpPr>
-        <p:spPr>
-          <a:xfrm>
-            <a:off x="677334" y="609600"/>
-            <a:ext cx="8596668" cy="1320800"/>
-          </a:xfrm>
-        </p:spPr>
-        <p:txBody>
-          <a:bodyPr>
-            <a:normAutofit/>
-          </a:bodyPr>
-          <a:lstStyle/>
-          <a:p>
-            <a:r>
-              <a:rPr lang="en-US" dirty="0"/>
-              <a:t>Variable Analysis</a:t>
-            </a:r>
-            <a:br>
-              <a:rPr lang="en-US" dirty="0"/>
-            </a:br>
-            <a:r>
-              <a:rPr lang="en-US" sz="2200" dirty="0"/>
-              <a:t>Is there a relationship between Happiness and GDP/PPP? </a:t>
-            </a:r>
-          </a:p>
-        </p:txBody>
-      </p:sp>
-      <p:sp>
-        <p:nvSpPr>
-          <p:cNvPr id="3" name="Content Placeholder 2">
-            <a:extLst>
-              <a:ext uri="{FF2B5EF4-FFF2-40B4-BE49-F238E27FC236}">
-                <a16:creationId xmlns:a16="http://schemas.microsoft.com/office/drawing/2014/main" id="{6EB76005-FE48-4FAC-84C4-A22B94BAF6B9}"/>
-              </a:ext>
-            </a:extLst>
-          </p:cNvPr>
-          <p:cNvSpPr>
-            <a:spLocks noGrp="1"/>
-          </p:cNvSpPr>
-          <p:nvPr>
-            <p:ph idx="1"/>
-          </p:nvPr>
-        </p:nvSpPr>
-        <p:spPr>
-          <a:xfrm>
-            <a:off x="677334" y="5105757"/>
-            <a:ext cx="8596668" cy="1320800"/>
-          </a:xfrm>
-        </p:spPr>
-        <p:txBody>
-          <a:bodyPr>
-            <a:normAutofit fontScale="92500" lnSpcReduction="10000"/>
-          </a:bodyPr>
-          <a:lstStyle/>
-          <a:p>
-            <a:pPr lvl="0"/>
-            <a:r>
-              <a:rPr lang="en-US" dirty="0"/>
-              <a:t>Log(GDP) AND Log (PPP) have some relationship with the happiness score. </a:t>
-            </a:r>
-          </a:p>
-          <a:p>
-            <a:pPr lvl="0"/>
-            <a:r>
-              <a:rPr lang="en-US" dirty="0"/>
-              <a:t>Correlation coefficients are 0.5549 and 0.4455 </a:t>
-            </a:r>
-          </a:p>
-          <a:p>
-            <a:pPr lvl="0"/>
-            <a:r>
-              <a:rPr lang="en-US" dirty="0"/>
-              <a:t>Wealthier countries and countries with a higher standard of living tend to be happier.</a:t>
-            </a:r>
-          </a:p>
-          <a:p>
-            <a:endParaRPr lang="en-US" dirty="0"/>
-          </a:p>
-        </p:txBody>
-      </p:sp>
-      <p:sp>
-        <p:nvSpPr>
-          <p:cNvPr id="4" name="Date Placeholder 3">
-            <a:extLst>
-              <a:ext uri="{FF2B5EF4-FFF2-40B4-BE49-F238E27FC236}">
-                <a16:creationId xmlns:a16="http://schemas.microsoft.com/office/drawing/2014/main" id="{92B88C72-B79D-4D21-8D6C-B81F31EC40A9}"/>
-              </a:ext>
-            </a:extLst>
-          </p:cNvPr>
-          <p:cNvSpPr>
-            <a:spLocks noGrp="1"/>
-          </p:cNvSpPr>
-          <p:nvPr>
-            <p:ph type="dt" sz="half" idx="10"/>
-          </p:nvPr>
-        </p:nvSpPr>
-        <p:spPr/>
-        <p:txBody>
-          <a:bodyPr/>
-          <a:lstStyle/>
-          <a:p>
-            <a:r>
-              <a:rPr lang="en-US"/>
-              <a:t>7/29/2019</a:t>
-            </a:r>
-            <a:endParaRPr lang="en-US" dirty="0"/>
-          </a:p>
-        </p:txBody>
-      </p:sp>
-      <p:sp>
-        <p:nvSpPr>
-          <p:cNvPr id="5" name="Slide Number Placeholder 4">
-            <a:extLst>
-              <a:ext uri="{FF2B5EF4-FFF2-40B4-BE49-F238E27FC236}">
-                <a16:creationId xmlns:a16="http://schemas.microsoft.com/office/drawing/2014/main" id="{C83CDD9F-D3D6-4069-BC62-092039A5B68F}"/>
-              </a:ext>
-            </a:extLst>
-          </p:cNvPr>
-          <p:cNvSpPr>
-            <a:spLocks noGrp="1"/>
-          </p:cNvSpPr>
-          <p:nvPr>
-            <p:ph type="sldNum" sz="quarter" idx="12"/>
-          </p:nvPr>
-        </p:nvSpPr>
-        <p:spPr/>
-        <p:txBody>
-          <a:bodyPr/>
-          <a:lstStyle/>
-          <a:p>
-            <a:fld id="{D57F1E4F-1CFF-5643-939E-217C01CDF565}" type="slidenum">
-              <a:rPr lang="en-US" smtClean="0"/>
-              <a:pPr/>
-              <a:t>15</a:t>
             </a:fld>
             <a:endParaRPr lang="en-US" dirty="0"/>
           </a:p>
@@ -11353,7 +11155,7 @@
 </p:sld>
 </file>
 
-<file path=ppt/slides/slide16.xml><?xml version="1.0" encoding="utf-8"?>
+<file path=ppt/slides/slide15.xml><?xml version="1.0" encoding="utf-8"?>
 <p:sld xmlns:a="http://schemas.openxmlformats.org/drawingml/2006/main" xmlns:r="http://schemas.openxmlformats.org/officeDocument/2006/relationships" xmlns:p="http://schemas.openxmlformats.org/presentationml/2006/main">
   <p:cSld>
     <p:spTree>
@@ -11477,7 +11279,7 @@
             <a:fld id="{D57F1E4F-1CFF-5643-939E-217C01CDF565}" type="slidenum">
               <a:rPr lang="en-US" smtClean="0"/>
               <a:pPr/>
-              <a:t>16</a:t>
+              <a:t>15</a:t>
             </a:fld>
             <a:endParaRPr lang="en-US" dirty="0"/>
           </a:p>
@@ -11525,7 +11327,7 @@
 </p:sld>
 </file>
 
-<file path=ppt/slides/slide17.xml><?xml version="1.0" encoding="utf-8"?>
+<file path=ppt/slides/slide16.xml><?xml version="1.0" encoding="utf-8"?>
 <p:sld xmlns:a="http://schemas.openxmlformats.org/drawingml/2006/main" xmlns:r="http://schemas.openxmlformats.org/officeDocument/2006/relationships" xmlns:p="http://schemas.openxmlformats.org/presentationml/2006/main">
   <p:cSld>
     <p:spTree>
@@ -11603,7 +11405,7 @@
             <a:fld id="{D57F1E4F-1CFF-5643-939E-217C01CDF565}" type="slidenum">
               <a:rPr lang="en-US" smtClean="0"/>
               <a:pPr/>
-              <a:t>17</a:t>
+              <a:t>16</a:t>
             </a:fld>
             <a:endParaRPr lang="en-US" dirty="0"/>
           </a:p>
@@ -11710,6 +11512,290 @@
 </p:sld>
 </file>
 
+<file path=ppt/slides/slide17.xml><?xml version="1.0" encoding="utf-8"?>
+<p:sld xmlns:a="http://schemas.openxmlformats.org/drawingml/2006/main" xmlns:r="http://schemas.openxmlformats.org/officeDocument/2006/relationships" xmlns:p="http://schemas.openxmlformats.org/presentationml/2006/main">
+  <p:cSld>
+    <p:spTree>
+      <p:nvGrpSpPr>
+        <p:cNvPr id="1" name=""/>
+        <p:cNvGrpSpPr/>
+        <p:nvPr/>
+      </p:nvGrpSpPr>
+      <p:grpSpPr>
+        <a:xfrm>
+          <a:off x="0" y="0"/>
+          <a:ext cx="0" cy="0"/>
+          <a:chOff x="0" y="0"/>
+          <a:chExt cx="0" cy="0"/>
+        </a:xfrm>
+      </p:grpSpPr>
+      <p:sp>
+        <p:nvSpPr>
+          <p:cNvPr id="2" name="Title 1">
+            <a:extLst>
+              <a:ext uri="{FF2B5EF4-FFF2-40B4-BE49-F238E27FC236}">
+                <a16:creationId xmlns:a16="http://schemas.microsoft.com/office/drawing/2014/main" id="{B2BEB5D7-FBE4-462C-A0EF-D425722145A0}"/>
+              </a:ext>
+            </a:extLst>
+          </p:cNvPr>
+          <p:cNvSpPr>
+            <a:spLocks noGrp="1"/>
+          </p:cNvSpPr>
+          <p:nvPr>
+            <p:ph type="title"/>
+          </p:nvPr>
+        </p:nvSpPr>
+        <p:spPr/>
+        <p:txBody>
+          <a:bodyPr>
+            <a:normAutofit/>
+          </a:bodyPr>
+          <a:lstStyle/>
+          <a:p>
+            <a:r>
+              <a:rPr lang="en-US" dirty="0"/>
+              <a:t>Variable Analysis</a:t>
+            </a:r>
+            <a:br>
+              <a:rPr lang="en-US" dirty="0"/>
+            </a:br>
+            <a:r>
+              <a:rPr lang="en-US" sz="2200" dirty="0"/>
+              <a:t>Is there a relationship between Happiness and Alcohol Consumption ?</a:t>
+            </a:r>
+          </a:p>
+        </p:txBody>
+      </p:sp>
+      <p:pic>
+        <p:nvPicPr>
+          <p:cNvPr id="6" name="Content Placeholder 5">
+            <a:extLst>
+              <a:ext uri="{FF2B5EF4-FFF2-40B4-BE49-F238E27FC236}">
+                <a16:creationId xmlns:a16="http://schemas.microsoft.com/office/drawing/2014/main" id="{A29C5335-1013-418A-83DF-239814F88866}"/>
+              </a:ext>
+            </a:extLst>
+          </p:cNvPr>
+          <p:cNvPicPr>
+            <a:picLocks noGrp="1" noChangeAspect="1"/>
+          </p:cNvPicPr>
+          <p:nvPr>
+            <p:ph idx="1"/>
+          </p:nvPr>
+        </p:nvPicPr>
+        <p:blipFill>
+          <a:blip r:embed="rId2"/>
+          <a:stretch>
+            <a:fillRect/>
+          </a:stretch>
+        </p:blipFill>
+        <p:spPr>
+          <a:xfrm>
+            <a:off x="904524" y="2014537"/>
+            <a:ext cx="3762375" cy="2828925"/>
+          </a:xfrm>
+          <a:prstGeom prst="rect">
+            <a:avLst/>
+          </a:prstGeom>
+        </p:spPr>
+      </p:pic>
+      <p:sp>
+        <p:nvSpPr>
+          <p:cNvPr id="5" name="Slide Number Placeholder 4">
+            <a:extLst>
+              <a:ext uri="{FF2B5EF4-FFF2-40B4-BE49-F238E27FC236}">
+                <a16:creationId xmlns:a16="http://schemas.microsoft.com/office/drawing/2014/main" id="{DB4F43E0-A832-4791-A642-C45ED84BDCFB}"/>
+              </a:ext>
+            </a:extLst>
+          </p:cNvPr>
+          <p:cNvSpPr>
+            <a:spLocks noGrp="1"/>
+          </p:cNvSpPr>
+          <p:nvPr>
+            <p:ph type="sldNum" sz="quarter" idx="12"/>
+          </p:nvPr>
+        </p:nvSpPr>
+        <p:spPr/>
+        <p:txBody>
+          <a:bodyPr/>
+          <a:lstStyle/>
+          <a:p>
+            <a:fld id="{D57F1E4F-1CFF-5643-939E-217C01CDF565}" type="slidenum">
+              <a:rPr lang="en-US" smtClean="0"/>
+              <a:pPr/>
+              <a:t>17</a:t>
+            </a:fld>
+            <a:endParaRPr lang="en-US" dirty="0"/>
+          </a:p>
+        </p:txBody>
+      </p:sp>
+      <p:sp>
+        <p:nvSpPr>
+          <p:cNvPr id="7" name="TextBox 6">
+            <a:extLst>
+              <a:ext uri="{FF2B5EF4-FFF2-40B4-BE49-F238E27FC236}">
+                <a16:creationId xmlns:a16="http://schemas.microsoft.com/office/drawing/2014/main" id="{302B33BF-3245-4472-B8F2-CE000DB5BC22}"/>
+              </a:ext>
+            </a:extLst>
+          </p:cNvPr>
+          <p:cNvSpPr txBox="1"/>
+          <p:nvPr/>
+        </p:nvSpPr>
+        <p:spPr>
+          <a:xfrm>
+            <a:off x="1329070" y="4927598"/>
+            <a:ext cx="1988288" cy="369332"/>
+          </a:xfrm>
+          <a:prstGeom prst="rect">
+            <a:avLst/>
+          </a:prstGeom>
+          <a:noFill/>
+        </p:spPr>
+        <p:txBody>
+          <a:bodyPr wrap="square" rtlCol="0">
+            <a:spAutoFit/>
+          </a:bodyPr>
+          <a:lstStyle/>
+          <a:p>
+            <a:r>
+              <a:rPr lang="en-US" dirty="0">
+                <a:solidFill>
+                  <a:schemeClr val="tx1">
+                    <a:lumMod val="75000"/>
+                    <a:lumOff val="25000"/>
+                  </a:schemeClr>
+                </a:solidFill>
+              </a:rPr>
+              <a:t>r value: 0.3518</a:t>
+            </a:r>
+          </a:p>
+        </p:txBody>
+      </p:sp>
+      <p:sp>
+        <p:nvSpPr>
+          <p:cNvPr id="10" name="TextBox 9">
+            <a:extLst>
+              <a:ext uri="{FF2B5EF4-FFF2-40B4-BE49-F238E27FC236}">
+                <a16:creationId xmlns:a16="http://schemas.microsoft.com/office/drawing/2014/main" id="{03110C20-0CF7-4E19-B94A-FAFFDE63F0E0}"/>
+              </a:ext>
+            </a:extLst>
+          </p:cNvPr>
+          <p:cNvSpPr txBox="1"/>
+          <p:nvPr/>
+        </p:nvSpPr>
+        <p:spPr>
+          <a:xfrm>
+            <a:off x="4975668" y="2153330"/>
+            <a:ext cx="5327281" cy="2564805"/>
+          </a:xfrm>
+          <a:prstGeom prst="rect">
+            <a:avLst/>
+          </a:prstGeom>
+          <a:noFill/>
+        </p:spPr>
+        <p:txBody>
+          <a:bodyPr wrap="square" rtlCol="0">
+            <a:spAutoFit/>
+          </a:bodyPr>
+          <a:lstStyle/>
+          <a:p>
+            <a:pPr marL="285750" indent="-285750">
+              <a:buFont typeface="Wingdings" panose="05000000000000000000" pitchFamily="2" charset="2"/>
+              <a:buChar char="Ø"/>
+            </a:pPr>
+            <a:endParaRPr lang="en-US" sz="1600" dirty="0">
+              <a:solidFill>
+                <a:schemeClr val="tx1">
+                  <a:lumMod val="65000"/>
+                  <a:lumOff val="35000"/>
+                </a:schemeClr>
+              </a:solidFill>
+            </a:endParaRPr>
+          </a:p>
+          <a:p>
+            <a:pPr marL="342900" lvl="0" indent="-342900">
+              <a:spcBef>
+                <a:spcPts val="1000"/>
+              </a:spcBef>
+              <a:buClr>
+                <a:srgbClr val="90C226"/>
+              </a:buClr>
+              <a:buSzPct val="80000"/>
+              <a:buFont typeface="Wingdings 3" charset="2"/>
+              <a:buChar char=""/>
+            </a:pPr>
+            <a:r>
+              <a:rPr lang="en-US" sz="1600" dirty="0">
+                <a:solidFill>
+                  <a:schemeClr val="tx1">
+                    <a:lumMod val="65000"/>
+                    <a:lumOff val="35000"/>
+                  </a:schemeClr>
+                </a:solidFill>
+              </a:rPr>
+              <a:t>Surprisingly, alcohol consumption has a positive correlation with the happiness score. Alcohol consumption has always been linked to be used to cope with pain and despair. It is also linked to crime, violence, accidents and death.</a:t>
+            </a:r>
+          </a:p>
+          <a:p>
+            <a:pPr marL="342900" lvl="0" indent="-342900">
+              <a:spcBef>
+                <a:spcPts val="1000"/>
+              </a:spcBef>
+              <a:buClr>
+                <a:srgbClr val="90C226"/>
+              </a:buClr>
+              <a:buSzPct val="80000"/>
+              <a:buFont typeface="Wingdings 3" charset="2"/>
+              <a:buChar char=""/>
+            </a:pPr>
+            <a:r>
+              <a:rPr lang="en-US" sz="1600" dirty="0">
+                <a:solidFill>
+                  <a:schemeClr val="tx1">
+                    <a:lumMod val="65000"/>
+                    <a:lumOff val="35000"/>
+                  </a:schemeClr>
+                </a:solidFill>
+              </a:rPr>
+              <a:t>However, in this graph we can see that residents of happy countries </a:t>
+            </a:r>
+            <a:r>
+              <a:rPr lang="en-US" sz="1600" i="1" u="sng" dirty="0">
+                <a:solidFill>
+                  <a:schemeClr val="tx1">
+                    <a:lumMod val="65000"/>
+                    <a:lumOff val="35000"/>
+                  </a:schemeClr>
+                </a:solidFill>
+              </a:rPr>
+              <a:t>probably</a:t>
+            </a:r>
+            <a:r>
+              <a:rPr lang="en-US" sz="1600" dirty="0">
+                <a:solidFill>
+                  <a:schemeClr val="tx1">
+                    <a:lumMod val="65000"/>
+                    <a:lumOff val="35000"/>
+                  </a:schemeClr>
+                </a:solidFill>
+              </a:rPr>
+              <a:t> consume alcohol for reasons like pleasure, indulgence and celebration.</a:t>
+            </a:r>
+          </a:p>
+        </p:txBody>
+      </p:sp>
+    </p:spTree>
+    <p:extLst>
+      <p:ext uri="{BB962C8B-B14F-4D97-AF65-F5344CB8AC3E}">
+        <p14:creationId xmlns:p14="http://schemas.microsoft.com/office/powerpoint/2010/main" val="3949091215"/>
+      </p:ext>
+    </p:extLst>
+  </p:cSld>
+  <p:clrMapOvr>
+    <a:masterClrMapping/>
+  </p:clrMapOvr>
+</p:sld>
+</file>
+
 <file path=ppt/slides/slide18.xml><?xml version="1.0" encoding="utf-8"?>
 <p:sld xmlns:a="http://schemas.openxmlformats.org/drawingml/2006/main" xmlns:r="http://schemas.openxmlformats.org/officeDocument/2006/relationships" xmlns:p="http://schemas.openxmlformats.org/presentationml/2006/main">
   <p:cSld>
@@ -11759,7 +11845,7 @@
             </a:br>
             <a:r>
               <a:rPr lang="en-US" sz="2200" dirty="0"/>
-              <a:t>Is there a relationship between Happiness and Alcohol Consumption ?</a:t>
+              <a:t>Is there a relationship between Happiness and Education Index? </a:t>
             </a:r>
           </a:p>
         </p:txBody>
@@ -11769,7 +11855,7 @@
           <p:cNvPr id="6" name="Content Placeholder 5">
             <a:extLst>
               <a:ext uri="{FF2B5EF4-FFF2-40B4-BE49-F238E27FC236}">
-                <a16:creationId xmlns:a16="http://schemas.microsoft.com/office/drawing/2014/main" id="{A29C5335-1013-418A-83DF-239814F88866}"/>
+                <a16:creationId xmlns:a16="http://schemas.microsoft.com/office/drawing/2014/main" id="{22A86572-9D15-4649-9363-6B5A6CE88C1E}"/>
               </a:ext>
             </a:extLst>
           </p:cNvPr>
@@ -11788,8 +11874,8 @@
         </p:blipFill>
         <p:spPr>
           <a:xfrm>
-            <a:off x="904524" y="2014537"/>
-            <a:ext cx="3762375" cy="2828925"/>
+            <a:off x="818799" y="1930400"/>
+            <a:ext cx="4355085" cy="3015870"/>
           </a:xfrm>
           <a:prstGeom prst="rect">
             <a:avLst/>
@@ -11801,7 +11887,7 @@
           <p:cNvPr id="5" name="Slide Number Placeholder 4">
             <a:extLst>
               <a:ext uri="{FF2B5EF4-FFF2-40B4-BE49-F238E27FC236}">
-                <a16:creationId xmlns:a16="http://schemas.microsoft.com/office/drawing/2014/main" id="{DB4F43E0-A832-4791-A642-C45ED84BDCFB}"/>
+                <a16:creationId xmlns:a16="http://schemas.microsoft.com/office/drawing/2014/main" id="{58EFABF8-241D-4ACD-9BCD-2E06CF513246}"/>
               </a:ext>
             </a:extLst>
           </p:cNvPr>
@@ -11828,52 +11914,10 @@
       </p:sp>
       <p:sp>
         <p:nvSpPr>
-          <p:cNvPr id="7" name="TextBox 6">
+          <p:cNvPr id="8" name="TextBox 7">
             <a:extLst>
               <a:ext uri="{FF2B5EF4-FFF2-40B4-BE49-F238E27FC236}">
-                <a16:creationId xmlns:a16="http://schemas.microsoft.com/office/drawing/2014/main" id="{302B33BF-3245-4472-B8F2-CE000DB5BC22}"/>
-              </a:ext>
-            </a:extLst>
-          </p:cNvPr>
-          <p:cNvSpPr txBox="1"/>
-          <p:nvPr/>
-        </p:nvSpPr>
-        <p:spPr>
-          <a:xfrm>
-            <a:off x="1329070" y="4927598"/>
-            <a:ext cx="1988288" cy="369332"/>
-          </a:xfrm>
-          <a:prstGeom prst="rect">
-            <a:avLst/>
-          </a:prstGeom>
-          <a:noFill/>
-        </p:spPr>
-        <p:txBody>
-          <a:bodyPr wrap="square" rtlCol="0">
-            <a:spAutoFit/>
-          </a:bodyPr>
-          <a:lstStyle/>
-          <a:p>
-            <a:r>
-              <a:rPr lang="en-US" dirty="0">
-                <a:solidFill>
-                  <a:schemeClr val="tx1">
-                    <a:lumMod val="75000"/>
-                    <a:lumOff val="25000"/>
-                  </a:schemeClr>
-                </a:solidFill>
-              </a:rPr>
-              <a:t>r value: 0.3518</a:t>
-            </a:r>
-          </a:p>
-        </p:txBody>
-      </p:sp>
-      <p:sp>
-        <p:nvSpPr>
-          <p:cNvPr id="10" name="TextBox 9">
-            <a:extLst>
-              <a:ext uri="{FF2B5EF4-FFF2-40B4-BE49-F238E27FC236}">
-                <a16:creationId xmlns:a16="http://schemas.microsoft.com/office/drawing/2014/main" id="{03110C20-0CF7-4E19-B94A-FAFFDE63F0E0}"/>
+                <a16:creationId xmlns:a16="http://schemas.microsoft.com/office/drawing/2014/main" id="{155BA9C9-610E-42F6-8214-B5BCD78C971D}"/>
               </a:ext>
             </a:extLst>
           </p:cNvPr>
@@ -11895,20 +11939,6 @@
             <a:spAutoFit/>
           </a:bodyPr>
           <a:lstStyle/>
-          <a:p>
-            <a:pPr marL="285750" indent="-285750">
-              <a:buFont typeface="Wingdings" panose="05000000000000000000" pitchFamily="2" charset="2"/>
-              <a:buChar char="Ø"/>
-            </a:pPr>
-            <a:endParaRPr lang="en-US" sz="1600" dirty="0">
-              <a:solidFill>
-                <a:schemeClr val="tx1">
-                  <a:lumMod val="65000"/>
-                  <a:lumOff val="35000"/>
-                </a:schemeClr>
-              </a:solidFill>
-            </a:endParaRPr>
-          </a:p>
           <a:p>
             <a:pPr marL="342900" lvl="0" indent="-342900">
               <a:spcBef>
@@ -11930,7 +11960,7 @@
                   </a:schemeClr>
                 </a:solidFill>
               </a:rPr>
-              <a:t>Surprisingly, alcohol consumption has a positive correlation with the happiness score. Alcohol consumption has always been linked to be used to cope with pain and despair. It is also linked to crime, violence, accidents and death.</a:t>
+              <a:t>This analysis shows that happier nations have a higher Education index than unhappy ones with a strong correlation of 0.76. </a:t>
             </a:r>
           </a:p>
           <a:p>
@@ -11954,19 +11984,21 @@
                   </a:schemeClr>
                 </a:solidFill>
               </a:rPr>
-              <a:t>However, in this graph we can see that residents of happy countries </a:t>
-            </a:r>
-            <a:r>
-              <a:rPr lang="en-US" sz="1600" i="1" u="sng" dirty="0">
-                <a:solidFill>
-                  <a:schemeClr val="tx1">
-                    <a:lumMod val="65000"/>
-                    <a:lumOff val="35000"/>
-                  </a:schemeClr>
-                </a:solidFill>
-              </a:rPr>
-              <a:t>probably</a:t>
-            </a:r>
+              <a:t>We can assume that education is linked to a sense of individual empowerment, community contribution and better job conditions. </a:t>
+            </a:r>
+          </a:p>
+          <a:p>
+            <a:pPr marL="342900" lvl="0" indent="-342900">
+              <a:spcBef>
+                <a:spcPts val="1000"/>
+              </a:spcBef>
+              <a:buClr>
+                <a:srgbClr val="90C226"/>
+              </a:buClr>
+              <a:buSzPct val="80000"/>
+              <a:buFont typeface="Wingdings 3" charset="2"/>
+              <a:buChar char=""/>
+            </a:pPr>
             <a:r>
               <a:rPr lang="en-US" sz="1600" dirty="0">
                 <a:solidFill>
@@ -11976,7 +12008,59 @@
                   </a:schemeClr>
                 </a:solidFill>
               </a:rPr>
-              <a:t> consume alcohol for reasons like pleasure, indulgence and celebration.</a:t>
+              <a:t>All of which contributes to country’s sense of security and well being. </a:t>
+            </a:r>
+          </a:p>
+          <a:p>
+            <a:endParaRPr lang="en-US" sz="1600" dirty="0">
+              <a:solidFill>
+                <a:schemeClr val="tx1">
+                  <a:lumMod val="65000"/>
+                  <a:lumOff val="35000"/>
+                </a:schemeClr>
+              </a:solidFill>
+            </a:endParaRPr>
+          </a:p>
+        </p:txBody>
+      </p:sp>
+      <p:sp>
+        <p:nvSpPr>
+          <p:cNvPr id="9" name="TextBox 8">
+            <a:extLst>
+              <a:ext uri="{FF2B5EF4-FFF2-40B4-BE49-F238E27FC236}">
+                <a16:creationId xmlns:a16="http://schemas.microsoft.com/office/drawing/2014/main" id="{1F7B5F28-4CFF-4EB9-A0F9-035416EA5B2E}"/>
+              </a:ext>
+            </a:extLst>
+          </p:cNvPr>
+          <p:cNvSpPr txBox="1"/>
+          <p:nvPr/>
+        </p:nvSpPr>
+        <p:spPr>
+          <a:xfrm>
+            <a:off x="1329070" y="4927598"/>
+            <a:ext cx="1988288" cy="369332"/>
+          </a:xfrm>
+          <a:prstGeom prst="rect">
+            <a:avLst/>
+          </a:prstGeom>
+          <a:noFill/>
+        </p:spPr>
+        <p:txBody>
+          <a:bodyPr wrap="square" rtlCol="0">
+            <a:spAutoFit/>
+          </a:bodyPr>
+          <a:lstStyle/>
+          <a:p>
+            <a:r>
+              <a:rPr lang="en-US" dirty="0">
+                <a:solidFill>
+                  <a:schemeClr val="tx1">
+                    <a:lumMod val="75000"/>
+                    <a:lumOff val="25000"/>
+                  </a:schemeClr>
+                </a:solidFill>
+              </a:rPr>
+              <a:t>r value: 0.7603</a:t>
             </a:r>
           </a:p>
         </p:txBody>
@@ -11984,7 +12068,7 @@
     </p:spTree>
     <p:extLst>
       <p:ext uri="{BB962C8B-B14F-4D97-AF65-F5344CB8AC3E}">
-        <p14:creationId xmlns:p14="http://schemas.microsoft.com/office/powerpoint/2010/main" val="3949091215"/>
+        <p14:creationId xmlns:p14="http://schemas.microsoft.com/office/powerpoint/2010/main" val="1306680931"/>
       </p:ext>
     </p:extLst>
   </p:cSld>
@@ -12016,7 +12100,7 @@
           <p:cNvPr id="2" name="Title 1">
             <a:extLst>
               <a:ext uri="{FF2B5EF4-FFF2-40B4-BE49-F238E27FC236}">
-                <a16:creationId xmlns:a16="http://schemas.microsoft.com/office/drawing/2014/main" id="{B2BEB5D7-FBE4-462C-A0EF-D425722145A0}"/>
+                <a16:creationId xmlns:a16="http://schemas.microsoft.com/office/drawing/2014/main" id="{60C4DB4B-EE68-4BA2-9DDD-A05453385518}"/>
               </a:ext>
             </a:extLst>
           </p:cNvPr>
@@ -12027,7 +12111,12 @@
             <p:ph type="title"/>
           </p:nvPr>
         </p:nvSpPr>
-        <p:spPr/>
+        <p:spPr>
+          <a:xfrm>
+            <a:off x="677334" y="609600"/>
+            <a:ext cx="8596668" cy="609600"/>
+          </a:xfrm>
+        </p:spPr>
         <p:txBody>
           <a:bodyPr>
             <a:normAutofit/>
@@ -12035,25 +12124,18 @@
           <a:lstStyle/>
           <a:p>
             <a:r>
-              <a:rPr lang="en-US" dirty="0"/>
-              <a:t>Variable Analysis</a:t>
-            </a:r>
-            <a:br>
-              <a:rPr lang="en-US" dirty="0"/>
-            </a:br>
-            <a:r>
-              <a:rPr lang="en-US" sz="2200" dirty="0"/>
-              <a:t>Is there a relationship between Happiness and Education Index? </a:t>
+              <a:rPr lang="en-US" sz="3200" dirty="0"/>
+              <a:t>Internet access level throughout the world</a:t>
             </a:r>
           </a:p>
         </p:txBody>
       </p:sp>
       <p:pic>
         <p:nvPicPr>
-          <p:cNvPr id="6" name="Content Placeholder 5">
+          <p:cNvPr id="7" name="Content Placeholder 6" descr="A close up of a map&#10;&#10;Description automatically generated">
             <a:extLst>
               <a:ext uri="{FF2B5EF4-FFF2-40B4-BE49-F238E27FC236}">
-                <a16:creationId xmlns:a16="http://schemas.microsoft.com/office/drawing/2014/main" id="{22A86572-9D15-4649-9363-6B5A6CE88C1E}"/>
+                <a16:creationId xmlns:a16="http://schemas.microsoft.com/office/drawing/2014/main" id="{26256857-6956-40F4-8381-DE539C05221A}"/>
               </a:ext>
             </a:extLst>
           </p:cNvPr>
@@ -12072,12 +12154,9 @@
         </p:blipFill>
         <p:spPr>
           <a:xfrm>
-            <a:off x="818799" y="1930400"/>
-            <a:ext cx="4355085" cy="3015870"/>
+            <a:off x="811985" y="1689562"/>
+            <a:ext cx="7827326" cy="3881437"/>
           </a:xfrm>
-          <a:prstGeom prst="rect">
-            <a:avLst/>
-          </a:prstGeom>
         </p:spPr>
       </p:pic>
       <p:sp>
@@ -12085,7 +12164,7 @@
           <p:cNvPr id="5" name="Slide Number Placeholder 4">
             <a:extLst>
               <a:ext uri="{FF2B5EF4-FFF2-40B4-BE49-F238E27FC236}">
-                <a16:creationId xmlns:a16="http://schemas.microsoft.com/office/drawing/2014/main" id="{58EFABF8-241D-4ACD-9BCD-2E06CF513246}"/>
+                <a16:creationId xmlns:a16="http://schemas.microsoft.com/office/drawing/2014/main" id="{8C0B7B00-1B13-43A3-9541-C8F52349A82F}"/>
               </a:ext>
             </a:extLst>
           </p:cNvPr>
@@ -12110,163 +12189,10 @@
           </a:p>
         </p:txBody>
       </p:sp>
-      <p:sp>
-        <p:nvSpPr>
-          <p:cNvPr id="8" name="TextBox 7">
-            <a:extLst>
-              <a:ext uri="{FF2B5EF4-FFF2-40B4-BE49-F238E27FC236}">
-                <a16:creationId xmlns:a16="http://schemas.microsoft.com/office/drawing/2014/main" id="{155BA9C9-610E-42F6-8214-B5BCD78C971D}"/>
-              </a:ext>
-            </a:extLst>
-          </p:cNvPr>
-          <p:cNvSpPr txBox="1"/>
-          <p:nvPr/>
-        </p:nvSpPr>
-        <p:spPr>
-          <a:xfrm>
-            <a:off x="4975668" y="2153330"/>
-            <a:ext cx="5327281" cy="2564805"/>
-          </a:xfrm>
-          <a:prstGeom prst="rect">
-            <a:avLst/>
-          </a:prstGeom>
-          <a:noFill/>
-        </p:spPr>
-        <p:txBody>
-          <a:bodyPr wrap="square" rtlCol="0">
-            <a:spAutoFit/>
-          </a:bodyPr>
-          <a:lstStyle/>
-          <a:p>
-            <a:pPr marL="342900" lvl="0" indent="-342900">
-              <a:spcBef>
-                <a:spcPts val="1000"/>
-              </a:spcBef>
-              <a:buClr>
-                <a:srgbClr val="90C226"/>
-              </a:buClr>
-              <a:buSzPct val="80000"/>
-              <a:buFont typeface="Wingdings 3" charset="2"/>
-              <a:buChar char=""/>
-            </a:pPr>
-            <a:r>
-              <a:rPr lang="en-US" sz="1600" dirty="0">
-                <a:solidFill>
-                  <a:schemeClr val="tx1">
-                    <a:lumMod val="65000"/>
-                    <a:lumOff val="35000"/>
-                  </a:schemeClr>
-                </a:solidFill>
-              </a:rPr>
-              <a:t>This analysis shows that happier nations have a higher Education index than unhappy ones with a strong correlation of 0.76. </a:t>
-            </a:r>
-          </a:p>
-          <a:p>
-            <a:pPr marL="342900" lvl="0" indent="-342900">
-              <a:spcBef>
-                <a:spcPts val="1000"/>
-              </a:spcBef>
-              <a:buClr>
-                <a:srgbClr val="90C226"/>
-              </a:buClr>
-              <a:buSzPct val="80000"/>
-              <a:buFont typeface="Wingdings 3" charset="2"/>
-              <a:buChar char=""/>
-            </a:pPr>
-            <a:r>
-              <a:rPr lang="en-US" sz="1600" dirty="0">
-                <a:solidFill>
-                  <a:schemeClr val="tx1">
-                    <a:lumMod val="65000"/>
-                    <a:lumOff val="35000"/>
-                  </a:schemeClr>
-                </a:solidFill>
-              </a:rPr>
-              <a:t>We can assume that education is linked to a sense of individual empowerment, community contribution and better job conditions. </a:t>
-            </a:r>
-          </a:p>
-          <a:p>
-            <a:pPr marL="342900" lvl="0" indent="-342900">
-              <a:spcBef>
-                <a:spcPts val="1000"/>
-              </a:spcBef>
-              <a:buClr>
-                <a:srgbClr val="90C226"/>
-              </a:buClr>
-              <a:buSzPct val="80000"/>
-              <a:buFont typeface="Wingdings 3" charset="2"/>
-              <a:buChar char=""/>
-            </a:pPr>
-            <a:r>
-              <a:rPr lang="en-US" sz="1600" dirty="0">
-                <a:solidFill>
-                  <a:schemeClr val="tx1">
-                    <a:lumMod val="65000"/>
-                    <a:lumOff val="35000"/>
-                  </a:schemeClr>
-                </a:solidFill>
-              </a:rPr>
-              <a:t>All of which contributes to country’s sense of security and well being. </a:t>
-            </a:r>
-          </a:p>
-          <a:p>
-            <a:endParaRPr lang="en-US" sz="1600" dirty="0">
-              <a:solidFill>
-                <a:schemeClr val="tx1">
-                  <a:lumMod val="65000"/>
-                  <a:lumOff val="35000"/>
-                </a:schemeClr>
-              </a:solidFill>
-            </a:endParaRPr>
-          </a:p>
-        </p:txBody>
-      </p:sp>
-      <p:sp>
-        <p:nvSpPr>
-          <p:cNvPr id="9" name="TextBox 8">
-            <a:extLst>
-              <a:ext uri="{FF2B5EF4-FFF2-40B4-BE49-F238E27FC236}">
-                <a16:creationId xmlns:a16="http://schemas.microsoft.com/office/drawing/2014/main" id="{1F7B5F28-4CFF-4EB9-A0F9-035416EA5B2E}"/>
-              </a:ext>
-            </a:extLst>
-          </p:cNvPr>
-          <p:cNvSpPr txBox="1"/>
-          <p:nvPr/>
-        </p:nvSpPr>
-        <p:spPr>
-          <a:xfrm>
-            <a:off x="1329070" y="4927598"/>
-            <a:ext cx="1988288" cy="369332"/>
-          </a:xfrm>
-          <a:prstGeom prst="rect">
-            <a:avLst/>
-          </a:prstGeom>
-          <a:noFill/>
-        </p:spPr>
-        <p:txBody>
-          <a:bodyPr wrap="square" rtlCol="0">
-            <a:spAutoFit/>
-          </a:bodyPr>
-          <a:lstStyle/>
-          <a:p>
-            <a:r>
-              <a:rPr lang="en-US" dirty="0">
-                <a:solidFill>
-                  <a:schemeClr val="tx1">
-                    <a:lumMod val="75000"/>
-                    <a:lumOff val="25000"/>
-                  </a:schemeClr>
-                </a:solidFill>
-              </a:rPr>
-              <a:t>r value: 0.7603</a:t>
-            </a:r>
-          </a:p>
-        </p:txBody>
-      </p:sp>
     </p:spTree>
     <p:extLst>
       <p:ext uri="{BB962C8B-B14F-4D97-AF65-F5344CB8AC3E}">
-        <p14:creationId xmlns:p14="http://schemas.microsoft.com/office/powerpoint/2010/main" val="1306680931"/>
+        <p14:creationId xmlns:p14="http://schemas.microsoft.com/office/powerpoint/2010/main" val="427924179"/>
       </p:ext>
     </p:extLst>
   </p:cSld>
@@ -12454,7 +12380,7 @@
           <p:cNvPr id="2" name="Title 1">
             <a:extLst>
               <a:ext uri="{FF2B5EF4-FFF2-40B4-BE49-F238E27FC236}">
-                <a16:creationId xmlns:a16="http://schemas.microsoft.com/office/drawing/2014/main" id="{60C4DB4B-EE68-4BA2-9DDD-A05453385518}"/>
+                <a16:creationId xmlns:a16="http://schemas.microsoft.com/office/drawing/2014/main" id="{B2BEB5D7-FBE4-462C-A0EF-D425722145A0}"/>
               </a:ext>
             </a:extLst>
           </p:cNvPr>
@@ -12467,8 +12393,8 @@
         </p:nvSpPr>
         <p:spPr>
           <a:xfrm>
-            <a:off x="677334" y="609600"/>
-            <a:ext cx="8596668" cy="609600"/>
+            <a:off x="422152" y="361507"/>
+            <a:ext cx="8596668" cy="1320800"/>
           </a:xfrm>
         </p:spPr>
         <p:txBody>
@@ -12478,18 +12404,55 @@
           <a:lstStyle/>
           <a:p>
             <a:r>
-              <a:rPr lang="en-US" sz="3200" dirty="0"/>
-              <a:t>Internet access level throughout the world</a:t>
-            </a:r>
+              <a:rPr lang="en-US" dirty="0"/>
+              <a:t>Variable Analysis</a:t>
+            </a:r>
+            <a:br>
+              <a:rPr lang="en-US" dirty="0"/>
+            </a:br>
+            <a:r>
+              <a:rPr lang="en-US" sz="2200" dirty="0"/>
+              <a:t>Correlation between Happiness Score and Disaster Rate, Internet Access Rate, and Average Sleeping.</a:t>
+            </a:r>
+          </a:p>
+        </p:txBody>
+      </p:sp>
+      <p:sp>
+        <p:nvSpPr>
+          <p:cNvPr id="5" name="Slide Number Placeholder 4">
+            <a:extLst>
+              <a:ext uri="{FF2B5EF4-FFF2-40B4-BE49-F238E27FC236}">
+                <a16:creationId xmlns:a16="http://schemas.microsoft.com/office/drawing/2014/main" id="{896378A3-BD0C-4094-ACA9-C8AF0E3F2025}"/>
+              </a:ext>
+            </a:extLst>
+          </p:cNvPr>
+          <p:cNvSpPr>
+            <a:spLocks noGrp="1"/>
+          </p:cNvSpPr>
+          <p:nvPr>
+            <p:ph type="sldNum" sz="quarter" idx="12"/>
+          </p:nvPr>
+        </p:nvSpPr>
+        <p:spPr/>
+        <p:txBody>
+          <a:bodyPr/>
+          <a:lstStyle/>
+          <a:p>
+            <a:fld id="{D57F1E4F-1CFF-5643-939E-217C01CDF565}" type="slidenum">
+              <a:rPr lang="en-US" smtClean="0"/>
+              <a:pPr/>
+              <a:t>20</a:t>
+            </a:fld>
+            <a:endParaRPr lang="en-US" dirty="0"/>
           </a:p>
         </p:txBody>
       </p:sp>
       <p:pic>
         <p:nvPicPr>
-          <p:cNvPr id="7" name="Content Placeholder 6" descr="A close up of a map&#10;&#10;Description automatically generated">
+          <p:cNvPr id="10" name="Content Placeholder 9" descr="A close up of a map&#10;&#10;Description automatically generated">
             <a:extLst>
               <a:ext uri="{FF2B5EF4-FFF2-40B4-BE49-F238E27FC236}">
-                <a16:creationId xmlns:a16="http://schemas.microsoft.com/office/drawing/2014/main" id="{26256857-6956-40F4-8381-DE539C05221A}"/>
+                <a16:creationId xmlns:a16="http://schemas.microsoft.com/office/drawing/2014/main" id="{FB1A3063-4C99-4A6D-B6A6-A609DF92ABB5}"/>
               </a:ext>
             </a:extLst>
           </p:cNvPr>
@@ -12508,45 +12471,61 @@
         </p:blipFill>
         <p:spPr>
           <a:xfrm>
-            <a:off x="811985" y="1689562"/>
-            <a:ext cx="7827326" cy="3881437"/>
+            <a:off x="710684" y="1991859"/>
+            <a:ext cx="4414628" cy="4414628"/>
           </a:xfrm>
         </p:spPr>
       </p:pic>
       <p:sp>
         <p:nvSpPr>
-          <p:cNvPr id="5" name="Slide Number Placeholder 4">
+          <p:cNvPr id="11" name="TextBox 10">
             <a:extLst>
               <a:ext uri="{FF2B5EF4-FFF2-40B4-BE49-F238E27FC236}">
-                <a16:creationId xmlns:a16="http://schemas.microsoft.com/office/drawing/2014/main" id="{8C0B7B00-1B13-43A3-9541-C8F52349A82F}"/>
+                <a16:creationId xmlns:a16="http://schemas.microsoft.com/office/drawing/2014/main" id="{A0350DD0-E56D-4BAE-9C12-746F6888F38C}"/>
               </a:ext>
             </a:extLst>
           </p:cNvPr>
-          <p:cNvSpPr>
-            <a:spLocks noGrp="1"/>
-          </p:cNvSpPr>
-          <p:nvPr>
-            <p:ph type="sldNum" sz="quarter" idx="12"/>
-          </p:nvPr>
-        </p:nvSpPr>
-        <p:spPr/>
-        <p:txBody>
-          <a:bodyPr/>
+          <p:cNvSpPr txBox="1"/>
+          <p:nvPr/>
+        </p:nvSpPr>
+        <p:spPr>
+          <a:xfrm>
+            <a:off x="5916385" y="2177143"/>
+            <a:ext cx="3586843" cy="1200329"/>
+          </a:xfrm>
+          <a:prstGeom prst="rect">
+            <a:avLst/>
+          </a:prstGeom>
+          <a:noFill/>
+        </p:spPr>
+        <p:txBody>
+          <a:bodyPr wrap="square" rtlCol="0">
+            <a:spAutoFit/>
+          </a:bodyPr>
           <a:lstStyle/>
           <a:p>
-            <a:fld id="{D57F1E4F-1CFF-5643-939E-217C01CDF565}" type="slidenum">
-              <a:rPr lang="en-US" smtClean="0"/>
-              <a:pPr/>
-              <a:t>20</a:t>
-            </a:fld>
-            <a:endParaRPr lang="en-US" dirty="0"/>
+            <a:pPr marL="342900" lvl="0" indent="-342900">
+              <a:spcBef>
+                <a:spcPts val="1000"/>
+              </a:spcBef>
+              <a:buClr>
+                <a:srgbClr val="90C226"/>
+              </a:buClr>
+              <a:buSzPct val="80000"/>
+              <a:buFont typeface="Wingdings 3" charset="2"/>
+              <a:buChar char=""/>
+            </a:pPr>
+            <a:r>
+              <a:rPr lang="en-US" dirty="0"/>
+              <a:t>There are slight relationships between happiness score and disaster rate, internet access rate.</a:t>
+            </a:r>
           </a:p>
         </p:txBody>
       </p:sp>
     </p:spTree>
     <p:extLst>
       <p:ext uri="{BB962C8B-B14F-4D97-AF65-F5344CB8AC3E}">
-        <p14:creationId xmlns:p14="http://schemas.microsoft.com/office/powerpoint/2010/main" val="427924179"/>
+        <p14:creationId xmlns:p14="http://schemas.microsoft.com/office/powerpoint/2010/main" val="3103489254"/>
       </p:ext>
     </p:extLst>
   </p:cSld>
@@ -12589,12 +12568,7 @@
             <p:ph type="title"/>
           </p:nvPr>
         </p:nvSpPr>
-        <p:spPr>
-          <a:xfrm>
-            <a:off x="422152" y="361507"/>
-            <a:ext cx="8596668" cy="1320800"/>
-          </a:xfrm>
-        </p:spPr>
+        <p:spPr/>
         <p:txBody>
           <a:bodyPr>
             <a:normAutofit/>
@@ -12610,47 +12584,17 @@
             </a:br>
             <a:r>
               <a:rPr lang="en-US" sz="2200" dirty="0"/>
-              <a:t>Correlation between Happiness Score and Disaster Rate, Internet Access Rate, and Average Sleeping.</a:t>
-            </a:r>
-          </a:p>
-        </p:txBody>
-      </p:sp>
-      <p:sp>
-        <p:nvSpPr>
-          <p:cNvPr id="5" name="Slide Number Placeholder 4">
+              <a:t>Is there a relationship between Happiness and Disaster Risk, Internet Access Rate, and Average Sleeping?</a:t>
+            </a:r>
+          </a:p>
+        </p:txBody>
+      </p:sp>
+      <p:pic>
+        <p:nvPicPr>
+          <p:cNvPr id="7" name="Content Placeholder 6" descr="A close up of a map&#10;&#10;Description automatically generated">
             <a:extLst>
               <a:ext uri="{FF2B5EF4-FFF2-40B4-BE49-F238E27FC236}">
-                <a16:creationId xmlns:a16="http://schemas.microsoft.com/office/drawing/2014/main" id="{896378A3-BD0C-4094-ACA9-C8AF0E3F2025}"/>
-              </a:ext>
-            </a:extLst>
-          </p:cNvPr>
-          <p:cNvSpPr>
-            <a:spLocks noGrp="1"/>
-          </p:cNvSpPr>
-          <p:nvPr>
-            <p:ph type="sldNum" sz="quarter" idx="12"/>
-          </p:nvPr>
-        </p:nvSpPr>
-        <p:spPr/>
-        <p:txBody>
-          <a:bodyPr/>
-          <a:lstStyle/>
-          <a:p>
-            <a:fld id="{D57F1E4F-1CFF-5643-939E-217C01CDF565}" type="slidenum">
-              <a:rPr lang="en-US" smtClean="0"/>
-              <a:pPr/>
-              <a:t>21</a:t>
-            </a:fld>
-            <a:endParaRPr lang="en-US" dirty="0"/>
-          </a:p>
-        </p:txBody>
-      </p:sp>
-      <p:pic>
-        <p:nvPicPr>
-          <p:cNvPr id="10" name="Content Placeholder 9" descr="A close up of a map&#10;&#10;Description automatically generated">
-            <a:extLst>
-              <a:ext uri="{FF2B5EF4-FFF2-40B4-BE49-F238E27FC236}">
-                <a16:creationId xmlns:a16="http://schemas.microsoft.com/office/drawing/2014/main" id="{FB1A3063-4C99-4A6D-B6A6-A609DF92ABB5}"/>
+                <a16:creationId xmlns:a16="http://schemas.microsoft.com/office/drawing/2014/main" id="{40DDE0C9-937B-4C0E-A7A6-EC5CEF55D82A}"/>
               </a:ext>
             </a:extLst>
           </p:cNvPr>
@@ -12669,17 +12613,47 @@
         </p:blipFill>
         <p:spPr>
           <a:xfrm>
-            <a:off x="710684" y="1991859"/>
-            <a:ext cx="4414628" cy="4414628"/>
+            <a:off x="677334" y="2100054"/>
+            <a:ext cx="5252923" cy="4377436"/>
           </a:xfrm>
         </p:spPr>
       </p:pic>
       <p:sp>
         <p:nvSpPr>
-          <p:cNvPr id="11" name="TextBox 10">
+          <p:cNvPr id="5" name="Slide Number Placeholder 4">
             <a:extLst>
               <a:ext uri="{FF2B5EF4-FFF2-40B4-BE49-F238E27FC236}">
-                <a16:creationId xmlns:a16="http://schemas.microsoft.com/office/drawing/2014/main" id="{A0350DD0-E56D-4BAE-9C12-746F6888F38C}"/>
+                <a16:creationId xmlns:a16="http://schemas.microsoft.com/office/drawing/2014/main" id="{FCD5EB3D-B069-4967-8CBA-80BB4781BEF2}"/>
+              </a:ext>
+            </a:extLst>
+          </p:cNvPr>
+          <p:cNvSpPr>
+            <a:spLocks noGrp="1"/>
+          </p:cNvSpPr>
+          <p:nvPr>
+            <p:ph type="sldNum" sz="quarter" idx="12"/>
+          </p:nvPr>
+        </p:nvSpPr>
+        <p:spPr/>
+        <p:txBody>
+          <a:bodyPr/>
+          <a:lstStyle/>
+          <a:p>
+            <a:fld id="{D57F1E4F-1CFF-5643-939E-217C01CDF565}" type="slidenum">
+              <a:rPr lang="en-US" smtClean="0"/>
+              <a:pPr/>
+              <a:t>21</a:t>
+            </a:fld>
+            <a:endParaRPr lang="en-US" dirty="0"/>
+          </a:p>
+        </p:txBody>
+      </p:sp>
+      <p:sp>
+        <p:nvSpPr>
+          <p:cNvPr id="3" name="TextBox 2">
+            <a:extLst>
+              <a:ext uri="{FF2B5EF4-FFF2-40B4-BE49-F238E27FC236}">
+                <a16:creationId xmlns:a16="http://schemas.microsoft.com/office/drawing/2014/main" id="{178611F6-9653-470D-B059-ACEB4D5C20C4}"/>
               </a:ext>
             </a:extLst>
           </p:cNvPr>
@@ -12688,8 +12662,8 @@
         </p:nvSpPr>
         <p:spPr>
           <a:xfrm>
-            <a:off x="5916385" y="2177143"/>
-            <a:ext cx="3586843" cy="1200329"/>
+            <a:off x="6096000" y="2170361"/>
+            <a:ext cx="3565071" cy="4078039"/>
           </a:xfrm>
           <a:prstGeom prst="rect">
             <a:avLst/>
@@ -12715,7 +12689,58 @@
             </a:pPr>
             <a:r>
               <a:rPr lang="en-US" dirty="0"/>
-              <a:t>There are slight relationships between happiness score and disaster rate, internet access rate.</a:t>
+              <a:t>Internet rate, disaster rate could have an impact on happiness score.</a:t>
+            </a:r>
+          </a:p>
+          <a:p>
+            <a:pPr marL="342900" lvl="0" indent="-342900">
+              <a:spcBef>
+                <a:spcPts val="1000"/>
+              </a:spcBef>
+              <a:buClr>
+                <a:srgbClr val="90C226"/>
+              </a:buClr>
+              <a:buSzPct val="80000"/>
+              <a:buFont typeface="Wingdings 3" charset="2"/>
+              <a:buChar char=""/>
+            </a:pPr>
+            <a:r>
+              <a:rPr lang="en-US" dirty="0"/>
+              <a:t>More disasters lead to less happiness for people.</a:t>
+            </a:r>
+          </a:p>
+          <a:p>
+            <a:pPr marL="342900" lvl="0" indent="-342900">
+              <a:spcBef>
+                <a:spcPts val="1000"/>
+              </a:spcBef>
+              <a:buClr>
+                <a:srgbClr val="90C226"/>
+              </a:buClr>
+              <a:buSzPct val="80000"/>
+              <a:buFont typeface="Wingdings 3" charset="2"/>
+              <a:buChar char=""/>
+            </a:pPr>
+            <a:r>
+              <a:rPr lang="en-US" dirty="0"/>
+              <a:t>More access to the internet helps people feel happier.</a:t>
+            </a:r>
+          </a:p>
+          <a:p>
+            <a:pPr marL="342900" lvl="0" indent="-342900">
+              <a:spcBef>
+                <a:spcPts val="1000"/>
+              </a:spcBef>
+              <a:buClr>
+                <a:srgbClr val="90C226"/>
+              </a:buClr>
+              <a:buSzPct val="80000"/>
+              <a:buFont typeface="Wingdings 3" charset="2"/>
+              <a:buChar char=""/>
+            </a:pPr>
+            <a:r>
+              <a:rPr lang="en-US" dirty="0"/>
+              <a:t>While sleeping does not appear to have a strong relationship with happiness, deeper analysis is needed because there are fewer countries in this study.</a:t>
             </a:r>
           </a:p>
         </p:txBody>
@@ -12723,7 +12748,7 @@
     </p:spTree>
     <p:extLst>
       <p:ext uri="{BB962C8B-B14F-4D97-AF65-F5344CB8AC3E}">
-        <p14:creationId xmlns:p14="http://schemas.microsoft.com/office/powerpoint/2010/main" val="3103489254"/>
+        <p14:creationId xmlns:p14="http://schemas.microsoft.com/office/powerpoint/2010/main" val="1010352627"/>
       </p:ext>
     </p:extLst>
   </p:cSld>
@@ -12782,229 +12807,6 @@
             </a:br>
             <a:r>
               <a:rPr lang="en-US" sz="2200" dirty="0"/>
-              <a:t>Is there a relationship between Happiness and Disaster Risk, Internet Access Rate, and Average Sleeping?</a:t>
-            </a:r>
-          </a:p>
-        </p:txBody>
-      </p:sp>
-      <p:pic>
-        <p:nvPicPr>
-          <p:cNvPr id="7" name="Content Placeholder 6" descr="A close up of a map&#10;&#10;Description automatically generated">
-            <a:extLst>
-              <a:ext uri="{FF2B5EF4-FFF2-40B4-BE49-F238E27FC236}">
-                <a16:creationId xmlns:a16="http://schemas.microsoft.com/office/drawing/2014/main" id="{40DDE0C9-937B-4C0E-A7A6-EC5CEF55D82A}"/>
-              </a:ext>
-            </a:extLst>
-          </p:cNvPr>
-          <p:cNvPicPr>
-            <a:picLocks noGrp="1" noChangeAspect="1"/>
-          </p:cNvPicPr>
-          <p:nvPr>
-            <p:ph idx="1"/>
-          </p:nvPr>
-        </p:nvPicPr>
-        <p:blipFill>
-          <a:blip r:embed="rId2"/>
-          <a:stretch>
-            <a:fillRect/>
-          </a:stretch>
-        </p:blipFill>
-        <p:spPr>
-          <a:xfrm>
-            <a:off x="677334" y="2100054"/>
-            <a:ext cx="5252923" cy="4377436"/>
-          </a:xfrm>
-        </p:spPr>
-      </p:pic>
-      <p:sp>
-        <p:nvSpPr>
-          <p:cNvPr id="5" name="Slide Number Placeholder 4">
-            <a:extLst>
-              <a:ext uri="{FF2B5EF4-FFF2-40B4-BE49-F238E27FC236}">
-                <a16:creationId xmlns:a16="http://schemas.microsoft.com/office/drawing/2014/main" id="{FCD5EB3D-B069-4967-8CBA-80BB4781BEF2}"/>
-              </a:ext>
-            </a:extLst>
-          </p:cNvPr>
-          <p:cNvSpPr>
-            <a:spLocks noGrp="1"/>
-          </p:cNvSpPr>
-          <p:nvPr>
-            <p:ph type="sldNum" sz="quarter" idx="12"/>
-          </p:nvPr>
-        </p:nvSpPr>
-        <p:spPr/>
-        <p:txBody>
-          <a:bodyPr/>
-          <a:lstStyle/>
-          <a:p>
-            <a:fld id="{D57F1E4F-1CFF-5643-939E-217C01CDF565}" type="slidenum">
-              <a:rPr lang="en-US" smtClean="0"/>
-              <a:pPr/>
-              <a:t>22</a:t>
-            </a:fld>
-            <a:endParaRPr lang="en-US" dirty="0"/>
-          </a:p>
-        </p:txBody>
-      </p:sp>
-      <p:sp>
-        <p:nvSpPr>
-          <p:cNvPr id="3" name="TextBox 2">
-            <a:extLst>
-              <a:ext uri="{FF2B5EF4-FFF2-40B4-BE49-F238E27FC236}">
-                <a16:creationId xmlns:a16="http://schemas.microsoft.com/office/drawing/2014/main" id="{178611F6-9653-470D-B059-ACEB4D5C20C4}"/>
-              </a:ext>
-            </a:extLst>
-          </p:cNvPr>
-          <p:cNvSpPr txBox="1"/>
-          <p:nvPr/>
-        </p:nvSpPr>
-        <p:spPr>
-          <a:xfrm>
-            <a:off x="6096000" y="2170361"/>
-            <a:ext cx="3565071" cy="4078039"/>
-          </a:xfrm>
-          <a:prstGeom prst="rect">
-            <a:avLst/>
-          </a:prstGeom>
-          <a:noFill/>
-        </p:spPr>
-        <p:txBody>
-          <a:bodyPr wrap="square" rtlCol="0">
-            <a:spAutoFit/>
-          </a:bodyPr>
-          <a:lstStyle/>
-          <a:p>
-            <a:pPr marL="342900" lvl="0" indent="-342900">
-              <a:spcBef>
-                <a:spcPts val="1000"/>
-              </a:spcBef>
-              <a:buClr>
-                <a:srgbClr val="90C226"/>
-              </a:buClr>
-              <a:buSzPct val="80000"/>
-              <a:buFont typeface="Wingdings 3" charset="2"/>
-              <a:buChar char=""/>
-            </a:pPr>
-            <a:r>
-              <a:rPr lang="en-US" dirty="0"/>
-              <a:t>Internet rate, disaster rate could have an impact on happiness score.</a:t>
-            </a:r>
-          </a:p>
-          <a:p>
-            <a:pPr marL="342900" lvl="0" indent="-342900">
-              <a:spcBef>
-                <a:spcPts val="1000"/>
-              </a:spcBef>
-              <a:buClr>
-                <a:srgbClr val="90C226"/>
-              </a:buClr>
-              <a:buSzPct val="80000"/>
-              <a:buFont typeface="Wingdings 3" charset="2"/>
-              <a:buChar char=""/>
-            </a:pPr>
-            <a:r>
-              <a:rPr lang="en-US" dirty="0"/>
-              <a:t>More disasters lead to less happiness for people.</a:t>
-            </a:r>
-          </a:p>
-          <a:p>
-            <a:pPr marL="342900" lvl="0" indent="-342900">
-              <a:spcBef>
-                <a:spcPts val="1000"/>
-              </a:spcBef>
-              <a:buClr>
-                <a:srgbClr val="90C226"/>
-              </a:buClr>
-              <a:buSzPct val="80000"/>
-              <a:buFont typeface="Wingdings 3" charset="2"/>
-              <a:buChar char=""/>
-            </a:pPr>
-            <a:r>
-              <a:rPr lang="en-US" dirty="0"/>
-              <a:t>More access to the internet helps people feel happier.</a:t>
-            </a:r>
-          </a:p>
-          <a:p>
-            <a:pPr marL="342900" lvl="0" indent="-342900">
-              <a:spcBef>
-                <a:spcPts val="1000"/>
-              </a:spcBef>
-              <a:buClr>
-                <a:srgbClr val="90C226"/>
-              </a:buClr>
-              <a:buSzPct val="80000"/>
-              <a:buFont typeface="Wingdings 3" charset="2"/>
-              <a:buChar char=""/>
-            </a:pPr>
-            <a:r>
-              <a:rPr lang="en-US" dirty="0"/>
-              <a:t>While sleeping does not appear to have a strong relationship with happiness, deeper analysis is needed because there are fewer countries in this study.</a:t>
-            </a:r>
-          </a:p>
-        </p:txBody>
-      </p:sp>
-    </p:spTree>
-    <p:extLst>
-      <p:ext uri="{BB962C8B-B14F-4D97-AF65-F5344CB8AC3E}">
-        <p14:creationId xmlns:p14="http://schemas.microsoft.com/office/powerpoint/2010/main" val="1010352627"/>
-      </p:ext>
-    </p:extLst>
-  </p:cSld>
-  <p:clrMapOvr>
-    <a:masterClrMapping/>
-  </p:clrMapOvr>
-</p:sld>
-</file>
-
-<file path=ppt/slides/slide23.xml><?xml version="1.0" encoding="utf-8"?>
-<p:sld xmlns:a="http://schemas.openxmlformats.org/drawingml/2006/main" xmlns:r="http://schemas.openxmlformats.org/officeDocument/2006/relationships" xmlns:p="http://schemas.openxmlformats.org/presentationml/2006/main">
-  <p:cSld>
-    <p:spTree>
-      <p:nvGrpSpPr>
-        <p:cNvPr id="1" name=""/>
-        <p:cNvGrpSpPr/>
-        <p:nvPr/>
-      </p:nvGrpSpPr>
-      <p:grpSpPr>
-        <a:xfrm>
-          <a:off x="0" y="0"/>
-          <a:ext cx="0" cy="0"/>
-          <a:chOff x="0" y="0"/>
-          <a:chExt cx="0" cy="0"/>
-        </a:xfrm>
-      </p:grpSpPr>
-      <p:sp>
-        <p:nvSpPr>
-          <p:cNvPr id="2" name="Title 1">
-            <a:extLst>
-              <a:ext uri="{FF2B5EF4-FFF2-40B4-BE49-F238E27FC236}">
-                <a16:creationId xmlns:a16="http://schemas.microsoft.com/office/drawing/2014/main" id="{B2BEB5D7-FBE4-462C-A0EF-D425722145A0}"/>
-              </a:ext>
-            </a:extLst>
-          </p:cNvPr>
-          <p:cNvSpPr>
-            <a:spLocks noGrp="1"/>
-          </p:cNvSpPr>
-          <p:nvPr>
-            <p:ph type="title"/>
-          </p:nvPr>
-        </p:nvSpPr>
-        <p:spPr/>
-        <p:txBody>
-          <a:bodyPr>
-            <a:normAutofit/>
-          </a:bodyPr>
-          <a:lstStyle/>
-          <a:p>
-            <a:r>
-              <a:rPr lang="en-US" dirty="0"/>
-              <a:t>Variable Analysis</a:t>
-            </a:r>
-            <a:br>
-              <a:rPr lang="en-US" dirty="0"/>
-            </a:br>
-            <a:r>
-              <a:rPr lang="en-US" sz="2200" dirty="0"/>
               <a:t>Correlation Coefficients Happiness Score and Disaster Rate, Internet Access Rate, and Average Sleeping.</a:t>
             </a:r>
           </a:p>
@@ -13034,7 +12836,7 @@
             <a:fld id="{D57F1E4F-1CFF-5643-939E-217C01CDF565}" type="slidenum">
               <a:rPr lang="en-US" smtClean="0"/>
               <a:pPr/>
-              <a:t>23</a:t>
+              <a:t>22</a:t>
             </a:fld>
             <a:endParaRPr lang="en-US" dirty="0"/>
           </a:p>
@@ -13085,6 +12887,348 @@
 </p:sld>
 </file>
 
+<file path=ppt/slides/slide23.xml><?xml version="1.0" encoding="utf-8"?>
+<p:sld xmlns:a="http://schemas.openxmlformats.org/drawingml/2006/main" xmlns:r="http://schemas.openxmlformats.org/officeDocument/2006/relationships" xmlns:p="http://schemas.openxmlformats.org/presentationml/2006/main">
+  <p:cSld>
+    <p:spTree>
+      <p:nvGrpSpPr>
+        <p:cNvPr id="1" name=""/>
+        <p:cNvGrpSpPr/>
+        <p:nvPr/>
+      </p:nvGrpSpPr>
+      <p:grpSpPr>
+        <a:xfrm>
+          <a:off x="0" y="0"/>
+          <a:ext cx="0" cy="0"/>
+          <a:chOff x="0" y="0"/>
+          <a:chExt cx="0" cy="0"/>
+        </a:xfrm>
+      </p:grpSpPr>
+      <p:sp>
+        <p:nvSpPr>
+          <p:cNvPr id="2" name="Title 1">
+            <a:extLst>
+              <a:ext uri="{FF2B5EF4-FFF2-40B4-BE49-F238E27FC236}">
+                <a16:creationId xmlns:a16="http://schemas.microsoft.com/office/drawing/2014/main" id="{CBD7BD3C-95D6-4428-9983-A8EA74421EDD}"/>
+              </a:ext>
+            </a:extLst>
+          </p:cNvPr>
+          <p:cNvSpPr>
+            <a:spLocks noGrp="1"/>
+          </p:cNvSpPr>
+          <p:nvPr>
+            <p:ph type="title"/>
+          </p:nvPr>
+        </p:nvSpPr>
+        <p:spPr>
+          <a:xfrm>
+            <a:off x="677334" y="241300"/>
+            <a:ext cx="8596668" cy="647700"/>
+          </a:xfrm>
+        </p:spPr>
+        <p:txBody>
+          <a:bodyPr/>
+          <a:lstStyle/>
+          <a:p>
+            <a:r>
+              <a:rPr lang="en-US" dirty="0"/>
+              <a:t>Discussion</a:t>
+            </a:r>
+          </a:p>
+        </p:txBody>
+      </p:sp>
+      <p:sp>
+        <p:nvSpPr>
+          <p:cNvPr id="3" name="Content Placeholder 2">
+            <a:extLst>
+              <a:ext uri="{FF2B5EF4-FFF2-40B4-BE49-F238E27FC236}">
+                <a16:creationId xmlns:a16="http://schemas.microsoft.com/office/drawing/2014/main" id="{947669C7-4B40-43A0-9AEB-F1CD2522B8BF}"/>
+              </a:ext>
+            </a:extLst>
+          </p:cNvPr>
+          <p:cNvSpPr>
+            <a:spLocks noGrp="1"/>
+          </p:cNvSpPr>
+          <p:nvPr>
+            <p:ph idx="1"/>
+          </p:nvPr>
+        </p:nvSpPr>
+        <p:spPr>
+          <a:xfrm>
+            <a:off x="798872" y="939800"/>
+            <a:ext cx="8596668" cy="4864652"/>
+          </a:xfrm>
+        </p:spPr>
+        <p:txBody>
+          <a:bodyPr>
+            <a:normAutofit fontScale="40000" lnSpcReduction="20000"/>
+          </a:bodyPr>
+          <a:lstStyle/>
+          <a:p>
+            <a:pPr>
+              <a:lnSpc>
+                <a:spcPct val="120000"/>
+              </a:lnSpc>
+            </a:pPr>
+            <a:r>
+              <a:rPr lang="en-US" sz="4500" dirty="0">
+                <a:solidFill>
+                  <a:schemeClr val="tx1">
+                    <a:lumMod val="65000"/>
+                    <a:lumOff val="35000"/>
+                  </a:schemeClr>
+                </a:solidFill>
+              </a:rPr>
+              <a:t>We can conclude that higher Happiness Index around the world is concentrated in Europe, The Americas and Oceania, leaving Africa and Asia with the lower scores.</a:t>
+            </a:r>
+          </a:p>
+          <a:p>
+            <a:pPr>
+              <a:lnSpc>
+                <a:spcPct val="120000"/>
+              </a:lnSpc>
+            </a:pPr>
+            <a:r>
+              <a:rPr lang="en-US" sz="4500" dirty="0">
+                <a:solidFill>
+                  <a:schemeClr val="tx1">
+                    <a:lumMod val="65000"/>
+                    <a:lumOff val="35000"/>
+                  </a:schemeClr>
+                </a:solidFill>
+              </a:rPr>
+              <a:t>Finland, Norway, Denmark, Iceland and Switzerland are the countries with the highest happiness score in the world, and they have consistently been ranked high for 2015 to 2018. </a:t>
+            </a:r>
+          </a:p>
+          <a:p>
+            <a:pPr>
+              <a:lnSpc>
+                <a:spcPct val="120000"/>
+              </a:lnSpc>
+            </a:pPr>
+            <a:r>
+              <a:rPr lang="en-US" sz="4500" dirty="0">
+                <a:solidFill>
+                  <a:schemeClr val="tx1">
+                    <a:lumMod val="65000"/>
+                    <a:lumOff val="35000"/>
+                  </a:schemeClr>
+                </a:solidFill>
+              </a:rPr>
+              <a:t>Factors with </a:t>
+            </a:r>
+            <a:r>
+              <a:rPr lang="en-US" sz="4500" b="1" dirty="0">
+                <a:solidFill>
+                  <a:schemeClr val="tx1">
+                    <a:lumMod val="65000"/>
+                    <a:lumOff val="35000"/>
+                  </a:schemeClr>
+                </a:solidFill>
+              </a:rPr>
+              <a:t>strong correlation </a:t>
+            </a:r>
+            <a:r>
+              <a:rPr lang="en-US" sz="4500" dirty="0">
+                <a:solidFill>
+                  <a:schemeClr val="tx1">
+                    <a:lumMod val="65000"/>
+                    <a:lumOff val="35000"/>
+                  </a:schemeClr>
+                </a:solidFill>
+              </a:rPr>
+              <a:t>to country happiness score:</a:t>
+            </a:r>
+          </a:p>
+          <a:p>
+            <a:pPr lvl="1">
+              <a:lnSpc>
+                <a:spcPct val="120000"/>
+              </a:lnSpc>
+              <a:buFont typeface="Wingdings" panose="05000000000000000000" pitchFamily="2" charset="2"/>
+              <a:buChar char="§"/>
+            </a:pPr>
+            <a:r>
+              <a:rPr lang="en-US" sz="4500" dirty="0">
+                <a:solidFill>
+                  <a:schemeClr val="tx1">
+                    <a:lumMod val="65000"/>
+                    <a:lumOff val="35000"/>
+                  </a:schemeClr>
+                </a:solidFill>
+              </a:rPr>
+              <a:t>Median Age, Education Level, Access to Internet.</a:t>
+            </a:r>
+          </a:p>
+          <a:p>
+            <a:pPr>
+              <a:lnSpc>
+                <a:spcPct val="120000"/>
+              </a:lnSpc>
+            </a:pPr>
+            <a:r>
+              <a:rPr lang="en-US" sz="4500" dirty="0">
+                <a:solidFill>
+                  <a:schemeClr val="tx1">
+                    <a:lumMod val="65000"/>
+                    <a:lumOff val="35000"/>
+                  </a:schemeClr>
+                </a:solidFill>
+              </a:rPr>
+              <a:t>Factors with </a:t>
+            </a:r>
+            <a:r>
+              <a:rPr lang="en-US" sz="4500" b="1" dirty="0">
+                <a:solidFill>
+                  <a:schemeClr val="tx1">
+                    <a:lumMod val="65000"/>
+                    <a:lumOff val="35000"/>
+                  </a:schemeClr>
+                </a:solidFill>
+              </a:rPr>
+              <a:t>some correlation </a:t>
+            </a:r>
+            <a:r>
+              <a:rPr lang="en-US" sz="4500" dirty="0">
+                <a:solidFill>
+                  <a:schemeClr val="tx1">
+                    <a:lumMod val="65000"/>
+                    <a:lumOff val="35000"/>
+                  </a:schemeClr>
+                </a:solidFill>
+              </a:rPr>
+              <a:t>to country happiness index:</a:t>
+            </a:r>
+          </a:p>
+          <a:p>
+            <a:pPr lvl="1">
+              <a:lnSpc>
+                <a:spcPct val="120000"/>
+              </a:lnSpc>
+              <a:buFont typeface="Wingdings" panose="05000000000000000000" pitchFamily="2" charset="2"/>
+              <a:buChar char="§"/>
+            </a:pPr>
+            <a:r>
+              <a:rPr lang="en-US" sz="4500" dirty="0">
+                <a:solidFill>
+                  <a:schemeClr val="tx1">
+                    <a:lumMod val="65000"/>
+                    <a:lumOff val="35000"/>
+                  </a:schemeClr>
+                </a:solidFill>
+              </a:rPr>
+              <a:t>GDP, PPP, Alcohol Consumption, Disaster Risk rate, Average Sleep</a:t>
+            </a:r>
+          </a:p>
+          <a:p>
+            <a:pPr>
+              <a:lnSpc>
+                <a:spcPct val="120000"/>
+              </a:lnSpc>
+            </a:pPr>
+            <a:r>
+              <a:rPr lang="en-US" sz="4500" dirty="0">
+                <a:solidFill>
+                  <a:schemeClr val="tx1">
+                    <a:lumMod val="65000"/>
+                    <a:lumOff val="35000"/>
+                  </a:schemeClr>
+                </a:solidFill>
+              </a:rPr>
+              <a:t>Factors with </a:t>
+            </a:r>
+            <a:r>
+              <a:rPr lang="en-US" sz="4500" b="1" dirty="0">
+                <a:solidFill>
+                  <a:schemeClr val="tx1">
+                    <a:lumMod val="65000"/>
+                    <a:lumOff val="35000"/>
+                  </a:schemeClr>
+                </a:solidFill>
+              </a:rPr>
+              <a:t>no correlation </a:t>
+            </a:r>
+            <a:r>
+              <a:rPr lang="en-US" sz="4500" dirty="0">
+                <a:solidFill>
+                  <a:schemeClr val="tx1">
+                    <a:lumMod val="65000"/>
+                    <a:lumOff val="35000"/>
+                  </a:schemeClr>
+                </a:solidFill>
+              </a:rPr>
+              <a:t>to country happiness index:</a:t>
+            </a:r>
+          </a:p>
+          <a:p>
+            <a:pPr lvl="1">
+              <a:lnSpc>
+                <a:spcPct val="120000"/>
+              </a:lnSpc>
+              <a:buFont typeface="Wingdings" panose="05000000000000000000" pitchFamily="2" charset="2"/>
+              <a:buChar char="§"/>
+            </a:pPr>
+            <a:r>
+              <a:rPr lang="en-US" sz="4500" dirty="0">
+                <a:solidFill>
+                  <a:schemeClr val="tx1">
+                    <a:lumMod val="65000"/>
+                    <a:lumOff val="35000"/>
+                  </a:schemeClr>
+                </a:solidFill>
+              </a:rPr>
+              <a:t>Population.</a:t>
+            </a:r>
+            <a:endParaRPr lang="en-US" sz="4500" dirty="0"/>
+          </a:p>
+          <a:p>
+            <a:endParaRPr lang="en-US" dirty="0"/>
+          </a:p>
+        </p:txBody>
+      </p:sp>
+      <p:sp>
+        <p:nvSpPr>
+          <p:cNvPr id="5" name="Slide Number Placeholder 4">
+            <a:extLst>
+              <a:ext uri="{FF2B5EF4-FFF2-40B4-BE49-F238E27FC236}">
+                <a16:creationId xmlns:a16="http://schemas.microsoft.com/office/drawing/2014/main" id="{B7E3EA7A-8014-47E4-AA8D-588A7515DE35}"/>
+              </a:ext>
+            </a:extLst>
+          </p:cNvPr>
+          <p:cNvSpPr>
+            <a:spLocks noGrp="1"/>
+          </p:cNvSpPr>
+          <p:nvPr>
+            <p:ph type="sldNum" sz="quarter" idx="12"/>
+          </p:nvPr>
+        </p:nvSpPr>
+        <p:spPr/>
+        <p:txBody>
+          <a:bodyPr/>
+          <a:lstStyle/>
+          <a:p>
+            <a:fld id="{D57F1E4F-1CFF-5643-939E-217C01CDF565}" type="slidenum">
+              <a:rPr lang="en-US" smtClean="0"/>
+              <a:pPr/>
+              <a:t>23</a:t>
+            </a:fld>
+            <a:endParaRPr lang="en-US" dirty="0"/>
+          </a:p>
+        </p:txBody>
+      </p:sp>
+    </p:spTree>
+    <p:extLst>
+      <p:ext uri="{BB962C8B-B14F-4D97-AF65-F5344CB8AC3E}">
+        <p14:creationId xmlns:p14="http://schemas.microsoft.com/office/powerpoint/2010/main" val="4106366902"/>
+      </p:ext>
+    </p:extLst>
+  </p:cSld>
+  <p:clrMapOvr>
+    <a:masterClrMapping/>
+  </p:clrMapOvr>
+</p:sld>
+</file>
+
 <file path=ppt/slides/slide24.xml><?xml version="1.0" encoding="utf-8"?>
 <p:sld xmlns:a="http://schemas.openxmlformats.org/drawingml/2006/main" xmlns:r="http://schemas.openxmlformats.org/officeDocument/2006/relationships" xmlns:p="http://schemas.openxmlformats.org/presentationml/2006/main">
   <p:cSld>
@@ -13107,7 +13251,7 @@
           <p:cNvPr id="2" name="Title 1">
             <a:extLst>
               <a:ext uri="{FF2B5EF4-FFF2-40B4-BE49-F238E27FC236}">
-                <a16:creationId xmlns:a16="http://schemas.microsoft.com/office/drawing/2014/main" id="{CBD7BD3C-95D6-4428-9983-A8EA74421EDD}"/>
+                <a16:creationId xmlns:a16="http://schemas.microsoft.com/office/drawing/2014/main" id="{4CD2B565-B36B-48B8-A2E1-F60402A1EFF0}"/>
               </a:ext>
             </a:extLst>
           </p:cNvPr>
@@ -13118,19 +13262,14 @@
             <p:ph type="title"/>
           </p:nvPr>
         </p:nvSpPr>
-        <p:spPr>
-          <a:xfrm>
-            <a:off x="677334" y="241300"/>
-            <a:ext cx="8596668" cy="647700"/>
-          </a:xfrm>
-        </p:spPr>
+        <p:spPr/>
         <p:txBody>
           <a:bodyPr/>
           <a:lstStyle/>
           <a:p>
             <a:r>
               <a:rPr lang="en-US" dirty="0"/>
-              <a:t>Discussion</a:t>
+              <a:t>Follow-Ups</a:t>
             </a:r>
           </a:p>
         </p:txBody>
@@ -13140,7 +13279,7 @@
           <p:cNvPr id="3" name="Content Placeholder 2">
             <a:extLst>
               <a:ext uri="{FF2B5EF4-FFF2-40B4-BE49-F238E27FC236}">
-                <a16:creationId xmlns:a16="http://schemas.microsoft.com/office/drawing/2014/main" id="{947669C7-4B40-43A0-9AEB-F1CD2522B8BF}"/>
+                <a16:creationId xmlns:a16="http://schemas.microsoft.com/office/drawing/2014/main" id="{890CD028-DB36-4934-ACCB-1B77EB261BC1}"/>
               </a:ext>
             </a:extLst>
           </p:cNvPr>
@@ -13153,252 +13292,42 @@
         </p:nvSpPr>
         <p:spPr>
           <a:xfrm>
-            <a:off x="798872" y="939799"/>
-            <a:ext cx="8596668" cy="5466687"/>
+            <a:off x="677334" y="1643743"/>
+            <a:ext cx="8596668" cy="4397619"/>
           </a:xfrm>
         </p:spPr>
         <p:txBody>
-          <a:bodyPr>
-            <a:normAutofit fontScale="40000" lnSpcReduction="20000"/>
-          </a:bodyPr>
+          <a:bodyPr/>
           <a:lstStyle/>
           <a:p>
-            <a:pPr>
-              <a:lnSpc>
-                <a:spcPct val="120000"/>
-              </a:lnSpc>
-            </a:pPr>
-            <a:r>
-              <a:rPr lang="en-US" sz="4500" dirty="0">
-                <a:solidFill>
-                  <a:schemeClr val="tx1">
-                    <a:lumMod val="65000"/>
-                    <a:lumOff val="35000"/>
-                  </a:schemeClr>
-                </a:solidFill>
-              </a:rPr>
-              <a:t>We can conclude that higher Happiness Index around the world is concentrated in Europe, The Americas and Oceania, leaving Africa and Asia with the lower scores.</a:t>
-            </a:r>
-          </a:p>
-          <a:p>
-            <a:pPr>
-              <a:lnSpc>
-                <a:spcPct val="120000"/>
-              </a:lnSpc>
-            </a:pPr>
-            <a:r>
-              <a:rPr lang="en-US" sz="4500" dirty="0">
-                <a:solidFill>
-                  <a:schemeClr val="tx1">
-                    <a:lumMod val="65000"/>
-                    <a:lumOff val="35000"/>
-                  </a:schemeClr>
-                </a:solidFill>
-              </a:rPr>
-              <a:t>Finland, Norway, Denmark, Iceland and Switzerland are the countries with the highest happiness score in the world, and they have consistently been ranked high for 2015 to 2018. </a:t>
-            </a:r>
-          </a:p>
-          <a:p>
-            <a:pPr>
-              <a:lnSpc>
-                <a:spcPct val="120000"/>
-              </a:lnSpc>
-            </a:pPr>
-            <a:r>
-              <a:rPr lang="en-US" sz="4500" dirty="0">
-                <a:solidFill>
-                  <a:schemeClr val="tx1">
-                    <a:lumMod val="65000"/>
-                    <a:lumOff val="35000"/>
-                  </a:schemeClr>
-                </a:solidFill>
-              </a:rPr>
-              <a:t>Further analysis should be conducted to draw any conclusions about how happiness nearby countries impact each other.</a:t>
-            </a:r>
-          </a:p>
-          <a:p>
-            <a:pPr>
-              <a:lnSpc>
-                <a:spcPct val="120000"/>
-              </a:lnSpc>
-            </a:pPr>
-            <a:r>
-              <a:rPr lang="en-US" sz="4500" dirty="0">
-                <a:solidFill>
-                  <a:schemeClr val="tx1">
-                    <a:lumMod val="65000"/>
-                    <a:lumOff val="35000"/>
-                  </a:schemeClr>
-                </a:solidFill>
-              </a:rPr>
-              <a:t>Factors with </a:t>
-            </a:r>
-            <a:r>
-              <a:rPr lang="en-US" sz="4500" b="1" dirty="0">
-                <a:solidFill>
-                  <a:schemeClr val="tx1">
-                    <a:lumMod val="65000"/>
-                    <a:lumOff val="35000"/>
-                  </a:schemeClr>
-                </a:solidFill>
-              </a:rPr>
-              <a:t>strong correlation </a:t>
-            </a:r>
-            <a:r>
-              <a:rPr lang="en-US" sz="4500" dirty="0">
-                <a:solidFill>
-                  <a:schemeClr val="tx1">
-                    <a:lumMod val="65000"/>
-                    <a:lumOff val="35000"/>
-                  </a:schemeClr>
-                </a:solidFill>
-              </a:rPr>
-              <a:t>to country happiness score:</a:t>
-            </a:r>
-          </a:p>
-          <a:p>
-            <a:pPr lvl="1">
-              <a:lnSpc>
-                <a:spcPct val="120000"/>
-              </a:lnSpc>
-              <a:buFont typeface="Wingdings" panose="05000000000000000000" pitchFamily="2" charset="2"/>
-              <a:buChar char="§"/>
-            </a:pPr>
-            <a:r>
-              <a:rPr lang="en-US" sz="4500" dirty="0">
-                <a:solidFill>
-                  <a:schemeClr val="tx1">
-                    <a:lumMod val="65000"/>
-                    <a:lumOff val="35000"/>
-                  </a:schemeClr>
-                </a:solidFill>
-              </a:rPr>
-              <a:t>Median Age, Education Level, Access to Internet.</a:t>
-            </a:r>
-          </a:p>
-          <a:p>
-            <a:pPr>
-              <a:lnSpc>
-                <a:spcPct val="120000"/>
-              </a:lnSpc>
-            </a:pPr>
-            <a:r>
-              <a:rPr lang="en-US" sz="4500" dirty="0">
-                <a:solidFill>
-                  <a:schemeClr val="tx1">
-                    <a:lumMod val="65000"/>
-                    <a:lumOff val="35000"/>
-                  </a:schemeClr>
-                </a:solidFill>
-              </a:rPr>
-              <a:t>Factors with </a:t>
-            </a:r>
-            <a:r>
-              <a:rPr lang="en-US" sz="4500" b="1" dirty="0">
-                <a:solidFill>
-                  <a:schemeClr val="tx1">
-                    <a:lumMod val="65000"/>
-                    <a:lumOff val="35000"/>
-                  </a:schemeClr>
-                </a:solidFill>
-              </a:rPr>
-              <a:t>some correlation </a:t>
-            </a:r>
-            <a:r>
-              <a:rPr lang="en-US" sz="4500" dirty="0">
-                <a:solidFill>
-                  <a:schemeClr val="tx1">
-                    <a:lumMod val="65000"/>
-                    <a:lumOff val="35000"/>
-                  </a:schemeClr>
-                </a:solidFill>
-              </a:rPr>
-              <a:t>to country happiness index:</a:t>
-            </a:r>
-          </a:p>
-          <a:p>
-            <a:pPr lvl="1">
-              <a:lnSpc>
-                <a:spcPct val="120000"/>
-              </a:lnSpc>
-              <a:buFont typeface="Wingdings" panose="05000000000000000000" pitchFamily="2" charset="2"/>
-              <a:buChar char="§"/>
-            </a:pPr>
-            <a:r>
-              <a:rPr lang="en-US" sz="4500" dirty="0">
-                <a:solidFill>
-                  <a:schemeClr val="tx1">
-                    <a:lumMod val="65000"/>
-                    <a:lumOff val="35000"/>
-                  </a:schemeClr>
-                </a:solidFill>
-              </a:rPr>
-              <a:t>GDP, PPP, Alcohol Consumption, Disaster Risk rate, Average Sleep</a:t>
-            </a:r>
-          </a:p>
-          <a:p>
-            <a:pPr>
-              <a:lnSpc>
-                <a:spcPct val="120000"/>
-              </a:lnSpc>
-            </a:pPr>
-            <a:r>
-              <a:rPr lang="en-US" sz="4500" dirty="0">
-                <a:solidFill>
-                  <a:schemeClr val="tx1">
-                    <a:lumMod val="65000"/>
-                    <a:lumOff val="35000"/>
-                  </a:schemeClr>
-                </a:solidFill>
-              </a:rPr>
-              <a:t>Factors with </a:t>
-            </a:r>
-            <a:r>
-              <a:rPr lang="en-US" sz="4500" b="1" dirty="0">
-                <a:solidFill>
-                  <a:schemeClr val="tx1">
-                    <a:lumMod val="65000"/>
-                    <a:lumOff val="35000"/>
-                  </a:schemeClr>
-                </a:solidFill>
-              </a:rPr>
-              <a:t>no correlation </a:t>
-            </a:r>
-            <a:r>
-              <a:rPr lang="en-US" sz="4500" dirty="0">
-                <a:solidFill>
-                  <a:schemeClr val="tx1">
-                    <a:lumMod val="65000"/>
-                    <a:lumOff val="35000"/>
-                  </a:schemeClr>
-                </a:solidFill>
-              </a:rPr>
-              <a:t>to country happiness index:</a:t>
-            </a:r>
-          </a:p>
-          <a:p>
-            <a:pPr lvl="1">
-              <a:lnSpc>
-                <a:spcPct val="120000"/>
-              </a:lnSpc>
-              <a:buFont typeface="Wingdings" panose="05000000000000000000" pitchFamily="2" charset="2"/>
-              <a:buChar char="§"/>
-            </a:pPr>
-            <a:r>
-              <a:rPr lang="en-US" sz="4500" dirty="0">
-                <a:solidFill>
-                  <a:schemeClr val="tx1">
-                    <a:lumMod val="65000"/>
-                    <a:lumOff val="35000"/>
-                  </a:schemeClr>
-                </a:solidFill>
-              </a:rPr>
-              <a:t>Population.</a:t>
-            </a:r>
-            <a:endParaRPr lang="en-US" sz="4500" dirty="0"/>
-          </a:p>
-          <a:p>
-            <a:endParaRPr lang="en-US" dirty="0"/>
+            <a:r>
+              <a:rPr lang="en-US" dirty="0"/>
+              <a:t>Are countries affected by the happiness of neighboring countries?</a:t>
+            </a:r>
+          </a:p>
+          <a:p>
+            <a:r>
+              <a:rPr lang="en-US" dirty="0"/>
+              <a:t>Include more factors into the analysis: sunshine, weather condition, amount of vacation…</a:t>
+            </a:r>
+          </a:p>
+          <a:p>
+            <a:r>
+              <a:rPr lang="en-US" dirty="0"/>
+              <a:t>Measures of happiness in other methodologies.</a:t>
+            </a:r>
+          </a:p>
+          <a:p>
+            <a:r>
+              <a:rPr lang="en-US" dirty="0"/>
+              <a:t>Happiness measure for cities, states.</a:t>
+            </a:r>
+          </a:p>
+          <a:p>
+            <a:r>
+              <a:rPr lang="en-US" dirty="0"/>
+              <a:t>The changes of happiness over time. </a:t>
+            </a:r>
           </a:p>
         </p:txBody>
       </p:sp>
@@ -13407,7 +13336,7 @@
           <p:cNvPr id="5" name="Slide Number Placeholder 4">
             <a:extLst>
               <a:ext uri="{FF2B5EF4-FFF2-40B4-BE49-F238E27FC236}">
-                <a16:creationId xmlns:a16="http://schemas.microsoft.com/office/drawing/2014/main" id="{B7E3EA7A-8014-47E4-AA8D-588A7515DE35}"/>
+                <a16:creationId xmlns:a16="http://schemas.microsoft.com/office/drawing/2014/main" id="{B3044782-0388-419C-BBAD-0FADCE3791DC}"/>
               </a:ext>
             </a:extLst>
           </p:cNvPr>
@@ -13435,7 +13364,7 @@
     </p:spTree>
     <p:extLst>
       <p:ext uri="{BB962C8B-B14F-4D97-AF65-F5344CB8AC3E}">
-        <p14:creationId xmlns:p14="http://schemas.microsoft.com/office/powerpoint/2010/main" val="4106366902"/>
+        <p14:creationId xmlns:p14="http://schemas.microsoft.com/office/powerpoint/2010/main" val="1032603621"/>
       </p:ext>
     </p:extLst>
   </p:cSld>
@@ -13467,171 +13396,6 @@
           <p:cNvPr id="2" name="Title 1">
             <a:extLst>
               <a:ext uri="{FF2B5EF4-FFF2-40B4-BE49-F238E27FC236}">
-                <a16:creationId xmlns:a16="http://schemas.microsoft.com/office/drawing/2014/main" id="{4CD2B565-B36B-48B8-A2E1-F60402A1EFF0}"/>
-              </a:ext>
-            </a:extLst>
-          </p:cNvPr>
-          <p:cNvSpPr>
-            <a:spLocks noGrp="1"/>
-          </p:cNvSpPr>
-          <p:nvPr>
-            <p:ph type="title"/>
-          </p:nvPr>
-        </p:nvSpPr>
-        <p:spPr/>
-        <p:txBody>
-          <a:bodyPr/>
-          <a:lstStyle/>
-          <a:p>
-            <a:r>
-              <a:rPr lang="en-US" dirty="0"/>
-              <a:t>Follow-Ups</a:t>
-            </a:r>
-          </a:p>
-        </p:txBody>
-      </p:sp>
-      <p:sp>
-        <p:nvSpPr>
-          <p:cNvPr id="3" name="Content Placeholder 2">
-            <a:extLst>
-              <a:ext uri="{FF2B5EF4-FFF2-40B4-BE49-F238E27FC236}">
-                <a16:creationId xmlns:a16="http://schemas.microsoft.com/office/drawing/2014/main" id="{890CD028-DB36-4934-ACCB-1B77EB261BC1}"/>
-              </a:ext>
-            </a:extLst>
-          </p:cNvPr>
-          <p:cNvSpPr>
-            <a:spLocks noGrp="1"/>
-          </p:cNvSpPr>
-          <p:nvPr>
-            <p:ph idx="1"/>
-          </p:nvPr>
-        </p:nvSpPr>
-        <p:spPr>
-          <a:xfrm>
-            <a:off x="677334" y="1643743"/>
-            <a:ext cx="8596668" cy="4397619"/>
-          </a:xfrm>
-        </p:spPr>
-        <p:txBody>
-          <a:bodyPr/>
-          <a:lstStyle/>
-          <a:p>
-            <a:r>
-              <a:rPr lang="en-US" dirty="0"/>
-              <a:t>Further analysis</a:t>
-            </a:r>
-          </a:p>
-          <a:p>
-            <a:pPr lvl="1">
-              <a:buFont typeface="Wingdings" panose="05000000000000000000" pitchFamily="2" charset="2"/>
-              <a:buChar char="§"/>
-            </a:pPr>
-            <a:r>
-              <a:rPr lang="en-US" dirty="0"/>
-              <a:t>Influence of nearby countries to happiness.</a:t>
-            </a:r>
-          </a:p>
-          <a:p>
-            <a:pPr lvl="1">
-              <a:buFont typeface="Wingdings" panose="05000000000000000000" pitchFamily="2" charset="2"/>
-              <a:buChar char="§"/>
-            </a:pPr>
-            <a:r>
-              <a:rPr lang="en-US" dirty="0"/>
-              <a:t>K Nearest Neighbor.</a:t>
-            </a:r>
-          </a:p>
-          <a:p>
-            <a:r>
-              <a:rPr lang="en-US" dirty="0"/>
-              <a:t>Include more factors into the analysis: sunshine, weather condition, amount of vacation…</a:t>
-            </a:r>
-          </a:p>
-          <a:p>
-            <a:r>
-              <a:rPr lang="en-US" dirty="0"/>
-              <a:t>Measures of happiness in other methodologies.</a:t>
-            </a:r>
-          </a:p>
-          <a:p>
-            <a:r>
-              <a:rPr lang="en-US" dirty="0"/>
-              <a:t>Happiness measure for cities, states.</a:t>
-            </a:r>
-          </a:p>
-          <a:p>
-            <a:r>
-              <a:rPr lang="en-US" dirty="0"/>
-              <a:t>The changes of happiness over time. </a:t>
-            </a:r>
-          </a:p>
-        </p:txBody>
-      </p:sp>
-      <p:sp>
-        <p:nvSpPr>
-          <p:cNvPr id="5" name="Slide Number Placeholder 4">
-            <a:extLst>
-              <a:ext uri="{FF2B5EF4-FFF2-40B4-BE49-F238E27FC236}">
-                <a16:creationId xmlns:a16="http://schemas.microsoft.com/office/drawing/2014/main" id="{B3044782-0388-419C-BBAD-0FADCE3791DC}"/>
-              </a:ext>
-            </a:extLst>
-          </p:cNvPr>
-          <p:cNvSpPr>
-            <a:spLocks noGrp="1"/>
-          </p:cNvSpPr>
-          <p:nvPr>
-            <p:ph type="sldNum" sz="quarter" idx="12"/>
-          </p:nvPr>
-        </p:nvSpPr>
-        <p:spPr/>
-        <p:txBody>
-          <a:bodyPr/>
-          <a:lstStyle/>
-          <a:p>
-            <a:fld id="{D57F1E4F-1CFF-5643-939E-217C01CDF565}" type="slidenum">
-              <a:rPr lang="en-US" smtClean="0"/>
-              <a:pPr/>
-              <a:t>25</a:t>
-            </a:fld>
-            <a:endParaRPr lang="en-US" dirty="0"/>
-          </a:p>
-        </p:txBody>
-      </p:sp>
-    </p:spTree>
-    <p:extLst>
-      <p:ext uri="{BB962C8B-B14F-4D97-AF65-F5344CB8AC3E}">
-        <p14:creationId xmlns:p14="http://schemas.microsoft.com/office/powerpoint/2010/main" val="1032603621"/>
-      </p:ext>
-    </p:extLst>
-  </p:cSld>
-  <p:clrMapOvr>
-    <a:masterClrMapping/>
-  </p:clrMapOvr>
-</p:sld>
-</file>
-
-<file path=ppt/slides/slide26.xml><?xml version="1.0" encoding="utf-8"?>
-<p:sld xmlns:a="http://schemas.openxmlformats.org/drawingml/2006/main" xmlns:r="http://schemas.openxmlformats.org/officeDocument/2006/relationships" xmlns:p="http://schemas.openxmlformats.org/presentationml/2006/main">
-  <p:cSld>
-    <p:spTree>
-      <p:nvGrpSpPr>
-        <p:cNvPr id="1" name=""/>
-        <p:cNvGrpSpPr/>
-        <p:nvPr/>
-      </p:nvGrpSpPr>
-      <p:grpSpPr>
-        <a:xfrm>
-          <a:off x="0" y="0"/>
-          <a:ext cx="0" cy="0"/>
-          <a:chOff x="0" y="0"/>
-          <a:chExt cx="0" cy="0"/>
-        </a:xfrm>
-      </p:grpSpPr>
-      <p:sp>
-        <p:nvSpPr>
-          <p:cNvPr id="2" name="Title 1">
-            <a:extLst>
-              <a:ext uri="{FF2B5EF4-FFF2-40B4-BE49-F238E27FC236}">
                 <a16:creationId xmlns:a16="http://schemas.microsoft.com/office/drawing/2014/main" id="{3B2BF537-6F95-44CD-AE4C-EA6303EB086A}"/>
               </a:ext>
             </a:extLst>
@@ -13687,7 +13451,7 @@
             <a:fld id="{D57F1E4F-1CFF-5643-939E-217C01CDF565}" type="slidenum">
               <a:rPr lang="en-US" smtClean="0"/>
               <a:pPr/>
-              <a:t>26</a:t>
+              <a:t>25</a:t>
             </a:fld>
             <a:endParaRPr lang="en-US" dirty="0"/>
           </a:p>
@@ -13706,7 +13470,7 @@
 </p:sld>
 </file>
 
-<file path=ppt/slides/slide27.xml><?xml version="1.0" encoding="utf-8"?>
+<file path=ppt/slides/slide26.xml><?xml version="1.0" encoding="utf-8"?>
 <p:sld xmlns:a="http://schemas.openxmlformats.org/drawingml/2006/main" xmlns:r="http://schemas.openxmlformats.org/officeDocument/2006/relationships" xmlns:p="http://schemas.openxmlformats.org/presentationml/2006/main">
   <p:cSld>
     <p:bg>
@@ -14576,7 +14340,7 @@
                   <a:spcPts val="600"/>
                 </a:spcAft>
               </a:pPr>
-              <a:t>27</a:t>
+              <a:t>26</a:t>
             </a:fld>
             <a:endParaRPr lang="en-US"/>
           </a:p>
@@ -14720,14 +14484,9 @@
             </a:r>
           </a:p>
           <a:p>
-            <a:pPr lvl="1"/>
-            <a:r>
-              <a:rPr lang="en-US" dirty="0"/>
-              <a:t>Are nearby countries similar in happiness levels?</a:t>
-            </a:r>
-          </a:p>
-          <a:p>
-            <a:pPr lvl="1"/>
+            <a:pPr marL="457200" lvl="1" indent="0">
+              <a:buNone/>
+            </a:pPr>
             <a:endParaRPr lang="en-US" dirty="0"/>
           </a:p>
         </p:txBody>
